--- a/springboot-mybatis-master/bootstrap-table.pptx
+++ b/springboot-mybatis-master/bootstrap-table.pptx
@@ -9,7 +9,7 @@
     <p:notesMasterId r:id="rId5"/>
   </p:notesMasterIdLst>
   <p:handoutMasterIdLst>
-    <p:handoutMasterId r:id="rId22"/>
+    <p:handoutMasterId r:id="rId23"/>
   </p:handoutMasterIdLst>
   <p:sldIdLst>
     <p:sldId id="339" r:id="rId4"/>
@@ -22,13 +22,14 @@
     <p:sldId id="368" r:id="rId12"/>
     <p:sldId id="370" r:id="rId13"/>
     <p:sldId id="328" r:id="rId14"/>
-    <p:sldId id="358" r:id="rId15"/>
-    <p:sldId id="333" r:id="rId16"/>
-    <p:sldId id="359" r:id="rId17"/>
-    <p:sldId id="360" r:id="rId18"/>
-    <p:sldId id="340" r:id="rId19"/>
-    <p:sldId id="341" r:id="rId20"/>
-    <p:sldId id="346" r:id="rId21"/>
+    <p:sldId id="379" r:id="rId15"/>
+    <p:sldId id="380" r:id="rId16"/>
+    <p:sldId id="381" r:id="rId17"/>
+    <p:sldId id="382" r:id="rId18"/>
+    <p:sldId id="360" r:id="rId19"/>
+    <p:sldId id="340" r:id="rId20"/>
+    <p:sldId id="341" r:id="rId21"/>
+    <p:sldId id="346" r:id="rId22"/>
   </p:sldIdLst>
   <p:sldSz cx="9144000" cy="5143500" type="screen16x9"/>
   <p:notesSz cx="6858000" cy="9144000"/>
@@ -8956,7 +8957,7 @@
           <a:lstStyle/>
           <a:p>
             <a:r>
-              <a:rPr lang="zh-CN" altLang="zh-CN" dirty="0">
+              <a:rPr lang="zh-CN" altLang="en-US" dirty="0">
                 <a:solidFill>
                   <a:srgbClr val="0070C0"/>
                 </a:solidFill>
@@ -8965,31 +8966,7 @@
                 <a:cs typeface="+mn-ea"/>
                 <a:sym typeface="+mn-lt"/>
               </a:rPr>
-              <a:t>用</a:t>
-            </a:r>
-            <a:r>
-              <a:rPr lang="en-US" altLang="zh-CN" dirty="0">
-                <a:solidFill>
-                  <a:srgbClr val="0070C0"/>
-                </a:solidFill>
-                <a:latin typeface="+mn-lt"/>
-                <a:ea typeface="+mn-ea"/>
-                <a:cs typeface="+mn-ea"/>
-                <a:sym typeface="+mn-lt"/>
-              </a:rPr>
-              <a:t>Charles</a:t>
-            </a:r>
-            <a:r>
-              <a:rPr lang="zh-CN" altLang="en-US" dirty="0">
-                <a:solidFill>
-                  <a:srgbClr val="0070C0"/>
-                </a:solidFill>
-                <a:latin typeface="+mn-lt"/>
-                <a:ea typeface="+mn-ea"/>
-                <a:cs typeface="+mn-ea"/>
-                <a:sym typeface="+mn-lt"/>
-              </a:rPr>
-              <a:t>抓包</a:t>
+              <a:t>事件介绍</a:t>
             </a:r>
             <a:endParaRPr lang="zh-CN" altLang="en-US" dirty="0">
               <a:solidFill>
@@ -9073,30 +9050,63 @@
           </a:extLst>
         </p:spPr>
       </p:pic>
-      <p:pic>
-        <p:nvPicPr>
-          <p:cNvPr id="4" name="图片 3" descr="YZ1I9~JJ5_FHY8_ZI$IA]DG"/>
-          <p:cNvPicPr>
-            <a:picLocks noChangeAspect="1"/>
-          </p:cNvPicPr>
+      <p:sp>
+        <p:nvSpPr>
+          <p:cNvPr id="5" name="文本框 4"/>
+          <p:cNvSpPr txBox="1"/>
           <p:nvPr/>
-        </p:nvPicPr>
-        <p:blipFill>
-          <a:blip r:embed="rId2"/>
-          <a:stretch>
-            <a:fillRect/>
-          </a:stretch>
-        </p:blipFill>
+        </p:nvSpPr>
         <p:spPr>
           <a:xfrm>
-            <a:off x="574040" y="999490"/>
-            <a:ext cx="7754620" cy="4074795"/>
+            <a:off x="635635" y="1131570"/>
+            <a:ext cx="7324725" cy="1476375"/>
           </a:xfrm>
           <a:prstGeom prst="rect">
             <a:avLst/>
           </a:prstGeom>
+          <a:noFill/>
         </p:spPr>
-      </p:pic>
+        <p:txBody>
+          <a:bodyPr wrap="square" rtlCol="0">
+            <a:spAutoFit/>
+          </a:bodyPr>
+          <a:p>
+            <a:r>
+              <a:rPr lang="zh-CN" altLang="en-US"/>
+              <a:t>$('#table').bootstrapTable({</a:t>
+            </a:r>
+            <a:endParaRPr lang="zh-CN" altLang="en-US"/>
+          </a:p>
+          <a:p>
+            <a:r>
+              <a:rPr lang="zh-CN" altLang="en-US"/>
+              <a:t>    onEventName: function (arg1, arg2, ...) {</a:t>
+            </a:r>
+            <a:endParaRPr lang="zh-CN" altLang="en-US"/>
+          </a:p>
+          <a:p>
+            <a:r>
+              <a:rPr lang="zh-CN" altLang="en-US"/>
+              <a:t>        // ...</a:t>
+            </a:r>
+            <a:endParaRPr lang="zh-CN" altLang="en-US"/>
+          </a:p>
+          <a:p>
+            <a:r>
+              <a:rPr lang="zh-CN" altLang="en-US"/>
+              <a:t>    }</a:t>
+            </a:r>
+            <a:endParaRPr lang="zh-CN" altLang="en-US"/>
+          </a:p>
+          <a:p>
+            <a:r>
+              <a:rPr lang="zh-CN" altLang="en-US"/>
+              <a:t>});</a:t>
+            </a:r>
+            <a:endParaRPr lang="zh-CN" altLang="en-US"/>
+          </a:p>
+        </p:txBody>
+      </p:sp>
     </p:spTree>
   </p:cSld>
   <p:clrMapOvr>
@@ -9139,7 +9149,7 @@
       </p:grpSpPr>
       <p:sp>
         <p:nvSpPr>
-          <p:cNvPr id="2" name="Title 1"/>
+          <p:cNvPr id="3" name="Title 2"/>
           <p:cNvSpPr>
             <a:spLocks noGrp="1"/>
           </p:cNvSpPr>
@@ -9150,7 +9160,7 @@
         <p:spPr>
           <a:xfrm>
             <a:off x="457200" y="438150"/>
-            <a:ext cx="7620000" cy="422672"/>
+            <a:ext cx="8229600" cy="422672"/>
           </a:xfrm>
         </p:spPr>
         <p:txBody>
@@ -9158,7 +9168,7 @@
           <a:lstStyle/>
           <a:p>
             <a:r>
-              <a:rPr dirty="0">
+              <a:rPr lang="zh-CN" altLang="en-US" sz="3600" dirty="0">
                 <a:solidFill>
                   <a:srgbClr val="0070C0"/>
                 </a:solidFill>
@@ -9167,33 +9177,9 @@
                 <a:cs typeface="+mn-ea"/>
                 <a:sym typeface="+mn-lt"/>
               </a:rPr>
-              <a:t>API测试工具 </a:t>
-            </a:r>
-            <a:r>
-              <a:rPr lang="en-US" dirty="0">
-                <a:solidFill>
-                  <a:srgbClr val="0070C0"/>
-                </a:solidFill>
-                <a:latin typeface="+mn-lt"/>
-                <a:ea typeface="+mn-ea"/>
-                <a:cs typeface="+mn-ea"/>
-                <a:sym typeface="+mn-lt"/>
-              </a:rPr>
-              <a:t>Postman</a:t>
-            </a:r>
-            <a:r>
-              <a:rPr lang="zh-CN" dirty="0">
-                <a:solidFill>
-                  <a:srgbClr val="0070C0"/>
-                </a:solidFill>
-                <a:latin typeface="+mn-lt"/>
-                <a:ea typeface="+mn-ea"/>
-                <a:cs typeface="+mn-ea"/>
-                <a:sym typeface="+mn-lt"/>
-              </a:rPr>
-              <a:t>进行调试</a:t>
-            </a:r>
-            <a:endParaRPr lang="zh-CN" dirty="0">
+              <a:t>事件简介</a:t>
+            </a:r>
+            <a:endParaRPr lang="zh-CN" altLang="en-US" sz="3600" dirty="0">
               <a:solidFill>
                 <a:srgbClr val="0070C0"/>
               </a:solidFill>
@@ -9205,176 +9191,564 @@
           </a:p>
         </p:txBody>
       </p:sp>
-      <p:sp>
-        <p:nvSpPr>
-          <p:cNvPr id="3" name="Footer Placeholder 2"/>
-          <p:cNvSpPr>
-            <a:spLocks noGrp="1"/>
-          </p:cNvSpPr>
-          <p:nvPr>
-            <p:ph type="ftr" sz="quarter" idx="11"/>
-          </p:nvPr>
-        </p:nvSpPr>
-        <p:spPr/>
-        <p:txBody>
-          <a:bodyPr/>
-          <a:lstStyle/>
-          <a:p>
-            <a:r>
-              <a:rPr lang="en-US" dirty="0" smtClean="0">
-                <a:cs typeface="+mn-ea"/>
-                <a:sym typeface="+mn-lt"/>
-              </a:rPr>
-              <a:t> </a:t>
-            </a:r>
-            <a:endParaRPr lang="en-US" dirty="0">
-              <a:cs typeface="+mn-ea"/>
-              <a:sym typeface="+mn-lt"/>
-            </a:endParaRPr>
-          </a:p>
-        </p:txBody>
-      </p:sp>
-      <p:pic>
-        <p:nvPicPr>
-          <p:cNvPr id="46" name="Picture 45" descr="C:\Users\ADRIEN~1.REY\AppData\Local\Temp\Rar$DR58.888\icons grid\comments.png"/>
-          <p:cNvPicPr>
-            <a:picLocks noChangeAspect="1" noChangeArrowheads="1"/>
-          </p:cNvPicPr>
+      <p:graphicFrame>
+        <p:nvGraphicFramePr>
+          <p:cNvPr id="5" name="表格 4"/>
+          <p:cNvGraphicFramePr/>
           <p:nvPr/>
-        </p:nvPicPr>
-        <p:blipFill>
-          <a:blip r:embed="rId1">
-            <a:extLst>
-              <a:ext uri="{28A0092B-C50C-407E-A947-70E740481C1C}">
-                <a14:useLocalDpi xmlns:a14="http://schemas.microsoft.com/office/drawing/2010/main" val="0"/>
-              </a:ext>
-            </a:extLst>
-          </a:blip>
-          <a:srcRect/>
-          <a:stretch>
-            <a:fillRect/>
-          </a:stretch>
-        </p:blipFill>
-        <p:spPr bwMode="auto">
-          <a:xfrm>
-            <a:off x="7418270" y="3216728"/>
-            <a:ext cx="471153" cy="471153"/>
-          </a:xfrm>
-          <a:prstGeom prst="rect">
-            <a:avLst/>
-          </a:prstGeom>
-          <a:noFill/>
-          <a:extLst>
-            <a:ext uri="{909E8E84-426E-40DD-AFC4-6F175D3DCCD1}">
-              <a14:hiddenFill xmlns:a14="http://schemas.microsoft.com/office/drawing/2010/main">
-                <a:solidFill>
-                  <a:srgbClr val="FFFFFF"/>
-                </a:solidFill>
-              </a14:hiddenFill>
-            </a:ext>
-          </a:extLst>
-        </p:spPr>
-      </p:pic>
-      <p:pic>
-        <p:nvPicPr>
-          <p:cNvPr id="4" name="图片 3"/>
-          <p:cNvPicPr>
-            <a:picLocks noChangeAspect="1"/>
-          </p:cNvPicPr>
-          <p:nvPr/>
-        </p:nvPicPr>
-        <p:blipFill>
-          <a:blip r:embed="rId2"/>
-          <a:stretch>
-            <a:fillRect/>
-          </a:stretch>
-        </p:blipFill>
-        <p:spPr>
-          <a:xfrm>
-            <a:off x="541020" y="861060"/>
-            <a:ext cx="7238365" cy="4172585"/>
-          </a:xfrm>
-          <a:prstGeom prst="rect">
-            <a:avLst/>
-          </a:prstGeom>
-        </p:spPr>
-      </p:pic>
-      <p:sp>
-        <p:nvSpPr>
-          <p:cNvPr id="5" name="文本框 4"/>
-          <p:cNvSpPr txBox="1"/>
-          <p:nvPr/>
-        </p:nvSpPr>
-        <p:spPr>
-          <a:xfrm>
-            <a:off x="7889240" y="1007110"/>
-            <a:ext cx="859790" cy="2861310"/>
-          </a:xfrm>
-          <a:prstGeom prst="rect">
-            <a:avLst/>
-          </a:prstGeom>
-          <a:noFill/>
-        </p:spPr>
-        <p:txBody>
-          <a:bodyPr wrap="square" rtlCol="0">
-            <a:spAutoFit/>
-          </a:bodyPr>
-          <a:p>
-            <a:r>
-              <a:rPr lang="zh-CN" altLang="zh-CN"/>
-              <a:t>用户登录相关的接口需要在</a:t>
-            </a:r>
-            <a:r>
-              <a:rPr lang="en-US" altLang="zh-CN"/>
-              <a:t>header</a:t>
-            </a:r>
-            <a:r>
-              <a:rPr lang="zh-CN" altLang="en-US"/>
-              <a:t>中设置</a:t>
-            </a:r>
-            <a:r>
-              <a:rPr lang="en-US" altLang="zh-CN"/>
-              <a:t>cookie</a:t>
-            </a:r>
-            <a:endParaRPr lang="en-US" altLang="zh-CN"/>
-          </a:p>
-        </p:txBody>
-      </p:sp>
-      <p:cxnSp>
-        <p:nvCxnSpPr>
-          <p:cNvPr id="7" name="直接连接符 6"/>
-          <p:cNvCxnSpPr/>
-          <p:nvPr/>
-        </p:nvCxnSpPr>
-        <p:spPr>
-          <a:xfrm>
-            <a:off x="2220595" y="2395220"/>
-            <a:ext cx="3570605" cy="24130"/>
-          </a:xfrm>
-          <a:prstGeom prst="line">
-            <a:avLst/>
-          </a:prstGeom>
-          <a:ln>
-            <a:solidFill>
-              <a:srgbClr val="FF0000"/>
-            </a:solidFill>
-          </a:ln>
-        </p:spPr>
-        <p:style>
-          <a:lnRef idx="1">
-            <a:schemeClr val="accent1"/>
-          </a:lnRef>
-          <a:fillRef idx="0">
-            <a:schemeClr val="accent1"/>
-          </a:fillRef>
-          <a:effectRef idx="0">
-            <a:schemeClr val="accent1"/>
-          </a:effectRef>
-          <a:fontRef idx="minor">
-            <a:schemeClr val="tx1"/>
-          </a:fontRef>
-        </p:style>
-      </p:cxnSp>
+        </p:nvGraphicFramePr>
+        <p:xfrm>
+          <a:off x="456565" y="1102995"/>
+          <a:ext cx="8331200" cy="4225925"/>
+        </p:xfrm>
+        <a:graphic>
+          <a:graphicData uri="http://schemas.openxmlformats.org/drawingml/2006/table">
+            <a:tbl>
+              <a:tblPr firstRow="1" bandRow="1">
+                <a:tableStyleId>{5C22544A-7EE6-4342-B048-85BDC9FD1C3A}</a:tableStyleId>
+              </a:tblPr>
+              <a:tblGrid>
+                <a:gridCol w="1597025"/>
+                <a:gridCol w="1536700"/>
+                <a:gridCol w="1460500"/>
+                <a:gridCol w="3736975"/>
+              </a:tblGrid>
+              <a:tr h="640080">
+                <a:tc>
+                  <a:txBody>
+                    <a:bodyPr/>
+                    <a:p>
+                      <a:pPr>
+                        <a:buNone/>
+                      </a:pPr>
+                      <a:r>
+                        <a:rPr lang="zh-CN" altLang="en-US"/>
+                        <a:t>Option 事件</a:t>
+                      </a:r>
+                      <a:endParaRPr lang="zh-CN" altLang="en-US"/>
+                    </a:p>
+                  </a:txBody>
+                  <a:tcPr/>
+                </a:tc>
+                <a:tc>
+                  <a:txBody>
+                    <a:bodyPr/>
+                    <a:p>
+                      <a:pPr>
+                        <a:buNone/>
+                      </a:pPr>
+                      <a:r>
+                        <a:rPr lang="zh-CN" altLang="en-US" sz="1800">
+                          <a:sym typeface="+mn-ea"/>
+                        </a:rPr>
+                        <a:t>jQuery 事件</a:t>
+                      </a:r>
+                      <a:endParaRPr lang="zh-CN" altLang="en-US" sz="1800">
+                        <a:sym typeface="+mn-ea"/>
+                      </a:endParaRPr>
+                    </a:p>
+                  </a:txBody>
+                  <a:tcPr/>
+                </a:tc>
+                <a:tc>
+                  <a:txBody>
+                    <a:bodyPr/>
+                    <a:p>
+                      <a:pPr>
+                        <a:buNone/>
+                      </a:pPr>
+                      <a:r>
+                        <a:rPr lang="zh-CN" altLang="en-US" sz="1800">
+                          <a:sym typeface="+mn-ea"/>
+                        </a:rPr>
+                        <a:t>参数</a:t>
+                      </a:r>
+                      <a:endParaRPr lang="zh-CN" altLang="en-US" sz="1800">
+                        <a:sym typeface="+mn-ea"/>
+                      </a:endParaRPr>
+                    </a:p>
+                  </a:txBody>
+                  <a:tcPr/>
+                </a:tc>
+                <a:tc>
+                  <a:txBody>
+                    <a:bodyPr/>
+                    <a:p>
+                      <a:pPr>
+                        <a:buNone/>
+                      </a:pPr>
+                      <a:r>
+                        <a:rPr lang="zh-CN" altLang="en-US" sz="1800">
+                          <a:sym typeface="+mn-ea"/>
+                        </a:rPr>
+                        <a:t>描述</a:t>
+                      </a:r>
+                      <a:endParaRPr lang="zh-CN" altLang="en-US"/>
+                    </a:p>
+                  </a:txBody>
+                  <a:tcPr/>
+                </a:tc>
+              </a:tr>
+              <a:tr h="700405">
+                <a:tc>
+                  <a:txBody>
+                    <a:bodyPr/>
+                    <a:p>
+                      <a:pPr>
+                        <a:buNone/>
+                      </a:pPr>
+                      <a:r>
+                        <a:rPr lang="zh-CN" altLang="en-US" sz="1200" b="1">
+                          <a:sym typeface="+mn-ea"/>
+                        </a:rPr>
+                        <a:t>onAll</a:t>
+                      </a:r>
+                      <a:endParaRPr lang="zh-CN" altLang="en-US" sz="1200" b="1">
+                        <a:sym typeface="+mn-ea"/>
+                      </a:endParaRPr>
+                    </a:p>
+                  </a:txBody>
+                  <a:tcPr/>
+                </a:tc>
+                <a:tc>
+                  <a:txBody>
+                    <a:bodyPr/>
+                    <a:p>
+                      <a:pPr>
+                        <a:buNone/>
+                      </a:pPr>
+                      <a:r>
+                        <a:rPr lang="zh-CN" altLang="en-US" sz="1200">
+                          <a:sym typeface="+mn-ea"/>
+                        </a:rPr>
+                        <a:t>all.bs.table</a:t>
+                      </a:r>
+                      <a:endParaRPr lang="zh-CN" altLang="en-US" sz="1200">
+                        <a:sym typeface="+mn-ea"/>
+                      </a:endParaRPr>
+                    </a:p>
+                  </a:txBody>
+                  <a:tcPr/>
+                </a:tc>
+                <a:tc>
+                  <a:txBody>
+                    <a:bodyPr/>
+                    <a:p>
+                      <a:pPr>
+                        <a:buNone/>
+                      </a:pPr>
+                      <a:r>
+                        <a:rPr lang="zh-CN" altLang="en-US" sz="1200">
+                          <a:sym typeface="+mn-ea"/>
+                        </a:rPr>
+                        <a:t>name, args</a:t>
+                      </a:r>
+                      <a:endParaRPr lang="zh-CN" altLang="en-US" sz="1200">
+                        <a:sym typeface="+mn-ea"/>
+                      </a:endParaRPr>
+                    </a:p>
+                  </a:txBody>
+                  <a:tcPr/>
+                </a:tc>
+                <a:tc>
+                  <a:txBody>
+                    <a:bodyPr/>
+                    <a:p>
+                      <a:pPr>
+                        <a:buNone/>
+                      </a:pPr>
+                      <a:r>
+                        <a:rPr lang="zh-CN" altLang="en-US" sz="1200">
+                          <a:sym typeface="+mn-ea"/>
+                        </a:rPr>
+                        <a:t>所有的事件都会触发该事件，参数包括：</a:t>
+                      </a:r>
+                      <a:endParaRPr lang="zh-CN" altLang="en-US" sz="1200">
+                        <a:sym typeface="+mn-ea"/>
+                      </a:endParaRPr>
+                    </a:p>
+                    <a:p>
+                      <a:pPr>
+                        <a:buNone/>
+                      </a:pPr>
+                      <a:r>
+                        <a:rPr lang="zh-CN" altLang="en-US" sz="1200">
+                          <a:sym typeface="+mn-ea"/>
+                        </a:rPr>
+                        <a:t>name：事件名，</a:t>
+                      </a:r>
+                      <a:endParaRPr lang="zh-CN" altLang="en-US" sz="1200">
+                        <a:sym typeface="+mn-ea"/>
+                      </a:endParaRPr>
+                    </a:p>
+                    <a:p>
+                      <a:pPr>
+                        <a:buNone/>
+                      </a:pPr>
+                      <a:r>
+                        <a:rPr lang="zh-CN" altLang="en-US" sz="1200">
+                          <a:sym typeface="+mn-ea"/>
+                        </a:rPr>
+                        <a:t>args：事件的参数。</a:t>
+                      </a:r>
+                      <a:endParaRPr lang="zh-CN" altLang="en-US" sz="1200">
+                        <a:sym typeface="+mn-ea"/>
+                      </a:endParaRPr>
+                    </a:p>
+                    <a:p>
+                      <a:pPr>
+                        <a:buNone/>
+                      </a:pPr>
+                      <a:endParaRPr lang="zh-CN" altLang="en-US" sz="1200">
+                        <a:sym typeface="+mn-ea"/>
+                      </a:endParaRPr>
+                    </a:p>
+                  </a:txBody>
+                  <a:tcPr/>
+                </a:tc>
+              </a:tr>
+              <a:tr h="417195">
+                <a:tc>
+                  <a:txBody>
+                    <a:bodyPr/>
+                    <a:p>
+                      <a:pPr>
+                        <a:buNone/>
+                      </a:pPr>
+                      <a:r>
+                        <a:rPr lang="zh-CN" altLang="en-US" sz="1200" b="1">
+                          <a:sym typeface="+mn-ea"/>
+                        </a:rPr>
+                        <a:t>onClickRow</a:t>
+                      </a:r>
+                      <a:endParaRPr lang="zh-CN" altLang="en-US" sz="1200" b="1">
+                        <a:sym typeface="+mn-ea"/>
+                      </a:endParaRPr>
+                    </a:p>
+                  </a:txBody>
+                  <a:tcPr/>
+                </a:tc>
+                <a:tc>
+                  <a:txBody>
+                    <a:bodyPr/>
+                    <a:p>
+                      <a:pPr>
+                        <a:buNone/>
+                      </a:pPr>
+                      <a:r>
+                        <a:rPr lang="zh-CN" altLang="en-US" sz="1200">
+                          <a:sym typeface="+mn-ea"/>
+                        </a:rPr>
+                        <a:t>click-row.bs.table</a:t>
+                      </a:r>
+                      <a:endParaRPr lang="zh-CN" altLang="en-US" sz="1200">
+                        <a:sym typeface="+mn-ea"/>
+                      </a:endParaRPr>
+                    </a:p>
+                  </a:txBody>
+                  <a:tcPr/>
+                </a:tc>
+                <a:tc>
+                  <a:txBody>
+                    <a:bodyPr/>
+                    <a:p>
+                      <a:pPr>
+                        <a:buNone/>
+                      </a:pPr>
+                      <a:r>
+                        <a:rPr lang="zh-CN" altLang="en-US" sz="1200">
+                          <a:sym typeface="+mn-ea"/>
+                        </a:rPr>
+                        <a:t>row, $element</a:t>
+                      </a:r>
+                      <a:endParaRPr lang="zh-CN" altLang="en-US" sz="1200">
+                        <a:sym typeface="+mn-ea"/>
+                      </a:endParaRPr>
+                    </a:p>
+                  </a:txBody>
+                  <a:tcPr/>
+                </a:tc>
+                <a:tc>
+                  <a:txBody>
+                    <a:bodyPr/>
+                    <a:p>
+                      <a:pPr>
+                        <a:buNone/>
+                      </a:pPr>
+                      <a:r>
+                        <a:rPr lang="zh-CN" altLang="en-US" sz="1200">
+                          <a:sym typeface="+mn-ea"/>
+                        </a:rPr>
+                        <a:t>当用户点击某一行的时候触发，参数包括：</a:t>
+                      </a:r>
+                      <a:endParaRPr lang="zh-CN" altLang="en-US" sz="1200">
+                        <a:sym typeface="+mn-ea"/>
+                      </a:endParaRPr>
+                    </a:p>
+                    <a:p>
+                      <a:pPr>
+                        <a:buNone/>
+                      </a:pPr>
+                      <a:r>
+                        <a:rPr lang="zh-CN" altLang="en-US" sz="1200">
+                          <a:sym typeface="+mn-ea"/>
+                        </a:rPr>
+                        <a:t>row：点击行的数据，</a:t>
+                      </a:r>
+                      <a:endParaRPr lang="zh-CN" altLang="en-US" sz="1200">
+                        <a:sym typeface="+mn-ea"/>
+                      </a:endParaRPr>
+                    </a:p>
+                    <a:p>
+                      <a:pPr>
+                        <a:buNone/>
+                      </a:pPr>
+                      <a:r>
+                        <a:rPr lang="zh-CN" altLang="en-US" sz="1200">
+                          <a:sym typeface="+mn-ea"/>
+                        </a:rPr>
+                        <a:t>$element：tr 元素，</a:t>
+                      </a:r>
+                      <a:endParaRPr lang="zh-CN" altLang="en-US" sz="1200">
+                        <a:sym typeface="+mn-ea"/>
+                      </a:endParaRPr>
+                    </a:p>
+                    <a:p>
+                      <a:pPr>
+                        <a:buNone/>
+                      </a:pPr>
+                      <a:r>
+                        <a:rPr lang="zh-CN" altLang="en-US" sz="1200">
+                          <a:sym typeface="+mn-ea"/>
+                        </a:rPr>
+                        <a:t>field：点击列的 field 名称。</a:t>
+                      </a:r>
+                      <a:endParaRPr lang="zh-CN" altLang="en-US" sz="1200">
+                        <a:sym typeface="+mn-ea"/>
+                      </a:endParaRPr>
+                    </a:p>
+                  </a:txBody>
+                  <a:tcPr/>
+                </a:tc>
+              </a:tr>
+              <a:tr h="469265">
+                <a:tc>
+                  <a:txBody>
+                    <a:bodyPr/>
+                    <a:p>
+                      <a:pPr>
+                        <a:buNone/>
+                      </a:pPr>
+                      <a:r>
+                        <a:rPr lang="zh-CN" altLang="en-US" sz="1200" b="1"/>
+                        <a:t>onClickCell</a:t>
+                      </a:r>
+                      <a:endParaRPr lang="zh-CN" altLang="en-US" sz="1200" b="1"/>
+                    </a:p>
+                  </a:txBody>
+                  <a:tcPr/>
+                </a:tc>
+                <a:tc>
+                  <a:txBody>
+                    <a:bodyPr/>
+                    <a:p>
+                      <a:pPr>
+                        <a:buNone/>
+                      </a:pPr>
+                      <a:r>
+                        <a:rPr lang="en-US" altLang="zh-CN" sz="1200">
+                          <a:sym typeface="+mn-ea"/>
+                        </a:rPr>
+                        <a:t>click-cell.bs.table</a:t>
+                      </a:r>
+                      <a:endParaRPr lang="en-US" altLang="zh-CN" sz="1200">
+                        <a:sym typeface="+mn-ea"/>
+                      </a:endParaRPr>
+                    </a:p>
+                  </a:txBody>
+                  <a:tcPr/>
+                </a:tc>
+                <a:tc>
+                  <a:txBody>
+                    <a:bodyPr/>
+                    <a:p>
+                      <a:pPr>
+                        <a:buNone/>
+                      </a:pPr>
+                      <a:r>
+                        <a:rPr lang="en-US" altLang="zh-CN" sz="1200">
+                          <a:sym typeface="+mn-ea"/>
+                        </a:rPr>
+                        <a:t>field, value, row, $element</a:t>
+                      </a:r>
+                      <a:endParaRPr lang="en-US" altLang="zh-CN" sz="1200">
+                        <a:sym typeface="+mn-ea"/>
+                      </a:endParaRPr>
+                    </a:p>
+                  </a:txBody>
+                  <a:tcPr/>
+                </a:tc>
+                <a:tc>
+                  <a:txBody>
+                    <a:bodyPr/>
+                    <a:p>
+                      <a:pPr>
+                        <a:buNone/>
+                      </a:pPr>
+                      <a:r>
+                        <a:rPr lang="zh-CN" altLang="en-US" sz="1200">
+                          <a:sym typeface="+mn-ea"/>
+                        </a:rPr>
+                        <a:t>当用户点击某一列的时候触发，参数包括：</a:t>
+                      </a:r>
+                      <a:endParaRPr lang="zh-CN" altLang="en-US" sz="1200">
+                        <a:sym typeface="+mn-ea"/>
+                      </a:endParaRPr>
+                    </a:p>
+                    <a:p>
+                      <a:pPr>
+                        <a:buNone/>
+                      </a:pPr>
+                      <a:r>
+                        <a:rPr lang="zh-CN" altLang="en-US" sz="1200">
+                          <a:sym typeface="+mn-ea"/>
+                        </a:rPr>
+                        <a:t>field：点击列的 field 名称，</a:t>
+                      </a:r>
+                      <a:endParaRPr lang="zh-CN" altLang="en-US" sz="1200">
+                        <a:sym typeface="+mn-ea"/>
+                      </a:endParaRPr>
+                    </a:p>
+                    <a:p>
+                      <a:pPr>
+                        <a:buNone/>
+                      </a:pPr>
+                      <a:r>
+                        <a:rPr lang="zh-CN" altLang="en-US" sz="1200">
+                          <a:sym typeface="+mn-ea"/>
+                        </a:rPr>
+                        <a:t>value：点击列的 value 值，</a:t>
+                      </a:r>
+                      <a:endParaRPr lang="zh-CN" altLang="en-US" sz="1200">
+                        <a:sym typeface="+mn-ea"/>
+                      </a:endParaRPr>
+                    </a:p>
+                    <a:p>
+                      <a:pPr>
+                        <a:buNone/>
+                      </a:pPr>
+                      <a:r>
+                        <a:rPr lang="zh-CN" altLang="en-US" sz="1200">
+                          <a:sym typeface="+mn-ea"/>
+                        </a:rPr>
+                        <a:t>row：点击列的整行数据，</a:t>
+                      </a:r>
+                      <a:endParaRPr lang="zh-CN" altLang="en-US" sz="1200">
+                        <a:sym typeface="+mn-ea"/>
+                      </a:endParaRPr>
+                    </a:p>
+                    <a:p>
+                      <a:pPr>
+                        <a:buNone/>
+                      </a:pPr>
+                      <a:r>
+                        <a:rPr lang="zh-CN" altLang="en-US" sz="1200">
+                          <a:sym typeface="+mn-ea"/>
+                        </a:rPr>
+                        <a:t>$element：td 元素。</a:t>
+                      </a:r>
+                      <a:endParaRPr lang="zh-CN" altLang="en-US" sz="1200">
+                        <a:sym typeface="+mn-ea"/>
+                      </a:endParaRPr>
+                    </a:p>
+                  </a:txBody>
+                  <a:tcPr/>
+                </a:tc>
+              </a:tr>
+              <a:tr h="398780">
+                <a:tc>
+                  <a:txBody>
+                    <a:bodyPr/>
+                    <a:p>
+                      <a:pPr>
+                        <a:buNone/>
+                      </a:pPr>
+                      <a:r>
+                        <a:rPr lang="zh-CN" altLang="en-US" sz="1200" b="1"/>
+                        <a:t>onCheck</a:t>
+                      </a:r>
+                      <a:endParaRPr lang="zh-CN" altLang="en-US" sz="1200" b="1"/>
+                    </a:p>
+                  </a:txBody>
+                  <a:tcPr/>
+                </a:tc>
+                <a:tc>
+                  <a:txBody>
+                    <a:bodyPr/>
+                    <a:p>
+                      <a:pPr>
+                        <a:buNone/>
+                      </a:pPr>
+                      <a:r>
+                        <a:rPr lang="zh-CN" altLang="en-US" sz="1200">
+                          <a:sym typeface="+mn-ea"/>
+                        </a:rPr>
+                        <a:t>check.bs.table</a:t>
+                      </a:r>
+                      <a:endParaRPr lang="zh-CN" altLang="en-US" sz="1200">
+                        <a:sym typeface="+mn-ea"/>
+                      </a:endParaRPr>
+                    </a:p>
+                  </a:txBody>
+                  <a:tcPr/>
+                </a:tc>
+                <a:tc>
+                  <a:txBody>
+                    <a:bodyPr/>
+                    <a:p>
+                      <a:pPr>
+                        <a:buNone/>
+                      </a:pPr>
+                      <a:r>
+                        <a:rPr lang="en-US" altLang="zh-CN" sz="1200">
+                          <a:sym typeface="+mn-ea"/>
+                        </a:rPr>
+                        <a:t>row	</a:t>
+                      </a:r>
+                      <a:endParaRPr lang="en-US" altLang="zh-CN" sz="1200">
+                        <a:sym typeface="+mn-ea"/>
+                      </a:endParaRPr>
+                    </a:p>
+                  </a:txBody>
+                  <a:tcPr/>
+                </a:tc>
+                <a:tc>
+                  <a:txBody>
+                    <a:bodyPr/>
+                    <a:p>
+                      <a:pPr>
+                        <a:buNone/>
+                      </a:pPr>
+                      <a:r>
+                        <a:rPr lang="zh-CN" altLang="en-US" sz="1200">
+                          <a:sym typeface="+mn-ea"/>
+                        </a:rPr>
+                        <a:t>row：点击列的整行数据</a:t>
+                      </a:r>
+                      <a:r>
+                        <a:rPr lang="zh-CN" altLang="en-US" sz="1200"/>
+                        <a:t>　</a:t>
+                      </a:r>
+                      <a:endParaRPr lang="zh-CN" altLang="en-US" sz="1200"/>
+                    </a:p>
+                  </a:txBody>
+                  <a:tcPr/>
+                </a:tc>
+              </a:tr>
+            </a:tbl>
+          </a:graphicData>
+        </a:graphic>
+      </p:graphicFrame>
     </p:spTree>
   </p:cSld>
   <p:clrMapOvr>
@@ -9417,7 +9791,7 @@
       </p:grpSpPr>
       <p:sp>
         <p:nvSpPr>
-          <p:cNvPr id="3" name="Title 2"/>
+          <p:cNvPr id="2" name="Title 1"/>
           <p:cNvSpPr>
             <a:spLocks noGrp="1"/>
           </p:cNvSpPr>
@@ -9436,7 +9810,7 @@
           <a:lstStyle/>
           <a:p>
             <a:r>
-              <a:rPr lang="en-US" altLang="zh-CN" dirty="0">
+              <a:rPr lang="zh-CN" altLang="en-US" dirty="0">
                 <a:solidFill>
                   <a:srgbClr val="0070C0"/>
                 </a:solidFill>
@@ -9445,21 +9819,9 @@
                 <a:cs typeface="+mn-ea"/>
                 <a:sym typeface="+mn-lt"/>
               </a:rPr>
-              <a:t>Mongo</a:t>
-            </a:r>
-            <a:r>
-              <a:rPr lang="zh-CN" altLang="en-US" dirty="0">
-                <a:solidFill>
-                  <a:srgbClr val="0070C0"/>
-                </a:solidFill>
-                <a:latin typeface="+mn-lt"/>
-                <a:ea typeface="+mn-ea"/>
-                <a:cs typeface="+mn-ea"/>
-                <a:sym typeface="+mn-lt"/>
-              </a:rPr>
-              <a:t>静态化</a:t>
-            </a:r>
-            <a:endParaRPr lang="zh-CN" altLang="en-US" sz="2800" dirty="0">
+              <a:t>方法介绍</a:t>
+            </a:r>
+            <a:endParaRPr lang="zh-CN" altLang="en-US" dirty="0">
               <a:solidFill>
                 <a:srgbClr val="0070C0"/>
               </a:solidFill>
@@ -9473,7 +9835,7 @@
       </p:sp>
       <p:sp>
         <p:nvSpPr>
-          <p:cNvPr id="4" name="Footer Placeholder 3"/>
+          <p:cNvPr id="3" name="Footer Placeholder 2"/>
           <p:cNvSpPr>
             <a:spLocks noGrp="1"/>
           </p:cNvSpPr>
@@ -9500,321 +9862,83 @@
           </a:p>
         </p:txBody>
       </p:sp>
-      <p:sp>
-        <p:nvSpPr>
-          <p:cNvPr id="5" name="Content Placeholder 4"/>
-          <p:cNvSpPr>
-            <a:spLocks noGrp="1"/>
-          </p:cNvSpPr>
-          <p:nvPr>
-            <p:ph sz="quarter" idx="37"/>
-          </p:nvPr>
-        </p:nvSpPr>
-        <p:spPr>
-          <a:xfrm>
-            <a:off x="5410200" y="1889125"/>
-            <a:ext cx="2971800" cy="377825"/>
-          </a:xfrm>
-          <a:ln>
-            <a:noFill/>
-          </a:ln>
-        </p:spPr>
-        <p:txBody>
-          <a:bodyPr/>
-          <a:lstStyle/>
-          <a:p>
-            <a:r>
-              <a:rPr lang="zh-CN" altLang="en-US" dirty="0">
-                <a:latin typeface="+mn-lt"/>
-                <a:cs typeface="+mn-ea"/>
-                <a:sym typeface="+mn-lt"/>
-              </a:rPr>
-              <a:t>测试环境　</a:t>
-            </a:r>
-            <a:endParaRPr lang="zh-CN" altLang="en-US" dirty="0">
-              <a:latin typeface="+mn-lt"/>
-              <a:cs typeface="+mn-ea"/>
-              <a:sym typeface="+mn-lt"/>
-            </a:endParaRPr>
-          </a:p>
-        </p:txBody>
-      </p:sp>
-      <p:sp>
-        <p:nvSpPr>
-          <p:cNvPr id="6" name="Content Placeholder 5"/>
-          <p:cNvSpPr>
-            <a:spLocks noGrp="1"/>
-          </p:cNvSpPr>
-          <p:nvPr>
-            <p:ph sz="quarter" idx="36"/>
-          </p:nvPr>
-        </p:nvSpPr>
-        <p:spPr>
-          <a:xfrm>
-            <a:off x="5410200" y="1123950"/>
-            <a:ext cx="2859405" cy="800100"/>
-          </a:xfrm>
-          <a:ln>
-            <a:noFill/>
-          </a:ln>
-        </p:spPr>
-        <p:txBody>
-          <a:bodyPr/>
-          <a:lstStyle/>
-          <a:p>
-            <a:pPr algn="l"/>
-            <a:r>
-              <a:rPr lang="zh-CN" altLang="en-US" dirty="0">
-                <a:latin typeface="+mn-lt"/>
-                <a:cs typeface="+mn-ea"/>
-                <a:sym typeface="+mn-lt"/>
-              </a:rPr>
-              <a:t>一些不经常变化数据静态化到</a:t>
-            </a:r>
-            <a:r>
-              <a:rPr lang="en-US" altLang="zh-CN" dirty="0">
-                <a:latin typeface="+mn-lt"/>
-                <a:cs typeface="+mn-ea"/>
-                <a:sym typeface="+mn-lt"/>
-              </a:rPr>
-              <a:t>mongo </a:t>
-            </a:r>
-            <a:r>
-              <a:rPr lang="zh-CN" altLang="en-US" dirty="0">
-                <a:latin typeface="+mn-lt"/>
-                <a:cs typeface="+mn-ea"/>
-                <a:sym typeface="+mn-lt"/>
-              </a:rPr>
-              <a:t>数据库，比如商品信息等</a:t>
-            </a:r>
-            <a:endParaRPr lang="zh-CN" altLang="en-US" dirty="0">
-              <a:latin typeface="+mn-lt"/>
-              <a:cs typeface="+mn-ea"/>
-              <a:sym typeface="+mn-lt"/>
-            </a:endParaRPr>
-          </a:p>
-        </p:txBody>
-      </p:sp>
-      <p:sp>
-        <p:nvSpPr>
-          <p:cNvPr id="7" name="Text Placeholder 6"/>
-          <p:cNvSpPr>
-            <a:spLocks noGrp="1"/>
-          </p:cNvSpPr>
-          <p:nvPr>
-            <p:ph type="body" sz="quarter" idx="19"/>
-          </p:nvPr>
-        </p:nvSpPr>
-        <p:spPr>
-          <a:xfrm>
-            <a:off x="5410200" y="2266950"/>
-            <a:ext cx="3429000" cy="457200"/>
-          </a:xfrm>
-        </p:spPr>
-        <p:txBody>
-          <a:bodyPr>
-            <a:normAutofit fontScale="90000"/>
-          </a:bodyPr>
-          <a:lstStyle/>
-          <a:p>
-            <a:pPr marL="57150" indent="0">
-              <a:spcBef>
-                <a:spcPts val="0"/>
-              </a:spcBef>
-              <a:defRPr/>
-            </a:pPr>
-            <a:r>
-              <a:rPr lang="en-US" dirty="0">
-                <a:latin typeface="+mn-lt"/>
-                <a:cs typeface="+mn-ea"/>
-                <a:sym typeface="+mn-lt"/>
-              </a:rPr>
-              <a:t>ip:192.168.50.24</a:t>
-            </a:r>
-            <a:r>
-              <a:rPr lang="zh-CN" altLang="en-US" dirty="0">
-                <a:latin typeface="+mn-lt"/>
-                <a:cs typeface="+mn-ea"/>
-                <a:sym typeface="+mn-lt"/>
-              </a:rPr>
-              <a:t>　　</a:t>
-            </a:r>
-            <a:r>
-              <a:rPr lang="en-US" altLang="zh-CN" dirty="0">
-                <a:latin typeface="+mn-lt"/>
-                <a:cs typeface="+mn-ea"/>
-                <a:sym typeface="+mn-lt"/>
-              </a:rPr>
-              <a:t>port:</a:t>
-            </a:r>
-            <a:r>
-              <a:rPr lang="zh-CN" altLang="en-US" dirty="0">
-                <a:latin typeface="+mn-lt"/>
-                <a:cs typeface="+mn-ea"/>
-                <a:sym typeface="+mn-lt"/>
-              </a:rPr>
-              <a:t>27017　</a:t>
-            </a:r>
-            <a:endParaRPr lang="zh-CN" altLang="en-US" dirty="0">
-              <a:latin typeface="+mn-lt"/>
-              <a:cs typeface="+mn-ea"/>
-              <a:sym typeface="+mn-lt"/>
-            </a:endParaRPr>
-          </a:p>
-          <a:p>
-            <a:pPr marL="57150" indent="0">
-              <a:spcBef>
-                <a:spcPts val="0"/>
-              </a:spcBef>
-              <a:defRPr/>
-            </a:pPr>
-            <a:r>
-              <a:rPr lang="zh-CN" altLang="en-US" b="1" dirty="0">
-                <a:latin typeface="+mn-lt"/>
-                <a:cs typeface="+mn-ea"/>
-                <a:sym typeface="+mn-lt"/>
-              </a:rPr>
-              <a:t>MobileAPIContentRenderMongo</a:t>
-            </a:r>
-            <a:endParaRPr lang="zh-CN" altLang="en-US" b="1" dirty="0">
-              <a:latin typeface="+mn-lt"/>
-              <a:cs typeface="+mn-ea"/>
-              <a:sym typeface="+mn-lt"/>
-            </a:endParaRPr>
-          </a:p>
-        </p:txBody>
-      </p:sp>
-      <p:sp>
-        <p:nvSpPr>
-          <p:cNvPr id="8" name="Text Placeholder 7"/>
-          <p:cNvSpPr>
-            <a:spLocks noGrp="1"/>
-          </p:cNvSpPr>
-          <p:nvPr>
-            <p:ph type="body" sz="quarter" idx="41"/>
-          </p:nvPr>
-        </p:nvSpPr>
-        <p:spPr>
-          <a:xfrm>
-            <a:off x="5410200" y="2724150"/>
-            <a:ext cx="3429000" cy="1676400"/>
-          </a:xfrm>
-        </p:spPr>
-        <p:txBody>
-          <a:bodyPr/>
-          <a:lstStyle/>
-          <a:p>
-            <a:pPr marL="57150" indent="0">
-              <a:spcBef>
-                <a:spcPts val="0"/>
-              </a:spcBef>
-              <a:defRPr/>
-            </a:pPr>
-            <a:r>
-              <a:rPr lang="zh-CN" altLang="en-US" sz="1400" dirty="0">
-                <a:solidFill>
-                  <a:srgbClr val="0070C0"/>
-                </a:solidFill>
-                <a:latin typeface="+mn-lt"/>
-                <a:cs typeface="+mn-ea"/>
-                <a:sym typeface="+mn-lt"/>
-              </a:rPr>
-              <a:t>任务配置</a:t>
-            </a:r>
-            <a:endParaRPr lang="zh-CN" altLang="en-US" sz="1400" dirty="0">
-              <a:solidFill>
-                <a:srgbClr val="0070C0"/>
-              </a:solidFill>
-              <a:latin typeface="+mn-lt"/>
-              <a:cs typeface="+mn-ea"/>
-              <a:sym typeface="+mn-lt"/>
-            </a:endParaRPr>
-          </a:p>
-          <a:p>
-            <a:pPr marL="57150" indent="0">
-              <a:spcBef>
-                <a:spcPts val="0"/>
-              </a:spcBef>
-              <a:defRPr/>
-            </a:pPr>
-            <a:endParaRPr lang="en-US" dirty="0">
-              <a:latin typeface="+mn-lt"/>
-              <a:cs typeface="+mn-ea"/>
-              <a:sym typeface="+mn-lt"/>
-            </a:endParaRPr>
-          </a:p>
-          <a:p>
-            <a:pPr marL="57150" indent="0">
-              <a:spcBef>
-                <a:spcPts val="0"/>
-              </a:spcBef>
-              <a:defRPr/>
-            </a:pPr>
-            <a:r>
-              <a:rPr lang="en-US" dirty="0">
-                <a:latin typeface="+mn-lt"/>
-                <a:cs typeface="+mn-ea"/>
-                <a:sym typeface="+mn-lt"/>
-              </a:rPr>
-              <a:t>http://192.168.50.150:8010/task/list?name=&amp;executor=mtime.content.mobile.task</a:t>
-            </a:r>
-            <a:endParaRPr lang="en-US" dirty="0">
-              <a:latin typeface="+mn-lt"/>
-              <a:cs typeface="+mn-ea"/>
-              <a:sym typeface="+mn-lt"/>
-            </a:endParaRPr>
-          </a:p>
-        </p:txBody>
-      </p:sp>
       <p:pic>
         <p:nvPicPr>
-          <p:cNvPr id="10" name="图片占位符 9"/>
+          <p:cNvPr id="46" name="Picture 45" descr="C:\Users\ADRIEN~1.REY\AppData\Local\Temp\Rar$DR58.888\icons grid\comments.png"/>
           <p:cNvPicPr>
-            <a:picLocks noGrp="1" noChangeAspect="1"/>
+            <a:picLocks noChangeAspect="1" noChangeArrowheads="1"/>
           </p:cNvPicPr>
-          <p:nvPr>
-            <p:ph type="pic" sz="quarter" idx="13"/>
-          </p:nvPr>
+          <p:nvPr/>
         </p:nvPicPr>
         <p:blipFill>
-          <a:blip r:embed="rId1" cstate="print">
+          <a:blip r:embed="rId1">
             <a:extLst>
               <a:ext uri="{28A0092B-C50C-407E-A947-70E740481C1C}">
                 <a14:useLocalDpi xmlns:a14="http://schemas.microsoft.com/office/drawing/2010/main" val="0"/>
               </a:ext>
             </a:extLst>
           </a:blip>
-          <a:srcRect t="2583" b="2583"/>
+          <a:srcRect/>
           <a:stretch>
             <a:fillRect/>
           </a:stretch>
         </p:blipFill>
-        <p:spPr/>
-      </p:pic>
-      <p:pic>
-        <p:nvPicPr>
-          <p:cNvPr id="2" name="图片 1" descr="FYLJUB~%KNT]}$WYZXKPR%Q"/>
-          <p:cNvPicPr>
-            <a:picLocks noChangeAspect="1"/>
-          </p:cNvPicPr>
-          <p:nvPr/>
-        </p:nvPicPr>
-        <p:blipFill>
-          <a:blip r:embed="rId2"/>
-          <a:stretch>
-            <a:fillRect/>
-          </a:stretch>
-        </p:blipFill>
-        <p:spPr>
+        <p:spPr bwMode="auto">
           <a:xfrm>
-            <a:off x="0" y="1123950"/>
-            <a:ext cx="5064125" cy="3482975"/>
+            <a:off x="7418270" y="3216728"/>
+            <a:ext cx="471153" cy="471153"/>
           </a:xfrm>
           <a:prstGeom prst="rect">
             <a:avLst/>
           </a:prstGeom>
+          <a:noFill/>
+          <a:extLst>
+            <a:ext uri="{909E8E84-426E-40DD-AFC4-6F175D3DCCD1}">
+              <a14:hiddenFill xmlns:a14="http://schemas.microsoft.com/office/drawing/2010/main">
+                <a:solidFill>
+                  <a:srgbClr val="FFFFFF"/>
+                </a:solidFill>
+              </a14:hiddenFill>
+            </a:ext>
+          </a:extLst>
         </p:spPr>
       </p:pic>
+      <p:sp>
+        <p:nvSpPr>
+          <p:cNvPr id="5" name="文本框 4"/>
+          <p:cNvSpPr txBox="1"/>
+          <p:nvPr/>
+        </p:nvSpPr>
+        <p:spPr>
+          <a:xfrm>
+            <a:off x="635635" y="1131570"/>
+            <a:ext cx="7324725" cy="645160"/>
+          </a:xfrm>
+          <a:prstGeom prst="rect">
+            <a:avLst/>
+          </a:prstGeom>
+          <a:noFill/>
+        </p:spPr>
+        <p:txBody>
+          <a:bodyPr wrap="square" rtlCol="0">
+            <a:spAutoFit/>
+          </a:bodyPr>
+          <a:p>
+            <a:r>
+              <a:rPr lang="zh-CN" altLang="en-US"/>
+              <a:t>使用方法的语法：</a:t>
+            </a:r>
+            <a:endParaRPr lang="zh-CN" altLang="en-US"/>
+          </a:p>
+          <a:p>
+            <a:r>
+              <a:rPr lang="zh-CN" altLang="en-US"/>
+              <a:t>$('#table').bootstrapTable('method', parameter);</a:t>
+            </a:r>
+            <a:endParaRPr lang="zh-CN" altLang="en-US"/>
+          </a:p>
+        </p:txBody>
+      </p:sp>
     </p:spTree>
   </p:cSld>
   <p:clrMapOvr>
@@ -9868,7 +9992,7 @@
         <p:spPr>
           <a:xfrm>
             <a:off x="457200" y="438150"/>
-            <a:ext cx="7620000" cy="422672"/>
+            <a:ext cx="8229600" cy="422672"/>
           </a:xfrm>
         </p:spPr>
         <p:txBody>
@@ -9876,7 +10000,7 @@
           <a:lstStyle/>
           <a:p>
             <a:r>
-              <a:rPr lang="zh-CN" altLang="en-US" dirty="0">
+              <a:rPr lang="zh-CN" altLang="en-US" sz="3600" dirty="0">
                 <a:solidFill>
                   <a:srgbClr val="0070C0"/>
                 </a:solidFill>
@@ -9885,57 +10009,9 @@
                 <a:cs typeface="+mn-ea"/>
                 <a:sym typeface="+mn-lt"/>
               </a:rPr>
-              <a:t>附：</a:t>
-            </a:r>
-            <a:r>
-              <a:rPr lang="en-US" altLang="zh-CN" dirty="0">
-                <a:solidFill>
-                  <a:srgbClr val="0070C0"/>
-                </a:solidFill>
-                <a:latin typeface="+mn-lt"/>
-                <a:ea typeface="+mn-ea"/>
-                <a:cs typeface="+mn-ea"/>
-                <a:sym typeface="+mn-lt"/>
-              </a:rPr>
-              <a:t>Charles</a:t>
-            </a:r>
-            <a:r>
-              <a:rPr lang="zh-CN" altLang="en-US" dirty="0">
-                <a:solidFill>
-                  <a:srgbClr val="0070C0"/>
-                </a:solidFill>
-                <a:latin typeface="+mn-lt"/>
-                <a:ea typeface="+mn-ea"/>
-                <a:cs typeface="+mn-ea"/>
-                <a:sym typeface="+mn-lt"/>
-              </a:rPr>
-              <a:t>抓取</a:t>
-            </a:r>
-            <a:r>
-              <a:rPr lang="en-US" altLang="zh-CN" dirty="0">
-                <a:solidFill>
-                  <a:srgbClr val="0070C0"/>
-                </a:solidFill>
-                <a:latin typeface="+mn-lt"/>
-                <a:ea typeface="+mn-ea"/>
-                <a:cs typeface="+mn-ea"/>
-                <a:sym typeface="+mn-lt"/>
-              </a:rPr>
-              <a:t>https</a:t>
-            </a:r>
-            <a:r>
-              <a:rPr lang="zh-CN" altLang="en-US" dirty="0">
-                <a:solidFill>
-                  <a:srgbClr val="0070C0"/>
-                </a:solidFill>
-                <a:latin typeface="+mn-lt"/>
-                <a:ea typeface="+mn-ea"/>
-                <a:cs typeface="+mn-ea"/>
-                <a:sym typeface="+mn-lt"/>
-              </a:rPr>
-              <a:t>请求</a:t>
-            </a:r>
-            <a:endParaRPr lang="zh-CN" altLang="en-US" dirty="0">
+              <a:t>方法列表</a:t>
+            </a:r>
+            <a:endParaRPr lang="zh-CN" altLang="en-US" sz="3600" dirty="0">
               <a:solidFill>
                 <a:srgbClr val="0070C0"/>
               </a:solidFill>
@@ -9947,103 +10023,525 @@
           </a:p>
         </p:txBody>
       </p:sp>
-      <p:sp>
-        <p:nvSpPr>
-          <p:cNvPr id="4" name="Footer Placeholder 3"/>
-          <p:cNvSpPr>
-            <a:spLocks noGrp="1"/>
-          </p:cNvSpPr>
-          <p:nvPr>
-            <p:ph type="ftr" sz="quarter" idx="11"/>
-          </p:nvPr>
-        </p:nvSpPr>
-        <p:spPr/>
-        <p:txBody>
-          <a:bodyPr/>
-          <a:lstStyle/>
-          <a:p>
-            <a:r>
-              <a:rPr lang="en-US" dirty="0" smtClean="0">
-                <a:cs typeface="+mn-ea"/>
-                <a:sym typeface="+mn-lt"/>
-              </a:rPr>
-              <a:t> </a:t>
-            </a:r>
-            <a:endParaRPr lang="en-US" dirty="0">
-              <a:cs typeface="+mn-ea"/>
-              <a:sym typeface="+mn-lt"/>
-            </a:endParaRPr>
-          </a:p>
-        </p:txBody>
-      </p:sp>
-      <p:pic>
-        <p:nvPicPr>
-          <p:cNvPr id="11" name="图片 10" descr="754C089201}"/>
-          <p:cNvPicPr>
-            <a:picLocks noChangeAspect="1"/>
-          </p:cNvPicPr>
+      <p:graphicFrame>
+        <p:nvGraphicFramePr>
+          <p:cNvPr id="5" name="表格 4"/>
+          <p:cNvGraphicFramePr/>
           <p:nvPr/>
-        </p:nvPicPr>
-        <p:blipFill>
-          <a:blip r:embed="rId1"/>
-          <a:stretch>
-            <a:fillRect/>
-          </a:stretch>
-        </p:blipFill>
-        <p:spPr>
-          <a:xfrm>
-            <a:off x="293370" y="986155"/>
-            <a:ext cx="6949440" cy="3736975"/>
-          </a:xfrm>
-          <a:prstGeom prst="rect">
-            <a:avLst/>
-          </a:prstGeom>
-        </p:spPr>
-      </p:pic>
-      <p:sp>
-        <p:nvSpPr>
-          <p:cNvPr id="17" name="文本框 16"/>
-          <p:cNvSpPr txBox="1"/>
-          <p:nvPr/>
-        </p:nvSpPr>
-        <p:spPr>
-          <a:xfrm>
-            <a:off x="7317740" y="1090295"/>
-            <a:ext cx="1673860" cy="1168400"/>
-          </a:xfrm>
-          <a:prstGeom prst="rect">
-            <a:avLst/>
-          </a:prstGeom>
-          <a:noFill/>
-        </p:spPr>
-        <p:txBody>
-          <a:bodyPr wrap="square" rtlCol="0">
-            <a:spAutoFit/>
-          </a:bodyPr>
-          <a:p>
-            <a:r>
-              <a:rPr lang="zh-CN" altLang="en-US"/>
-              <a:t>１</a:t>
-            </a:r>
-            <a:r>
-              <a:rPr lang="zh-CN" altLang="en-US" sz="1600"/>
-              <a:t>通过手机浏览器访问</a:t>
-            </a:r>
-            <a:r>
-              <a:rPr lang="en-US" altLang="zh-CN"/>
-              <a:t>chls.pro/ssl</a:t>
-            </a:r>
-            <a:endParaRPr lang="en-US" altLang="zh-CN"/>
-          </a:p>
-          <a:p>
-            <a:r>
-              <a:rPr lang="zh-CN" altLang="zh-CN"/>
-              <a:t>安装证书</a:t>
-            </a:r>
-            <a:endParaRPr lang="zh-CN" altLang="zh-CN"/>
-          </a:p>
-        </p:txBody>
-      </p:sp>
+        </p:nvGraphicFramePr>
+        <p:xfrm>
+          <a:off x="456565" y="1102995"/>
+          <a:ext cx="7161530" cy="4195445"/>
+        </p:xfrm>
+        <a:graphic>
+          <a:graphicData uri="http://schemas.openxmlformats.org/drawingml/2006/table">
+            <a:tbl>
+              <a:tblPr firstRow="1" bandRow="1">
+                <a:tableStyleId>{5C22544A-7EE6-4342-B048-85BDC9FD1C3A}</a:tableStyleId>
+              </a:tblPr>
+              <a:tblGrid>
+                <a:gridCol w="1597025"/>
+                <a:gridCol w="1460500"/>
+                <a:gridCol w="4104005"/>
+              </a:tblGrid>
+              <a:tr h="462915">
+                <a:tc>
+                  <a:txBody>
+                    <a:bodyPr/>
+                    <a:p>
+                      <a:pPr>
+                        <a:buNone/>
+                      </a:pPr>
+                      <a:r>
+                        <a:rPr lang="zh-CN" altLang="en-US"/>
+                        <a:t>名称</a:t>
+                      </a:r>
+                      <a:endParaRPr lang="zh-CN" altLang="en-US"/>
+                    </a:p>
+                    <a:p>
+                      <a:pPr>
+                        <a:buNone/>
+                      </a:pPr>
+                      <a:endParaRPr lang="zh-CN" altLang="en-US"/>
+                    </a:p>
+                  </a:txBody>
+                  <a:tcPr/>
+                </a:tc>
+                <a:tc>
+                  <a:txBody>
+                    <a:bodyPr/>
+                    <a:p>
+                      <a:pPr>
+                        <a:buNone/>
+                      </a:pPr>
+                      <a:r>
+                        <a:rPr lang="zh-CN" altLang="en-US" sz="1800">
+                          <a:sym typeface="+mn-ea"/>
+                        </a:rPr>
+                        <a:t>参数</a:t>
+                      </a:r>
+                      <a:endParaRPr lang="zh-CN" altLang="en-US" sz="1800">
+                        <a:sym typeface="+mn-ea"/>
+                      </a:endParaRPr>
+                    </a:p>
+                  </a:txBody>
+                  <a:tcPr/>
+                </a:tc>
+                <a:tc>
+                  <a:txBody>
+                    <a:bodyPr/>
+                    <a:p>
+                      <a:pPr>
+                        <a:buNone/>
+                      </a:pPr>
+                      <a:r>
+                        <a:rPr lang="zh-CN" altLang="en-US" sz="1800">
+                          <a:sym typeface="+mn-ea"/>
+                        </a:rPr>
+                        <a:t>描述</a:t>
+                      </a:r>
+                      <a:endParaRPr lang="zh-CN" altLang="en-US"/>
+                    </a:p>
+                  </a:txBody>
+                  <a:tcPr/>
+                </a:tc>
+              </a:tr>
+              <a:tr h="394335">
+                <a:tc>
+                  <a:txBody>
+                    <a:bodyPr/>
+                    <a:p>
+                      <a:pPr>
+                        <a:buNone/>
+                      </a:pPr>
+                      <a:r>
+                        <a:rPr lang="zh-CN" altLang="en-US" sz="1200" b="1">
+                          <a:sym typeface="+mn-ea"/>
+                        </a:rPr>
+                        <a:t>getOptions</a:t>
+                      </a:r>
+                      <a:endParaRPr lang="zh-CN" altLang="en-US" sz="1200" b="1">
+                        <a:sym typeface="+mn-ea"/>
+                      </a:endParaRPr>
+                    </a:p>
+                  </a:txBody>
+                  <a:tcPr/>
+                </a:tc>
+                <a:tc>
+                  <a:txBody>
+                    <a:bodyPr/>
+                    <a:p>
+                      <a:pPr>
+                        <a:buNone/>
+                      </a:pPr>
+                      <a:r>
+                        <a:rPr lang="zh-CN" altLang="en-US" sz="1200">
+                          <a:sym typeface="+mn-ea"/>
+                        </a:rPr>
+                        <a:t>无</a:t>
+                      </a:r>
+                      <a:endParaRPr lang="zh-CN" altLang="en-US" sz="1200">
+                        <a:sym typeface="+mn-ea"/>
+                      </a:endParaRPr>
+                    </a:p>
+                  </a:txBody>
+                  <a:tcPr/>
+                </a:tc>
+                <a:tc>
+                  <a:txBody>
+                    <a:bodyPr/>
+                    <a:p>
+                      <a:pPr>
+                        <a:buNone/>
+                      </a:pPr>
+                      <a:r>
+                        <a:rPr lang="zh-CN" altLang="en-US" sz="1200">
+                          <a:sym typeface="+mn-ea"/>
+                        </a:rPr>
+                        <a:t>返回表格的 Options。 （</a:t>
+                      </a:r>
+                      <a:r>
+                        <a:rPr lang="en-US" altLang="zh-CN" sz="1200">
+                          <a:sym typeface="+mn-ea"/>
+                        </a:rPr>
+                        <a:t>getOptions.json)</a:t>
+                      </a:r>
+                      <a:endParaRPr lang="en-US" altLang="zh-CN" sz="1200">
+                        <a:sym typeface="+mn-ea"/>
+                      </a:endParaRPr>
+                    </a:p>
+                  </a:txBody>
+                  <a:tcPr/>
+                </a:tc>
+              </a:tr>
+              <a:tr h="417195">
+                <a:tc>
+                  <a:txBody>
+                    <a:bodyPr/>
+                    <a:p>
+                      <a:pPr>
+                        <a:buNone/>
+                      </a:pPr>
+                      <a:r>
+                        <a:rPr lang="zh-CN" altLang="en-US" sz="1200" b="1">
+                          <a:sym typeface="+mn-ea"/>
+                        </a:rPr>
+                        <a:t>getSelections</a:t>
+                      </a:r>
+                      <a:endParaRPr lang="zh-CN" altLang="en-US" sz="1200" b="1">
+                        <a:sym typeface="+mn-ea"/>
+                      </a:endParaRPr>
+                    </a:p>
+                  </a:txBody>
+                  <a:tcPr/>
+                </a:tc>
+                <a:tc>
+                  <a:txBody>
+                    <a:bodyPr/>
+                    <a:p>
+                      <a:pPr>
+                        <a:buNone/>
+                      </a:pPr>
+                      <a:r>
+                        <a:rPr lang="zh-CN" altLang="en-US" sz="1200">
+                          <a:sym typeface="+mn-ea"/>
+                        </a:rPr>
+                        <a:t>无</a:t>
+                      </a:r>
+                      <a:endParaRPr lang="zh-CN" altLang="en-US" sz="1200">
+                        <a:sym typeface="+mn-ea"/>
+                      </a:endParaRPr>
+                    </a:p>
+                  </a:txBody>
+                  <a:tcPr/>
+                </a:tc>
+                <a:tc>
+                  <a:txBody>
+                    <a:bodyPr/>
+                    <a:p>
+                      <a:pPr>
+                        <a:buNone/>
+                      </a:pPr>
+                      <a:r>
+                        <a:rPr lang="zh-CN" altLang="en-US" sz="1200">
+                          <a:sym typeface="+mn-ea"/>
+                        </a:rPr>
+                        <a:t>返回所选的行，当没有选择任何行的时候返回一个空数组。</a:t>
+                      </a:r>
+                      <a:endParaRPr lang="zh-CN" altLang="en-US" sz="1200">
+                        <a:sym typeface="+mn-ea"/>
+                      </a:endParaRPr>
+                    </a:p>
+                  </a:txBody>
+                  <a:tcPr/>
+                </a:tc>
+              </a:tr>
+              <a:tr h="469265">
+                <a:tc>
+                  <a:txBody>
+                    <a:bodyPr/>
+                    <a:p>
+                      <a:pPr>
+                        <a:buNone/>
+                      </a:pPr>
+                      <a:r>
+                        <a:rPr lang="zh-CN" altLang="en-US" sz="1200" b="1"/>
+                        <a:t>load</a:t>
+                      </a:r>
+                      <a:endParaRPr lang="zh-CN" altLang="en-US" sz="1200" b="1"/>
+                    </a:p>
+                  </a:txBody>
+                  <a:tcPr/>
+                </a:tc>
+                <a:tc>
+                  <a:txBody>
+                    <a:bodyPr/>
+                    <a:p>
+                      <a:pPr>
+                        <a:buNone/>
+                      </a:pPr>
+                      <a:r>
+                        <a:rPr lang="en-US" altLang="zh-CN" sz="1200">
+                          <a:sym typeface="+mn-ea"/>
+                        </a:rPr>
+                        <a:t>data</a:t>
+                      </a:r>
+                      <a:endParaRPr lang="en-US" altLang="zh-CN" sz="1200">
+                        <a:sym typeface="+mn-ea"/>
+                      </a:endParaRPr>
+                    </a:p>
+                  </a:txBody>
+                  <a:tcPr/>
+                </a:tc>
+                <a:tc>
+                  <a:txBody>
+                    <a:bodyPr/>
+                    <a:p>
+                      <a:pPr>
+                        <a:buNone/>
+                      </a:pPr>
+                      <a:r>
+                        <a:rPr lang="zh-CN" altLang="en-US" sz="1200">
+                          <a:sym typeface="+mn-ea"/>
+                        </a:rPr>
+                        <a:t>加载数据到表格中，旧数据会被替换。</a:t>
+                      </a:r>
+                      <a:endParaRPr lang="zh-CN" altLang="en-US" sz="1200">
+                        <a:sym typeface="+mn-ea"/>
+                      </a:endParaRPr>
+                    </a:p>
+                  </a:txBody>
+                  <a:tcPr/>
+                </a:tc>
+              </a:tr>
+              <a:tr h="398780">
+                <a:tc>
+                  <a:txBody>
+                    <a:bodyPr/>
+                    <a:p>
+                      <a:pPr>
+                        <a:buNone/>
+                      </a:pPr>
+                      <a:r>
+                        <a:rPr lang="zh-CN" altLang="en-US" sz="1200" b="1"/>
+                        <a:t>onCheck</a:t>
+                      </a:r>
+                      <a:endParaRPr lang="zh-CN" altLang="en-US" sz="1200" b="1"/>
+                    </a:p>
+                  </a:txBody>
+                  <a:tcPr/>
+                </a:tc>
+                <a:tc>
+                  <a:txBody>
+                    <a:bodyPr/>
+                    <a:p>
+                      <a:pPr>
+                        <a:buNone/>
+                      </a:pPr>
+                      <a:r>
+                        <a:rPr lang="en-US" altLang="zh-CN" sz="1200">
+                          <a:sym typeface="+mn-ea"/>
+                        </a:rPr>
+                        <a:t>row	</a:t>
+                      </a:r>
+                      <a:endParaRPr lang="en-US" altLang="zh-CN" sz="1200">
+                        <a:sym typeface="+mn-ea"/>
+                      </a:endParaRPr>
+                    </a:p>
+                  </a:txBody>
+                  <a:tcPr/>
+                </a:tc>
+                <a:tc>
+                  <a:txBody>
+                    <a:bodyPr/>
+                    <a:p>
+                      <a:pPr>
+                        <a:buNone/>
+                      </a:pPr>
+                      <a:r>
+                        <a:rPr lang="zh-CN" altLang="en-US" sz="1200">
+                          <a:sym typeface="+mn-ea"/>
+                        </a:rPr>
+                        <a:t>row：点击列的整行数据</a:t>
+                      </a:r>
+                      <a:r>
+                        <a:rPr lang="zh-CN" altLang="en-US" sz="1200"/>
+                        <a:t>　</a:t>
+                      </a:r>
+                      <a:endParaRPr lang="zh-CN" altLang="en-US" sz="1200"/>
+                    </a:p>
+                  </a:txBody>
+                  <a:tcPr/>
+                </a:tc>
+              </a:tr>
+              <a:tr h="398780">
+                <a:tc>
+                  <a:txBody>
+                    <a:bodyPr/>
+                    <a:p>
+                      <a:pPr>
+                        <a:buNone/>
+                      </a:pPr>
+                      <a:r>
+                        <a:rPr lang="zh-CN" altLang="en-US" sz="1200" b="1"/>
+                        <a:t>prepend</a:t>
+                      </a:r>
+                      <a:endParaRPr lang="zh-CN" altLang="en-US" sz="1200" b="1"/>
+                    </a:p>
+                  </a:txBody>
+                  <a:tcPr/>
+                </a:tc>
+                <a:tc>
+                  <a:txBody>
+                    <a:bodyPr/>
+                    <a:p>
+                      <a:pPr>
+                        <a:buNone/>
+                      </a:pPr>
+                      <a:r>
+                        <a:rPr lang="en-US" altLang="zh-CN" sz="1200">
+                          <a:sym typeface="+mn-ea"/>
+                        </a:rPr>
+                        <a:t>data</a:t>
+                      </a:r>
+                      <a:endParaRPr lang="en-US" altLang="zh-CN" sz="1200">
+                        <a:sym typeface="+mn-ea"/>
+                      </a:endParaRPr>
+                    </a:p>
+                  </a:txBody>
+                  <a:tcPr/>
+                </a:tc>
+                <a:tc>
+                  <a:txBody>
+                    <a:bodyPr/>
+                    <a:p>
+                      <a:pPr>
+                        <a:buNone/>
+                      </a:pPr>
+                      <a:r>
+                        <a:rPr lang="zh-CN" altLang="en-US" sz="1200"/>
+                        <a:t>插入数据到表格在现有数据之前。</a:t>
+                      </a:r>
+                      <a:endParaRPr lang="zh-CN" altLang="en-US" sz="1200"/>
+                    </a:p>
+                  </a:txBody>
+                  <a:tcPr/>
+                </a:tc>
+              </a:tr>
+              <a:tr h="398780">
+                <a:tc>
+                  <a:txBody>
+                    <a:bodyPr/>
+                    <a:p>
+                      <a:pPr>
+                        <a:buNone/>
+                      </a:pPr>
+                      <a:r>
+                        <a:rPr lang="zh-CN" altLang="en-US" sz="1200" b="1"/>
+                        <a:t>append</a:t>
+                      </a:r>
+                      <a:endParaRPr lang="zh-CN" altLang="en-US" sz="1200" b="1"/>
+                    </a:p>
+                  </a:txBody>
+                  <a:tcPr/>
+                </a:tc>
+                <a:tc>
+                  <a:txBody>
+                    <a:bodyPr/>
+                    <a:p>
+                      <a:pPr>
+                        <a:buNone/>
+                      </a:pPr>
+                      <a:r>
+                        <a:rPr lang="en-US" altLang="zh-CN" sz="1200">
+                          <a:sym typeface="+mn-ea"/>
+                        </a:rPr>
+                        <a:t>data</a:t>
+                      </a:r>
+                      <a:endParaRPr lang="en-US" altLang="zh-CN" sz="1200">
+                        <a:sym typeface="+mn-ea"/>
+                      </a:endParaRPr>
+                    </a:p>
+                  </a:txBody>
+                  <a:tcPr/>
+                </a:tc>
+                <a:tc>
+                  <a:txBody>
+                    <a:bodyPr/>
+                    <a:p>
+                      <a:pPr>
+                        <a:buNone/>
+                      </a:pPr>
+                      <a:r>
+                        <a:rPr lang="zh-CN" altLang="en-US" sz="1200"/>
+                        <a:t>添加数据到表格在现有数据之后。</a:t>
+                      </a:r>
+                      <a:endParaRPr lang="zh-CN" altLang="en-US" sz="1200"/>
+                    </a:p>
+                  </a:txBody>
+                  <a:tcPr/>
+                </a:tc>
+              </a:tr>
+              <a:tr h="679450">
+                <a:tc>
+                  <a:txBody>
+                    <a:bodyPr/>
+                    <a:p>
+                      <a:pPr>
+                        <a:buNone/>
+                      </a:pPr>
+                      <a:r>
+                        <a:rPr lang="zh-CN" altLang="en-US" sz="1200" b="1"/>
+                        <a:t>remove</a:t>
+                      </a:r>
+                      <a:endParaRPr lang="zh-CN" altLang="en-US" sz="1200" b="1"/>
+                    </a:p>
+                  </a:txBody>
+                  <a:tcPr/>
+                </a:tc>
+                <a:tc>
+                  <a:txBody>
+                    <a:bodyPr/>
+                    <a:p>
+                      <a:pPr>
+                        <a:buNone/>
+                      </a:pPr>
+                      <a:r>
+                        <a:rPr lang="en-US" altLang="zh-CN" sz="1200">
+                          <a:sym typeface="+mn-ea"/>
+                        </a:rPr>
+                        <a:t>params</a:t>
+                      </a:r>
+                      <a:endParaRPr lang="en-US" altLang="zh-CN" sz="1200">
+                        <a:sym typeface="+mn-ea"/>
+                      </a:endParaRPr>
+                    </a:p>
+                  </a:txBody>
+                  <a:tcPr/>
+                </a:tc>
+                <a:tc>
+                  <a:txBody>
+                    <a:bodyPr/>
+                    <a:p>
+                      <a:pPr>
+                        <a:buNone/>
+                      </a:pPr>
+                      <a:r>
+                        <a:rPr lang="zh-CN" altLang="en-US" sz="1200"/>
+                        <a:t>从表格中删除数据，包括两个参数：</a:t>
+                      </a:r>
+                      <a:endParaRPr lang="zh-CN" altLang="en-US" sz="1200"/>
+                    </a:p>
+                    <a:p>
+                      <a:pPr>
+                        <a:buNone/>
+                      </a:pPr>
+                      <a:r>
+                        <a:rPr lang="zh-CN" altLang="en-US" sz="1200"/>
+                        <a:t> field: 需要删除的行的 field 名称。</a:t>
+                      </a:r>
+                      <a:endParaRPr lang="zh-CN" altLang="en-US" sz="1200"/>
+                    </a:p>
+                    <a:p>
+                      <a:pPr>
+                        <a:buNone/>
+                      </a:pPr>
+                      <a:r>
+                        <a:rPr lang="zh-CN" altLang="en-US" sz="1200">
+                          <a:sym typeface="+mn-ea"/>
+                        </a:rPr>
+                        <a:t>values: 需要删除的行的值，类型为数组</a:t>
+                      </a:r>
+                      <a:endParaRPr lang="zh-CN" altLang="en-US" sz="1200"/>
+                    </a:p>
+                  </a:txBody>
+                  <a:tcPr/>
+                </a:tc>
+              </a:tr>
+            </a:tbl>
+          </a:graphicData>
+        </a:graphic>
+      </p:graphicFrame>
     </p:spTree>
   </p:cSld>
   <p:clrMapOvr>
@@ -10114,55 +10612,7 @@
                 <a:cs typeface="+mn-ea"/>
                 <a:sym typeface="+mn-lt"/>
               </a:rPr>
-              <a:t>附：</a:t>
-            </a:r>
-            <a:r>
-              <a:rPr lang="en-US" altLang="zh-CN" dirty="0">
-                <a:solidFill>
-                  <a:srgbClr val="0070C0"/>
-                </a:solidFill>
-                <a:latin typeface="+mn-lt"/>
-                <a:ea typeface="+mn-ea"/>
-                <a:cs typeface="+mn-ea"/>
-                <a:sym typeface="+mn-lt"/>
-              </a:rPr>
-              <a:t>Charles</a:t>
-            </a:r>
-            <a:r>
-              <a:rPr lang="zh-CN" altLang="en-US" dirty="0">
-                <a:solidFill>
-                  <a:srgbClr val="0070C0"/>
-                </a:solidFill>
-                <a:latin typeface="+mn-lt"/>
-                <a:ea typeface="+mn-ea"/>
-                <a:cs typeface="+mn-ea"/>
-                <a:sym typeface="+mn-lt"/>
-              </a:rPr>
-              <a:t>抓取</a:t>
-            </a:r>
-            <a:r>
-              <a:rPr lang="en-US" altLang="zh-CN" dirty="0">
-                <a:solidFill>
-                  <a:srgbClr val="0070C0"/>
-                </a:solidFill>
-                <a:latin typeface="+mn-lt"/>
-                <a:ea typeface="+mn-ea"/>
-                <a:cs typeface="+mn-ea"/>
-                <a:sym typeface="+mn-lt"/>
-              </a:rPr>
-              <a:t>https</a:t>
-            </a:r>
-            <a:r>
-              <a:rPr lang="zh-CN" altLang="en-US" dirty="0">
-                <a:solidFill>
-                  <a:srgbClr val="0070C0"/>
-                </a:solidFill>
-                <a:latin typeface="+mn-lt"/>
-                <a:ea typeface="+mn-ea"/>
-                <a:cs typeface="+mn-ea"/>
-                <a:sym typeface="+mn-lt"/>
-              </a:rPr>
-              <a:t>请求</a:t>
+              <a:t>多语言 </a:t>
             </a:r>
             <a:endParaRPr lang="zh-CN" altLang="en-US" dirty="0">
               <a:solidFill>
@@ -10207,14 +10657,14 @@
       </p:sp>
       <p:sp>
         <p:nvSpPr>
-          <p:cNvPr id="17" name="文本框 16"/>
+          <p:cNvPr id="5" name="文本框 4"/>
           <p:cNvSpPr txBox="1"/>
           <p:nvPr/>
         </p:nvSpPr>
         <p:spPr>
           <a:xfrm>
-            <a:off x="6844030" y="1090295"/>
-            <a:ext cx="2147570" cy="645160"/>
+            <a:off x="389255" y="948690"/>
+            <a:ext cx="7764145" cy="3322955"/>
           </a:xfrm>
           <a:prstGeom prst="rect">
             <a:avLst/>
@@ -10227,45 +10677,126 @@
           </a:bodyPr>
           <a:p>
             <a:r>
-              <a:rPr lang="en-US" altLang="zh-CN"/>
-              <a:t>2  SSL Proxying Setting </a:t>
-            </a:r>
-            <a:r>
-              <a:rPr lang="zh-CN" altLang="zh-CN"/>
-              <a:t>设置</a:t>
-            </a:r>
-            <a:r>
-              <a:rPr lang="en-US" altLang="zh-CN"/>
-              <a:t>*:443</a:t>
-            </a:r>
-            <a:endParaRPr lang="en-US" altLang="zh-CN"/>
+              <a:rPr lang="zh-CN" altLang="en-US"/>
+              <a:t>&lt;script src="bootstrap-table-en-US.js"&gt;&lt;/script&gt;</a:t>
+            </a:r>
+            <a:endParaRPr lang="zh-CN" altLang="en-US"/>
+          </a:p>
+          <a:p>
+            <a:r>
+              <a:rPr lang="zh-CN" altLang="en-US"/>
+              <a:t>&lt;script src="bootstrap-table-zh-CN.js"&gt;&lt;/script&gt;</a:t>
+            </a:r>
+            <a:endParaRPr lang="zh-CN" altLang="en-US"/>
+          </a:p>
+          <a:p>
+            <a:r>
+              <a:rPr lang="zh-CN" altLang="en-US" sz="1600">
+                <a:solidFill>
+                  <a:srgbClr val="FF0000"/>
+                </a:solidFill>
+              </a:rPr>
+              <a:t>Name                               </a:t>
+            </a:r>
+            <a:r>
+              <a:rPr lang="zh-CN" altLang="en-US" sz="1600">
+                <a:solidFill>
+                  <a:srgbClr val="FF0000"/>
+                </a:solidFill>
+                <a:sym typeface="+mn-ea"/>
+              </a:rPr>
+              <a:t>Parameter                     Default</a:t>
+            </a:r>
+            <a:endParaRPr lang="zh-CN" altLang="en-US" sz="1600">
+              <a:solidFill>
+                <a:srgbClr val="FF0000"/>
+              </a:solidFill>
+              <a:sym typeface="+mn-ea"/>
+            </a:endParaRPr>
+          </a:p>
+          <a:p>
+            <a:endParaRPr lang="zh-CN" altLang="en-US" sz="1600">
+              <a:solidFill>
+                <a:srgbClr val="FF0000"/>
+              </a:solidFill>
+              <a:sym typeface="+mn-ea"/>
+            </a:endParaRPr>
+          </a:p>
+          <a:p>
+            <a:endParaRPr lang="zh-CN" altLang="en-US" sz="900"/>
+          </a:p>
+          <a:p>
+            <a:r>
+              <a:rPr lang="zh-CN" altLang="en-US" sz="1400"/>
+              <a:t>formatLoadingMessage	-	      'Loading, please wait…'</a:t>
+            </a:r>
+            <a:endParaRPr lang="zh-CN" altLang="en-US" sz="1400"/>
+          </a:p>
+          <a:p>
+            <a:r>
+              <a:rPr lang="zh-CN" altLang="en-US" sz="1400"/>
+              <a:t>formatRecordsPerPage	pageNumber	'%s records per page'</a:t>
+            </a:r>
+            <a:endParaRPr lang="zh-CN" altLang="en-US" sz="1400"/>
+          </a:p>
+          <a:p>
+            <a:r>
+              <a:rPr lang="zh-CN" altLang="en-US" sz="1400"/>
+              <a:t>formatShowingRows	pageFrom,            pageTo, totalRows	'Showing %s to %s of %s rows'</a:t>
+            </a:r>
+            <a:endParaRPr lang="zh-CN" altLang="en-US" sz="1400"/>
+          </a:p>
+          <a:p>
+            <a:r>
+              <a:rPr lang="zh-CN" altLang="en-US" sz="1400"/>
+              <a:t>formatDetailPagination	totalRows	        'Showing %s rows'</a:t>
+            </a:r>
+            <a:endParaRPr lang="zh-CN" altLang="en-US" sz="1400"/>
+          </a:p>
+          <a:p>
+            <a:r>
+              <a:rPr lang="zh-CN" altLang="en-US" sz="1400"/>
+              <a:t>formatSearch	-	         'Search'</a:t>
+            </a:r>
+            <a:endParaRPr lang="zh-CN" altLang="en-US" sz="1400"/>
+          </a:p>
+          <a:p>
+            <a:r>
+              <a:rPr lang="zh-CN" altLang="en-US" sz="1400"/>
+              <a:t>formatNoMatches	-	         'No matching records found'</a:t>
+            </a:r>
+            <a:endParaRPr lang="zh-CN" altLang="en-US" sz="1400"/>
+          </a:p>
+          <a:p>
+            <a:r>
+              <a:rPr lang="zh-CN" altLang="en-US" sz="1400"/>
+              <a:t>formatRefresh	-	        'Refresh'</a:t>
+            </a:r>
+            <a:endParaRPr lang="zh-CN" altLang="en-US" sz="1400"/>
+          </a:p>
+          <a:p>
+            <a:r>
+              <a:rPr lang="zh-CN" altLang="en-US" sz="1400"/>
+              <a:t>formatToggle	-	         'Toggle'</a:t>
+            </a:r>
+            <a:endParaRPr lang="zh-CN" altLang="en-US" sz="1400"/>
+          </a:p>
+          <a:p>
+            <a:r>
+              <a:rPr lang="zh-CN" altLang="en-US" sz="1400"/>
+              <a:t>formatColumns	-	         'Columns'</a:t>
+            </a:r>
+            <a:endParaRPr lang="zh-CN" altLang="en-US" sz="1400"/>
+          </a:p>
+          <a:p>
+            <a:r>
+              <a:rPr lang="zh-CN" altLang="en-US" sz="1400"/>
+              <a:t>formatAllRows	-	        'All'</a:t>
+            </a:r>
+            <a:endParaRPr lang="zh-CN" altLang="en-US" sz="1400"/>
           </a:p>
         </p:txBody>
       </p:sp>
-      <p:pic>
-        <p:nvPicPr>
-          <p:cNvPr id="2" name="图片 1"/>
-          <p:cNvPicPr>
-            <a:picLocks noChangeAspect="1"/>
-          </p:cNvPicPr>
-          <p:nvPr/>
-        </p:nvPicPr>
-        <p:blipFill>
-          <a:blip r:embed="rId1"/>
-          <a:stretch>
-            <a:fillRect/>
-          </a:stretch>
-        </p:blipFill>
-        <p:spPr>
-          <a:xfrm>
-            <a:off x="609600" y="1048385"/>
-            <a:ext cx="5498465" cy="3921760"/>
-          </a:xfrm>
-          <a:prstGeom prst="rect">
-            <a:avLst/>
-          </a:prstGeom>
-        </p:spPr>
-      </p:pic>
     </p:spTree>
   </p:cSld>
   <p:clrMapOvr>
@@ -10290,6 +10821,319 @@
 </file>
 
 <file path=ppt/slides/slide15.xml><?xml version="1.0" encoding="utf-8"?>
+<p:sld xmlns:a="http://schemas.openxmlformats.org/drawingml/2006/main" xmlns:r="http://schemas.openxmlformats.org/officeDocument/2006/relationships" xmlns:p="http://schemas.openxmlformats.org/presentationml/2006/main">
+  <p:cSld>
+    <p:spTree>
+      <p:nvGrpSpPr>
+        <p:cNvPr id="1" name=""/>
+        <p:cNvGrpSpPr/>
+        <p:nvPr/>
+      </p:nvGrpSpPr>
+      <p:grpSpPr>
+        <a:xfrm>
+          <a:off x="0" y="0"/>
+          <a:ext cx="0" cy="0"/>
+          <a:chOff x="0" y="0"/>
+          <a:chExt cx="0" cy="0"/>
+        </a:xfrm>
+      </p:grpSpPr>
+      <p:sp>
+        <p:nvSpPr>
+          <p:cNvPr id="3" name="Title 2"/>
+          <p:cNvSpPr>
+            <a:spLocks noGrp="1"/>
+          </p:cNvSpPr>
+          <p:nvPr>
+            <p:ph type="title"/>
+          </p:nvPr>
+        </p:nvSpPr>
+        <p:spPr>
+          <a:xfrm>
+            <a:off x="457200" y="438150"/>
+            <a:ext cx="7620000" cy="422672"/>
+          </a:xfrm>
+        </p:spPr>
+        <p:txBody>
+          <a:bodyPr/>
+          <a:lstStyle/>
+          <a:p>
+            <a:r>
+              <a:rPr lang="zh-CN" altLang="en-US" dirty="0">
+                <a:solidFill>
+                  <a:srgbClr val="0070C0"/>
+                </a:solidFill>
+                <a:latin typeface="+mn-lt"/>
+                <a:ea typeface="+mn-ea"/>
+                <a:cs typeface="+mn-ea"/>
+                <a:sym typeface="+mn-lt"/>
+              </a:rPr>
+              <a:t>多语言</a:t>
+            </a:r>
+            <a:endParaRPr lang="zh-CN" altLang="en-US" dirty="0">
+              <a:solidFill>
+                <a:srgbClr val="0070C0"/>
+              </a:solidFill>
+              <a:latin typeface="+mn-lt"/>
+              <a:ea typeface="+mn-ea"/>
+              <a:cs typeface="+mn-ea"/>
+              <a:sym typeface="+mn-lt"/>
+            </a:endParaRPr>
+          </a:p>
+        </p:txBody>
+      </p:sp>
+      <p:sp>
+        <p:nvSpPr>
+          <p:cNvPr id="4" name="Footer Placeholder 3"/>
+          <p:cNvSpPr>
+            <a:spLocks noGrp="1"/>
+          </p:cNvSpPr>
+          <p:nvPr>
+            <p:ph type="ftr" sz="quarter" idx="11"/>
+          </p:nvPr>
+        </p:nvSpPr>
+        <p:spPr/>
+        <p:txBody>
+          <a:bodyPr/>
+          <a:lstStyle/>
+          <a:p>
+            <a:r>
+              <a:rPr lang="en-US" dirty="0" smtClean="0">
+                <a:cs typeface="+mn-ea"/>
+                <a:sym typeface="+mn-lt"/>
+              </a:rPr>
+              <a:t> </a:t>
+            </a:r>
+            <a:endParaRPr lang="en-US" dirty="0">
+              <a:cs typeface="+mn-ea"/>
+              <a:sym typeface="+mn-lt"/>
+            </a:endParaRPr>
+          </a:p>
+        </p:txBody>
+      </p:sp>
+      <p:sp>
+        <p:nvSpPr>
+          <p:cNvPr id="5" name="文本框 4"/>
+          <p:cNvSpPr txBox="1"/>
+          <p:nvPr/>
+        </p:nvSpPr>
+        <p:spPr>
+          <a:xfrm>
+            <a:off x="389255" y="948690"/>
+            <a:ext cx="7764145" cy="4092575"/>
+          </a:xfrm>
+          <a:prstGeom prst="rect">
+            <a:avLst/>
+          </a:prstGeom>
+          <a:noFill/>
+        </p:spPr>
+        <p:txBody>
+          <a:bodyPr wrap="square" rtlCol="0">
+            <a:spAutoFit/>
+          </a:bodyPr>
+          <a:p>
+            <a:r>
+              <a:rPr lang="zh-CN" altLang="en-US" sz="900"/>
+              <a:t>(</a:t>
+            </a:r>
+            <a:r>
+              <a:rPr lang="zh-CN" altLang="en-US" sz="1000"/>
+              <a:t>function ($) {</a:t>
+            </a:r>
+            <a:endParaRPr lang="zh-CN" altLang="en-US" sz="1000"/>
+          </a:p>
+          <a:p>
+            <a:r>
+              <a:rPr lang="zh-CN" altLang="en-US" sz="1000"/>
+              <a:t>    'use strict';</a:t>
+            </a:r>
+            <a:endParaRPr lang="zh-CN" altLang="en-US" sz="1000"/>
+          </a:p>
+          <a:p>
+            <a:endParaRPr lang="zh-CN" altLang="en-US" sz="1000"/>
+          </a:p>
+          <a:p>
+            <a:r>
+              <a:rPr lang="zh-CN" altLang="en-US" sz="1000"/>
+              <a:t>    $.fn.bootstrapTable.locales['zh-CN'] = {</a:t>
+            </a:r>
+            <a:endParaRPr lang="zh-CN" altLang="en-US" sz="1000"/>
+          </a:p>
+          <a:p>
+            <a:r>
+              <a:rPr lang="zh-CN" altLang="en-US" sz="1000"/>
+              <a:t>        formatLoadingMessage: function () {</a:t>
+            </a:r>
+            <a:endParaRPr lang="zh-CN" altLang="en-US" sz="1000"/>
+          </a:p>
+          <a:p>
+            <a:r>
+              <a:rPr lang="zh-CN" altLang="en-US" sz="1000"/>
+              <a:t>            return '正在努力地加载数据中，请稍候……';</a:t>
+            </a:r>
+            <a:endParaRPr lang="zh-CN" altLang="en-US" sz="1000"/>
+          </a:p>
+          <a:p>
+            <a:r>
+              <a:rPr lang="zh-CN" altLang="en-US" sz="1000"/>
+              <a:t>        },</a:t>
+            </a:r>
+            <a:endParaRPr lang="zh-CN" altLang="en-US" sz="1000"/>
+          </a:p>
+          <a:p>
+            <a:r>
+              <a:rPr lang="zh-CN" altLang="en-US" sz="1000"/>
+              <a:t>        formatRecordsPerPage: function (pageNumber) {</a:t>
+            </a:r>
+            <a:endParaRPr lang="zh-CN" altLang="en-US" sz="1000"/>
+          </a:p>
+          <a:p>
+            <a:r>
+              <a:rPr lang="zh-CN" altLang="en-US" sz="1000"/>
+              <a:t>            return '每页显示 ' + pageNumber + ' 条记录';</a:t>
+            </a:r>
+            <a:endParaRPr lang="zh-CN" altLang="en-US" sz="1000"/>
+          </a:p>
+          <a:p>
+            <a:r>
+              <a:rPr lang="zh-CN" altLang="en-US" sz="1000"/>
+              <a:t>        },</a:t>
+            </a:r>
+            <a:endParaRPr lang="zh-CN" altLang="en-US" sz="1000"/>
+          </a:p>
+          <a:p>
+            <a:r>
+              <a:rPr lang="zh-CN" altLang="en-US" sz="1000"/>
+              <a:t>        formatShowingRows: function (pageFrom, pageTo, totalRows) {</a:t>
+            </a:r>
+            <a:endParaRPr lang="zh-CN" altLang="en-US" sz="1000"/>
+          </a:p>
+          <a:p>
+            <a:r>
+              <a:rPr lang="zh-CN" altLang="en-US" sz="1000"/>
+              <a:t>            return '显示第 ' + pageFrom + ' 到第 ' + pageTo + ' 条记录，总共 ' + totalRows + ' 条记录';</a:t>
+            </a:r>
+            <a:endParaRPr lang="zh-CN" altLang="en-US" sz="1000"/>
+          </a:p>
+          <a:p>
+            <a:r>
+              <a:rPr lang="zh-CN" altLang="en-US" sz="1000"/>
+              <a:t>        },</a:t>
+            </a:r>
+            <a:endParaRPr lang="zh-CN" altLang="en-US" sz="1000"/>
+          </a:p>
+          <a:p>
+            <a:r>
+              <a:rPr lang="zh-CN" altLang="en-US" sz="1000"/>
+              <a:t>        formatSearch: function () {</a:t>
+            </a:r>
+            <a:endParaRPr lang="zh-CN" altLang="en-US" sz="1000"/>
+          </a:p>
+          <a:p>
+            <a:r>
+              <a:rPr lang="zh-CN" altLang="en-US" sz="1000"/>
+              <a:t>            return '搜索';</a:t>
+            </a:r>
+            <a:endParaRPr lang="zh-CN" altLang="en-US" sz="1000"/>
+          </a:p>
+          <a:p>
+            <a:r>
+              <a:rPr lang="zh-CN" altLang="en-US" sz="1000"/>
+              <a:t>        },</a:t>
+            </a:r>
+            <a:endParaRPr lang="zh-CN" altLang="en-US" sz="1000"/>
+          </a:p>
+          <a:p>
+            <a:r>
+              <a:rPr lang="zh-CN" altLang="en-US" sz="1000"/>
+              <a:t>        formatNoMatches: function () {</a:t>
+            </a:r>
+            <a:endParaRPr lang="zh-CN" altLang="en-US" sz="1000"/>
+          </a:p>
+          <a:p>
+            <a:r>
+              <a:rPr lang="zh-CN" altLang="en-US" sz="1000"/>
+              <a:t>            return '没有找到匹配的记录';</a:t>
+            </a:r>
+            <a:endParaRPr lang="zh-CN" altLang="en-US" sz="1000"/>
+          </a:p>
+          <a:p>
+            <a:r>
+              <a:rPr lang="zh-CN" altLang="en-US" sz="1000"/>
+              <a:t>        },</a:t>
+            </a:r>
+            <a:endParaRPr lang="zh-CN" altLang="en-US" sz="1000"/>
+          </a:p>
+          <a:p>
+            <a:r>
+              <a:rPr lang="zh-CN" altLang="en-US" sz="1000"/>
+              <a:t>        formatPaginationSwitch: function () {</a:t>
+            </a:r>
+            <a:endParaRPr lang="zh-CN" altLang="en-US" sz="1000"/>
+          </a:p>
+          <a:p>
+            <a:r>
+              <a:rPr lang="zh-CN" altLang="en-US" sz="1000"/>
+              <a:t>            return '隐藏/显示分页';</a:t>
+            </a:r>
+            <a:endParaRPr lang="zh-CN" altLang="en-US" sz="1000"/>
+          </a:p>
+          <a:p>
+            <a:r>
+              <a:rPr lang="zh-CN" altLang="en-US" sz="1000"/>
+              <a:t>        },</a:t>
+            </a:r>
+            <a:endParaRPr lang="zh-CN" altLang="en-US" sz="1000"/>
+          </a:p>
+          <a:p>
+            <a:r>
+              <a:rPr lang="zh-CN" altLang="en-US" sz="1000"/>
+              <a:t>       </a:t>
+            </a:r>
+            <a:endParaRPr lang="zh-CN" altLang="en-US" sz="1000"/>
+          </a:p>
+          <a:p>
+            <a:r>
+              <a:rPr lang="zh-CN" altLang="en-US" sz="1000"/>
+              <a:t>    $.extend($.fn.bootstrapTable.defaults, $.fn.bootstrapTable.locales['zh-CN']);</a:t>
+            </a:r>
+            <a:endParaRPr lang="zh-CN" altLang="en-US" sz="1000"/>
+          </a:p>
+          <a:p>
+            <a:endParaRPr lang="zh-CN" altLang="en-US" sz="1000"/>
+          </a:p>
+          <a:p>
+            <a:r>
+              <a:rPr lang="zh-CN" altLang="en-US" sz="1000"/>
+              <a:t>})(jQuery);</a:t>
+            </a:r>
+            <a:endParaRPr lang="zh-CN" altLang="en-US" sz="1000"/>
+          </a:p>
+        </p:txBody>
+      </p:sp>
+    </p:spTree>
+  </p:cSld>
+  <p:clrMapOvr>
+    <a:masterClrMapping/>
+  </p:clrMapOvr>
+  <mc:AlternateContent xmlns:mc="http://schemas.openxmlformats.org/markup-compatibility/2006">
+    <mc:Choice xmlns:p14="http://schemas.microsoft.com/office/powerpoint/2010/main" Requires="p14">
+      <p:transition spd="slow" p14:dur="2000"/>
+    </mc:Choice>
+    <mc:Fallback>
+      <p:transition spd="slow"/>
+    </mc:Fallback>
+  </mc:AlternateContent>
+  <p:timing>
+    <p:tnLst>
+      <p:par>
+        <p:cTn id="1" dur="indefinite" restart="never" nodeType="tmRoot"/>
+      </p:par>
+    </p:tnLst>
+  </p:timing>
+</p:sld>
+</file>
+
+<file path=ppt/slides/slide16.xml><?xml version="1.0" encoding="utf-8"?>
 <p:sld xmlns:a="http://schemas.openxmlformats.org/drawingml/2006/main" xmlns:r="http://schemas.openxmlformats.org/officeDocument/2006/relationships" xmlns:p="http://schemas.openxmlformats.org/presentationml/2006/main">
   <p:cSld>
     <p:spTree>
@@ -11695,7 +12539,7 @@
 </p:sld>
 </file>
 
-<file path=ppt/slides/slide16.xml><?xml version="1.0" encoding="utf-8"?>
+<file path=ppt/slides/slide17.xml><?xml version="1.0" encoding="utf-8"?>
 <p:sld xmlns:a="http://schemas.openxmlformats.org/drawingml/2006/main" xmlns:r="http://schemas.openxmlformats.org/officeDocument/2006/relationships" xmlns:p="http://schemas.openxmlformats.org/presentationml/2006/main">
   <p:cSld>
     <p:spTree>
@@ -11760,7 +12604,7 @@
 </p:sld>
 </file>
 
-<file path=ppt/slides/slide17.xml><?xml version="1.0" encoding="utf-8"?>
+<file path=ppt/slides/slide18.xml><?xml version="1.0" encoding="utf-8"?>
 <p:sld xmlns:a="http://schemas.openxmlformats.org/drawingml/2006/main" xmlns:r="http://schemas.openxmlformats.org/officeDocument/2006/relationships" xmlns:p="http://schemas.openxmlformats.org/presentationml/2006/main">
   <p:cSld>
     <p:spTree>
@@ -16380,19 +17224,7 @@
                 <a:cs typeface="+mn-ea"/>
                 <a:sym typeface="+mn-lt"/>
               </a:rPr>
-              <a:t>列</a:t>
-            </a:r>
-            <a:r>
-              <a:rPr lang="zh-CN" altLang="en-US" sz="3600" dirty="0">
-                <a:solidFill>
-                  <a:srgbClr val="0070C0"/>
-                </a:solidFill>
-                <a:latin typeface="+mn-lt"/>
-                <a:ea typeface="+mn-ea"/>
-                <a:cs typeface="+mn-ea"/>
-                <a:sym typeface="+mn-lt"/>
-              </a:rPr>
-              <a:t>参数</a:t>
+              <a:t>列参数</a:t>
             </a:r>
             <a:endParaRPr lang="zh-CN" altLang="en-US" sz="3600" dirty="0">
               <a:solidFill>

--- a/springboot-mybatis-master/bootstrap-table.pptx
+++ b/springboot-mybatis-master/bootstrap-table.pptx
@@ -9810,7 +9810,7 @@
           <a:lstStyle/>
           <a:p>
             <a:r>
-              <a:rPr lang="zh-CN" altLang="en-US" dirty="0">
+              <a:rPr lang="zh-CN" altLang="zh-CN" dirty="0">
                 <a:solidFill>
                   <a:srgbClr val="0070C0"/>
                 </a:solidFill>
@@ -9819,9 +9819,9 @@
                 <a:cs typeface="+mn-ea"/>
                 <a:sym typeface="+mn-lt"/>
               </a:rPr>
-              <a:t>方法介绍</a:t>
-            </a:r>
-            <a:endParaRPr lang="zh-CN" altLang="en-US" dirty="0">
+              <a:t>导出文件</a:t>
+            </a:r>
+            <a:endParaRPr lang="zh-CN" altLang="zh-CN" dirty="0">
               <a:solidFill>
                 <a:srgbClr val="0070C0"/>
               </a:solidFill>
@@ -9911,8 +9911,8 @@
         </p:nvSpPr>
         <p:spPr>
           <a:xfrm>
-            <a:off x="635635" y="1131570"/>
-            <a:ext cx="7324725" cy="645160"/>
+            <a:off x="605155" y="1139190"/>
+            <a:ext cx="7324725" cy="922020"/>
           </a:xfrm>
           <a:prstGeom prst="rect">
             <a:avLst/>
@@ -9926,14 +9926,21 @@
           <a:p>
             <a:r>
               <a:rPr lang="zh-CN" altLang="en-US"/>
-              <a:t>使用方法的语法：</a:t>
+              <a:t>需要引进</a:t>
             </a:r>
             <a:endParaRPr lang="zh-CN" altLang="en-US"/>
           </a:p>
           <a:p>
             <a:r>
               <a:rPr lang="zh-CN" altLang="en-US"/>
-              <a:t>$('#table').bootstrapTable('method', parameter);</a:t>
+              <a:t>tableExport.js</a:t>
+            </a:r>
+            <a:endParaRPr lang="zh-CN" altLang="en-US"/>
+          </a:p>
+          <a:p>
+            <a:r>
+              <a:rPr lang="zh-CN" altLang="en-US"/>
+              <a:t>bootstrap-table-export.js</a:t>
             </a:r>
             <a:endParaRPr lang="zh-CN" altLang="en-US"/>
           </a:p>
@@ -10000,7 +10007,7 @@
           <a:lstStyle/>
           <a:p>
             <a:r>
-              <a:rPr lang="zh-CN" altLang="en-US" sz="3600" dirty="0">
+              <a:rPr lang="en-US" altLang="zh-CN" sz="3600" dirty="0">
                 <a:solidFill>
                   <a:srgbClr val="0070C0"/>
                 </a:solidFill>
@@ -10009,9 +10016,9 @@
                 <a:cs typeface="+mn-ea"/>
                 <a:sym typeface="+mn-lt"/>
               </a:rPr>
-              <a:t>方法列表</a:t>
-            </a:r>
-            <a:endParaRPr lang="zh-CN" altLang="en-US" sz="3600" dirty="0">
+              <a:t>OpenXML</a:t>
+            </a:r>
+            <a:endParaRPr lang="en-US" altLang="zh-CN" sz="3600" dirty="0">
               <a:solidFill>
                 <a:srgbClr val="0070C0"/>
               </a:solidFill>
@@ -10023,525 +10030,35 @@
           </a:p>
         </p:txBody>
       </p:sp>
-      <p:graphicFrame>
-        <p:nvGraphicFramePr>
-          <p:cNvPr id="5" name="表格 4"/>
-          <p:cNvGraphicFramePr/>
+      <p:sp>
+        <p:nvSpPr>
+          <p:cNvPr id="2" name="文本框 1"/>
+          <p:cNvSpPr txBox="1"/>
           <p:nvPr/>
-        </p:nvGraphicFramePr>
-        <p:xfrm>
-          <a:off x="456565" y="1102995"/>
-          <a:ext cx="7161530" cy="4195445"/>
-        </p:xfrm>
-        <a:graphic>
-          <a:graphicData uri="http://schemas.openxmlformats.org/drawingml/2006/table">
-            <a:tbl>
-              <a:tblPr firstRow="1" bandRow="1">
-                <a:tableStyleId>{5C22544A-7EE6-4342-B048-85BDC9FD1C3A}</a:tableStyleId>
-              </a:tblPr>
-              <a:tblGrid>
-                <a:gridCol w="1597025"/>
-                <a:gridCol w="1460500"/>
-                <a:gridCol w="4104005"/>
-              </a:tblGrid>
-              <a:tr h="462915">
-                <a:tc>
-                  <a:txBody>
-                    <a:bodyPr/>
-                    <a:p>
-                      <a:pPr>
-                        <a:buNone/>
-                      </a:pPr>
-                      <a:r>
-                        <a:rPr lang="zh-CN" altLang="en-US"/>
-                        <a:t>名称</a:t>
-                      </a:r>
-                      <a:endParaRPr lang="zh-CN" altLang="en-US"/>
-                    </a:p>
-                    <a:p>
-                      <a:pPr>
-                        <a:buNone/>
-                      </a:pPr>
-                      <a:endParaRPr lang="zh-CN" altLang="en-US"/>
-                    </a:p>
-                  </a:txBody>
-                  <a:tcPr/>
-                </a:tc>
-                <a:tc>
-                  <a:txBody>
-                    <a:bodyPr/>
-                    <a:p>
-                      <a:pPr>
-                        <a:buNone/>
-                      </a:pPr>
-                      <a:r>
-                        <a:rPr lang="zh-CN" altLang="en-US" sz="1800">
-                          <a:sym typeface="+mn-ea"/>
-                        </a:rPr>
-                        <a:t>参数</a:t>
-                      </a:r>
-                      <a:endParaRPr lang="zh-CN" altLang="en-US" sz="1800">
-                        <a:sym typeface="+mn-ea"/>
-                      </a:endParaRPr>
-                    </a:p>
-                  </a:txBody>
-                  <a:tcPr/>
-                </a:tc>
-                <a:tc>
-                  <a:txBody>
-                    <a:bodyPr/>
-                    <a:p>
-                      <a:pPr>
-                        <a:buNone/>
-                      </a:pPr>
-                      <a:r>
-                        <a:rPr lang="zh-CN" altLang="en-US" sz="1800">
-                          <a:sym typeface="+mn-ea"/>
-                        </a:rPr>
-                        <a:t>描述</a:t>
-                      </a:r>
-                      <a:endParaRPr lang="zh-CN" altLang="en-US"/>
-                    </a:p>
-                  </a:txBody>
-                  <a:tcPr/>
-                </a:tc>
-              </a:tr>
-              <a:tr h="394335">
-                <a:tc>
-                  <a:txBody>
-                    <a:bodyPr/>
-                    <a:p>
-                      <a:pPr>
-                        <a:buNone/>
-                      </a:pPr>
-                      <a:r>
-                        <a:rPr lang="zh-CN" altLang="en-US" sz="1200" b="1">
-                          <a:sym typeface="+mn-ea"/>
-                        </a:rPr>
-                        <a:t>getOptions</a:t>
-                      </a:r>
-                      <a:endParaRPr lang="zh-CN" altLang="en-US" sz="1200" b="1">
-                        <a:sym typeface="+mn-ea"/>
-                      </a:endParaRPr>
-                    </a:p>
-                  </a:txBody>
-                  <a:tcPr/>
-                </a:tc>
-                <a:tc>
-                  <a:txBody>
-                    <a:bodyPr/>
-                    <a:p>
-                      <a:pPr>
-                        <a:buNone/>
-                      </a:pPr>
-                      <a:r>
-                        <a:rPr lang="zh-CN" altLang="en-US" sz="1200">
-                          <a:sym typeface="+mn-ea"/>
-                        </a:rPr>
-                        <a:t>无</a:t>
-                      </a:r>
-                      <a:endParaRPr lang="zh-CN" altLang="en-US" sz="1200">
-                        <a:sym typeface="+mn-ea"/>
-                      </a:endParaRPr>
-                    </a:p>
-                  </a:txBody>
-                  <a:tcPr/>
-                </a:tc>
-                <a:tc>
-                  <a:txBody>
-                    <a:bodyPr/>
-                    <a:p>
-                      <a:pPr>
-                        <a:buNone/>
-                      </a:pPr>
-                      <a:r>
-                        <a:rPr lang="zh-CN" altLang="en-US" sz="1200">
-                          <a:sym typeface="+mn-ea"/>
-                        </a:rPr>
-                        <a:t>返回表格的 Options。 （</a:t>
-                      </a:r>
-                      <a:r>
-                        <a:rPr lang="en-US" altLang="zh-CN" sz="1200">
-                          <a:sym typeface="+mn-ea"/>
-                        </a:rPr>
-                        <a:t>getOptions.json)</a:t>
-                      </a:r>
-                      <a:endParaRPr lang="en-US" altLang="zh-CN" sz="1200">
-                        <a:sym typeface="+mn-ea"/>
-                      </a:endParaRPr>
-                    </a:p>
-                  </a:txBody>
-                  <a:tcPr/>
-                </a:tc>
-              </a:tr>
-              <a:tr h="417195">
-                <a:tc>
-                  <a:txBody>
-                    <a:bodyPr/>
-                    <a:p>
-                      <a:pPr>
-                        <a:buNone/>
-                      </a:pPr>
-                      <a:r>
-                        <a:rPr lang="zh-CN" altLang="en-US" sz="1200" b="1">
-                          <a:sym typeface="+mn-ea"/>
-                        </a:rPr>
-                        <a:t>getSelections</a:t>
-                      </a:r>
-                      <a:endParaRPr lang="zh-CN" altLang="en-US" sz="1200" b="1">
-                        <a:sym typeface="+mn-ea"/>
-                      </a:endParaRPr>
-                    </a:p>
-                  </a:txBody>
-                  <a:tcPr/>
-                </a:tc>
-                <a:tc>
-                  <a:txBody>
-                    <a:bodyPr/>
-                    <a:p>
-                      <a:pPr>
-                        <a:buNone/>
-                      </a:pPr>
-                      <a:r>
-                        <a:rPr lang="zh-CN" altLang="en-US" sz="1200">
-                          <a:sym typeface="+mn-ea"/>
-                        </a:rPr>
-                        <a:t>无</a:t>
-                      </a:r>
-                      <a:endParaRPr lang="zh-CN" altLang="en-US" sz="1200">
-                        <a:sym typeface="+mn-ea"/>
-                      </a:endParaRPr>
-                    </a:p>
-                  </a:txBody>
-                  <a:tcPr/>
-                </a:tc>
-                <a:tc>
-                  <a:txBody>
-                    <a:bodyPr/>
-                    <a:p>
-                      <a:pPr>
-                        <a:buNone/>
-                      </a:pPr>
-                      <a:r>
-                        <a:rPr lang="zh-CN" altLang="en-US" sz="1200">
-                          <a:sym typeface="+mn-ea"/>
-                        </a:rPr>
-                        <a:t>返回所选的行，当没有选择任何行的时候返回一个空数组。</a:t>
-                      </a:r>
-                      <a:endParaRPr lang="zh-CN" altLang="en-US" sz="1200">
-                        <a:sym typeface="+mn-ea"/>
-                      </a:endParaRPr>
-                    </a:p>
-                  </a:txBody>
-                  <a:tcPr/>
-                </a:tc>
-              </a:tr>
-              <a:tr h="469265">
-                <a:tc>
-                  <a:txBody>
-                    <a:bodyPr/>
-                    <a:p>
-                      <a:pPr>
-                        <a:buNone/>
-                      </a:pPr>
-                      <a:r>
-                        <a:rPr lang="zh-CN" altLang="en-US" sz="1200" b="1"/>
-                        <a:t>load</a:t>
-                      </a:r>
-                      <a:endParaRPr lang="zh-CN" altLang="en-US" sz="1200" b="1"/>
-                    </a:p>
-                  </a:txBody>
-                  <a:tcPr/>
-                </a:tc>
-                <a:tc>
-                  <a:txBody>
-                    <a:bodyPr/>
-                    <a:p>
-                      <a:pPr>
-                        <a:buNone/>
-                      </a:pPr>
-                      <a:r>
-                        <a:rPr lang="en-US" altLang="zh-CN" sz="1200">
-                          <a:sym typeface="+mn-ea"/>
-                        </a:rPr>
-                        <a:t>data</a:t>
-                      </a:r>
-                      <a:endParaRPr lang="en-US" altLang="zh-CN" sz="1200">
-                        <a:sym typeface="+mn-ea"/>
-                      </a:endParaRPr>
-                    </a:p>
-                  </a:txBody>
-                  <a:tcPr/>
-                </a:tc>
-                <a:tc>
-                  <a:txBody>
-                    <a:bodyPr/>
-                    <a:p>
-                      <a:pPr>
-                        <a:buNone/>
-                      </a:pPr>
-                      <a:r>
-                        <a:rPr lang="zh-CN" altLang="en-US" sz="1200">
-                          <a:sym typeface="+mn-ea"/>
-                        </a:rPr>
-                        <a:t>加载数据到表格中，旧数据会被替换。</a:t>
-                      </a:r>
-                      <a:endParaRPr lang="zh-CN" altLang="en-US" sz="1200">
-                        <a:sym typeface="+mn-ea"/>
-                      </a:endParaRPr>
-                    </a:p>
-                  </a:txBody>
-                  <a:tcPr/>
-                </a:tc>
-              </a:tr>
-              <a:tr h="398780">
-                <a:tc>
-                  <a:txBody>
-                    <a:bodyPr/>
-                    <a:p>
-                      <a:pPr>
-                        <a:buNone/>
-                      </a:pPr>
-                      <a:r>
-                        <a:rPr lang="zh-CN" altLang="en-US" sz="1200" b="1"/>
-                        <a:t>onCheck</a:t>
-                      </a:r>
-                      <a:endParaRPr lang="zh-CN" altLang="en-US" sz="1200" b="1"/>
-                    </a:p>
-                  </a:txBody>
-                  <a:tcPr/>
-                </a:tc>
-                <a:tc>
-                  <a:txBody>
-                    <a:bodyPr/>
-                    <a:p>
-                      <a:pPr>
-                        <a:buNone/>
-                      </a:pPr>
-                      <a:r>
-                        <a:rPr lang="en-US" altLang="zh-CN" sz="1200">
-                          <a:sym typeface="+mn-ea"/>
-                        </a:rPr>
-                        <a:t>row	</a:t>
-                      </a:r>
-                      <a:endParaRPr lang="en-US" altLang="zh-CN" sz="1200">
-                        <a:sym typeface="+mn-ea"/>
-                      </a:endParaRPr>
-                    </a:p>
-                  </a:txBody>
-                  <a:tcPr/>
-                </a:tc>
-                <a:tc>
-                  <a:txBody>
-                    <a:bodyPr/>
-                    <a:p>
-                      <a:pPr>
-                        <a:buNone/>
-                      </a:pPr>
-                      <a:r>
-                        <a:rPr lang="zh-CN" altLang="en-US" sz="1200">
-                          <a:sym typeface="+mn-ea"/>
-                        </a:rPr>
-                        <a:t>row：点击列的整行数据</a:t>
-                      </a:r>
-                      <a:r>
-                        <a:rPr lang="zh-CN" altLang="en-US" sz="1200"/>
-                        <a:t>　</a:t>
-                      </a:r>
-                      <a:endParaRPr lang="zh-CN" altLang="en-US" sz="1200"/>
-                    </a:p>
-                  </a:txBody>
-                  <a:tcPr/>
-                </a:tc>
-              </a:tr>
-              <a:tr h="398780">
-                <a:tc>
-                  <a:txBody>
-                    <a:bodyPr/>
-                    <a:p>
-                      <a:pPr>
-                        <a:buNone/>
-                      </a:pPr>
-                      <a:r>
-                        <a:rPr lang="zh-CN" altLang="en-US" sz="1200" b="1"/>
-                        <a:t>prepend</a:t>
-                      </a:r>
-                      <a:endParaRPr lang="zh-CN" altLang="en-US" sz="1200" b="1"/>
-                    </a:p>
-                  </a:txBody>
-                  <a:tcPr/>
-                </a:tc>
-                <a:tc>
-                  <a:txBody>
-                    <a:bodyPr/>
-                    <a:p>
-                      <a:pPr>
-                        <a:buNone/>
-                      </a:pPr>
-                      <a:r>
-                        <a:rPr lang="en-US" altLang="zh-CN" sz="1200">
-                          <a:sym typeface="+mn-ea"/>
-                        </a:rPr>
-                        <a:t>data</a:t>
-                      </a:r>
-                      <a:endParaRPr lang="en-US" altLang="zh-CN" sz="1200">
-                        <a:sym typeface="+mn-ea"/>
-                      </a:endParaRPr>
-                    </a:p>
-                  </a:txBody>
-                  <a:tcPr/>
-                </a:tc>
-                <a:tc>
-                  <a:txBody>
-                    <a:bodyPr/>
-                    <a:p>
-                      <a:pPr>
-                        <a:buNone/>
-                      </a:pPr>
-                      <a:r>
-                        <a:rPr lang="zh-CN" altLang="en-US" sz="1200"/>
-                        <a:t>插入数据到表格在现有数据之前。</a:t>
-                      </a:r>
-                      <a:endParaRPr lang="zh-CN" altLang="en-US" sz="1200"/>
-                    </a:p>
-                  </a:txBody>
-                  <a:tcPr/>
-                </a:tc>
-              </a:tr>
-              <a:tr h="398780">
-                <a:tc>
-                  <a:txBody>
-                    <a:bodyPr/>
-                    <a:p>
-                      <a:pPr>
-                        <a:buNone/>
-                      </a:pPr>
-                      <a:r>
-                        <a:rPr lang="zh-CN" altLang="en-US" sz="1200" b="1"/>
-                        <a:t>append</a:t>
-                      </a:r>
-                      <a:endParaRPr lang="zh-CN" altLang="en-US" sz="1200" b="1"/>
-                    </a:p>
-                  </a:txBody>
-                  <a:tcPr/>
-                </a:tc>
-                <a:tc>
-                  <a:txBody>
-                    <a:bodyPr/>
-                    <a:p>
-                      <a:pPr>
-                        <a:buNone/>
-                      </a:pPr>
-                      <a:r>
-                        <a:rPr lang="en-US" altLang="zh-CN" sz="1200">
-                          <a:sym typeface="+mn-ea"/>
-                        </a:rPr>
-                        <a:t>data</a:t>
-                      </a:r>
-                      <a:endParaRPr lang="en-US" altLang="zh-CN" sz="1200">
-                        <a:sym typeface="+mn-ea"/>
-                      </a:endParaRPr>
-                    </a:p>
-                  </a:txBody>
-                  <a:tcPr/>
-                </a:tc>
-                <a:tc>
-                  <a:txBody>
-                    <a:bodyPr/>
-                    <a:p>
-                      <a:pPr>
-                        <a:buNone/>
-                      </a:pPr>
-                      <a:r>
-                        <a:rPr lang="zh-CN" altLang="en-US" sz="1200"/>
-                        <a:t>添加数据到表格在现有数据之后。</a:t>
-                      </a:r>
-                      <a:endParaRPr lang="zh-CN" altLang="en-US" sz="1200"/>
-                    </a:p>
-                  </a:txBody>
-                  <a:tcPr/>
-                </a:tc>
-              </a:tr>
-              <a:tr h="679450">
-                <a:tc>
-                  <a:txBody>
-                    <a:bodyPr/>
-                    <a:p>
-                      <a:pPr>
-                        <a:buNone/>
-                      </a:pPr>
-                      <a:r>
-                        <a:rPr lang="zh-CN" altLang="en-US" sz="1200" b="1"/>
-                        <a:t>remove</a:t>
-                      </a:r>
-                      <a:endParaRPr lang="zh-CN" altLang="en-US" sz="1200" b="1"/>
-                    </a:p>
-                  </a:txBody>
-                  <a:tcPr/>
-                </a:tc>
-                <a:tc>
-                  <a:txBody>
-                    <a:bodyPr/>
-                    <a:p>
-                      <a:pPr>
-                        <a:buNone/>
-                      </a:pPr>
-                      <a:r>
-                        <a:rPr lang="en-US" altLang="zh-CN" sz="1200">
-                          <a:sym typeface="+mn-ea"/>
-                        </a:rPr>
-                        <a:t>params</a:t>
-                      </a:r>
-                      <a:endParaRPr lang="en-US" altLang="zh-CN" sz="1200">
-                        <a:sym typeface="+mn-ea"/>
-                      </a:endParaRPr>
-                    </a:p>
-                  </a:txBody>
-                  <a:tcPr/>
-                </a:tc>
-                <a:tc>
-                  <a:txBody>
-                    <a:bodyPr/>
-                    <a:p>
-                      <a:pPr>
-                        <a:buNone/>
-                      </a:pPr>
-                      <a:r>
-                        <a:rPr lang="zh-CN" altLang="en-US" sz="1200"/>
-                        <a:t>从表格中删除数据，包括两个参数：</a:t>
-                      </a:r>
-                      <a:endParaRPr lang="zh-CN" altLang="en-US" sz="1200"/>
-                    </a:p>
-                    <a:p>
-                      <a:pPr>
-                        <a:buNone/>
-                      </a:pPr>
-                      <a:r>
-                        <a:rPr lang="zh-CN" altLang="en-US" sz="1200"/>
-                        <a:t> field: 需要删除的行的 field 名称。</a:t>
-                      </a:r>
-                      <a:endParaRPr lang="zh-CN" altLang="en-US" sz="1200"/>
-                    </a:p>
-                    <a:p>
-                      <a:pPr>
-                        <a:buNone/>
-                      </a:pPr>
-                      <a:r>
-                        <a:rPr lang="zh-CN" altLang="en-US" sz="1200">
-                          <a:sym typeface="+mn-ea"/>
-                        </a:rPr>
-                        <a:t>values: 需要删除的行的值，类型为数组</a:t>
-                      </a:r>
-                      <a:endParaRPr lang="zh-CN" altLang="en-US" sz="1200"/>
-                    </a:p>
-                  </a:txBody>
-                  <a:tcPr/>
-                </a:tc>
-              </a:tr>
-            </a:tbl>
-          </a:graphicData>
-        </a:graphic>
-      </p:graphicFrame>
+        </p:nvSpPr>
+        <p:spPr>
+          <a:xfrm>
+            <a:off x="767715" y="2019935"/>
+            <a:ext cx="7608570" cy="1753235"/>
+          </a:xfrm>
+          <a:prstGeom prst="rect">
+            <a:avLst/>
+          </a:prstGeom>
+          <a:noFill/>
+        </p:spPr>
+        <p:txBody>
+          <a:bodyPr wrap="square" rtlCol="0">
+            <a:spAutoFit/>
+          </a:bodyPr>
+          <a:p>
+            <a:r>
+              <a:rPr lang="zh-CN" altLang="en-US"/>
+              <a:t>Open XML标准的简单介绍：Ecma Office Open XML（“Open XML”）是针对字处理文档、演示文稿和电子表格的国际化开放标准，可免费供多个应用程序在多个平台上实现。Microsoft Office（2007、2003、XP、2000）、OpenOffice Novell Edition、开源项目 Gnumeric、Neo-Office 2.1 和 PalmOS (Dataviz) 已经支持 Open XML。Corel 已经宣布在 WordPerfect 2007 中提供 Open XML 支持，全球的开发人员 正在使用 OpenXML 构建解决方案。</a:t>
+            </a:r>
+            <a:endParaRPr lang="zh-CN" altLang="en-US"/>
+          </a:p>
+        </p:txBody>
+      </p:sp>
     </p:spTree>
   </p:cSld>
   <p:clrMapOvr>
@@ -10612,7 +10129,7 @@
                 <a:cs typeface="+mn-ea"/>
                 <a:sym typeface="+mn-lt"/>
               </a:rPr>
-              <a:t>多语言 </a:t>
+              <a:t>示例 </a:t>
             </a:r>
             <a:endParaRPr lang="zh-CN" altLang="en-US" dirty="0">
               <a:solidFill>
@@ -10626,177 +10143,30 @@
           </a:p>
         </p:txBody>
       </p:sp>
-      <p:sp>
-        <p:nvSpPr>
-          <p:cNvPr id="4" name="Footer Placeholder 3"/>
-          <p:cNvSpPr>
-            <a:spLocks noGrp="1"/>
-          </p:cNvSpPr>
-          <p:nvPr>
-            <p:ph type="ftr" sz="quarter" idx="11"/>
-          </p:nvPr>
-        </p:nvSpPr>
-        <p:spPr/>
-        <p:txBody>
-          <a:bodyPr/>
-          <a:lstStyle/>
-          <a:p>
-            <a:r>
-              <a:rPr lang="en-US" dirty="0" smtClean="0">
-                <a:cs typeface="+mn-ea"/>
-                <a:sym typeface="+mn-lt"/>
-              </a:rPr>
-              <a:t> </a:t>
-            </a:r>
-            <a:endParaRPr lang="en-US" dirty="0">
-              <a:cs typeface="+mn-ea"/>
-              <a:sym typeface="+mn-lt"/>
-            </a:endParaRPr>
-          </a:p>
-        </p:txBody>
-      </p:sp>
-      <p:sp>
-        <p:nvSpPr>
-          <p:cNvPr id="5" name="文本框 4"/>
-          <p:cNvSpPr txBox="1"/>
+      <p:pic>
+        <p:nvPicPr>
+          <p:cNvPr id="6" name="图片 5" descr="IFU13JCJ)P_DFT~8NA3BP%V"/>
+          <p:cNvPicPr>
+            <a:picLocks noChangeAspect="1"/>
+          </p:cNvPicPr>
           <p:nvPr/>
-        </p:nvSpPr>
+        </p:nvPicPr>
+        <p:blipFill>
+          <a:blip r:embed="rId1"/>
+          <a:stretch>
+            <a:fillRect/>
+          </a:stretch>
+        </p:blipFill>
         <p:spPr>
           <a:xfrm>
-            <a:off x="389255" y="948690"/>
-            <a:ext cx="7764145" cy="3322955"/>
+            <a:off x="525145" y="1020445"/>
+            <a:ext cx="7359650" cy="3916680"/>
           </a:xfrm>
           <a:prstGeom prst="rect">
             <a:avLst/>
           </a:prstGeom>
-          <a:noFill/>
         </p:spPr>
-        <p:txBody>
-          <a:bodyPr wrap="square" rtlCol="0">
-            <a:spAutoFit/>
-          </a:bodyPr>
-          <a:p>
-            <a:r>
-              <a:rPr lang="zh-CN" altLang="en-US"/>
-              <a:t>&lt;script src="bootstrap-table-en-US.js"&gt;&lt;/script&gt;</a:t>
-            </a:r>
-            <a:endParaRPr lang="zh-CN" altLang="en-US"/>
-          </a:p>
-          <a:p>
-            <a:r>
-              <a:rPr lang="zh-CN" altLang="en-US"/>
-              <a:t>&lt;script src="bootstrap-table-zh-CN.js"&gt;&lt;/script&gt;</a:t>
-            </a:r>
-            <a:endParaRPr lang="zh-CN" altLang="en-US"/>
-          </a:p>
-          <a:p>
-            <a:r>
-              <a:rPr lang="zh-CN" altLang="en-US" sz="1600">
-                <a:solidFill>
-                  <a:srgbClr val="FF0000"/>
-                </a:solidFill>
-              </a:rPr>
-              <a:t>Name                               </a:t>
-            </a:r>
-            <a:r>
-              <a:rPr lang="zh-CN" altLang="en-US" sz="1600">
-                <a:solidFill>
-                  <a:srgbClr val="FF0000"/>
-                </a:solidFill>
-                <a:sym typeface="+mn-ea"/>
-              </a:rPr>
-              <a:t>Parameter                     Default</a:t>
-            </a:r>
-            <a:endParaRPr lang="zh-CN" altLang="en-US" sz="1600">
-              <a:solidFill>
-                <a:srgbClr val="FF0000"/>
-              </a:solidFill>
-              <a:sym typeface="+mn-ea"/>
-            </a:endParaRPr>
-          </a:p>
-          <a:p>
-            <a:endParaRPr lang="zh-CN" altLang="en-US" sz="1600">
-              <a:solidFill>
-                <a:srgbClr val="FF0000"/>
-              </a:solidFill>
-              <a:sym typeface="+mn-ea"/>
-            </a:endParaRPr>
-          </a:p>
-          <a:p>
-            <a:endParaRPr lang="zh-CN" altLang="en-US" sz="900"/>
-          </a:p>
-          <a:p>
-            <a:r>
-              <a:rPr lang="zh-CN" altLang="en-US" sz="1400"/>
-              <a:t>formatLoadingMessage	-	      'Loading, please wait…'</a:t>
-            </a:r>
-            <a:endParaRPr lang="zh-CN" altLang="en-US" sz="1400"/>
-          </a:p>
-          <a:p>
-            <a:r>
-              <a:rPr lang="zh-CN" altLang="en-US" sz="1400"/>
-              <a:t>formatRecordsPerPage	pageNumber	'%s records per page'</a:t>
-            </a:r>
-            <a:endParaRPr lang="zh-CN" altLang="en-US" sz="1400"/>
-          </a:p>
-          <a:p>
-            <a:r>
-              <a:rPr lang="zh-CN" altLang="en-US" sz="1400"/>
-              <a:t>formatShowingRows	pageFrom,            pageTo, totalRows	'Showing %s to %s of %s rows'</a:t>
-            </a:r>
-            <a:endParaRPr lang="zh-CN" altLang="en-US" sz="1400"/>
-          </a:p>
-          <a:p>
-            <a:r>
-              <a:rPr lang="zh-CN" altLang="en-US" sz="1400"/>
-              <a:t>formatDetailPagination	totalRows	        'Showing %s rows'</a:t>
-            </a:r>
-            <a:endParaRPr lang="zh-CN" altLang="en-US" sz="1400"/>
-          </a:p>
-          <a:p>
-            <a:r>
-              <a:rPr lang="zh-CN" altLang="en-US" sz="1400"/>
-              <a:t>formatSearch	-	         'Search'</a:t>
-            </a:r>
-            <a:endParaRPr lang="zh-CN" altLang="en-US" sz="1400"/>
-          </a:p>
-          <a:p>
-            <a:r>
-              <a:rPr lang="zh-CN" altLang="en-US" sz="1400"/>
-              <a:t>formatNoMatches	-	         'No matching records found'</a:t>
-            </a:r>
-            <a:endParaRPr lang="zh-CN" altLang="en-US" sz="1400"/>
-          </a:p>
-          <a:p>
-            <a:r>
-              <a:rPr lang="zh-CN" altLang="en-US" sz="1400"/>
-              <a:t>formatRefresh	-	        'Refresh'</a:t>
-            </a:r>
-            <a:endParaRPr lang="zh-CN" altLang="en-US" sz="1400"/>
-          </a:p>
-          <a:p>
-            <a:r>
-              <a:rPr lang="zh-CN" altLang="en-US" sz="1400"/>
-              <a:t>formatToggle	-	         'Toggle'</a:t>
-            </a:r>
-            <a:endParaRPr lang="zh-CN" altLang="en-US" sz="1400"/>
-          </a:p>
-          <a:p>
-            <a:r>
-              <a:rPr lang="zh-CN" altLang="en-US" sz="1400"/>
-              <a:t>formatColumns	-	         'Columns'</a:t>
-            </a:r>
-            <a:endParaRPr lang="zh-CN" altLang="en-US" sz="1400"/>
-          </a:p>
-          <a:p>
-            <a:r>
-              <a:rPr lang="zh-CN" altLang="en-US" sz="1400"/>
-              <a:t>formatAllRows	-	        'All'</a:t>
-            </a:r>
-            <a:endParaRPr lang="zh-CN" altLang="en-US" sz="1400"/>
-          </a:p>
-        </p:txBody>
-      </p:sp>
+      </p:pic>
     </p:spTree>
   </p:cSld>
   <p:clrMapOvr>

--- a/springboot-mybatis-master/bootstrap-table.pptx
+++ b/springboot-mybatis-master/bootstrap-table.pptx
@@ -9,7 +9,7 @@
     <p:notesMasterId r:id="rId5"/>
   </p:notesMasterIdLst>
   <p:handoutMasterIdLst>
-    <p:handoutMasterId r:id="rId23"/>
+    <p:handoutMasterId r:id="rId26"/>
   </p:handoutMasterIdLst>
   <p:sldIdLst>
     <p:sldId id="339" r:id="rId4"/>
@@ -24,12 +24,15 @@
     <p:sldId id="328" r:id="rId14"/>
     <p:sldId id="379" r:id="rId15"/>
     <p:sldId id="380" r:id="rId16"/>
-    <p:sldId id="381" r:id="rId17"/>
-    <p:sldId id="382" r:id="rId18"/>
-    <p:sldId id="360" r:id="rId19"/>
-    <p:sldId id="340" r:id="rId20"/>
-    <p:sldId id="341" r:id="rId21"/>
-    <p:sldId id="346" r:id="rId22"/>
+    <p:sldId id="387" r:id="rId17"/>
+    <p:sldId id="388" r:id="rId18"/>
+    <p:sldId id="389" r:id="rId19"/>
+    <p:sldId id="381" r:id="rId20"/>
+    <p:sldId id="382" r:id="rId21"/>
+    <p:sldId id="360" r:id="rId22"/>
+    <p:sldId id="340" r:id="rId23"/>
+    <p:sldId id="341" r:id="rId24"/>
+    <p:sldId id="346" r:id="rId25"/>
   </p:sldIdLst>
   <p:sldSz cx="9144000" cy="5143500" type="screen16x9"/>
   <p:notesSz cx="6858000" cy="9144000"/>
@@ -9912,7 +9915,7 @@
         <p:spPr>
           <a:xfrm>
             <a:off x="605155" y="1139190"/>
-            <a:ext cx="7324725" cy="922020"/>
+            <a:ext cx="7324725" cy="1753235"/>
           </a:xfrm>
           <a:prstGeom prst="rect">
             <a:avLst/>
@@ -9926,7 +9929,7 @@
           <a:p>
             <a:r>
               <a:rPr lang="zh-CN" altLang="en-US"/>
-              <a:t>需要引进</a:t>
+              <a:t>https://github.com/hhurz/tableExport.jquery.plugin</a:t>
             </a:r>
             <a:endParaRPr lang="zh-CN" altLang="en-US"/>
           </a:p>
@@ -9942,6 +9945,15 @@
               <a:rPr lang="zh-CN" altLang="en-US"/>
               <a:t>bootstrap-table-export.js</a:t>
             </a:r>
+            <a:endParaRPr lang="zh-CN" altLang="en-US"/>
+          </a:p>
+          <a:p>
+            <a:endParaRPr lang="zh-CN" altLang="en-US"/>
+          </a:p>
+          <a:p>
+            <a:endParaRPr lang="zh-CN" altLang="en-US"/>
+          </a:p>
+          <a:p>
             <a:endParaRPr lang="zh-CN" altLang="en-US"/>
           </a:p>
         </p:txBody>
@@ -9988,7 +10000,7 @@
       </p:grpSpPr>
       <p:sp>
         <p:nvSpPr>
-          <p:cNvPr id="3" name="Title 2"/>
+          <p:cNvPr id="2" name="Title 1"/>
           <p:cNvSpPr>
             <a:spLocks noGrp="1"/>
           </p:cNvSpPr>
@@ -9999,7 +10011,7 @@
         <p:spPr>
           <a:xfrm>
             <a:off x="457200" y="438150"/>
-            <a:ext cx="8229600" cy="422672"/>
+            <a:ext cx="7620000" cy="422672"/>
           </a:xfrm>
         </p:spPr>
         <p:txBody>
@@ -10007,7 +10019,7 @@
           <a:lstStyle/>
           <a:p>
             <a:r>
-              <a:rPr lang="en-US" altLang="zh-CN" sz="3600" dirty="0">
+              <a:rPr lang="zh-CN" altLang="zh-CN" dirty="0">
                 <a:solidFill>
                   <a:srgbClr val="0070C0"/>
                 </a:solidFill>
@@ -10016,9 +10028,9 @@
                 <a:cs typeface="+mn-ea"/>
                 <a:sym typeface="+mn-lt"/>
               </a:rPr>
-              <a:t>OpenXML</a:t>
-            </a:r>
-            <a:endParaRPr lang="en-US" altLang="zh-CN" sz="3600" dirty="0">
+              <a:t>导出文件格式</a:t>
+            </a:r>
+            <a:endParaRPr lang="zh-CN" altLang="zh-CN" dirty="0">
               <a:solidFill>
                 <a:srgbClr val="0070C0"/>
               </a:solidFill>
@@ -10032,14 +10044,84 @@
       </p:sp>
       <p:sp>
         <p:nvSpPr>
-          <p:cNvPr id="2" name="文本框 1"/>
+          <p:cNvPr id="3" name="Footer Placeholder 2"/>
+          <p:cNvSpPr>
+            <a:spLocks noGrp="1"/>
+          </p:cNvSpPr>
+          <p:nvPr>
+            <p:ph type="ftr" sz="quarter" idx="11"/>
+          </p:nvPr>
+        </p:nvSpPr>
+        <p:spPr/>
+        <p:txBody>
+          <a:bodyPr/>
+          <a:lstStyle/>
+          <a:p>
+            <a:r>
+              <a:rPr lang="en-US" dirty="0" smtClean="0">
+                <a:cs typeface="+mn-ea"/>
+                <a:sym typeface="+mn-lt"/>
+              </a:rPr>
+              <a:t> </a:t>
+            </a:r>
+            <a:endParaRPr lang="en-US" dirty="0">
+              <a:cs typeface="+mn-ea"/>
+              <a:sym typeface="+mn-lt"/>
+            </a:endParaRPr>
+          </a:p>
+        </p:txBody>
+      </p:sp>
+      <p:pic>
+        <p:nvPicPr>
+          <p:cNvPr id="46" name="Picture 45" descr="C:\Users\ADRIEN~1.REY\AppData\Local\Temp\Rar$DR58.888\icons grid\comments.png"/>
+          <p:cNvPicPr>
+            <a:picLocks noChangeAspect="1" noChangeArrowheads="1"/>
+          </p:cNvPicPr>
+          <p:nvPr/>
+        </p:nvPicPr>
+        <p:blipFill>
+          <a:blip r:embed="rId1">
+            <a:extLst>
+              <a:ext uri="{28A0092B-C50C-407E-A947-70E740481C1C}">
+                <a14:useLocalDpi xmlns:a14="http://schemas.microsoft.com/office/drawing/2010/main" val="0"/>
+              </a:ext>
+            </a:extLst>
+          </a:blip>
+          <a:srcRect/>
+          <a:stretch>
+            <a:fillRect/>
+          </a:stretch>
+        </p:blipFill>
+        <p:spPr bwMode="auto">
+          <a:xfrm>
+            <a:off x="7418270" y="3216728"/>
+            <a:ext cx="471153" cy="471153"/>
+          </a:xfrm>
+          <a:prstGeom prst="rect">
+            <a:avLst/>
+          </a:prstGeom>
+          <a:noFill/>
+          <a:extLst>
+            <a:ext uri="{909E8E84-426E-40DD-AFC4-6F175D3DCCD1}">
+              <a14:hiddenFill xmlns:a14="http://schemas.microsoft.com/office/drawing/2010/main">
+                <a:solidFill>
+                  <a:srgbClr val="FFFFFF"/>
+                </a:solidFill>
+              </a14:hiddenFill>
+            </a:ext>
+          </a:extLst>
+        </p:spPr>
+      </p:pic>
+      <p:sp>
+        <p:nvSpPr>
+          <p:cNvPr id="5" name="文本框 4"/>
           <p:cNvSpPr txBox="1"/>
           <p:nvPr/>
         </p:nvSpPr>
         <p:spPr>
           <a:xfrm>
-            <a:off x="767715" y="2019935"/>
-            <a:ext cx="7608570" cy="1753235"/>
+            <a:off x="605155" y="1139190"/>
+            <a:ext cx="7324725" cy="3692525"/>
           </a:xfrm>
           <a:prstGeom prst="rect">
             <a:avLst/>
@@ -10053,7 +10135,91 @@
           <a:p>
             <a:r>
               <a:rPr lang="zh-CN" altLang="en-US"/>
-              <a:t>Open XML标准的简单介绍：Ecma Office Open XML（“Open XML”）是针对字处理文档、演示文稿和电子表格的国际化开放标准，可免费供多个应用程序在多个平台上实现。Microsoft Office（2007、2003、XP、2000）、OpenOffice Novell Edition、开源项目 Gnumeric、Neo-Office 2.1 和 PalmOS (Dataviz) 已经支持 Open XML。Corel 已经宣布在 WordPerfect 2007 中提供 Open XML 支持，全球的开发人员 正在使用 OpenXML 构建解决方案。</a:t>
+              <a:t>Export HTML Table to</a:t>
+            </a:r>
+            <a:endParaRPr lang="zh-CN" altLang="en-US"/>
+          </a:p>
+          <a:p>
+            <a:r>
+              <a:rPr lang="zh-CN" altLang="en-US"/>
+              <a:t>CSV</a:t>
+            </a:r>
+            <a:endParaRPr lang="zh-CN" altLang="en-US"/>
+          </a:p>
+          <a:p>
+            <a:r>
+              <a:rPr lang="zh-CN" altLang="en-US"/>
+              <a:t>DOC</a:t>
+            </a:r>
+            <a:endParaRPr lang="zh-CN" altLang="en-US"/>
+          </a:p>
+          <a:p>
+            <a:r>
+              <a:rPr lang="zh-CN" altLang="en-US"/>
+              <a:t>JSON</a:t>
+            </a:r>
+            <a:endParaRPr lang="zh-CN" altLang="en-US"/>
+          </a:p>
+          <a:p>
+            <a:r>
+              <a:rPr lang="zh-CN" altLang="en-US"/>
+              <a:t>PDF</a:t>
+            </a:r>
+            <a:endParaRPr lang="zh-CN" altLang="en-US"/>
+          </a:p>
+          <a:p>
+            <a:r>
+              <a:rPr lang="zh-CN" altLang="en-US"/>
+              <a:t>PNG</a:t>
+            </a:r>
+            <a:endParaRPr lang="zh-CN" altLang="en-US"/>
+          </a:p>
+          <a:p>
+            <a:r>
+              <a:rPr lang="zh-CN" altLang="en-US"/>
+              <a:t>SQL</a:t>
+            </a:r>
+            <a:endParaRPr lang="zh-CN" altLang="en-US"/>
+          </a:p>
+          <a:p>
+            <a:r>
+              <a:rPr lang="zh-CN" altLang="en-US"/>
+              <a:t>TSV</a:t>
+            </a:r>
+            <a:endParaRPr lang="zh-CN" altLang="en-US"/>
+          </a:p>
+          <a:p>
+            <a:r>
+              <a:rPr lang="zh-CN" altLang="en-US"/>
+              <a:t>TXT</a:t>
+            </a:r>
+            <a:endParaRPr lang="zh-CN" altLang="en-US"/>
+          </a:p>
+          <a:p>
+            <a:r>
+              <a:rPr lang="zh-CN" altLang="en-US"/>
+              <a:t>XLS (Excel 2000 HTML format)</a:t>
+            </a:r>
+            <a:endParaRPr lang="zh-CN" altLang="en-US"/>
+          </a:p>
+          <a:p>
+            <a:r>
+              <a:rPr lang="zh-CN" altLang="en-US"/>
+              <a:t>XLSX (Excel 2007 Office Open XML format)</a:t>
+            </a:r>
+            <a:endParaRPr lang="zh-CN" altLang="en-US"/>
+          </a:p>
+          <a:p>
+            <a:r>
+              <a:rPr lang="zh-CN" altLang="en-US"/>
+              <a:t>XML (Excel 2003 XML Spreadsheet format)</a:t>
+            </a:r>
+            <a:endParaRPr lang="zh-CN" altLang="en-US"/>
+          </a:p>
+          <a:p>
+            <a:r>
+              <a:rPr lang="zh-CN" altLang="en-US"/>
+              <a:t>XML (Raw xml)</a:t>
             </a:r>
             <a:endParaRPr lang="zh-CN" altLang="en-US"/>
           </a:p>
@@ -10083,6 +10249,631 @@
 </file>
 
 <file path=ppt/slides/slide14.xml><?xml version="1.0" encoding="utf-8"?>
+<p:sld xmlns:a="http://schemas.openxmlformats.org/drawingml/2006/main" xmlns:r="http://schemas.openxmlformats.org/officeDocument/2006/relationships" xmlns:p="http://schemas.openxmlformats.org/presentationml/2006/main">
+  <p:cSld>
+    <p:spTree>
+      <p:nvGrpSpPr>
+        <p:cNvPr id="1" name=""/>
+        <p:cNvGrpSpPr/>
+        <p:nvPr/>
+      </p:nvGrpSpPr>
+      <p:grpSpPr>
+        <a:xfrm>
+          <a:off x="0" y="0"/>
+          <a:ext cx="0" cy="0"/>
+          <a:chOff x="0" y="0"/>
+          <a:chExt cx="0" cy="0"/>
+        </a:xfrm>
+      </p:grpSpPr>
+      <p:sp>
+        <p:nvSpPr>
+          <p:cNvPr id="2" name="Title 1"/>
+          <p:cNvSpPr>
+            <a:spLocks noGrp="1"/>
+          </p:cNvSpPr>
+          <p:nvPr>
+            <p:ph type="title"/>
+          </p:nvPr>
+        </p:nvSpPr>
+        <p:spPr>
+          <a:xfrm>
+            <a:off x="457200" y="438150"/>
+            <a:ext cx="7620000" cy="422672"/>
+          </a:xfrm>
+        </p:spPr>
+        <p:txBody>
+          <a:bodyPr/>
+          <a:lstStyle/>
+          <a:p>
+            <a:r>
+              <a:rPr lang="zh-CN" altLang="zh-CN" dirty="0">
+                <a:solidFill>
+                  <a:srgbClr val="0070C0"/>
+                </a:solidFill>
+                <a:latin typeface="+mn-lt"/>
+                <a:ea typeface="+mn-ea"/>
+                <a:cs typeface="+mn-ea"/>
+                <a:sym typeface="+mn-lt"/>
+              </a:rPr>
+              <a:t>导出文件格式</a:t>
+            </a:r>
+            <a:endParaRPr lang="zh-CN" altLang="zh-CN" dirty="0">
+              <a:solidFill>
+                <a:srgbClr val="0070C0"/>
+              </a:solidFill>
+              <a:latin typeface="+mn-lt"/>
+              <a:ea typeface="+mn-ea"/>
+              <a:cs typeface="+mn-ea"/>
+              <a:sym typeface="+mn-lt"/>
+            </a:endParaRPr>
+          </a:p>
+        </p:txBody>
+      </p:sp>
+      <p:sp>
+        <p:nvSpPr>
+          <p:cNvPr id="3" name="Footer Placeholder 2"/>
+          <p:cNvSpPr>
+            <a:spLocks noGrp="1"/>
+          </p:cNvSpPr>
+          <p:nvPr>
+            <p:ph type="ftr" sz="quarter" idx="11"/>
+          </p:nvPr>
+        </p:nvSpPr>
+        <p:spPr/>
+        <p:txBody>
+          <a:bodyPr/>
+          <a:lstStyle/>
+          <a:p>
+            <a:r>
+              <a:rPr lang="en-US" dirty="0" smtClean="0">
+                <a:cs typeface="+mn-ea"/>
+                <a:sym typeface="+mn-lt"/>
+              </a:rPr>
+              <a:t> </a:t>
+            </a:r>
+            <a:endParaRPr lang="en-US" dirty="0">
+              <a:cs typeface="+mn-ea"/>
+              <a:sym typeface="+mn-lt"/>
+            </a:endParaRPr>
+          </a:p>
+        </p:txBody>
+      </p:sp>
+      <p:pic>
+        <p:nvPicPr>
+          <p:cNvPr id="46" name="Picture 45" descr="C:\Users\ADRIEN~1.REY\AppData\Local\Temp\Rar$DR58.888\icons grid\comments.png"/>
+          <p:cNvPicPr>
+            <a:picLocks noChangeAspect="1" noChangeArrowheads="1"/>
+          </p:cNvPicPr>
+          <p:nvPr/>
+        </p:nvPicPr>
+        <p:blipFill>
+          <a:blip r:embed="rId1">
+            <a:extLst>
+              <a:ext uri="{28A0092B-C50C-407E-A947-70E740481C1C}">
+                <a14:useLocalDpi xmlns:a14="http://schemas.microsoft.com/office/drawing/2010/main" val="0"/>
+              </a:ext>
+            </a:extLst>
+          </a:blip>
+          <a:srcRect/>
+          <a:stretch>
+            <a:fillRect/>
+          </a:stretch>
+        </p:blipFill>
+        <p:spPr bwMode="auto">
+          <a:xfrm>
+            <a:off x="7418270" y="3216728"/>
+            <a:ext cx="471153" cy="471153"/>
+          </a:xfrm>
+          <a:prstGeom prst="rect">
+            <a:avLst/>
+          </a:prstGeom>
+          <a:noFill/>
+          <a:extLst>
+            <a:ext uri="{909E8E84-426E-40DD-AFC4-6F175D3DCCD1}">
+              <a14:hiddenFill xmlns:a14="http://schemas.microsoft.com/office/drawing/2010/main">
+                <a:solidFill>
+                  <a:srgbClr val="FFFFFF"/>
+                </a:solidFill>
+              </a14:hiddenFill>
+            </a:ext>
+          </a:extLst>
+        </p:spPr>
+      </p:pic>
+      <p:sp>
+        <p:nvSpPr>
+          <p:cNvPr id="5" name="文本框 4"/>
+          <p:cNvSpPr txBox="1"/>
+          <p:nvPr/>
+        </p:nvSpPr>
+        <p:spPr>
+          <a:xfrm>
+            <a:off x="605155" y="1139190"/>
+            <a:ext cx="7324725" cy="3692525"/>
+          </a:xfrm>
+          <a:prstGeom prst="rect">
+            <a:avLst/>
+          </a:prstGeom>
+          <a:noFill/>
+        </p:spPr>
+        <p:txBody>
+          <a:bodyPr wrap="square" rtlCol="0">
+            <a:spAutoFit/>
+          </a:bodyPr>
+          <a:p>
+            <a:r>
+              <a:rPr lang="zh-CN" altLang="en-US"/>
+              <a:t>Export HTML Table to</a:t>
+            </a:r>
+            <a:endParaRPr lang="zh-CN" altLang="en-US"/>
+          </a:p>
+          <a:p>
+            <a:r>
+              <a:rPr lang="zh-CN" altLang="en-US"/>
+              <a:t>CSV</a:t>
+            </a:r>
+            <a:endParaRPr lang="zh-CN" altLang="en-US"/>
+          </a:p>
+          <a:p>
+            <a:r>
+              <a:rPr lang="zh-CN" altLang="en-US"/>
+              <a:t>DOC</a:t>
+            </a:r>
+            <a:endParaRPr lang="zh-CN" altLang="en-US"/>
+          </a:p>
+          <a:p>
+            <a:r>
+              <a:rPr lang="zh-CN" altLang="en-US"/>
+              <a:t>JSON</a:t>
+            </a:r>
+            <a:endParaRPr lang="zh-CN" altLang="en-US"/>
+          </a:p>
+          <a:p>
+            <a:r>
+              <a:rPr lang="zh-CN" altLang="en-US"/>
+              <a:t>PDF</a:t>
+            </a:r>
+            <a:endParaRPr lang="zh-CN" altLang="en-US"/>
+          </a:p>
+          <a:p>
+            <a:r>
+              <a:rPr lang="zh-CN" altLang="en-US"/>
+              <a:t>PNG</a:t>
+            </a:r>
+            <a:endParaRPr lang="zh-CN" altLang="en-US"/>
+          </a:p>
+          <a:p>
+            <a:r>
+              <a:rPr lang="zh-CN" altLang="en-US"/>
+              <a:t>SQL</a:t>
+            </a:r>
+            <a:endParaRPr lang="zh-CN" altLang="en-US"/>
+          </a:p>
+          <a:p>
+            <a:r>
+              <a:rPr lang="zh-CN" altLang="en-US"/>
+              <a:t>TSV</a:t>
+            </a:r>
+            <a:endParaRPr lang="zh-CN" altLang="en-US"/>
+          </a:p>
+          <a:p>
+            <a:r>
+              <a:rPr lang="zh-CN" altLang="en-US"/>
+              <a:t>TXT</a:t>
+            </a:r>
+            <a:endParaRPr lang="zh-CN" altLang="en-US"/>
+          </a:p>
+          <a:p>
+            <a:r>
+              <a:rPr lang="zh-CN" altLang="en-US"/>
+              <a:t>XLS (Excel 2000 HTML format)</a:t>
+            </a:r>
+            <a:endParaRPr lang="zh-CN" altLang="en-US"/>
+          </a:p>
+          <a:p>
+            <a:r>
+              <a:rPr lang="zh-CN" altLang="en-US"/>
+              <a:t>XLSX (Excel 2007 Office Open XML format)</a:t>
+            </a:r>
+            <a:endParaRPr lang="zh-CN" altLang="en-US"/>
+          </a:p>
+          <a:p>
+            <a:r>
+              <a:rPr lang="zh-CN" altLang="en-US"/>
+              <a:t>XML (Excel 2003 XML Spreadsheet format)</a:t>
+            </a:r>
+            <a:endParaRPr lang="zh-CN" altLang="en-US"/>
+          </a:p>
+          <a:p>
+            <a:r>
+              <a:rPr lang="zh-CN" altLang="en-US"/>
+              <a:t>XML (Raw xml)</a:t>
+            </a:r>
+            <a:endParaRPr lang="zh-CN" altLang="en-US"/>
+          </a:p>
+        </p:txBody>
+      </p:sp>
+    </p:spTree>
+  </p:cSld>
+  <p:clrMapOvr>
+    <a:masterClrMapping/>
+  </p:clrMapOvr>
+  <mc:AlternateContent xmlns:mc="http://schemas.openxmlformats.org/markup-compatibility/2006">
+    <mc:Choice xmlns:p14="http://schemas.microsoft.com/office/powerpoint/2010/main" Requires="p14">
+      <p:transition spd="slow" p14:dur="2000"/>
+    </mc:Choice>
+    <mc:Fallback>
+      <p:transition spd="slow"/>
+    </mc:Fallback>
+  </mc:AlternateContent>
+  <p:timing>
+    <p:tnLst>
+      <p:par>
+        <p:cTn id="1" dur="indefinite" restart="never" nodeType="tmRoot"/>
+      </p:par>
+    </p:tnLst>
+  </p:timing>
+</p:sld>
+</file>
+
+<file path=ppt/slides/slide15.xml><?xml version="1.0" encoding="utf-8"?>
+<p:sld xmlns:a="http://schemas.openxmlformats.org/drawingml/2006/main" xmlns:r="http://schemas.openxmlformats.org/officeDocument/2006/relationships" xmlns:p="http://schemas.openxmlformats.org/presentationml/2006/main">
+  <p:cSld>
+    <p:spTree>
+      <p:nvGrpSpPr>
+        <p:cNvPr id="1" name=""/>
+        <p:cNvGrpSpPr/>
+        <p:nvPr/>
+      </p:nvGrpSpPr>
+      <p:grpSpPr>
+        <a:xfrm>
+          <a:off x="0" y="0"/>
+          <a:ext cx="0" cy="0"/>
+          <a:chOff x="0" y="0"/>
+          <a:chExt cx="0" cy="0"/>
+        </a:xfrm>
+      </p:grpSpPr>
+      <p:sp>
+        <p:nvSpPr>
+          <p:cNvPr id="2" name="Title 1"/>
+          <p:cNvSpPr>
+            <a:spLocks noGrp="1"/>
+          </p:cNvSpPr>
+          <p:nvPr>
+            <p:ph type="title"/>
+          </p:nvPr>
+        </p:nvSpPr>
+        <p:spPr>
+          <a:xfrm>
+            <a:off x="457200" y="438150"/>
+            <a:ext cx="7620000" cy="422672"/>
+          </a:xfrm>
+        </p:spPr>
+        <p:txBody>
+          <a:bodyPr/>
+          <a:lstStyle/>
+          <a:p>
+            <a:r>
+              <a:rPr lang="zh-CN" altLang="zh-CN" dirty="0">
+                <a:solidFill>
+                  <a:srgbClr val="0070C0"/>
+                </a:solidFill>
+                <a:latin typeface="+mn-lt"/>
+                <a:ea typeface="+mn-ea"/>
+                <a:cs typeface="+mn-ea"/>
+                <a:sym typeface="+mn-lt"/>
+              </a:rPr>
+              <a:t>导出文件格式</a:t>
+            </a:r>
+            <a:endParaRPr lang="zh-CN" altLang="zh-CN" dirty="0">
+              <a:solidFill>
+                <a:srgbClr val="0070C0"/>
+              </a:solidFill>
+              <a:latin typeface="+mn-lt"/>
+              <a:ea typeface="+mn-ea"/>
+              <a:cs typeface="+mn-ea"/>
+              <a:sym typeface="+mn-lt"/>
+            </a:endParaRPr>
+          </a:p>
+        </p:txBody>
+      </p:sp>
+      <p:sp>
+        <p:nvSpPr>
+          <p:cNvPr id="3" name="Footer Placeholder 2"/>
+          <p:cNvSpPr>
+            <a:spLocks noGrp="1"/>
+          </p:cNvSpPr>
+          <p:nvPr>
+            <p:ph type="ftr" sz="quarter" idx="11"/>
+          </p:nvPr>
+        </p:nvSpPr>
+        <p:spPr/>
+        <p:txBody>
+          <a:bodyPr/>
+          <a:lstStyle/>
+          <a:p>
+            <a:r>
+              <a:rPr lang="en-US" dirty="0" smtClean="0">
+                <a:cs typeface="+mn-ea"/>
+                <a:sym typeface="+mn-lt"/>
+              </a:rPr>
+              <a:t> </a:t>
+            </a:r>
+            <a:endParaRPr lang="en-US" dirty="0">
+              <a:cs typeface="+mn-ea"/>
+              <a:sym typeface="+mn-lt"/>
+            </a:endParaRPr>
+          </a:p>
+        </p:txBody>
+      </p:sp>
+      <p:pic>
+        <p:nvPicPr>
+          <p:cNvPr id="46" name="Picture 45" descr="C:\Users\ADRIEN~1.REY\AppData\Local\Temp\Rar$DR58.888\icons grid\comments.png"/>
+          <p:cNvPicPr>
+            <a:picLocks noChangeAspect="1" noChangeArrowheads="1"/>
+          </p:cNvPicPr>
+          <p:nvPr/>
+        </p:nvPicPr>
+        <p:blipFill>
+          <a:blip r:embed="rId1">
+            <a:extLst>
+              <a:ext uri="{28A0092B-C50C-407E-A947-70E740481C1C}">
+                <a14:useLocalDpi xmlns:a14="http://schemas.microsoft.com/office/drawing/2010/main" val="0"/>
+              </a:ext>
+            </a:extLst>
+          </a:blip>
+          <a:srcRect/>
+          <a:stretch>
+            <a:fillRect/>
+          </a:stretch>
+        </p:blipFill>
+        <p:spPr bwMode="auto">
+          <a:xfrm>
+            <a:off x="7418270" y="3216728"/>
+            <a:ext cx="471153" cy="471153"/>
+          </a:xfrm>
+          <a:prstGeom prst="rect">
+            <a:avLst/>
+          </a:prstGeom>
+          <a:noFill/>
+          <a:extLst>
+            <a:ext uri="{909E8E84-426E-40DD-AFC4-6F175D3DCCD1}">
+              <a14:hiddenFill xmlns:a14="http://schemas.microsoft.com/office/drawing/2010/main">
+                <a:solidFill>
+                  <a:srgbClr val="FFFFFF"/>
+                </a:solidFill>
+              </a14:hiddenFill>
+            </a:ext>
+          </a:extLst>
+        </p:spPr>
+      </p:pic>
+      <p:sp>
+        <p:nvSpPr>
+          <p:cNvPr id="5" name="文本框 4"/>
+          <p:cNvSpPr txBox="1"/>
+          <p:nvPr/>
+        </p:nvSpPr>
+        <p:spPr>
+          <a:xfrm>
+            <a:off x="605155" y="1139190"/>
+            <a:ext cx="7324725" cy="2306955"/>
+          </a:xfrm>
+          <a:prstGeom prst="rect">
+            <a:avLst/>
+          </a:prstGeom>
+          <a:noFill/>
+        </p:spPr>
+        <p:txBody>
+          <a:bodyPr wrap="square" rtlCol="0">
+            <a:spAutoFit/>
+          </a:bodyPr>
+          <a:p>
+            <a:r>
+              <a:rPr lang="zh-CN" altLang="en-US"/>
+              <a:t>  if ( typeof data == 'object' ) {</a:t>
+            </a:r>
+            <a:endParaRPr lang="zh-CN" altLang="en-US"/>
+          </a:p>
+          <a:p>
+            <a:r>
+              <a:rPr lang="zh-CN" altLang="en-US"/>
+              <a:t>            	</a:t>
+            </a:r>
+            <a:r>
+              <a:rPr lang="zh-CN" altLang="en-US">
+                <a:solidFill>
+                  <a:srgbClr val="FF0000"/>
+                </a:solidFill>
+              </a:rPr>
+              <a:t>var binaryData = [];</a:t>
+            </a:r>
+            <a:endParaRPr lang="zh-CN" altLang="en-US">
+              <a:solidFill>
+                <a:srgbClr val="FF0000"/>
+              </a:solidFill>
+            </a:endParaRPr>
+          </a:p>
+          <a:p>
+            <a:r>
+              <a:rPr lang="zh-CN" altLang="en-US">
+                <a:solidFill>
+                  <a:srgbClr val="FF0000"/>
+                </a:solidFill>
+              </a:rPr>
+              <a:t>            	binaryData.push(data);</a:t>
+            </a:r>
+            <a:endParaRPr lang="zh-CN" altLang="en-US">
+              <a:solidFill>
+                <a:srgbClr val="FF0000"/>
+              </a:solidFill>
+            </a:endParaRPr>
+          </a:p>
+          <a:p>
+            <a:r>
+              <a:rPr lang="zh-CN" altLang="en-US"/>
+              <a:t>            	blobUrl=window.URL.createObjectURL(new Blob(binaryData, {type: "application/zip"}))</a:t>
+            </a:r>
+            <a:endParaRPr lang="zh-CN" altLang="en-US"/>
+          </a:p>
+          <a:p>
+            <a:r>
+              <a:rPr lang="zh-CN" altLang="en-US"/>
+              <a:t>              //blobUrl = window.URL.createObjectURL(data);</a:t>
+            </a:r>
+            <a:endParaRPr lang="zh-CN" altLang="en-US"/>
+          </a:p>
+          <a:p>
+            <a:r>
+              <a:rPr lang="zh-CN" altLang="en-US"/>
+              <a:t>              DownloadLink.href = blobUrl;</a:t>
+            </a:r>
+            <a:endParaRPr lang="zh-CN" altLang="en-US"/>
+          </a:p>
+          <a:p>
+            <a:r>
+              <a:rPr lang="zh-CN" altLang="en-US"/>
+              <a:t>            }</a:t>
+            </a:r>
+            <a:endParaRPr lang="zh-CN" altLang="en-US"/>
+          </a:p>
+        </p:txBody>
+      </p:sp>
+    </p:spTree>
+  </p:cSld>
+  <p:clrMapOvr>
+    <a:masterClrMapping/>
+  </p:clrMapOvr>
+  <mc:AlternateContent xmlns:mc="http://schemas.openxmlformats.org/markup-compatibility/2006">
+    <mc:Choice xmlns:p14="http://schemas.microsoft.com/office/powerpoint/2010/main" Requires="p14">
+      <p:transition spd="slow" p14:dur="2000"/>
+    </mc:Choice>
+    <mc:Fallback>
+      <p:transition spd="slow"/>
+    </mc:Fallback>
+  </mc:AlternateContent>
+  <p:timing>
+    <p:tnLst>
+      <p:par>
+        <p:cTn id="1" dur="indefinite" restart="never" nodeType="tmRoot"/>
+      </p:par>
+    </p:tnLst>
+  </p:timing>
+</p:sld>
+</file>
+
+<file path=ppt/slides/slide16.xml><?xml version="1.0" encoding="utf-8"?>
+<p:sld xmlns:a="http://schemas.openxmlformats.org/drawingml/2006/main" xmlns:r="http://schemas.openxmlformats.org/officeDocument/2006/relationships" xmlns:p="http://schemas.openxmlformats.org/presentationml/2006/main">
+  <p:cSld>
+    <p:spTree>
+      <p:nvGrpSpPr>
+        <p:cNvPr id="1" name=""/>
+        <p:cNvGrpSpPr/>
+        <p:nvPr/>
+      </p:nvGrpSpPr>
+      <p:grpSpPr>
+        <a:xfrm>
+          <a:off x="0" y="0"/>
+          <a:ext cx="0" cy="0"/>
+          <a:chOff x="0" y="0"/>
+          <a:chExt cx="0" cy="0"/>
+        </a:xfrm>
+      </p:grpSpPr>
+      <p:sp>
+        <p:nvSpPr>
+          <p:cNvPr id="3" name="Title 2"/>
+          <p:cNvSpPr>
+            <a:spLocks noGrp="1"/>
+          </p:cNvSpPr>
+          <p:nvPr>
+            <p:ph type="title"/>
+          </p:nvPr>
+        </p:nvSpPr>
+        <p:spPr>
+          <a:xfrm>
+            <a:off x="457200" y="438150"/>
+            <a:ext cx="8229600" cy="422672"/>
+          </a:xfrm>
+        </p:spPr>
+        <p:txBody>
+          <a:bodyPr/>
+          <a:lstStyle/>
+          <a:p>
+            <a:r>
+              <a:rPr lang="en-US" altLang="zh-CN" sz="3600" dirty="0">
+                <a:solidFill>
+                  <a:srgbClr val="0070C0"/>
+                </a:solidFill>
+                <a:latin typeface="+mn-lt"/>
+                <a:ea typeface="+mn-ea"/>
+                <a:cs typeface="+mn-ea"/>
+                <a:sym typeface="+mn-lt"/>
+              </a:rPr>
+              <a:t>OpenXML</a:t>
+            </a:r>
+            <a:endParaRPr lang="en-US" altLang="zh-CN" sz="3600" dirty="0">
+              <a:solidFill>
+                <a:srgbClr val="0070C0"/>
+              </a:solidFill>
+              <a:latin typeface="+mn-lt"/>
+              <a:ea typeface="+mn-ea"/>
+              <a:cs typeface="+mn-ea"/>
+              <a:sym typeface="+mn-lt"/>
+            </a:endParaRPr>
+          </a:p>
+        </p:txBody>
+      </p:sp>
+      <p:sp>
+        <p:nvSpPr>
+          <p:cNvPr id="2" name="文本框 1"/>
+          <p:cNvSpPr txBox="1"/>
+          <p:nvPr/>
+        </p:nvSpPr>
+        <p:spPr>
+          <a:xfrm>
+            <a:off x="767715" y="2019935"/>
+            <a:ext cx="7608570" cy="1753235"/>
+          </a:xfrm>
+          <a:prstGeom prst="rect">
+            <a:avLst/>
+          </a:prstGeom>
+          <a:noFill/>
+        </p:spPr>
+        <p:txBody>
+          <a:bodyPr wrap="square" rtlCol="0">
+            <a:spAutoFit/>
+          </a:bodyPr>
+          <a:p>
+            <a:r>
+              <a:rPr lang="zh-CN" altLang="en-US"/>
+              <a:t>Open XML标准的简单介绍：Ecma Office Open XML（“Open XML”）是针对字处理文档、演示文稿和电子表格的国际化开放标准，可免费供多个应用程序在多个平台上实现。Microsoft Office（2007、2003、XP、2000）、OpenOffice Novell Edition、开源项目 Gnumeric、Neo-Office 2.1 和 PalmOS (Dataviz) 已经支持 Open XML。Corel 已经宣布在 WordPerfect 2007 中提供 Open XML 支持，全球的开发人员 正在使用 OpenXML 构建解决方案。</a:t>
+            </a:r>
+            <a:endParaRPr lang="zh-CN" altLang="en-US"/>
+          </a:p>
+        </p:txBody>
+      </p:sp>
+    </p:spTree>
+  </p:cSld>
+  <p:clrMapOvr>
+    <a:masterClrMapping/>
+  </p:clrMapOvr>
+  <mc:AlternateContent xmlns:mc="http://schemas.openxmlformats.org/markup-compatibility/2006">
+    <mc:Choice xmlns:p14="http://schemas.microsoft.com/office/powerpoint/2010/main" Requires="p14">
+      <p:transition spd="slow" p14:dur="2000"/>
+    </mc:Choice>
+    <mc:Fallback>
+      <p:transition spd="slow"/>
+    </mc:Fallback>
+  </mc:AlternateContent>
+  <p:timing>
+    <p:tnLst>
+      <p:par>
+        <p:cTn id="1" dur="indefinite" restart="never" nodeType="tmRoot"/>
+      </p:par>
+    </p:tnLst>
+  </p:timing>
+</p:sld>
+</file>
+
+<file path=ppt/slides/slide17.xml><?xml version="1.0" encoding="utf-8"?>
 <p:sld xmlns:a="http://schemas.openxmlformats.org/drawingml/2006/main" xmlns:r="http://schemas.openxmlformats.org/officeDocument/2006/relationships" xmlns:p="http://schemas.openxmlformats.org/presentationml/2006/main">
   <p:cSld>
     <p:spTree>
@@ -10190,7 +10981,7 @@
 </p:sld>
 </file>
 
-<file path=ppt/slides/slide15.xml><?xml version="1.0" encoding="utf-8"?>
+<file path=ppt/slides/slide18.xml><?xml version="1.0" encoding="utf-8"?>
 <p:sld xmlns:a="http://schemas.openxmlformats.org/drawingml/2006/main" xmlns:r="http://schemas.openxmlformats.org/officeDocument/2006/relationships" xmlns:p="http://schemas.openxmlformats.org/presentationml/2006/main">
   <p:cSld>
     <p:spTree>
@@ -10503,7 +11294,7 @@
 </p:sld>
 </file>
 
-<file path=ppt/slides/slide16.xml><?xml version="1.0" encoding="utf-8"?>
+<file path=ppt/slides/slide19.xml><?xml version="1.0" encoding="utf-8"?>
 <p:sld xmlns:a="http://schemas.openxmlformats.org/drawingml/2006/main" xmlns:r="http://schemas.openxmlformats.org/officeDocument/2006/relationships" xmlns:p="http://schemas.openxmlformats.org/presentationml/2006/main">
   <p:cSld>
     <p:spTree>
@@ -11909,7 +12700,185 @@
 </p:sld>
 </file>
 
-<file path=ppt/slides/slide17.xml><?xml version="1.0" encoding="utf-8"?>
+<file path=ppt/slides/slide2.xml><?xml version="1.0" encoding="utf-8"?>
+<p:sld xmlns:a="http://schemas.openxmlformats.org/drawingml/2006/main" xmlns:r="http://schemas.openxmlformats.org/officeDocument/2006/relationships" xmlns:p="http://schemas.openxmlformats.org/presentationml/2006/main">
+  <p:cSld>
+    <p:spTree>
+      <p:nvGrpSpPr>
+        <p:cNvPr id="1" name=""/>
+        <p:cNvGrpSpPr/>
+        <p:nvPr/>
+      </p:nvGrpSpPr>
+      <p:grpSpPr>
+        <a:xfrm>
+          <a:off x="0" y="0"/>
+          <a:ext cx="0" cy="0"/>
+          <a:chOff x="0" y="0"/>
+          <a:chExt cx="0" cy="0"/>
+        </a:xfrm>
+      </p:grpSpPr>
+      <p:sp>
+        <p:nvSpPr>
+          <p:cNvPr id="2" name="Title 1"/>
+          <p:cNvSpPr>
+            <a:spLocks noGrp="1"/>
+          </p:cNvSpPr>
+          <p:nvPr>
+            <p:ph type="title"/>
+          </p:nvPr>
+        </p:nvSpPr>
+        <p:spPr>
+          <a:xfrm>
+            <a:off x="457200" y="438150"/>
+            <a:ext cx="7620000" cy="422672"/>
+          </a:xfrm>
+        </p:spPr>
+        <p:txBody>
+          <a:bodyPr/>
+          <a:lstStyle/>
+          <a:p>
+            <a:r>
+              <a:rPr lang="zh-CN" altLang="zh-CN" dirty="0">
+                <a:solidFill>
+                  <a:srgbClr val="0070C0"/>
+                </a:solidFill>
+                <a:latin typeface="+mn-lt"/>
+                <a:ea typeface="+mn-ea"/>
+                <a:cs typeface="+mn-ea"/>
+                <a:sym typeface="+mn-lt"/>
+              </a:rPr>
+              <a:t>简介</a:t>
+            </a:r>
+            <a:endParaRPr lang="zh-CN" altLang="zh-CN" dirty="0">
+              <a:solidFill>
+                <a:srgbClr val="0070C0"/>
+              </a:solidFill>
+              <a:latin typeface="+mn-lt"/>
+              <a:ea typeface="+mn-ea"/>
+              <a:cs typeface="+mn-ea"/>
+              <a:sym typeface="+mn-lt"/>
+            </a:endParaRPr>
+          </a:p>
+        </p:txBody>
+      </p:sp>
+      <p:sp>
+        <p:nvSpPr>
+          <p:cNvPr id="3" name="Footer Placeholder 2"/>
+          <p:cNvSpPr>
+            <a:spLocks noGrp="1"/>
+          </p:cNvSpPr>
+          <p:nvPr>
+            <p:ph type="ftr" sz="quarter" idx="11"/>
+          </p:nvPr>
+        </p:nvSpPr>
+        <p:spPr/>
+        <p:txBody>
+          <a:bodyPr/>
+          <a:lstStyle/>
+          <a:p>
+            <a:r>
+              <a:rPr lang="en-US" dirty="0" smtClean="0">
+                <a:cs typeface="+mn-ea"/>
+                <a:sym typeface="+mn-lt"/>
+              </a:rPr>
+              <a:t> </a:t>
+            </a:r>
+            <a:endParaRPr lang="en-US" dirty="0">
+              <a:cs typeface="+mn-ea"/>
+              <a:sym typeface="+mn-lt"/>
+            </a:endParaRPr>
+          </a:p>
+        </p:txBody>
+      </p:sp>
+      <p:sp>
+        <p:nvSpPr>
+          <p:cNvPr id="5" name="文本占位符 4"/>
+          <p:cNvSpPr/>
+          <p:nvPr>
+            <p:ph type="body" sz="quarter" idx="25"/>
+          </p:nvPr>
+        </p:nvSpPr>
+        <p:spPr>
+          <a:xfrm>
+            <a:off x="533400" y="904240"/>
+            <a:ext cx="6102350" cy="3549015"/>
+          </a:xfrm>
+        </p:spPr>
+        <p:txBody>
+          <a:bodyPr/>
+          <a:p>
+            <a:r>
+              <a:rPr lang="zh-CN" altLang="en-US"/>
+              <a:t>基于 Bootstrap 的 jQuery 表格插件，通过简单的设置，就可以拥有强的单选、多选、排序、分页，以及编辑、导出、过滤（扩展）等等的功能</a:t>
+            </a:r>
+            <a:endParaRPr lang="zh-CN" altLang="en-US"/>
+          </a:p>
+          <a:p>
+            <a:endParaRPr lang="zh-CN" altLang="en-US"/>
+          </a:p>
+          <a:p>
+            <a:endParaRPr lang="zh-CN" altLang="en-US"/>
+          </a:p>
+          <a:p>
+            <a:endParaRPr lang="zh-CN" altLang="en-US"/>
+          </a:p>
+          <a:p>
+            <a:pPr algn="just"/>
+            <a:endParaRPr lang="zh-CN" altLang="en-US"/>
+          </a:p>
+          <a:p>
+            <a:endParaRPr lang="zh-CN" altLang="en-US"/>
+          </a:p>
+          <a:p>
+            <a:endParaRPr lang="zh-CN" altLang="en-US"/>
+          </a:p>
+          <a:p>
+            <a:endParaRPr lang="zh-CN" altLang="en-US"/>
+          </a:p>
+          <a:p>
+            <a:endParaRPr lang="zh-CN" altLang="en-US"/>
+          </a:p>
+          <a:p>
+            <a:endParaRPr lang="zh-CN" altLang="en-US"/>
+          </a:p>
+          <a:p>
+            <a:endParaRPr lang="zh-CN" altLang="en-US"/>
+          </a:p>
+          <a:p>
+            <a:endParaRPr lang="zh-CN" altLang="en-US"/>
+          </a:p>
+          <a:p>
+            <a:endParaRPr lang="zh-CN" altLang="en-US"/>
+          </a:p>
+          <a:p>
+            <a:endParaRPr lang="zh-CN" altLang="en-US"/>
+          </a:p>
+        </p:txBody>
+      </p:sp>
+    </p:spTree>
+  </p:cSld>
+  <p:clrMapOvr>
+    <a:masterClrMapping/>
+  </p:clrMapOvr>
+  <mc:AlternateContent xmlns:mc="http://schemas.openxmlformats.org/markup-compatibility/2006">
+    <mc:Choice xmlns:p14="http://schemas.microsoft.com/office/powerpoint/2010/main" Requires="p14">
+      <p:transition spd="slow" p14:dur="2000"/>
+    </mc:Choice>
+    <mc:Fallback>
+      <p:transition spd="slow"/>
+    </mc:Fallback>
+  </mc:AlternateContent>
+  <p:timing>
+    <p:tnLst>
+      <p:par>
+        <p:cTn id="1" dur="indefinite" restart="never" nodeType="tmRoot"/>
+      </p:par>
+    </p:tnLst>
+  </p:timing>
+</p:sld>
+</file>
+
+<file path=ppt/slides/slide20.xml><?xml version="1.0" encoding="utf-8"?>
 <p:sld xmlns:a="http://schemas.openxmlformats.org/drawingml/2006/main" xmlns:r="http://schemas.openxmlformats.org/officeDocument/2006/relationships" xmlns:p="http://schemas.openxmlformats.org/presentationml/2006/main">
   <p:cSld>
     <p:spTree>
@@ -11974,7 +12943,7 @@
 </p:sld>
 </file>
 
-<file path=ppt/slides/slide18.xml><?xml version="1.0" encoding="utf-8"?>
+<file path=ppt/slides/slide21.xml><?xml version="1.0" encoding="utf-8"?>
 <p:sld xmlns:a="http://schemas.openxmlformats.org/drawingml/2006/main" xmlns:r="http://schemas.openxmlformats.org/officeDocument/2006/relationships" xmlns:p="http://schemas.openxmlformats.org/presentationml/2006/main">
   <p:cSld>
     <p:spTree>
@@ -13559,184 +14528,6 @@
   <p:clrMapOvr>
     <a:masterClrMapping/>
   </p:clrMapOvr>
-  <p:timing>
-    <p:tnLst>
-      <p:par>
-        <p:cTn id="1" dur="indefinite" restart="never" nodeType="tmRoot"/>
-      </p:par>
-    </p:tnLst>
-  </p:timing>
-</p:sld>
-</file>
-
-<file path=ppt/slides/slide2.xml><?xml version="1.0" encoding="utf-8"?>
-<p:sld xmlns:a="http://schemas.openxmlformats.org/drawingml/2006/main" xmlns:r="http://schemas.openxmlformats.org/officeDocument/2006/relationships" xmlns:p="http://schemas.openxmlformats.org/presentationml/2006/main">
-  <p:cSld>
-    <p:spTree>
-      <p:nvGrpSpPr>
-        <p:cNvPr id="1" name=""/>
-        <p:cNvGrpSpPr/>
-        <p:nvPr/>
-      </p:nvGrpSpPr>
-      <p:grpSpPr>
-        <a:xfrm>
-          <a:off x="0" y="0"/>
-          <a:ext cx="0" cy="0"/>
-          <a:chOff x="0" y="0"/>
-          <a:chExt cx="0" cy="0"/>
-        </a:xfrm>
-      </p:grpSpPr>
-      <p:sp>
-        <p:nvSpPr>
-          <p:cNvPr id="2" name="Title 1"/>
-          <p:cNvSpPr>
-            <a:spLocks noGrp="1"/>
-          </p:cNvSpPr>
-          <p:nvPr>
-            <p:ph type="title"/>
-          </p:nvPr>
-        </p:nvSpPr>
-        <p:spPr>
-          <a:xfrm>
-            <a:off x="457200" y="438150"/>
-            <a:ext cx="7620000" cy="422672"/>
-          </a:xfrm>
-        </p:spPr>
-        <p:txBody>
-          <a:bodyPr/>
-          <a:lstStyle/>
-          <a:p>
-            <a:r>
-              <a:rPr lang="zh-CN" altLang="zh-CN" dirty="0">
-                <a:solidFill>
-                  <a:srgbClr val="0070C0"/>
-                </a:solidFill>
-                <a:latin typeface="+mn-lt"/>
-                <a:ea typeface="+mn-ea"/>
-                <a:cs typeface="+mn-ea"/>
-                <a:sym typeface="+mn-lt"/>
-              </a:rPr>
-              <a:t>简介</a:t>
-            </a:r>
-            <a:endParaRPr lang="zh-CN" altLang="zh-CN" dirty="0">
-              <a:solidFill>
-                <a:srgbClr val="0070C0"/>
-              </a:solidFill>
-              <a:latin typeface="+mn-lt"/>
-              <a:ea typeface="+mn-ea"/>
-              <a:cs typeface="+mn-ea"/>
-              <a:sym typeface="+mn-lt"/>
-            </a:endParaRPr>
-          </a:p>
-        </p:txBody>
-      </p:sp>
-      <p:sp>
-        <p:nvSpPr>
-          <p:cNvPr id="3" name="Footer Placeholder 2"/>
-          <p:cNvSpPr>
-            <a:spLocks noGrp="1"/>
-          </p:cNvSpPr>
-          <p:nvPr>
-            <p:ph type="ftr" sz="quarter" idx="11"/>
-          </p:nvPr>
-        </p:nvSpPr>
-        <p:spPr/>
-        <p:txBody>
-          <a:bodyPr/>
-          <a:lstStyle/>
-          <a:p>
-            <a:r>
-              <a:rPr lang="en-US" dirty="0" smtClean="0">
-                <a:cs typeface="+mn-ea"/>
-                <a:sym typeface="+mn-lt"/>
-              </a:rPr>
-              <a:t> </a:t>
-            </a:r>
-            <a:endParaRPr lang="en-US" dirty="0">
-              <a:cs typeface="+mn-ea"/>
-              <a:sym typeface="+mn-lt"/>
-            </a:endParaRPr>
-          </a:p>
-        </p:txBody>
-      </p:sp>
-      <p:sp>
-        <p:nvSpPr>
-          <p:cNvPr id="5" name="文本占位符 4"/>
-          <p:cNvSpPr/>
-          <p:nvPr>
-            <p:ph type="body" sz="quarter" idx="25"/>
-          </p:nvPr>
-        </p:nvSpPr>
-        <p:spPr>
-          <a:xfrm>
-            <a:off x="533400" y="904240"/>
-            <a:ext cx="6102350" cy="3549015"/>
-          </a:xfrm>
-        </p:spPr>
-        <p:txBody>
-          <a:bodyPr/>
-          <a:p>
-            <a:r>
-              <a:rPr lang="zh-CN" altLang="en-US"/>
-              <a:t>基于 Bootstrap 的 jQuery 表格插件，通过简单的设置，就可以拥有强的单选、多选、排序、分页，以及编辑、导出、过滤（扩展）等等的功能</a:t>
-            </a:r>
-            <a:endParaRPr lang="zh-CN" altLang="en-US"/>
-          </a:p>
-          <a:p>
-            <a:endParaRPr lang="zh-CN" altLang="en-US"/>
-          </a:p>
-          <a:p>
-            <a:endParaRPr lang="zh-CN" altLang="en-US"/>
-          </a:p>
-          <a:p>
-            <a:endParaRPr lang="zh-CN" altLang="en-US"/>
-          </a:p>
-          <a:p>
-            <a:pPr algn="just"/>
-            <a:endParaRPr lang="zh-CN" altLang="en-US"/>
-          </a:p>
-          <a:p>
-            <a:endParaRPr lang="zh-CN" altLang="en-US"/>
-          </a:p>
-          <a:p>
-            <a:endParaRPr lang="zh-CN" altLang="en-US"/>
-          </a:p>
-          <a:p>
-            <a:endParaRPr lang="zh-CN" altLang="en-US"/>
-          </a:p>
-          <a:p>
-            <a:endParaRPr lang="zh-CN" altLang="en-US"/>
-          </a:p>
-          <a:p>
-            <a:endParaRPr lang="zh-CN" altLang="en-US"/>
-          </a:p>
-          <a:p>
-            <a:endParaRPr lang="zh-CN" altLang="en-US"/>
-          </a:p>
-          <a:p>
-            <a:endParaRPr lang="zh-CN" altLang="en-US"/>
-          </a:p>
-          <a:p>
-            <a:endParaRPr lang="zh-CN" altLang="en-US"/>
-          </a:p>
-          <a:p>
-            <a:endParaRPr lang="zh-CN" altLang="en-US"/>
-          </a:p>
-        </p:txBody>
-      </p:sp>
-    </p:spTree>
-  </p:cSld>
-  <p:clrMapOvr>
-    <a:masterClrMapping/>
-  </p:clrMapOvr>
-  <mc:AlternateContent xmlns:mc="http://schemas.openxmlformats.org/markup-compatibility/2006">
-    <mc:Choice xmlns:p14="http://schemas.microsoft.com/office/powerpoint/2010/main" Requires="p14">
-      <p:transition spd="slow" p14:dur="2000"/>
-    </mc:Choice>
-    <mc:Fallback>
-      <p:transition spd="slow"/>
-    </mc:Fallback>
-  </mc:AlternateContent>
   <p:timing>
     <p:tnLst>
       <p:par>

--- a/springboot-mybatis-master/bootstrap-table.pptx
+++ b/springboot-mybatis-master/bootstrap-table.pptx
@@ -12807,6 +12807,27 @@
         <p:txBody>
           <a:bodyPr/>
           <a:p>
+            <a:endParaRPr lang="zh-CN" altLang="en-US"/>
+          </a:p>
+          <a:p>
+            <a:endParaRPr lang="zh-CN" altLang="en-US"/>
+          </a:p>
+          <a:p>
+            <a:endParaRPr lang="zh-CN" altLang="en-US"/>
+          </a:p>
+          <a:p>
+            <a:endParaRPr lang="zh-CN" altLang="en-US"/>
+          </a:p>
+          <a:p>
+            <a:endParaRPr lang="zh-CN" altLang="en-US"/>
+          </a:p>
+          <a:p>
+            <a:endParaRPr lang="zh-CN" altLang="en-US"/>
+          </a:p>
+          <a:p>
+            <a:endParaRPr lang="zh-CN" altLang="en-US"/>
+          </a:p>
+          <a:p>
             <a:r>
               <a:rPr lang="zh-CN" altLang="en-US"/>
               <a:t>基于 Bootstrap 的 jQuery 表格插件，通过简单的设置，就可以拥有强的单选、多选、排序、分页，以及编辑、导出、过滤（扩展）等等的功能</a:t>
@@ -13006,8 +13027,8 @@
                     <a:lumMod val="25000"/>
                   </a:srgbClr>
                 </a:solidFill>
-                <a:latin typeface="微软雅黑" panose="020B0503020204020204" pitchFamily="34" charset="-122"/>
-                <a:ea typeface="微软雅黑" panose="020B0503020204020204" pitchFamily="34" charset="-122"/>
+                <a:latin typeface="微软雅黑" panose="020B0503020204020204" charset="-122"/>
+                <a:ea typeface="微软雅黑" panose="020B0503020204020204" charset="-122"/>
               </a:rPr>
               <a:t>PPT</a:t>
             </a:r>
@@ -13018,8 +13039,8 @@
                     <a:lumMod val="25000"/>
                   </a:srgbClr>
                 </a:solidFill>
-                <a:latin typeface="微软雅黑" panose="020B0503020204020204" pitchFamily="34" charset="-122"/>
-                <a:ea typeface="微软雅黑" panose="020B0503020204020204" pitchFamily="34" charset="-122"/>
+                <a:latin typeface="微软雅黑" panose="020B0503020204020204" charset="-122"/>
+                <a:ea typeface="微软雅黑" panose="020B0503020204020204" charset="-122"/>
               </a:rPr>
               <a:t>模板下载：</a:t>
             </a:r>
@@ -13030,8 +13051,8 @@
                     <a:lumMod val="25000"/>
                   </a:srgbClr>
                 </a:solidFill>
-                <a:latin typeface="微软雅黑" panose="020B0503020204020204" pitchFamily="34" charset="-122"/>
-                <a:ea typeface="微软雅黑" panose="020B0503020204020204" pitchFamily="34" charset="-122"/>
+                <a:latin typeface="微软雅黑" panose="020B0503020204020204" charset="-122"/>
+                <a:ea typeface="微软雅黑" panose="020B0503020204020204" charset="-122"/>
                 <a:hlinkClick r:id="rId1"/>
               </a:rPr>
               <a:t>www.1ppt.com/moban/</a:t>
@@ -13043,8 +13064,8 @@
                     <a:lumMod val="25000"/>
                   </a:srgbClr>
                 </a:solidFill>
-                <a:latin typeface="微软雅黑" panose="020B0503020204020204" pitchFamily="34" charset="-122"/>
-                <a:ea typeface="微软雅黑" panose="020B0503020204020204" pitchFamily="34" charset="-122"/>
+                <a:latin typeface="微软雅黑" panose="020B0503020204020204" charset="-122"/>
+                <a:ea typeface="微软雅黑" panose="020B0503020204020204" charset="-122"/>
               </a:rPr>
               <a:t>     </a:t>
             </a:r>
@@ -13055,8 +13076,8 @@
                     <a:lumMod val="25000"/>
                   </a:srgbClr>
                 </a:solidFill>
-                <a:latin typeface="微软雅黑" panose="020B0503020204020204" pitchFamily="34" charset="-122"/>
-                <a:ea typeface="微软雅黑" panose="020B0503020204020204" pitchFamily="34" charset="-122"/>
+                <a:latin typeface="微软雅黑" panose="020B0503020204020204" charset="-122"/>
+                <a:ea typeface="微软雅黑" panose="020B0503020204020204" charset="-122"/>
               </a:rPr>
               <a:t>           </a:t>
             </a:r>
@@ -13067,8 +13088,8 @@
                     <a:lumMod val="25000"/>
                   </a:srgbClr>
                 </a:solidFill>
-                <a:latin typeface="微软雅黑" panose="020B0503020204020204" pitchFamily="34" charset="-122"/>
-                <a:ea typeface="微软雅黑" panose="020B0503020204020204" pitchFamily="34" charset="-122"/>
+                <a:latin typeface="微软雅黑" panose="020B0503020204020204" charset="-122"/>
+                <a:ea typeface="微软雅黑" panose="020B0503020204020204" charset="-122"/>
               </a:rPr>
               <a:t>行业</a:t>
             </a:r>
@@ -13079,8 +13100,8 @@
                     <a:lumMod val="25000"/>
                   </a:srgbClr>
                 </a:solidFill>
-                <a:latin typeface="微软雅黑" panose="020B0503020204020204" pitchFamily="34" charset="-122"/>
-                <a:ea typeface="微软雅黑" panose="020B0503020204020204" pitchFamily="34" charset="-122"/>
+                <a:latin typeface="微软雅黑" panose="020B0503020204020204" charset="-122"/>
+                <a:ea typeface="微软雅黑" panose="020B0503020204020204" charset="-122"/>
               </a:rPr>
               <a:t>PPT</a:t>
             </a:r>
@@ -13091,8 +13112,8 @@
                     <a:lumMod val="25000"/>
                   </a:srgbClr>
                 </a:solidFill>
-                <a:latin typeface="微软雅黑" panose="020B0503020204020204" pitchFamily="34" charset="-122"/>
-                <a:ea typeface="微软雅黑" panose="020B0503020204020204" pitchFamily="34" charset="-122"/>
+                <a:latin typeface="微软雅黑" panose="020B0503020204020204" charset="-122"/>
+                <a:ea typeface="微软雅黑" panose="020B0503020204020204" charset="-122"/>
               </a:rPr>
               <a:t>模板：</a:t>
             </a:r>
@@ -13103,8 +13124,8 @@
                     <a:lumMod val="25000"/>
                   </a:srgbClr>
                 </a:solidFill>
-                <a:latin typeface="微软雅黑" panose="020B0503020204020204" pitchFamily="34" charset="-122"/>
-                <a:ea typeface="微软雅黑" panose="020B0503020204020204" pitchFamily="34" charset="-122"/>
+                <a:latin typeface="微软雅黑" panose="020B0503020204020204" charset="-122"/>
+                <a:ea typeface="微软雅黑" panose="020B0503020204020204" charset="-122"/>
                 <a:hlinkClick r:id="rId2"/>
               </a:rPr>
               <a:t>www.1ppt.com/hangye/</a:t>
@@ -13116,8 +13137,8 @@
                     <a:lumMod val="25000"/>
                   </a:srgbClr>
                 </a:solidFill>
-                <a:latin typeface="微软雅黑" panose="020B0503020204020204" pitchFamily="34" charset="-122"/>
-                <a:ea typeface="微软雅黑" panose="020B0503020204020204" pitchFamily="34" charset="-122"/>
+                <a:latin typeface="微软雅黑" panose="020B0503020204020204" charset="-122"/>
+                <a:ea typeface="微软雅黑" panose="020B0503020204020204" charset="-122"/>
               </a:rPr>
               <a:t> </a:t>
             </a:r>
@@ -13127,8 +13148,8 @@
                   <a:lumMod val="25000"/>
                 </a:srgbClr>
               </a:solidFill>
-              <a:latin typeface="微软雅黑" panose="020B0503020204020204" pitchFamily="34" charset="-122"/>
-              <a:ea typeface="微软雅黑" panose="020B0503020204020204" pitchFamily="34" charset="-122"/>
+              <a:latin typeface="微软雅黑" panose="020B0503020204020204" charset="-122"/>
+              <a:ea typeface="微软雅黑" panose="020B0503020204020204" charset="-122"/>
             </a:endParaRPr>
           </a:p>
           <a:p>
@@ -13139,8 +13160,8 @@
                     <a:lumMod val="25000"/>
                   </a:srgbClr>
                 </a:solidFill>
-                <a:latin typeface="微软雅黑" panose="020B0503020204020204" pitchFamily="34" charset="-122"/>
-                <a:ea typeface="微软雅黑" panose="020B0503020204020204" pitchFamily="34" charset="-122"/>
+                <a:latin typeface="微软雅黑" panose="020B0503020204020204" charset="-122"/>
+                <a:ea typeface="微软雅黑" panose="020B0503020204020204" charset="-122"/>
               </a:rPr>
               <a:t>节日</a:t>
             </a:r>
@@ -13151,8 +13172,8 @@
                     <a:lumMod val="25000"/>
                   </a:srgbClr>
                 </a:solidFill>
-                <a:latin typeface="微软雅黑" panose="020B0503020204020204" pitchFamily="34" charset="-122"/>
-                <a:ea typeface="微软雅黑" panose="020B0503020204020204" pitchFamily="34" charset="-122"/>
+                <a:latin typeface="微软雅黑" panose="020B0503020204020204" charset="-122"/>
+                <a:ea typeface="微软雅黑" panose="020B0503020204020204" charset="-122"/>
               </a:rPr>
               <a:t>PPT</a:t>
             </a:r>
@@ -13163,8 +13184,8 @@
                     <a:lumMod val="25000"/>
                   </a:srgbClr>
                 </a:solidFill>
-                <a:latin typeface="微软雅黑" panose="020B0503020204020204" pitchFamily="34" charset="-122"/>
-                <a:ea typeface="微软雅黑" panose="020B0503020204020204" pitchFamily="34" charset="-122"/>
+                <a:latin typeface="微软雅黑" panose="020B0503020204020204" charset="-122"/>
+                <a:ea typeface="微软雅黑" panose="020B0503020204020204" charset="-122"/>
               </a:rPr>
               <a:t>模板：</a:t>
             </a:r>
@@ -13175,8 +13196,8 @@
                     <a:lumMod val="25000"/>
                   </a:srgbClr>
                 </a:solidFill>
-                <a:latin typeface="微软雅黑" panose="020B0503020204020204" pitchFamily="34" charset="-122"/>
-                <a:ea typeface="微软雅黑" panose="020B0503020204020204" pitchFamily="34" charset="-122"/>
+                <a:latin typeface="微软雅黑" panose="020B0503020204020204" charset="-122"/>
+                <a:ea typeface="微软雅黑" panose="020B0503020204020204" charset="-122"/>
                 <a:hlinkClick r:id="rId3"/>
               </a:rPr>
               <a:t>www.1ppt.com/jieri/</a:t>
@@ -13188,8 +13209,8 @@
                     <a:lumMod val="25000"/>
                   </a:srgbClr>
                 </a:solidFill>
-                <a:latin typeface="微软雅黑" panose="020B0503020204020204" pitchFamily="34" charset="-122"/>
-                <a:ea typeface="微软雅黑" panose="020B0503020204020204" pitchFamily="34" charset="-122"/>
+                <a:latin typeface="微软雅黑" panose="020B0503020204020204" charset="-122"/>
+                <a:ea typeface="微软雅黑" panose="020B0503020204020204" charset="-122"/>
               </a:rPr>
               <a:t>          </a:t>
             </a:r>
@@ -13200,8 +13221,8 @@
                     <a:lumMod val="25000"/>
                   </a:srgbClr>
                 </a:solidFill>
-                <a:latin typeface="微软雅黑" panose="020B0503020204020204" pitchFamily="34" charset="-122"/>
-                <a:ea typeface="微软雅黑" panose="020B0503020204020204" pitchFamily="34" charset="-122"/>
+                <a:latin typeface="微软雅黑" panose="020B0503020204020204" charset="-122"/>
+                <a:ea typeface="微软雅黑" panose="020B0503020204020204" charset="-122"/>
               </a:rPr>
               <a:t>            </a:t>
             </a:r>
@@ -13212,8 +13233,8 @@
                     <a:lumMod val="25000"/>
                   </a:srgbClr>
                 </a:solidFill>
-                <a:latin typeface="微软雅黑" panose="020B0503020204020204" pitchFamily="34" charset="-122"/>
-                <a:ea typeface="微软雅黑" panose="020B0503020204020204" pitchFamily="34" charset="-122"/>
+                <a:latin typeface="微软雅黑" panose="020B0503020204020204" charset="-122"/>
+                <a:ea typeface="微软雅黑" panose="020B0503020204020204" charset="-122"/>
               </a:rPr>
               <a:t>PPT</a:t>
             </a:r>
@@ -13224,8 +13245,8 @@
                     <a:lumMod val="25000"/>
                   </a:srgbClr>
                 </a:solidFill>
-                <a:latin typeface="微软雅黑" panose="020B0503020204020204" pitchFamily="34" charset="-122"/>
-                <a:ea typeface="微软雅黑" panose="020B0503020204020204" pitchFamily="34" charset="-122"/>
+                <a:latin typeface="微软雅黑" panose="020B0503020204020204" charset="-122"/>
+                <a:ea typeface="微软雅黑" panose="020B0503020204020204" charset="-122"/>
               </a:rPr>
               <a:t>素材下载：</a:t>
             </a:r>
@@ -13236,8 +13257,8 @@
                     <a:lumMod val="25000"/>
                   </a:srgbClr>
                 </a:solidFill>
-                <a:latin typeface="微软雅黑" panose="020B0503020204020204" pitchFamily="34" charset="-122"/>
-                <a:ea typeface="微软雅黑" panose="020B0503020204020204" pitchFamily="34" charset="-122"/>
+                <a:latin typeface="微软雅黑" panose="020B0503020204020204" charset="-122"/>
+                <a:ea typeface="微软雅黑" panose="020B0503020204020204" charset="-122"/>
                 <a:hlinkClick r:id="rId4"/>
               </a:rPr>
               <a:t>www.1ppt.com/sucai/</a:t>
@@ -13248,8 +13269,8 @@
                   <a:lumMod val="25000"/>
                 </a:srgbClr>
               </a:solidFill>
-              <a:latin typeface="微软雅黑" panose="020B0503020204020204" pitchFamily="34" charset="-122"/>
-              <a:ea typeface="微软雅黑" panose="020B0503020204020204" pitchFamily="34" charset="-122"/>
+              <a:latin typeface="微软雅黑" panose="020B0503020204020204" charset="-122"/>
+              <a:ea typeface="微软雅黑" panose="020B0503020204020204" charset="-122"/>
             </a:endParaRPr>
           </a:p>
           <a:p>
@@ -13260,8 +13281,8 @@
                     <a:lumMod val="25000"/>
                   </a:srgbClr>
                 </a:solidFill>
-                <a:latin typeface="微软雅黑" panose="020B0503020204020204" pitchFamily="34" charset="-122"/>
-                <a:ea typeface="微软雅黑" panose="020B0503020204020204" pitchFamily="34" charset="-122"/>
+                <a:latin typeface="微软雅黑" panose="020B0503020204020204" charset="-122"/>
+                <a:ea typeface="微软雅黑" panose="020B0503020204020204" charset="-122"/>
               </a:rPr>
               <a:t>PPT</a:t>
             </a:r>
@@ -13272,8 +13293,8 @@
                     <a:lumMod val="25000"/>
                   </a:srgbClr>
                 </a:solidFill>
-                <a:latin typeface="微软雅黑" panose="020B0503020204020204" pitchFamily="34" charset="-122"/>
-                <a:ea typeface="微软雅黑" panose="020B0503020204020204" pitchFamily="34" charset="-122"/>
+                <a:latin typeface="微软雅黑" panose="020B0503020204020204" charset="-122"/>
+                <a:ea typeface="微软雅黑" panose="020B0503020204020204" charset="-122"/>
               </a:rPr>
               <a:t>背景图片：</a:t>
             </a:r>
@@ -13284,8 +13305,8 @@
                     <a:lumMod val="25000"/>
                   </a:srgbClr>
                 </a:solidFill>
-                <a:latin typeface="微软雅黑" panose="020B0503020204020204" pitchFamily="34" charset="-122"/>
-                <a:ea typeface="微软雅黑" panose="020B0503020204020204" pitchFamily="34" charset="-122"/>
+                <a:latin typeface="微软雅黑" panose="020B0503020204020204" charset="-122"/>
+                <a:ea typeface="微软雅黑" panose="020B0503020204020204" charset="-122"/>
                 <a:hlinkClick r:id="rId5"/>
               </a:rPr>
               <a:t>www.1ppt.com/beijing/</a:t>
@@ -13297,8 +13318,8 @@
                     <a:lumMod val="25000"/>
                   </a:srgbClr>
                 </a:solidFill>
-                <a:latin typeface="微软雅黑" panose="020B0503020204020204" pitchFamily="34" charset="-122"/>
-                <a:ea typeface="微软雅黑" panose="020B0503020204020204" pitchFamily="34" charset="-122"/>
+                <a:latin typeface="微软雅黑" panose="020B0503020204020204" charset="-122"/>
+                <a:ea typeface="微软雅黑" panose="020B0503020204020204" charset="-122"/>
               </a:rPr>
               <a:t>     </a:t>
             </a:r>
@@ -13309,8 +13330,8 @@
                     <a:lumMod val="25000"/>
                   </a:srgbClr>
                 </a:solidFill>
-                <a:latin typeface="微软雅黑" panose="020B0503020204020204" pitchFamily="34" charset="-122"/>
-                <a:ea typeface="微软雅黑" panose="020B0503020204020204" pitchFamily="34" charset="-122"/>
+                <a:latin typeface="微软雅黑" panose="020B0503020204020204" charset="-122"/>
+                <a:ea typeface="微软雅黑" panose="020B0503020204020204" charset="-122"/>
               </a:rPr>
               <a:t>            </a:t>
             </a:r>
@@ -13321,8 +13342,8 @@
                     <a:lumMod val="25000"/>
                   </a:srgbClr>
                 </a:solidFill>
-                <a:latin typeface="微软雅黑" panose="020B0503020204020204" pitchFamily="34" charset="-122"/>
-                <a:ea typeface="微软雅黑" panose="020B0503020204020204" pitchFamily="34" charset="-122"/>
+                <a:latin typeface="微软雅黑" panose="020B0503020204020204" charset="-122"/>
+                <a:ea typeface="微软雅黑" panose="020B0503020204020204" charset="-122"/>
               </a:rPr>
               <a:t>PPT</a:t>
             </a:r>
@@ -13333,8 +13354,8 @@
                     <a:lumMod val="25000"/>
                   </a:srgbClr>
                 </a:solidFill>
-                <a:latin typeface="微软雅黑" panose="020B0503020204020204" pitchFamily="34" charset="-122"/>
-                <a:ea typeface="微软雅黑" panose="020B0503020204020204" pitchFamily="34" charset="-122"/>
+                <a:latin typeface="微软雅黑" panose="020B0503020204020204" charset="-122"/>
+                <a:ea typeface="微软雅黑" panose="020B0503020204020204" charset="-122"/>
               </a:rPr>
               <a:t>图表下载：</a:t>
             </a:r>
@@ -13345,8 +13366,8 @@
                     <a:lumMod val="25000"/>
                   </a:srgbClr>
                 </a:solidFill>
-                <a:latin typeface="微软雅黑" panose="020B0503020204020204" pitchFamily="34" charset="-122"/>
-                <a:ea typeface="微软雅黑" panose="020B0503020204020204" pitchFamily="34" charset="-122"/>
+                <a:latin typeface="微软雅黑" panose="020B0503020204020204" charset="-122"/>
+                <a:ea typeface="微软雅黑" panose="020B0503020204020204" charset="-122"/>
                 <a:hlinkClick r:id="rId6"/>
               </a:rPr>
               <a:t>www.1ppt.com/tubiao/</a:t>
@@ -13358,8 +13379,8 @@
                     <a:lumMod val="25000"/>
                   </a:srgbClr>
                 </a:solidFill>
-                <a:latin typeface="微软雅黑" panose="020B0503020204020204" pitchFamily="34" charset="-122"/>
-                <a:ea typeface="微软雅黑" panose="020B0503020204020204" pitchFamily="34" charset="-122"/>
+                <a:latin typeface="微软雅黑" panose="020B0503020204020204" charset="-122"/>
+                <a:ea typeface="微软雅黑" panose="020B0503020204020204" charset="-122"/>
               </a:rPr>
               <a:t>      </a:t>
             </a:r>
@@ -13369,8 +13390,8 @@
                   <a:lumMod val="25000"/>
                 </a:srgbClr>
               </a:solidFill>
-              <a:latin typeface="微软雅黑" panose="020B0503020204020204" pitchFamily="34" charset="-122"/>
-              <a:ea typeface="微软雅黑" panose="020B0503020204020204" pitchFamily="34" charset="-122"/>
+              <a:latin typeface="微软雅黑" panose="020B0503020204020204" charset="-122"/>
+              <a:ea typeface="微软雅黑" panose="020B0503020204020204" charset="-122"/>
             </a:endParaRPr>
           </a:p>
           <a:p>
@@ -13381,8 +13402,8 @@
                     <a:lumMod val="25000"/>
                   </a:srgbClr>
                 </a:solidFill>
-                <a:latin typeface="微软雅黑" panose="020B0503020204020204" pitchFamily="34" charset="-122"/>
-                <a:ea typeface="微软雅黑" panose="020B0503020204020204" pitchFamily="34" charset="-122"/>
+                <a:latin typeface="微软雅黑" panose="020B0503020204020204" charset="-122"/>
+                <a:ea typeface="微软雅黑" panose="020B0503020204020204" charset="-122"/>
               </a:rPr>
               <a:t>优秀</a:t>
             </a:r>
@@ -13393,8 +13414,8 @@
                     <a:lumMod val="25000"/>
                   </a:srgbClr>
                 </a:solidFill>
-                <a:latin typeface="微软雅黑" panose="020B0503020204020204" pitchFamily="34" charset="-122"/>
-                <a:ea typeface="微软雅黑" panose="020B0503020204020204" pitchFamily="34" charset="-122"/>
+                <a:latin typeface="微软雅黑" panose="020B0503020204020204" charset="-122"/>
+                <a:ea typeface="微软雅黑" panose="020B0503020204020204" charset="-122"/>
               </a:rPr>
               <a:t>PPT</a:t>
             </a:r>
@@ -13405,8 +13426,8 @@
                     <a:lumMod val="25000"/>
                   </a:srgbClr>
                 </a:solidFill>
-                <a:latin typeface="微软雅黑" panose="020B0503020204020204" pitchFamily="34" charset="-122"/>
-                <a:ea typeface="微软雅黑" panose="020B0503020204020204" pitchFamily="34" charset="-122"/>
+                <a:latin typeface="微软雅黑" panose="020B0503020204020204" charset="-122"/>
+                <a:ea typeface="微软雅黑" panose="020B0503020204020204" charset="-122"/>
               </a:rPr>
               <a:t>下载：</a:t>
             </a:r>
@@ -13417,8 +13438,8 @@
                     <a:lumMod val="25000"/>
                   </a:srgbClr>
                 </a:solidFill>
-                <a:latin typeface="微软雅黑" panose="020B0503020204020204" pitchFamily="34" charset="-122"/>
-                <a:ea typeface="微软雅黑" panose="020B0503020204020204" pitchFamily="34" charset="-122"/>
+                <a:latin typeface="微软雅黑" panose="020B0503020204020204" charset="-122"/>
+                <a:ea typeface="微软雅黑" panose="020B0503020204020204" charset="-122"/>
                 <a:hlinkClick r:id="rId7"/>
               </a:rPr>
               <a:t>www.1ppt.com/xiazai/</a:t>
@@ -13430,8 +13451,8 @@
                     <a:lumMod val="25000"/>
                   </a:srgbClr>
                 </a:solidFill>
-                <a:latin typeface="微软雅黑" panose="020B0503020204020204" pitchFamily="34" charset="-122"/>
-                <a:ea typeface="微软雅黑" panose="020B0503020204020204" pitchFamily="34" charset="-122"/>
+                <a:latin typeface="微软雅黑" panose="020B0503020204020204" charset="-122"/>
+                <a:ea typeface="微软雅黑" panose="020B0503020204020204" charset="-122"/>
               </a:rPr>
               <a:t>      </a:t>
             </a:r>
@@ -13442,8 +13463,8 @@
                     <a:lumMod val="25000"/>
                   </a:srgbClr>
                 </a:solidFill>
-                <a:latin typeface="微软雅黑" panose="020B0503020204020204" pitchFamily="34" charset="-122"/>
-                <a:ea typeface="微软雅黑" panose="020B0503020204020204" pitchFamily="34" charset="-122"/>
+                <a:latin typeface="微软雅黑" panose="020B0503020204020204" charset="-122"/>
+                <a:ea typeface="微软雅黑" panose="020B0503020204020204" charset="-122"/>
               </a:rPr>
               <a:t>             </a:t>
             </a:r>
@@ -13454,8 +13475,8 @@
                     <a:lumMod val="25000"/>
                   </a:srgbClr>
                 </a:solidFill>
-                <a:latin typeface="微软雅黑" panose="020B0503020204020204" pitchFamily="34" charset="-122"/>
-                <a:ea typeface="微软雅黑" panose="020B0503020204020204" pitchFamily="34" charset="-122"/>
+                <a:latin typeface="微软雅黑" panose="020B0503020204020204" charset="-122"/>
+                <a:ea typeface="微软雅黑" panose="020B0503020204020204" charset="-122"/>
               </a:rPr>
               <a:t>PPT</a:t>
             </a:r>
@@ -13466,8 +13487,8 @@
                     <a:lumMod val="25000"/>
                   </a:srgbClr>
                 </a:solidFill>
-                <a:latin typeface="微软雅黑" panose="020B0503020204020204" pitchFamily="34" charset="-122"/>
-                <a:ea typeface="微软雅黑" panose="020B0503020204020204" pitchFamily="34" charset="-122"/>
+                <a:latin typeface="微软雅黑" panose="020B0503020204020204" charset="-122"/>
+                <a:ea typeface="微软雅黑" panose="020B0503020204020204" charset="-122"/>
               </a:rPr>
               <a:t>教程</a:t>
             </a:r>
@@ -13478,8 +13499,8 @@
                     <a:lumMod val="25000"/>
                   </a:srgbClr>
                 </a:solidFill>
-                <a:latin typeface="微软雅黑" panose="020B0503020204020204" pitchFamily="34" charset="-122"/>
-                <a:ea typeface="微软雅黑" panose="020B0503020204020204" pitchFamily="34" charset="-122"/>
+                <a:latin typeface="微软雅黑" panose="020B0503020204020204" charset="-122"/>
+                <a:ea typeface="微软雅黑" panose="020B0503020204020204" charset="-122"/>
               </a:rPr>
               <a:t>：       </a:t>
             </a:r>
@@ -13490,8 +13511,8 @@
                     <a:lumMod val="25000"/>
                   </a:srgbClr>
                 </a:solidFill>
-                <a:latin typeface="微软雅黑" panose="020B0503020204020204" pitchFamily="34" charset="-122"/>
-                <a:ea typeface="微软雅黑" panose="020B0503020204020204" pitchFamily="34" charset="-122"/>
+                <a:latin typeface="微软雅黑" panose="020B0503020204020204" charset="-122"/>
+                <a:ea typeface="微软雅黑" panose="020B0503020204020204" charset="-122"/>
                 <a:hlinkClick r:id="rId8"/>
               </a:rPr>
               <a:t>www.1ppt.com/powerpoint</a:t>
@@ -13503,8 +13524,8 @@
                     <a:lumMod val="25000"/>
                   </a:srgbClr>
                 </a:solidFill>
-                <a:latin typeface="微软雅黑" panose="020B0503020204020204" pitchFamily="34" charset="-122"/>
-                <a:ea typeface="微软雅黑" panose="020B0503020204020204" pitchFamily="34" charset="-122"/>
+                <a:latin typeface="微软雅黑" panose="020B0503020204020204" charset="-122"/>
+                <a:ea typeface="微软雅黑" panose="020B0503020204020204" charset="-122"/>
                 <a:hlinkClick r:id="rId8"/>
               </a:rPr>
               <a:t>/</a:t>
@@ -13516,8 +13537,8 @@
                     <a:lumMod val="25000"/>
                   </a:srgbClr>
                 </a:solidFill>
-                <a:latin typeface="微软雅黑" panose="020B0503020204020204" pitchFamily="34" charset="-122"/>
-                <a:ea typeface="微软雅黑" panose="020B0503020204020204" pitchFamily="34" charset="-122"/>
+                <a:latin typeface="微软雅黑" panose="020B0503020204020204" charset="-122"/>
+                <a:ea typeface="微软雅黑" panose="020B0503020204020204" charset="-122"/>
               </a:rPr>
               <a:t>      </a:t>
             </a:r>
@@ -13527,8 +13548,8 @@
                   <a:lumMod val="25000"/>
                 </a:srgbClr>
               </a:solidFill>
-              <a:latin typeface="微软雅黑" panose="020B0503020204020204" pitchFamily="34" charset="-122"/>
-              <a:ea typeface="微软雅黑" panose="020B0503020204020204" pitchFamily="34" charset="-122"/>
+              <a:latin typeface="微软雅黑" panose="020B0503020204020204" charset="-122"/>
+              <a:ea typeface="微软雅黑" panose="020B0503020204020204" charset="-122"/>
             </a:endParaRPr>
           </a:p>
           <a:p>
@@ -13539,8 +13560,8 @@
                     <a:lumMod val="25000"/>
                   </a:srgbClr>
                 </a:solidFill>
-                <a:latin typeface="微软雅黑" panose="020B0503020204020204" pitchFamily="34" charset="-122"/>
-                <a:ea typeface="微软雅黑" panose="020B0503020204020204" pitchFamily="34" charset="-122"/>
+                <a:latin typeface="微软雅黑" panose="020B0503020204020204" charset="-122"/>
+                <a:ea typeface="微软雅黑" panose="020B0503020204020204" charset="-122"/>
               </a:rPr>
               <a:t>Word</a:t>
             </a:r>
@@ -13551,8 +13572,8 @@
                     <a:lumMod val="25000"/>
                   </a:srgbClr>
                 </a:solidFill>
-                <a:latin typeface="微软雅黑" panose="020B0503020204020204" pitchFamily="34" charset="-122"/>
-                <a:ea typeface="微软雅黑" panose="020B0503020204020204" pitchFamily="34" charset="-122"/>
+                <a:latin typeface="微软雅黑" panose="020B0503020204020204" charset="-122"/>
+                <a:ea typeface="微软雅黑" panose="020B0503020204020204" charset="-122"/>
               </a:rPr>
               <a:t>教程</a:t>
             </a:r>
@@ -13563,8 +13584,8 @@
                     <a:lumMod val="25000"/>
                   </a:srgbClr>
                 </a:solidFill>
-                <a:latin typeface="微软雅黑" panose="020B0503020204020204" pitchFamily="34" charset="-122"/>
-                <a:ea typeface="微软雅黑" panose="020B0503020204020204" pitchFamily="34" charset="-122"/>
+                <a:latin typeface="微软雅黑" panose="020B0503020204020204" charset="-122"/>
+                <a:ea typeface="微软雅黑" panose="020B0503020204020204" charset="-122"/>
               </a:rPr>
               <a:t>：    </a:t>
             </a:r>
@@ -13575,8 +13596,8 @@
                     <a:lumMod val="25000"/>
                   </a:srgbClr>
                 </a:solidFill>
-                <a:latin typeface="微软雅黑" panose="020B0503020204020204" pitchFamily="34" charset="-122"/>
-                <a:ea typeface="微软雅黑" panose="020B0503020204020204" pitchFamily="34" charset="-122"/>
+                <a:latin typeface="微软雅黑" panose="020B0503020204020204" charset="-122"/>
+                <a:ea typeface="微软雅黑" panose="020B0503020204020204" charset="-122"/>
                 <a:hlinkClick r:id="rId9"/>
               </a:rPr>
               <a:t>www.1ppt.com/word</a:t>
@@ -13588,8 +13609,8 @@
                     <a:lumMod val="25000"/>
                   </a:srgbClr>
                 </a:solidFill>
-                <a:latin typeface="微软雅黑" panose="020B0503020204020204" pitchFamily="34" charset="-122"/>
-                <a:ea typeface="微软雅黑" panose="020B0503020204020204" pitchFamily="34" charset="-122"/>
+                <a:latin typeface="微软雅黑" panose="020B0503020204020204" charset="-122"/>
+                <a:ea typeface="微软雅黑" panose="020B0503020204020204" charset="-122"/>
                 <a:hlinkClick r:id="rId9"/>
               </a:rPr>
               <a:t>/</a:t>
@@ -13601,8 +13622,8 @@
                     <a:lumMod val="25000"/>
                   </a:srgbClr>
                 </a:solidFill>
-                <a:latin typeface="微软雅黑" panose="020B0503020204020204" pitchFamily="34" charset="-122"/>
-                <a:ea typeface="微软雅黑" panose="020B0503020204020204" pitchFamily="34" charset="-122"/>
+                <a:latin typeface="微软雅黑" panose="020B0503020204020204" charset="-122"/>
+                <a:ea typeface="微软雅黑" panose="020B0503020204020204" charset="-122"/>
               </a:rPr>
               <a:t>      </a:t>
             </a:r>
@@ -13613,8 +13634,8 @@
                     <a:lumMod val="25000"/>
                   </a:srgbClr>
                 </a:solidFill>
-                <a:latin typeface="微软雅黑" panose="020B0503020204020204" pitchFamily="34" charset="-122"/>
-                <a:ea typeface="微软雅黑" panose="020B0503020204020204" pitchFamily="34" charset="-122"/>
+                <a:latin typeface="微软雅黑" panose="020B0503020204020204" charset="-122"/>
+                <a:ea typeface="微软雅黑" panose="020B0503020204020204" charset="-122"/>
               </a:rPr>
               <a:t>              </a:t>
             </a:r>
@@ -13625,8 +13646,8 @@
                     <a:lumMod val="25000"/>
                   </a:srgbClr>
                 </a:solidFill>
-                <a:latin typeface="微软雅黑" panose="020B0503020204020204" pitchFamily="34" charset="-122"/>
-                <a:ea typeface="微软雅黑" panose="020B0503020204020204" pitchFamily="34" charset="-122"/>
+                <a:latin typeface="微软雅黑" panose="020B0503020204020204" charset="-122"/>
+                <a:ea typeface="微软雅黑" panose="020B0503020204020204" charset="-122"/>
               </a:rPr>
               <a:t>Excel</a:t>
             </a:r>
@@ -13637,8 +13658,8 @@
                     <a:lumMod val="25000"/>
                   </a:srgbClr>
                 </a:solidFill>
-                <a:latin typeface="微软雅黑" panose="020B0503020204020204" pitchFamily="34" charset="-122"/>
-                <a:ea typeface="微软雅黑" panose="020B0503020204020204" pitchFamily="34" charset="-122"/>
+                <a:latin typeface="微软雅黑" panose="020B0503020204020204" charset="-122"/>
+                <a:ea typeface="微软雅黑" panose="020B0503020204020204" charset="-122"/>
               </a:rPr>
               <a:t>教程</a:t>
             </a:r>
@@ -13649,8 +13670,8 @@
                     <a:lumMod val="25000"/>
                   </a:srgbClr>
                 </a:solidFill>
-                <a:latin typeface="微软雅黑" panose="020B0503020204020204" pitchFamily="34" charset="-122"/>
-                <a:ea typeface="微软雅黑" panose="020B0503020204020204" pitchFamily="34" charset="-122"/>
+                <a:latin typeface="微软雅黑" panose="020B0503020204020204" charset="-122"/>
+                <a:ea typeface="微软雅黑" panose="020B0503020204020204" charset="-122"/>
               </a:rPr>
               <a:t>：     </a:t>
             </a:r>
@@ -13661,8 +13682,8 @@
                     <a:lumMod val="25000"/>
                   </a:srgbClr>
                 </a:solidFill>
-                <a:latin typeface="微软雅黑" panose="020B0503020204020204" pitchFamily="34" charset="-122"/>
-                <a:ea typeface="微软雅黑" panose="020B0503020204020204" pitchFamily="34" charset="-122"/>
+                <a:latin typeface="微软雅黑" panose="020B0503020204020204" charset="-122"/>
+                <a:ea typeface="微软雅黑" panose="020B0503020204020204" charset="-122"/>
                 <a:hlinkClick r:id="rId10"/>
               </a:rPr>
               <a:t>www.1ppt.com/excel</a:t>
@@ -13674,8 +13695,8 @@
                     <a:lumMod val="25000"/>
                   </a:srgbClr>
                 </a:solidFill>
-                <a:latin typeface="微软雅黑" panose="020B0503020204020204" pitchFamily="34" charset="-122"/>
-                <a:ea typeface="微软雅黑" panose="020B0503020204020204" pitchFamily="34" charset="-122"/>
+                <a:latin typeface="微软雅黑" panose="020B0503020204020204" charset="-122"/>
+                <a:ea typeface="微软雅黑" panose="020B0503020204020204" charset="-122"/>
                 <a:hlinkClick r:id="rId10"/>
               </a:rPr>
               <a:t>/</a:t>
@@ -13687,8 +13708,8 @@
                     <a:lumMod val="25000"/>
                   </a:srgbClr>
                 </a:solidFill>
-                <a:latin typeface="微软雅黑" panose="020B0503020204020204" pitchFamily="34" charset="-122"/>
-                <a:ea typeface="微软雅黑" panose="020B0503020204020204" pitchFamily="34" charset="-122"/>
+                <a:latin typeface="微软雅黑" panose="020B0503020204020204" charset="-122"/>
+                <a:ea typeface="微软雅黑" panose="020B0503020204020204" charset="-122"/>
               </a:rPr>
               <a:t>  </a:t>
             </a:r>
@@ -13698,8 +13719,8 @@
                   <a:lumMod val="25000"/>
                 </a:srgbClr>
               </a:solidFill>
-              <a:latin typeface="微软雅黑" panose="020B0503020204020204" pitchFamily="34" charset="-122"/>
-              <a:ea typeface="微软雅黑" panose="020B0503020204020204" pitchFamily="34" charset="-122"/>
+              <a:latin typeface="微软雅黑" panose="020B0503020204020204" charset="-122"/>
+              <a:ea typeface="微软雅黑" panose="020B0503020204020204" charset="-122"/>
             </a:endParaRPr>
           </a:p>
           <a:p>
@@ -13710,8 +13731,8 @@
                     <a:lumMod val="25000"/>
                   </a:srgbClr>
                 </a:solidFill>
-                <a:latin typeface="微软雅黑" panose="020B0503020204020204" pitchFamily="34" charset="-122"/>
-                <a:ea typeface="微软雅黑" panose="020B0503020204020204" pitchFamily="34" charset="-122"/>
+                <a:latin typeface="微软雅黑" panose="020B0503020204020204" charset="-122"/>
+                <a:ea typeface="微软雅黑" panose="020B0503020204020204" charset="-122"/>
               </a:rPr>
               <a:t>资料</a:t>
             </a:r>
@@ -13722,8 +13743,8 @@
                     <a:lumMod val="25000"/>
                   </a:srgbClr>
                 </a:solidFill>
-                <a:latin typeface="微软雅黑" panose="020B0503020204020204" pitchFamily="34" charset="-122"/>
-                <a:ea typeface="微软雅黑" panose="020B0503020204020204" pitchFamily="34" charset="-122"/>
+                <a:latin typeface="微软雅黑" panose="020B0503020204020204" charset="-122"/>
+                <a:ea typeface="微软雅黑" panose="020B0503020204020204" charset="-122"/>
               </a:rPr>
               <a:t>下载：      </a:t>
             </a:r>
@@ -13734,8 +13755,8 @@
                     <a:lumMod val="25000"/>
                   </a:srgbClr>
                 </a:solidFill>
-                <a:latin typeface="微软雅黑" panose="020B0503020204020204" pitchFamily="34" charset="-122"/>
-                <a:ea typeface="微软雅黑" panose="020B0503020204020204" pitchFamily="34" charset="-122"/>
+                <a:latin typeface="微软雅黑" panose="020B0503020204020204" charset="-122"/>
+                <a:ea typeface="微软雅黑" panose="020B0503020204020204" charset="-122"/>
                 <a:hlinkClick r:id="rId11"/>
               </a:rPr>
               <a:t>www.1ppt.com/ziliao/</a:t>
@@ -13747,8 +13768,8 @@
                     <a:lumMod val="25000"/>
                   </a:srgbClr>
                 </a:solidFill>
-                <a:latin typeface="微软雅黑" panose="020B0503020204020204" pitchFamily="34" charset="-122"/>
-                <a:ea typeface="微软雅黑" panose="020B0503020204020204" pitchFamily="34" charset="-122"/>
+                <a:latin typeface="微软雅黑" panose="020B0503020204020204" charset="-122"/>
+                <a:ea typeface="微软雅黑" panose="020B0503020204020204" charset="-122"/>
               </a:rPr>
               <a:t>                    PPT</a:t>
             </a:r>
@@ -13759,8 +13780,8 @@
                     <a:lumMod val="25000"/>
                   </a:srgbClr>
                 </a:solidFill>
-                <a:latin typeface="微软雅黑" panose="020B0503020204020204" pitchFamily="34" charset="-122"/>
-                <a:ea typeface="微软雅黑" panose="020B0503020204020204" pitchFamily="34" charset="-122"/>
+                <a:latin typeface="微软雅黑" panose="020B0503020204020204" charset="-122"/>
+                <a:ea typeface="微软雅黑" panose="020B0503020204020204" charset="-122"/>
               </a:rPr>
               <a:t>课件下载：</a:t>
             </a:r>
@@ -13771,8 +13792,8 @@
                     <a:lumMod val="25000"/>
                   </a:srgbClr>
                 </a:solidFill>
-                <a:latin typeface="微软雅黑" panose="020B0503020204020204" pitchFamily="34" charset="-122"/>
-                <a:ea typeface="微软雅黑" panose="020B0503020204020204" pitchFamily="34" charset="-122"/>
+                <a:latin typeface="微软雅黑" panose="020B0503020204020204" charset="-122"/>
+                <a:ea typeface="微软雅黑" panose="020B0503020204020204" charset="-122"/>
                 <a:hlinkClick r:id="rId12"/>
               </a:rPr>
               <a:t>www.1ppt.com/kejian/</a:t>
@@ -13784,8 +13805,8 @@
                     <a:lumMod val="25000"/>
                   </a:srgbClr>
                 </a:solidFill>
-                <a:latin typeface="微软雅黑" panose="020B0503020204020204" pitchFamily="34" charset="-122"/>
-                <a:ea typeface="微软雅黑" panose="020B0503020204020204" pitchFamily="34" charset="-122"/>
+                <a:latin typeface="微软雅黑" panose="020B0503020204020204" charset="-122"/>
+                <a:ea typeface="微软雅黑" panose="020B0503020204020204" charset="-122"/>
               </a:rPr>
               <a:t> </a:t>
             </a:r>
@@ -13795,8 +13816,8 @@
                   <a:lumMod val="25000"/>
                 </a:srgbClr>
               </a:solidFill>
-              <a:latin typeface="微软雅黑" panose="020B0503020204020204" pitchFamily="34" charset="-122"/>
-              <a:ea typeface="微软雅黑" panose="020B0503020204020204" pitchFamily="34" charset="-122"/>
+              <a:latin typeface="微软雅黑" panose="020B0503020204020204" charset="-122"/>
+              <a:ea typeface="微软雅黑" panose="020B0503020204020204" charset="-122"/>
             </a:endParaRPr>
           </a:p>
           <a:p>
@@ -13807,8 +13828,8 @@
                     <a:lumMod val="25000"/>
                   </a:srgbClr>
                 </a:solidFill>
-                <a:latin typeface="微软雅黑" panose="020B0503020204020204" pitchFamily="34" charset="-122"/>
-                <a:ea typeface="微软雅黑" panose="020B0503020204020204" pitchFamily="34" charset="-122"/>
+                <a:latin typeface="微软雅黑" panose="020B0503020204020204" charset="-122"/>
+                <a:ea typeface="微软雅黑" panose="020B0503020204020204" charset="-122"/>
               </a:rPr>
               <a:t>范文下载</a:t>
             </a:r>
@@ -13819,8 +13840,8 @@
                     <a:lumMod val="25000"/>
                   </a:srgbClr>
                 </a:solidFill>
-                <a:latin typeface="微软雅黑" panose="020B0503020204020204" pitchFamily="34" charset="-122"/>
-                <a:ea typeface="微软雅黑" panose="020B0503020204020204" pitchFamily="34" charset="-122"/>
+                <a:latin typeface="微软雅黑" panose="020B0503020204020204" charset="-122"/>
+                <a:ea typeface="微软雅黑" panose="020B0503020204020204" charset="-122"/>
               </a:rPr>
               <a:t>：      </a:t>
             </a:r>
@@ -13831,8 +13852,8 @@
                     <a:lumMod val="25000"/>
                   </a:srgbClr>
                 </a:solidFill>
-                <a:latin typeface="微软雅黑" panose="020B0503020204020204" pitchFamily="34" charset="-122"/>
-                <a:ea typeface="微软雅黑" panose="020B0503020204020204" pitchFamily="34" charset="-122"/>
+                <a:latin typeface="微软雅黑" panose="020B0503020204020204" charset="-122"/>
+                <a:ea typeface="微软雅黑" panose="020B0503020204020204" charset="-122"/>
                 <a:hlinkClick r:id="rId13"/>
               </a:rPr>
               <a:t>www.1ppt.com/fanwen</a:t>
@@ -13844,8 +13865,8 @@
                     <a:lumMod val="25000"/>
                   </a:srgbClr>
                 </a:solidFill>
-                <a:latin typeface="微软雅黑" panose="020B0503020204020204" pitchFamily="34" charset="-122"/>
-                <a:ea typeface="微软雅黑" panose="020B0503020204020204" pitchFamily="34" charset="-122"/>
+                <a:latin typeface="微软雅黑" panose="020B0503020204020204" charset="-122"/>
+                <a:ea typeface="微软雅黑" panose="020B0503020204020204" charset="-122"/>
                 <a:hlinkClick r:id="rId13"/>
               </a:rPr>
               <a:t>/</a:t>
@@ -13857,8 +13878,8 @@
                     <a:lumMod val="25000"/>
                   </a:srgbClr>
                 </a:solidFill>
-                <a:latin typeface="微软雅黑" panose="020B0503020204020204" pitchFamily="34" charset="-122"/>
-                <a:ea typeface="微软雅黑" panose="020B0503020204020204" pitchFamily="34" charset="-122"/>
+                <a:latin typeface="微软雅黑" panose="020B0503020204020204" charset="-122"/>
+                <a:ea typeface="微软雅黑" panose="020B0503020204020204" charset="-122"/>
               </a:rPr>
               <a:t>         </a:t>
             </a:r>
@@ -13869,8 +13890,8 @@
                     <a:lumMod val="25000"/>
                   </a:srgbClr>
                 </a:solidFill>
-                <a:latin typeface="微软雅黑" panose="020B0503020204020204" pitchFamily="34" charset="-122"/>
-                <a:ea typeface="微软雅黑" panose="020B0503020204020204" pitchFamily="34" charset="-122"/>
+                <a:latin typeface="微软雅黑" panose="020B0503020204020204" charset="-122"/>
+                <a:ea typeface="微软雅黑" panose="020B0503020204020204" charset="-122"/>
               </a:rPr>
               <a:t>        </a:t>
             </a:r>
@@ -13881,8 +13902,8 @@
                     <a:lumMod val="25000"/>
                   </a:srgbClr>
                 </a:solidFill>
-                <a:latin typeface="微软雅黑" panose="020B0503020204020204" pitchFamily="34" charset="-122"/>
-                <a:ea typeface="微软雅黑" panose="020B0503020204020204" pitchFamily="34" charset="-122"/>
+                <a:latin typeface="微软雅黑" panose="020B0503020204020204" charset="-122"/>
+                <a:ea typeface="微软雅黑" panose="020B0503020204020204" charset="-122"/>
               </a:rPr>
               <a:t>试卷</a:t>
             </a:r>
@@ -13893,8 +13914,8 @@
                     <a:lumMod val="25000"/>
                   </a:srgbClr>
                 </a:solidFill>
-                <a:latin typeface="微软雅黑" panose="020B0503020204020204" pitchFamily="34" charset="-122"/>
-                <a:ea typeface="微软雅黑" panose="020B0503020204020204" pitchFamily="34" charset="-122"/>
+                <a:latin typeface="微软雅黑" panose="020B0503020204020204" charset="-122"/>
+                <a:ea typeface="微软雅黑" panose="020B0503020204020204" charset="-122"/>
               </a:rPr>
               <a:t>下载：      </a:t>
             </a:r>
@@ -13905,8 +13926,8 @@
                     <a:lumMod val="25000"/>
                   </a:srgbClr>
                 </a:solidFill>
-                <a:latin typeface="微软雅黑" panose="020B0503020204020204" pitchFamily="34" charset="-122"/>
-                <a:ea typeface="微软雅黑" panose="020B0503020204020204" pitchFamily="34" charset="-122"/>
+                <a:latin typeface="微软雅黑" panose="020B0503020204020204" charset="-122"/>
+                <a:ea typeface="微软雅黑" panose="020B0503020204020204" charset="-122"/>
                 <a:hlinkClick r:id="rId14"/>
               </a:rPr>
               <a:t>www.1ppt.com/shiti/</a:t>
@@ -13918,8 +13939,8 @@
                     <a:lumMod val="25000"/>
                   </a:srgbClr>
                 </a:solidFill>
-                <a:latin typeface="微软雅黑" panose="020B0503020204020204" pitchFamily="34" charset="-122"/>
-                <a:ea typeface="微软雅黑" panose="020B0503020204020204" pitchFamily="34" charset="-122"/>
+                <a:latin typeface="微软雅黑" panose="020B0503020204020204" charset="-122"/>
+                <a:ea typeface="微软雅黑" panose="020B0503020204020204" charset="-122"/>
               </a:rPr>
               <a:t>  </a:t>
             </a:r>
@@ -13929,8 +13950,8 @@
                   <a:lumMod val="25000"/>
                 </a:srgbClr>
               </a:solidFill>
-              <a:latin typeface="微软雅黑" panose="020B0503020204020204" pitchFamily="34" charset="-122"/>
-              <a:ea typeface="微软雅黑" panose="020B0503020204020204" pitchFamily="34" charset="-122"/>
+              <a:latin typeface="微软雅黑" panose="020B0503020204020204" charset="-122"/>
+              <a:ea typeface="微软雅黑" panose="020B0503020204020204" charset="-122"/>
             </a:endParaRPr>
           </a:p>
           <a:p>
@@ -13941,8 +13962,8 @@
                     <a:lumMod val="25000"/>
                   </a:srgbClr>
                 </a:solidFill>
-                <a:latin typeface="微软雅黑" panose="020B0503020204020204" pitchFamily="34" charset="-122"/>
-                <a:ea typeface="微软雅黑" panose="020B0503020204020204" pitchFamily="34" charset="-122"/>
+                <a:latin typeface="微软雅黑" panose="020B0503020204020204" charset="-122"/>
+                <a:ea typeface="微软雅黑" panose="020B0503020204020204" charset="-122"/>
               </a:rPr>
               <a:t>教案</a:t>
             </a:r>
@@ -13953,8 +13974,8 @@
                     <a:lumMod val="25000"/>
                   </a:srgbClr>
                 </a:solidFill>
-                <a:latin typeface="微软雅黑" panose="020B0503020204020204" pitchFamily="34" charset="-122"/>
-                <a:ea typeface="微软雅黑" panose="020B0503020204020204" pitchFamily="34" charset="-122"/>
+                <a:latin typeface="微软雅黑" panose="020B0503020204020204" charset="-122"/>
+                <a:ea typeface="微软雅黑" panose="020B0503020204020204" charset="-122"/>
               </a:rPr>
               <a:t>下载：      </a:t>
             </a:r>
@@ -13965,8 +13986,8 @@
                     <a:lumMod val="25000"/>
                   </a:srgbClr>
                 </a:solidFill>
-                <a:latin typeface="微软雅黑" panose="020B0503020204020204" pitchFamily="34" charset="-122"/>
-                <a:ea typeface="微软雅黑" panose="020B0503020204020204" pitchFamily="34" charset="-122"/>
+                <a:latin typeface="微软雅黑" panose="020B0503020204020204" charset="-122"/>
+                <a:ea typeface="微软雅黑" panose="020B0503020204020204" charset="-122"/>
                 <a:hlinkClick r:id="rId15"/>
               </a:rPr>
               <a:t>www.1ppt.com/jiaoan/</a:t>
@@ -13978,8 +13999,8 @@
                     <a:lumMod val="25000"/>
                   </a:srgbClr>
                 </a:solidFill>
-                <a:latin typeface="微软雅黑" panose="020B0503020204020204" pitchFamily="34" charset="-122"/>
-                <a:ea typeface="微软雅黑" panose="020B0503020204020204" pitchFamily="34" charset="-122"/>
+                <a:latin typeface="微软雅黑" panose="020B0503020204020204" charset="-122"/>
+                <a:ea typeface="微软雅黑" panose="020B0503020204020204" charset="-122"/>
               </a:rPr>
               <a:t>                   PPT</a:t>
             </a:r>
@@ -13990,8 +14011,8 @@
                     <a:lumMod val="25000"/>
                   </a:srgbClr>
                 </a:solidFill>
-                <a:latin typeface="微软雅黑" panose="020B0503020204020204" pitchFamily="34" charset="-122"/>
-                <a:ea typeface="微软雅黑" panose="020B0503020204020204" pitchFamily="34" charset="-122"/>
+                <a:latin typeface="微软雅黑" panose="020B0503020204020204" charset="-122"/>
+                <a:ea typeface="微软雅黑" panose="020B0503020204020204" charset="-122"/>
               </a:rPr>
               <a:t>论坛</a:t>
             </a:r>
@@ -14002,8 +14023,8 @@
                     <a:lumMod val="25000"/>
                   </a:srgbClr>
                 </a:solidFill>
-                <a:latin typeface="微软雅黑" panose="020B0503020204020204" pitchFamily="34" charset="-122"/>
-                <a:ea typeface="微软雅黑" panose="020B0503020204020204" pitchFamily="34" charset="-122"/>
+                <a:latin typeface="微软雅黑" panose="020B0503020204020204" charset="-122"/>
+                <a:ea typeface="微软雅黑" panose="020B0503020204020204" charset="-122"/>
               </a:rPr>
               <a:t>：      </a:t>
             </a:r>
@@ -14014,8 +14035,8 @@
                     <a:lumMod val="25000"/>
                   </a:srgbClr>
                 </a:solidFill>
-                <a:latin typeface="微软雅黑" panose="020B0503020204020204" pitchFamily="34" charset="-122"/>
-                <a:ea typeface="微软雅黑" panose="020B0503020204020204" pitchFamily="34" charset="-122"/>
+                <a:latin typeface="微软雅黑" panose="020B0503020204020204" charset="-122"/>
+                <a:ea typeface="微软雅黑" panose="020B0503020204020204" charset="-122"/>
                 <a:hlinkClick r:id="rId16"/>
               </a:rPr>
               <a:t>www.1ppt.cn</a:t>
@@ -14027,8 +14048,8 @@
                     <a:lumMod val="25000"/>
                   </a:srgbClr>
                 </a:solidFill>
-                <a:latin typeface="微软雅黑" panose="020B0503020204020204" pitchFamily="34" charset="-122"/>
-                <a:ea typeface="微软雅黑" panose="020B0503020204020204" pitchFamily="34" charset="-122"/>
+                <a:latin typeface="微软雅黑" panose="020B0503020204020204" charset="-122"/>
+                <a:ea typeface="微软雅黑" panose="020B0503020204020204" charset="-122"/>
               </a:rPr>
               <a:t>             </a:t>
             </a:r>
@@ -14038,8 +14059,8 @@
                   <a:lumMod val="25000"/>
                 </a:srgbClr>
               </a:solidFill>
-              <a:latin typeface="微软雅黑" panose="020B0503020204020204" pitchFamily="34" charset="-122"/>
-              <a:ea typeface="微软雅黑" panose="020B0503020204020204" pitchFamily="34" charset="-122"/>
+              <a:latin typeface="微软雅黑" panose="020B0503020204020204" charset="-122"/>
+              <a:ea typeface="微软雅黑" panose="020B0503020204020204" charset="-122"/>
             </a:endParaRPr>
           </a:p>
         </p:txBody>
@@ -14082,7 +14103,7 @@
                 <a:srgbClr val="005397"/>
               </a:solidFill>
               <a:latin typeface="Arial" panose="020B0604020202020204"/>
-              <a:ea typeface="微软雅黑" panose="020B0503020204020204" pitchFamily="34" charset="-122"/>
+              <a:ea typeface="微软雅黑" panose="020B0503020204020204" charset="-122"/>
             </a:endParaRPr>
           </a:p>
         </p:txBody>
@@ -14183,8 +14204,8 @@
                 <a:solidFill>
                   <a:prstClr val="white"/>
                 </a:solidFill>
-                <a:latin typeface="微软雅黑" panose="020B0503020204020204" pitchFamily="34" charset="-122"/>
-                <a:ea typeface="微软雅黑" panose="020B0503020204020204" pitchFamily="34" charset="-122"/>
+                <a:latin typeface="微软雅黑" panose="020B0503020204020204" charset="-122"/>
+                <a:ea typeface="微软雅黑" panose="020B0503020204020204" charset="-122"/>
               </a:rPr>
               <a:t>可以在下列情况使用</a:t>
             </a:r>
@@ -14192,8 +14213,8 @@
               <a:solidFill>
                 <a:prstClr val="white"/>
               </a:solidFill>
-              <a:latin typeface="微软雅黑" panose="020B0503020204020204" pitchFamily="34" charset="-122"/>
-              <a:ea typeface="微软雅黑" panose="020B0503020204020204" pitchFamily="34" charset="-122"/>
+              <a:latin typeface="微软雅黑" panose="020B0503020204020204" charset="-122"/>
+              <a:ea typeface="微软雅黑" panose="020B0503020204020204" charset="-122"/>
             </a:endParaRPr>
           </a:p>
           <a:p>
@@ -14213,8 +14234,8 @@
                 <a:solidFill>
                   <a:prstClr val="white"/>
                 </a:solidFill>
-                <a:latin typeface="微软雅黑" panose="020B0503020204020204" pitchFamily="34" charset="-122"/>
-                <a:ea typeface="微软雅黑" panose="020B0503020204020204" pitchFamily="34" charset="-122"/>
+                <a:latin typeface="微软雅黑" panose="020B0503020204020204" charset="-122"/>
+                <a:ea typeface="微软雅黑" panose="020B0503020204020204" charset="-122"/>
               </a:rPr>
               <a:t>不限次数的用于您个人</a:t>
             </a:r>
@@ -14223,8 +14244,8 @@
                 <a:solidFill>
                   <a:prstClr val="white"/>
                 </a:solidFill>
-                <a:latin typeface="微软雅黑" panose="020B0503020204020204" pitchFamily="34" charset="-122"/>
-                <a:ea typeface="微软雅黑" panose="020B0503020204020204" pitchFamily="34" charset="-122"/>
+                <a:latin typeface="微软雅黑" panose="020B0503020204020204" charset="-122"/>
+                <a:ea typeface="微软雅黑" panose="020B0503020204020204" charset="-122"/>
               </a:rPr>
               <a:t>/</a:t>
             </a:r>
@@ -14233,8 +14254,8 @@
                 <a:solidFill>
                   <a:prstClr val="white"/>
                 </a:solidFill>
-                <a:latin typeface="微软雅黑" panose="020B0503020204020204" pitchFamily="34" charset="-122"/>
-                <a:ea typeface="微软雅黑" panose="020B0503020204020204" pitchFamily="34" charset="-122"/>
+                <a:latin typeface="微软雅黑" panose="020B0503020204020204" charset="-122"/>
+                <a:ea typeface="微软雅黑" panose="020B0503020204020204" charset="-122"/>
               </a:rPr>
               <a:t>公司、企业的商业演示。</a:t>
             </a:r>
@@ -14242,8 +14263,8 @@
               <a:solidFill>
                 <a:prstClr val="white"/>
               </a:solidFill>
-              <a:latin typeface="微软雅黑" panose="020B0503020204020204" pitchFamily="34" charset="-122"/>
-              <a:ea typeface="微软雅黑" panose="020B0503020204020204" pitchFamily="34" charset="-122"/>
+              <a:latin typeface="微软雅黑" panose="020B0503020204020204" charset="-122"/>
+              <a:ea typeface="微软雅黑" panose="020B0503020204020204" charset="-122"/>
             </a:endParaRPr>
           </a:p>
           <a:p>
@@ -14263,8 +14284,8 @@
                 <a:solidFill>
                   <a:prstClr val="white"/>
                 </a:solidFill>
-                <a:latin typeface="微软雅黑" panose="020B0503020204020204" pitchFamily="34" charset="-122"/>
-                <a:ea typeface="微软雅黑" panose="020B0503020204020204" pitchFamily="34" charset="-122"/>
+                <a:latin typeface="微软雅黑" panose="020B0503020204020204" charset="-122"/>
+                <a:ea typeface="微软雅黑" panose="020B0503020204020204" charset="-122"/>
               </a:rPr>
               <a:t>拷贝模板中的内容用于其它幻灯片母版中使用。</a:t>
             </a:r>
@@ -14272,8 +14293,8 @@
               <a:solidFill>
                 <a:prstClr val="white"/>
               </a:solidFill>
-              <a:latin typeface="微软雅黑" panose="020B0503020204020204" pitchFamily="34" charset="-122"/>
-              <a:ea typeface="微软雅黑" panose="020B0503020204020204" pitchFamily="34" charset="-122"/>
+              <a:latin typeface="微软雅黑" panose="020B0503020204020204" charset="-122"/>
+              <a:ea typeface="微软雅黑" panose="020B0503020204020204" charset="-122"/>
             </a:endParaRPr>
           </a:p>
         </p:txBody>
@@ -14340,8 +14361,8 @@
                 <a:solidFill>
                   <a:prstClr val="white"/>
                 </a:solidFill>
-                <a:latin typeface="微软雅黑" panose="020B0503020204020204" pitchFamily="34" charset="-122"/>
-                <a:ea typeface="微软雅黑" panose="020B0503020204020204" pitchFamily="34" charset="-122"/>
+                <a:latin typeface="微软雅黑" panose="020B0503020204020204" charset="-122"/>
+                <a:ea typeface="微软雅黑" panose="020B0503020204020204" charset="-122"/>
               </a:rPr>
               <a:t>不可以在以下情况使用</a:t>
             </a:r>
@@ -14349,8 +14370,8 @@
               <a:solidFill>
                 <a:prstClr val="white"/>
               </a:solidFill>
-              <a:latin typeface="微软雅黑" panose="020B0503020204020204" pitchFamily="34" charset="-122"/>
-              <a:ea typeface="微软雅黑" panose="020B0503020204020204" pitchFamily="34" charset="-122"/>
+              <a:latin typeface="微软雅黑" panose="020B0503020204020204" charset="-122"/>
+              <a:ea typeface="微软雅黑" panose="020B0503020204020204" charset="-122"/>
             </a:endParaRPr>
           </a:p>
           <a:p>
@@ -14370,8 +14391,8 @@
                 <a:solidFill>
                   <a:prstClr val="white"/>
                 </a:solidFill>
-                <a:latin typeface="微软雅黑" panose="020B0503020204020204" pitchFamily="34" charset="-122"/>
-                <a:ea typeface="微软雅黑" panose="020B0503020204020204" pitchFamily="34" charset="-122"/>
+                <a:latin typeface="微软雅黑" panose="020B0503020204020204" charset="-122"/>
+                <a:ea typeface="微软雅黑" panose="020B0503020204020204" charset="-122"/>
               </a:rPr>
               <a:t>用于任何形式的在线付费下载。</a:t>
             </a:r>
@@ -14379,8 +14400,8 @@
               <a:solidFill>
                 <a:prstClr val="white"/>
               </a:solidFill>
-              <a:latin typeface="微软雅黑" panose="020B0503020204020204" pitchFamily="34" charset="-122"/>
-              <a:ea typeface="微软雅黑" panose="020B0503020204020204" pitchFamily="34" charset="-122"/>
+              <a:latin typeface="微软雅黑" panose="020B0503020204020204" charset="-122"/>
+              <a:ea typeface="微软雅黑" panose="020B0503020204020204" charset="-122"/>
             </a:endParaRPr>
           </a:p>
           <a:p>
@@ -14400,8 +14421,8 @@
                 <a:solidFill>
                   <a:prstClr val="white"/>
                 </a:solidFill>
-                <a:latin typeface="微软雅黑" panose="020B0503020204020204" pitchFamily="34" charset="-122"/>
-                <a:ea typeface="微软雅黑" panose="020B0503020204020204" pitchFamily="34" charset="-122"/>
+                <a:latin typeface="微软雅黑" panose="020B0503020204020204" charset="-122"/>
+                <a:ea typeface="微软雅黑" panose="020B0503020204020204" charset="-122"/>
               </a:rPr>
               <a:t>收集整理我们发布的免费资源后，刻录光碟销售。</a:t>
             </a:r>
@@ -14409,8 +14430,8 @@
               <a:solidFill>
                 <a:prstClr val="white"/>
               </a:solidFill>
-              <a:latin typeface="微软雅黑" panose="020B0503020204020204" pitchFamily="34" charset="-122"/>
-              <a:ea typeface="微软雅黑" panose="020B0503020204020204" pitchFamily="34" charset="-122"/>
+              <a:latin typeface="微软雅黑" panose="020B0503020204020204" charset="-122"/>
+              <a:ea typeface="微软雅黑" panose="020B0503020204020204" charset="-122"/>
             </a:endParaRPr>
           </a:p>
         </p:txBody>

--- a/springboot-mybatis-master/bootstrap-table.pptx
+++ b/springboot-mybatis-master/bootstrap-table.pptx
@@ -3,16 +3,16 @@
 <p:presentation xmlns:a="http://schemas.openxmlformats.org/drawingml/2006/main" xmlns:r="http://schemas.openxmlformats.org/officeDocument/2006/relationships" xmlns:p="http://schemas.openxmlformats.org/presentationml/2006/main" showSpecialPlsOnTitleSld="0">
   <p:sldMasterIdLst>
     <p:sldMasterId id="2147483648" r:id="rId1"/>
-    <p:sldMasterId id="2147483655" r:id="rId3"/>
   </p:sldMasterIdLst>
   <p:notesMasterIdLst>
-    <p:notesMasterId r:id="rId5"/>
+    <p:notesMasterId r:id="rId4"/>
   </p:notesMasterIdLst>
   <p:handoutMasterIdLst>
     <p:handoutMasterId r:id="rId26"/>
   </p:handoutMasterIdLst>
   <p:sldIdLst>
-    <p:sldId id="339" r:id="rId4"/>
+    <p:sldId id="339" r:id="rId3"/>
+    <p:sldId id="401" r:id="rId5"/>
     <p:sldId id="326" r:id="rId6"/>
     <p:sldId id="332" r:id="rId7"/>
     <p:sldId id="271" r:id="rId8"/>
@@ -29,10 +29,10 @@
     <p:sldId id="389" r:id="rId19"/>
     <p:sldId id="381" r:id="rId20"/>
     <p:sldId id="382" r:id="rId21"/>
-    <p:sldId id="360" r:id="rId22"/>
-    <p:sldId id="340" r:id="rId23"/>
-    <p:sldId id="341" r:id="rId24"/>
-    <p:sldId id="346" r:id="rId25"/>
+    <p:sldId id="396" r:id="rId22"/>
+    <p:sldId id="400" r:id="rId23"/>
+    <p:sldId id="360" r:id="rId24"/>
+    <p:sldId id="340" r:id="rId25"/>
   </p:sldIdLst>
   <p:sldSz cx="9144000" cy="5143500" type="screen16x9"/>
   <p:notesSz cx="6858000" cy="9144000"/>
@@ -728,6 +728,214 @@
         <p:cNvGrpSpPr/>
         <p:nvPr/>
       </p:nvGrpSpPr>
+      <p:grpSpPr/>
+      <p:sp>
+        <p:nvSpPr>
+          <p:cNvPr id="2" name="幻灯片图像占位符 1"/>
+          <p:cNvSpPr/>
+          <p:nvPr>
+            <p:ph type="sldImg" idx="2"/>
+          </p:nvPr>
+        </p:nvSpPr>
+        <p:spPr/>
+      </p:sp>
+      <p:sp>
+        <p:nvSpPr>
+          <p:cNvPr id="3" name="文本占位符 2"/>
+          <p:cNvSpPr/>
+          <p:nvPr>
+            <p:ph type="body" idx="3"/>
+          </p:nvPr>
+        </p:nvSpPr>
+        <p:spPr/>
+        <p:txBody>
+          <a:bodyPr/>
+          <a:p>
+            <a:r>
+              <a:rPr lang="zh-CN" altLang="en-US"/>
+              <a:t>http://pdfmake.org/#/gettingstarted　</a:t>
+            </a:r>
+            <a:endParaRPr lang="zh-CN" altLang="en-US"/>
+          </a:p>
+        </p:txBody>
+      </p:sp>
+    </p:spTree>
+  </p:cSld>
+  <p:clrMapOvr>
+    <a:masterClrMapping/>
+  </p:clrMapOvr>
+</p:notes>
+</file>
+
+<file path=ppt/notesSlides/notesSlide3.xml><?xml version="1.0" encoding="utf-8"?>
+<p:notes xmlns:a="http://schemas.openxmlformats.org/drawingml/2006/main" xmlns:r="http://schemas.openxmlformats.org/officeDocument/2006/relationships" xmlns:p="http://schemas.openxmlformats.org/presentationml/2006/main">
+  <p:cSld>
+    <p:spTree>
+      <p:nvGrpSpPr>
+        <p:cNvPr id="1" name=""/>
+        <p:cNvGrpSpPr/>
+        <p:nvPr/>
+      </p:nvGrpSpPr>
+      <p:grpSpPr/>
+      <p:sp>
+        <p:nvSpPr>
+          <p:cNvPr id="2" name="幻灯片图像占位符 1"/>
+          <p:cNvSpPr/>
+          <p:nvPr>
+            <p:ph type="sldImg" idx="2"/>
+          </p:nvPr>
+        </p:nvSpPr>
+        <p:spPr/>
+      </p:sp>
+      <p:sp>
+        <p:nvSpPr>
+          <p:cNvPr id="3" name="文本占位符 2"/>
+          <p:cNvSpPr/>
+          <p:nvPr>
+            <p:ph type="body" idx="3"/>
+          </p:nvPr>
+        </p:nvSpPr>
+        <p:spPr/>
+        <p:txBody>
+          <a:bodyPr/>
+          <a:p>
+            <a:r>
+              <a:rPr lang="zh-CN" altLang="en-US"/>
+              <a:t>http://pdfmake.org/playground.html　示例</a:t>
+            </a:r>
+            <a:endParaRPr lang="en-US" altLang="zh-CN"/>
+          </a:p>
+        </p:txBody>
+      </p:sp>
+    </p:spTree>
+  </p:cSld>
+  <p:clrMapOvr>
+    <a:masterClrMapping/>
+  </p:clrMapOvr>
+</p:notes>
+</file>
+
+<file path=ppt/notesSlides/notesSlide4.xml><?xml version="1.0" encoding="utf-8"?>
+<p:notes xmlns:a="http://schemas.openxmlformats.org/drawingml/2006/main" xmlns:r="http://schemas.openxmlformats.org/officeDocument/2006/relationships" xmlns:p="http://schemas.openxmlformats.org/presentationml/2006/main">
+  <p:cSld>
+    <p:spTree>
+      <p:nvGrpSpPr>
+        <p:cNvPr id="1" name=""/>
+        <p:cNvGrpSpPr/>
+        <p:nvPr/>
+      </p:nvGrpSpPr>
+      <p:grpSpPr/>
+      <p:sp>
+        <p:nvSpPr>
+          <p:cNvPr id="2" name="幻灯片图像占位符 1"/>
+          <p:cNvSpPr/>
+          <p:nvPr>
+            <p:ph type="sldImg" idx="2"/>
+          </p:nvPr>
+        </p:nvSpPr>
+        <p:spPr/>
+      </p:sp>
+      <p:sp>
+        <p:nvSpPr>
+          <p:cNvPr id="3" name="文本占位符 2"/>
+          <p:cNvSpPr/>
+          <p:nvPr>
+            <p:ph type="body" idx="3"/>
+          </p:nvPr>
+        </p:nvSpPr>
+        <p:spPr/>
+        <p:txBody>
+          <a:bodyPr/>
+          <a:p>
+            <a:r>
+              <a:rPr lang="zh-CN" altLang="en-US"/>
+              <a:t>https://github.com/wenzhixin/bootstrap-table/tree/master/src/extensions/cookie      http://</a:t>
+            </a:r>
+            <a:r>
+              <a:rPr lang="en-US" altLang="zh-CN"/>
+              <a:t>127.0.0.1</a:t>
+            </a:r>
+            <a:r>
+              <a:rPr lang="zh-CN" altLang="en-US"/>
+              <a:t>:8011/demo.html</a:t>
+            </a:r>
+            <a:endParaRPr lang="zh-CN" altLang="en-US"/>
+          </a:p>
+        </p:txBody>
+      </p:sp>
+    </p:spTree>
+  </p:cSld>
+  <p:clrMapOvr>
+    <a:masterClrMapping/>
+  </p:clrMapOvr>
+</p:notes>
+</file>
+
+<file path=ppt/notesSlides/notesSlide5.xml><?xml version="1.0" encoding="utf-8"?>
+<p:notes xmlns:a="http://schemas.openxmlformats.org/drawingml/2006/main" xmlns:r="http://schemas.openxmlformats.org/officeDocument/2006/relationships" xmlns:p="http://schemas.openxmlformats.org/presentationml/2006/main">
+  <p:cSld>
+    <p:spTree>
+      <p:nvGrpSpPr>
+        <p:cNvPr id="1" name=""/>
+        <p:cNvGrpSpPr/>
+        <p:nvPr/>
+      </p:nvGrpSpPr>
+      <p:grpSpPr/>
+      <p:sp>
+        <p:nvSpPr>
+          <p:cNvPr id="2" name="幻灯片图像占位符 1"/>
+          <p:cNvSpPr/>
+          <p:nvPr>
+            <p:ph type="sldImg" idx="2"/>
+          </p:nvPr>
+        </p:nvSpPr>
+        <p:spPr/>
+      </p:sp>
+      <p:sp>
+        <p:nvSpPr>
+          <p:cNvPr id="3" name="文本占位符 2"/>
+          <p:cNvSpPr/>
+          <p:nvPr>
+            <p:ph type="body" idx="3"/>
+          </p:nvPr>
+        </p:nvSpPr>
+        <p:spPr/>
+        <p:txBody>
+          <a:bodyPr/>
+          <a:p>
+            <a:r>
+              <a:rPr lang="zh-CN" altLang="en-US"/>
+              <a:t>https://github.com/prograhammer/bootstrap-table-contextmenu   http://</a:t>
+            </a:r>
+            <a:r>
+              <a:rPr lang="en-US" altLang="zh-CN"/>
+              <a:t>127.0.0.1</a:t>
+            </a:r>
+            <a:r>
+              <a:rPr lang="zh-CN" altLang="en-US"/>
+              <a:t>:8011/demo.html</a:t>
+            </a:r>
+            <a:endParaRPr lang="zh-CN" altLang="en-US"/>
+          </a:p>
+        </p:txBody>
+      </p:sp>
+    </p:spTree>
+  </p:cSld>
+  <p:clrMapOvr>
+    <a:masterClrMapping/>
+  </p:clrMapOvr>
+</p:notes>
+</file>
+
+<file path=ppt/notesSlides/notesSlide6.xml><?xml version="1.0" encoding="utf-8"?>
+<p:notes xmlns:a="http://schemas.openxmlformats.org/drawingml/2006/main" xmlns:r="http://schemas.openxmlformats.org/officeDocument/2006/relationships" xmlns:p="http://schemas.openxmlformats.org/presentationml/2006/main">
+  <p:cSld>
+    <p:spTree>
+      <p:nvGrpSpPr>
+        <p:cNvPr id="1" name=""/>
+        <p:cNvGrpSpPr/>
+        <p:nvPr/>
+      </p:nvGrpSpPr>
       <p:grpSpPr>
         <a:xfrm>
           <a:off x="0" y="0"/>
@@ -911,2025 +1119,6 @@
       </p:par>
     </p:tnLst>
   </p:timing>
-</p:sldLayout>
-</file>
-
-<file path=ppt/slideLayouts/slideLayout10.xml><?xml version="1.0" encoding="utf-8"?>
-<p:sldLayout xmlns:a="http://schemas.openxmlformats.org/drawingml/2006/main" xmlns:r="http://schemas.openxmlformats.org/officeDocument/2006/relationships" xmlns:p="http://schemas.openxmlformats.org/presentationml/2006/main" type="twoObj" preserve="1">
-  <p:cSld name="两栏内容">
-    <p:spTree>
-      <p:nvGrpSpPr>
-        <p:cNvPr id="1" name=""/>
-        <p:cNvGrpSpPr/>
-        <p:nvPr/>
-      </p:nvGrpSpPr>
-      <p:grpSpPr>
-        <a:xfrm>
-          <a:off x="0" y="0"/>
-          <a:ext cx="0" cy="0"/>
-          <a:chOff x="0" y="0"/>
-          <a:chExt cx="0" cy="0"/>
-        </a:xfrm>
-      </p:grpSpPr>
-      <p:sp>
-        <p:nvSpPr>
-          <p:cNvPr id="2" name="标题 1"/>
-          <p:cNvSpPr>
-            <a:spLocks noGrp="1"/>
-          </p:cNvSpPr>
-          <p:nvPr>
-            <p:ph type="title"/>
-          </p:nvPr>
-        </p:nvSpPr>
-        <p:spPr/>
-        <p:txBody>
-          <a:bodyPr/>
-          <a:lstStyle/>
-          <a:p>
-            <a:r>
-              <a:rPr lang="zh-CN" altLang="en-US" smtClean="0"/>
-              <a:t>单击此处编辑母版标题样式</a:t>
-            </a:r>
-            <a:endParaRPr lang="zh-CN" altLang="en-US"/>
-          </a:p>
-        </p:txBody>
-      </p:sp>
-      <p:sp>
-        <p:nvSpPr>
-          <p:cNvPr id="3" name="内容占位符 2"/>
-          <p:cNvSpPr>
-            <a:spLocks noGrp="1"/>
-          </p:cNvSpPr>
-          <p:nvPr>
-            <p:ph sz="half" idx="1"/>
-          </p:nvPr>
-        </p:nvSpPr>
-        <p:spPr>
-          <a:xfrm>
-            <a:off x="457200" y="1200151"/>
-            <a:ext cx="4038600" cy="3394472"/>
-          </a:xfrm>
-        </p:spPr>
-        <p:txBody>
-          <a:bodyPr/>
-          <a:lstStyle>
-            <a:lvl1pPr>
-              <a:defRPr sz="2800"/>
-            </a:lvl1pPr>
-            <a:lvl2pPr>
-              <a:defRPr sz="2400"/>
-            </a:lvl2pPr>
-            <a:lvl3pPr>
-              <a:defRPr sz="2000"/>
-            </a:lvl3pPr>
-            <a:lvl4pPr>
-              <a:defRPr sz="1800"/>
-            </a:lvl4pPr>
-            <a:lvl5pPr>
-              <a:defRPr sz="1800"/>
-            </a:lvl5pPr>
-            <a:lvl6pPr>
-              <a:defRPr sz="1800"/>
-            </a:lvl6pPr>
-            <a:lvl7pPr>
-              <a:defRPr sz="1800"/>
-            </a:lvl7pPr>
-            <a:lvl8pPr>
-              <a:defRPr sz="1800"/>
-            </a:lvl8pPr>
-            <a:lvl9pPr>
-              <a:defRPr sz="1800"/>
-            </a:lvl9pPr>
-          </a:lstStyle>
-          <a:p>
-            <a:pPr lvl="0"/>
-            <a:r>
-              <a:rPr lang="zh-CN" altLang="en-US" smtClean="0"/>
-              <a:t>单击此处编辑母版文本样式</a:t>
-            </a:r>
-            <a:endParaRPr lang="zh-CN" altLang="en-US" smtClean="0"/>
-          </a:p>
-          <a:p>
-            <a:pPr lvl="1"/>
-            <a:r>
-              <a:rPr lang="zh-CN" altLang="en-US" smtClean="0"/>
-              <a:t>第二级</a:t>
-            </a:r>
-            <a:endParaRPr lang="zh-CN" altLang="en-US" smtClean="0"/>
-          </a:p>
-          <a:p>
-            <a:pPr lvl="2"/>
-            <a:r>
-              <a:rPr lang="zh-CN" altLang="en-US" smtClean="0"/>
-              <a:t>第三级</a:t>
-            </a:r>
-            <a:endParaRPr lang="zh-CN" altLang="en-US" smtClean="0"/>
-          </a:p>
-          <a:p>
-            <a:pPr lvl="3"/>
-            <a:r>
-              <a:rPr lang="zh-CN" altLang="en-US" smtClean="0"/>
-              <a:t>第四级</a:t>
-            </a:r>
-            <a:endParaRPr lang="zh-CN" altLang="en-US" smtClean="0"/>
-          </a:p>
-          <a:p>
-            <a:pPr lvl="4"/>
-            <a:r>
-              <a:rPr lang="zh-CN" altLang="en-US" smtClean="0"/>
-              <a:t>第五级</a:t>
-            </a:r>
-            <a:endParaRPr lang="zh-CN" altLang="en-US"/>
-          </a:p>
-        </p:txBody>
-      </p:sp>
-      <p:sp>
-        <p:nvSpPr>
-          <p:cNvPr id="4" name="内容占位符 3"/>
-          <p:cNvSpPr>
-            <a:spLocks noGrp="1"/>
-          </p:cNvSpPr>
-          <p:nvPr>
-            <p:ph sz="half" idx="2"/>
-          </p:nvPr>
-        </p:nvSpPr>
-        <p:spPr>
-          <a:xfrm>
-            <a:off x="4648200" y="1200151"/>
-            <a:ext cx="4038600" cy="3394472"/>
-          </a:xfrm>
-        </p:spPr>
-        <p:txBody>
-          <a:bodyPr/>
-          <a:lstStyle>
-            <a:lvl1pPr>
-              <a:defRPr sz="2800"/>
-            </a:lvl1pPr>
-            <a:lvl2pPr>
-              <a:defRPr sz="2400"/>
-            </a:lvl2pPr>
-            <a:lvl3pPr>
-              <a:defRPr sz="2000"/>
-            </a:lvl3pPr>
-            <a:lvl4pPr>
-              <a:defRPr sz="1800"/>
-            </a:lvl4pPr>
-            <a:lvl5pPr>
-              <a:defRPr sz="1800"/>
-            </a:lvl5pPr>
-            <a:lvl6pPr>
-              <a:defRPr sz="1800"/>
-            </a:lvl6pPr>
-            <a:lvl7pPr>
-              <a:defRPr sz="1800"/>
-            </a:lvl7pPr>
-            <a:lvl8pPr>
-              <a:defRPr sz="1800"/>
-            </a:lvl8pPr>
-            <a:lvl9pPr>
-              <a:defRPr sz="1800"/>
-            </a:lvl9pPr>
-          </a:lstStyle>
-          <a:p>
-            <a:pPr lvl="0"/>
-            <a:r>
-              <a:rPr lang="zh-CN" altLang="en-US" smtClean="0"/>
-              <a:t>单击此处编辑母版文本样式</a:t>
-            </a:r>
-            <a:endParaRPr lang="zh-CN" altLang="en-US" smtClean="0"/>
-          </a:p>
-          <a:p>
-            <a:pPr lvl="1"/>
-            <a:r>
-              <a:rPr lang="zh-CN" altLang="en-US" smtClean="0"/>
-              <a:t>第二级</a:t>
-            </a:r>
-            <a:endParaRPr lang="zh-CN" altLang="en-US" smtClean="0"/>
-          </a:p>
-          <a:p>
-            <a:pPr lvl="2"/>
-            <a:r>
-              <a:rPr lang="zh-CN" altLang="en-US" smtClean="0"/>
-              <a:t>第三级</a:t>
-            </a:r>
-            <a:endParaRPr lang="zh-CN" altLang="en-US" smtClean="0"/>
-          </a:p>
-          <a:p>
-            <a:pPr lvl="3"/>
-            <a:r>
-              <a:rPr lang="zh-CN" altLang="en-US" smtClean="0"/>
-              <a:t>第四级</a:t>
-            </a:r>
-            <a:endParaRPr lang="zh-CN" altLang="en-US" smtClean="0"/>
-          </a:p>
-          <a:p>
-            <a:pPr lvl="4"/>
-            <a:r>
-              <a:rPr lang="zh-CN" altLang="en-US" smtClean="0"/>
-              <a:t>第五级</a:t>
-            </a:r>
-            <a:endParaRPr lang="zh-CN" altLang="en-US"/>
-          </a:p>
-        </p:txBody>
-      </p:sp>
-      <p:sp>
-        <p:nvSpPr>
-          <p:cNvPr id="5" name="日期占位符 4"/>
-          <p:cNvSpPr>
-            <a:spLocks noGrp="1"/>
-          </p:cNvSpPr>
-          <p:nvPr>
-            <p:ph type="dt" sz="half" idx="10"/>
-          </p:nvPr>
-        </p:nvSpPr>
-        <p:spPr/>
-        <p:txBody>
-          <a:bodyPr/>
-          <a:lstStyle/>
-          <a:p>
-            <a:fld id="{530820CF-B880-4189-942D-D702A7CBA730}" type="datetimeFigureOut">
-              <a:rPr lang="zh-CN" altLang="en-US" smtClean="0">
-                <a:solidFill>
-                  <a:prstClr val="black">
-                    <a:tint val="75000"/>
-                  </a:prstClr>
-                </a:solidFill>
-              </a:rPr>
-            </a:fld>
-            <a:endParaRPr lang="zh-CN" altLang="en-US">
-              <a:solidFill>
-                <a:prstClr val="black">
-                  <a:tint val="75000"/>
-                </a:prstClr>
-              </a:solidFill>
-            </a:endParaRPr>
-          </a:p>
-        </p:txBody>
-      </p:sp>
-      <p:sp>
-        <p:nvSpPr>
-          <p:cNvPr id="6" name="页脚占位符 5"/>
-          <p:cNvSpPr>
-            <a:spLocks noGrp="1"/>
-          </p:cNvSpPr>
-          <p:nvPr>
-            <p:ph type="ftr" sz="quarter" idx="11"/>
-          </p:nvPr>
-        </p:nvSpPr>
-        <p:spPr/>
-        <p:txBody>
-          <a:bodyPr/>
-          <a:lstStyle/>
-          <a:p>
-            <a:endParaRPr lang="zh-CN" altLang="en-US">
-              <a:solidFill>
-                <a:prstClr val="black">
-                  <a:tint val="75000"/>
-                </a:prstClr>
-              </a:solidFill>
-            </a:endParaRPr>
-          </a:p>
-        </p:txBody>
-      </p:sp>
-      <p:sp>
-        <p:nvSpPr>
-          <p:cNvPr id="7" name="灯片编号占位符 6"/>
-          <p:cNvSpPr>
-            <a:spLocks noGrp="1"/>
-          </p:cNvSpPr>
-          <p:nvPr>
-            <p:ph type="sldNum" sz="quarter" idx="12"/>
-          </p:nvPr>
-        </p:nvSpPr>
-        <p:spPr/>
-        <p:txBody>
-          <a:bodyPr/>
-          <a:lstStyle/>
-          <a:p>
-            <a:fld id="{0C913308-F349-4B6D-A68A-DD1791B4A57B}" type="slidenum">
-              <a:rPr lang="zh-CN" altLang="en-US" smtClean="0">
-                <a:solidFill>
-                  <a:prstClr val="black">
-                    <a:tint val="75000"/>
-                  </a:prstClr>
-                </a:solidFill>
-              </a:rPr>
-            </a:fld>
-            <a:endParaRPr lang="zh-CN" altLang="en-US">
-              <a:solidFill>
-                <a:prstClr val="black">
-                  <a:tint val="75000"/>
-                </a:prstClr>
-              </a:solidFill>
-            </a:endParaRPr>
-          </a:p>
-        </p:txBody>
-      </p:sp>
-    </p:spTree>
-  </p:cSld>
-  <p:clrMapOvr>
-    <a:masterClrMapping/>
-  </p:clrMapOvr>
-</p:sldLayout>
-</file>
-
-<file path=ppt/slideLayouts/slideLayout11.xml><?xml version="1.0" encoding="utf-8"?>
-<p:sldLayout xmlns:a="http://schemas.openxmlformats.org/drawingml/2006/main" xmlns:r="http://schemas.openxmlformats.org/officeDocument/2006/relationships" xmlns:p="http://schemas.openxmlformats.org/presentationml/2006/main" type="twoTxTwoObj" preserve="1">
-  <p:cSld name="比较">
-    <p:spTree>
-      <p:nvGrpSpPr>
-        <p:cNvPr id="1" name=""/>
-        <p:cNvGrpSpPr/>
-        <p:nvPr/>
-      </p:nvGrpSpPr>
-      <p:grpSpPr>
-        <a:xfrm>
-          <a:off x="0" y="0"/>
-          <a:ext cx="0" cy="0"/>
-          <a:chOff x="0" y="0"/>
-          <a:chExt cx="0" cy="0"/>
-        </a:xfrm>
-      </p:grpSpPr>
-      <p:sp>
-        <p:nvSpPr>
-          <p:cNvPr id="2" name="标题 1"/>
-          <p:cNvSpPr>
-            <a:spLocks noGrp="1"/>
-          </p:cNvSpPr>
-          <p:nvPr>
-            <p:ph type="title"/>
-          </p:nvPr>
-        </p:nvSpPr>
-        <p:spPr/>
-        <p:txBody>
-          <a:bodyPr/>
-          <a:lstStyle>
-            <a:lvl1pPr>
-              <a:defRPr/>
-            </a:lvl1pPr>
-          </a:lstStyle>
-          <a:p>
-            <a:r>
-              <a:rPr lang="zh-CN" altLang="en-US" smtClean="0"/>
-              <a:t>单击此处编辑母版标题样式</a:t>
-            </a:r>
-            <a:endParaRPr lang="zh-CN" altLang="en-US"/>
-          </a:p>
-        </p:txBody>
-      </p:sp>
-      <p:sp>
-        <p:nvSpPr>
-          <p:cNvPr id="3" name="文本占位符 2"/>
-          <p:cNvSpPr>
-            <a:spLocks noGrp="1"/>
-          </p:cNvSpPr>
-          <p:nvPr>
-            <p:ph type="body" idx="1"/>
-          </p:nvPr>
-        </p:nvSpPr>
-        <p:spPr>
-          <a:xfrm>
-            <a:off x="457200" y="1151335"/>
-            <a:ext cx="4040188" cy="479822"/>
-          </a:xfrm>
-        </p:spPr>
-        <p:txBody>
-          <a:bodyPr anchor="b"/>
-          <a:lstStyle>
-            <a:lvl1pPr marL="0" indent="0">
-              <a:buNone/>
-              <a:defRPr sz="2400" b="1"/>
-            </a:lvl1pPr>
-            <a:lvl2pPr marL="457200" indent="0">
-              <a:buNone/>
-              <a:defRPr sz="2000" b="1"/>
-            </a:lvl2pPr>
-            <a:lvl3pPr marL="914400" indent="0">
-              <a:buNone/>
-              <a:defRPr sz="1800" b="1"/>
-            </a:lvl3pPr>
-            <a:lvl4pPr marL="1371600" indent="0">
-              <a:buNone/>
-              <a:defRPr sz="1600" b="1"/>
-            </a:lvl4pPr>
-            <a:lvl5pPr marL="1828800" indent="0">
-              <a:buNone/>
-              <a:defRPr sz="1600" b="1"/>
-            </a:lvl5pPr>
-            <a:lvl6pPr marL="2286000" indent="0">
-              <a:buNone/>
-              <a:defRPr sz="1600" b="1"/>
-            </a:lvl6pPr>
-            <a:lvl7pPr marL="2743200" indent="0">
-              <a:buNone/>
-              <a:defRPr sz="1600" b="1"/>
-            </a:lvl7pPr>
-            <a:lvl8pPr marL="3200400" indent="0">
-              <a:buNone/>
-              <a:defRPr sz="1600" b="1"/>
-            </a:lvl8pPr>
-            <a:lvl9pPr marL="3657600" indent="0">
-              <a:buNone/>
-              <a:defRPr sz="1600" b="1"/>
-            </a:lvl9pPr>
-          </a:lstStyle>
-          <a:p>
-            <a:pPr lvl="0"/>
-            <a:r>
-              <a:rPr lang="zh-CN" altLang="en-US" smtClean="0"/>
-              <a:t>单击此处编辑母版文本样式</a:t>
-            </a:r>
-            <a:endParaRPr lang="zh-CN" altLang="en-US" smtClean="0"/>
-          </a:p>
-        </p:txBody>
-      </p:sp>
-      <p:sp>
-        <p:nvSpPr>
-          <p:cNvPr id="4" name="内容占位符 3"/>
-          <p:cNvSpPr>
-            <a:spLocks noGrp="1"/>
-          </p:cNvSpPr>
-          <p:nvPr>
-            <p:ph sz="half" idx="2"/>
-          </p:nvPr>
-        </p:nvSpPr>
-        <p:spPr>
-          <a:xfrm>
-            <a:off x="457200" y="1631156"/>
-            <a:ext cx="4040188" cy="2963466"/>
-          </a:xfrm>
-        </p:spPr>
-        <p:txBody>
-          <a:bodyPr/>
-          <a:lstStyle>
-            <a:lvl1pPr>
-              <a:defRPr sz="2400"/>
-            </a:lvl1pPr>
-            <a:lvl2pPr>
-              <a:defRPr sz="2000"/>
-            </a:lvl2pPr>
-            <a:lvl3pPr>
-              <a:defRPr sz="1800"/>
-            </a:lvl3pPr>
-            <a:lvl4pPr>
-              <a:defRPr sz="1600"/>
-            </a:lvl4pPr>
-            <a:lvl5pPr>
-              <a:defRPr sz="1600"/>
-            </a:lvl5pPr>
-            <a:lvl6pPr>
-              <a:defRPr sz="1600"/>
-            </a:lvl6pPr>
-            <a:lvl7pPr>
-              <a:defRPr sz="1600"/>
-            </a:lvl7pPr>
-            <a:lvl8pPr>
-              <a:defRPr sz="1600"/>
-            </a:lvl8pPr>
-            <a:lvl9pPr>
-              <a:defRPr sz="1600"/>
-            </a:lvl9pPr>
-          </a:lstStyle>
-          <a:p>
-            <a:pPr lvl="0"/>
-            <a:r>
-              <a:rPr lang="zh-CN" altLang="en-US" smtClean="0"/>
-              <a:t>单击此处编辑母版文本样式</a:t>
-            </a:r>
-            <a:endParaRPr lang="zh-CN" altLang="en-US" smtClean="0"/>
-          </a:p>
-          <a:p>
-            <a:pPr lvl="1"/>
-            <a:r>
-              <a:rPr lang="zh-CN" altLang="en-US" smtClean="0"/>
-              <a:t>第二级</a:t>
-            </a:r>
-            <a:endParaRPr lang="zh-CN" altLang="en-US" smtClean="0"/>
-          </a:p>
-          <a:p>
-            <a:pPr lvl="2"/>
-            <a:r>
-              <a:rPr lang="zh-CN" altLang="en-US" smtClean="0"/>
-              <a:t>第三级</a:t>
-            </a:r>
-            <a:endParaRPr lang="zh-CN" altLang="en-US" smtClean="0"/>
-          </a:p>
-          <a:p>
-            <a:pPr lvl="3"/>
-            <a:r>
-              <a:rPr lang="zh-CN" altLang="en-US" smtClean="0"/>
-              <a:t>第四级</a:t>
-            </a:r>
-            <a:endParaRPr lang="zh-CN" altLang="en-US" smtClean="0"/>
-          </a:p>
-          <a:p>
-            <a:pPr lvl="4"/>
-            <a:r>
-              <a:rPr lang="zh-CN" altLang="en-US" smtClean="0"/>
-              <a:t>第五级</a:t>
-            </a:r>
-            <a:endParaRPr lang="zh-CN" altLang="en-US"/>
-          </a:p>
-        </p:txBody>
-      </p:sp>
-      <p:sp>
-        <p:nvSpPr>
-          <p:cNvPr id="5" name="文本占位符 4"/>
-          <p:cNvSpPr>
-            <a:spLocks noGrp="1"/>
-          </p:cNvSpPr>
-          <p:nvPr>
-            <p:ph type="body" sz="quarter" idx="3"/>
-          </p:nvPr>
-        </p:nvSpPr>
-        <p:spPr>
-          <a:xfrm>
-            <a:off x="4645026" y="1151335"/>
-            <a:ext cx="4041775" cy="479822"/>
-          </a:xfrm>
-        </p:spPr>
-        <p:txBody>
-          <a:bodyPr anchor="b"/>
-          <a:lstStyle>
-            <a:lvl1pPr marL="0" indent="0">
-              <a:buNone/>
-              <a:defRPr sz="2400" b="1"/>
-            </a:lvl1pPr>
-            <a:lvl2pPr marL="457200" indent="0">
-              <a:buNone/>
-              <a:defRPr sz="2000" b="1"/>
-            </a:lvl2pPr>
-            <a:lvl3pPr marL="914400" indent="0">
-              <a:buNone/>
-              <a:defRPr sz="1800" b="1"/>
-            </a:lvl3pPr>
-            <a:lvl4pPr marL="1371600" indent="0">
-              <a:buNone/>
-              <a:defRPr sz="1600" b="1"/>
-            </a:lvl4pPr>
-            <a:lvl5pPr marL="1828800" indent="0">
-              <a:buNone/>
-              <a:defRPr sz="1600" b="1"/>
-            </a:lvl5pPr>
-            <a:lvl6pPr marL="2286000" indent="0">
-              <a:buNone/>
-              <a:defRPr sz="1600" b="1"/>
-            </a:lvl6pPr>
-            <a:lvl7pPr marL="2743200" indent="0">
-              <a:buNone/>
-              <a:defRPr sz="1600" b="1"/>
-            </a:lvl7pPr>
-            <a:lvl8pPr marL="3200400" indent="0">
-              <a:buNone/>
-              <a:defRPr sz="1600" b="1"/>
-            </a:lvl8pPr>
-            <a:lvl9pPr marL="3657600" indent="0">
-              <a:buNone/>
-              <a:defRPr sz="1600" b="1"/>
-            </a:lvl9pPr>
-          </a:lstStyle>
-          <a:p>
-            <a:pPr lvl="0"/>
-            <a:r>
-              <a:rPr lang="zh-CN" altLang="en-US" smtClean="0"/>
-              <a:t>单击此处编辑母版文本样式</a:t>
-            </a:r>
-            <a:endParaRPr lang="zh-CN" altLang="en-US" smtClean="0"/>
-          </a:p>
-        </p:txBody>
-      </p:sp>
-      <p:sp>
-        <p:nvSpPr>
-          <p:cNvPr id="6" name="内容占位符 5"/>
-          <p:cNvSpPr>
-            <a:spLocks noGrp="1"/>
-          </p:cNvSpPr>
-          <p:nvPr>
-            <p:ph sz="quarter" idx="4"/>
-          </p:nvPr>
-        </p:nvSpPr>
-        <p:spPr>
-          <a:xfrm>
-            <a:off x="4645026" y="1631156"/>
-            <a:ext cx="4041775" cy="2963466"/>
-          </a:xfrm>
-        </p:spPr>
-        <p:txBody>
-          <a:bodyPr/>
-          <a:lstStyle>
-            <a:lvl1pPr>
-              <a:defRPr sz="2400"/>
-            </a:lvl1pPr>
-            <a:lvl2pPr>
-              <a:defRPr sz="2000"/>
-            </a:lvl2pPr>
-            <a:lvl3pPr>
-              <a:defRPr sz="1800"/>
-            </a:lvl3pPr>
-            <a:lvl4pPr>
-              <a:defRPr sz="1600"/>
-            </a:lvl4pPr>
-            <a:lvl5pPr>
-              <a:defRPr sz="1600"/>
-            </a:lvl5pPr>
-            <a:lvl6pPr>
-              <a:defRPr sz="1600"/>
-            </a:lvl6pPr>
-            <a:lvl7pPr>
-              <a:defRPr sz="1600"/>
-            </a:lvl7pPr>
-            <a:lvl8pPr>
-              <a:defRPr sz="1600"/>
-            </a:lvl8pPr>
-            <a:lvl9pPr>
-              <a:defRPr sz="1600"/>
-            </a:lvl9pPr>
-          </a:lstStyle>
-          <a:p>
-            <a:pPr lvl="0"/>
-            <a:r>
-              <a:rPr lang="zh-CN" altLang="en-US" smtClean="0"/>
-              <a:t>单击此处编辑母版文本样式</a:t>
-            </a:r>
-            <a:endParaRPr lang="zh-CN" altLang="en-US" smtClean="0"/>
-          </a:p>
-          <a:p>
-            <a:pPr lvl="1"/>
-            <a:r>
-              <a:rPr lang="zh-CN" altLang="en-US" smtClean="0"/>
-              <a:t>第二级</a:t>
-            </a:r>
-            <a:endParaRPr lang="zh-CN" altLang="en-US" smtClean="0"/>
-          </a:p>
-          <a:p>
-            <a:pPr lvl="2"/>
-            <a:r>
-              <a:rPr lang="zh-CN" altLang="en-US" smtClean="0"/>
-              <a:t>第三级</a:t>
-            </a:r>
-            <a:endParaRPr lang="zh-CN" altLang="en-US" smtClean="0"/>
-          </a:p>
-          <a:p>
-            <a:pPr lvl="3"/>
-            <a:r>
-              <a:rPr lang="zh-CN" altLang="en-US" smtClean="0"/>
-              <a:t>第四级</a:t>
-            </a:r>
-            <a:endParaRPr lang="zh-CN" altLang="en-US" smtClean="0"/>
-          </a:p>
-          <a:p>
-            <a:pPr lvl="4"/>
-            <a:r>
-              <a:rPr lang="zh-CN" altLang="en-US" smtClean="0"/>
-              <a:t>第五级</a:t>
-            </a:r>
-            <a:endParaRPr lang="zh-CN" altLang="en-US"/>
-          </a:p>
-        </p:txBody>
-      </p:sp>
-      <p:sp>
-        <p:nvSpPr>
-          <p:cNvPr id="7" name="日期占位符 6"/>
-          <p:cNvSpPr>
-            <a:spLocks noGrp="1"/>
-          </p:cNvSpPr>
-          <p:nvPr>
-            <p:ph type="dt" sz="half" idx="10"/>
-          </p:nvPr>
-        </p:nvSpPr>
-        <p:spPr/>
-        <p:txBody>
-          <a:bodyPr/>
-          <a:lstStyle/>
-          <a:p>
-            <a:fld id="{530820CF-B880-4189-942D-D702A7CBA730}" type="datetimeFigureOut">
-              <a:rPr lang="zh-CN" altLang="en-US" smtClean="0">
-                <a:solidFill>
-                  <a:prstClr val="black">
-                    <a:tint val="75000"/>
-                  </a:prstClr>
-                </a:solidFill>
-              </a:rPr>
-            </a:fld>
-            <a:endParaRPr lang="zh-CN" altLang="en-US">
-              <a:solidFill>
-                <a:prstClr val="black">
-                  <a:tint val="75000"/>
-                </a:prstClr>
-              </a:solidFill>
-            </a:endParaRPr>
-          </a:p>
-        </p:txBody>
-      </p:sp>
-      <p:sp>
-        <p:nvSpPr>
-          <p:cNvPr id="8" name="页脚占位符 7"/>
-          <p:cNvSpPr>
-            <a:spLocks noGrp="1"/>
-          </p:cNvSpPr>
-          <p:nvPr>
-            <p:ph type="ftr" sz="quarter" idx="11"/>
-          </p:nvPr>
-        </p:nvSpPr>
-        <p:spPr/>
-        <p:txBody>
-          <a:bodyPr/>
-          <a:lstStyle/>
-          <a:p>
-            <a:endParaRPr lang="zh-CN" altLang="en-US">
-              <a:solidFill>
-                <a:prstClr val="black">
-                  <a:tint val="75000"/>
-                </a:prstClr>
-              </a:solidFill>
-            </a:endParaRPr>
-          </a:p>
-        </p:txBody>
-      </p:sp>
-      <p:sp>
-        <p:nvSpPr>
-          <p:cNvPr id="9" name="灯片编号占位符 8"/>
-          <p:cNvSpPr>
-            <a:spLocks noGrp="1"/>
-          </p:cNvSpPr>
-          <p:nvPr>
-            <p:ph type="sldNum" sz="quarter" idx="12"/>
-          </p:nvPr>
-        </p:nvSpPr>
-        <p:spPr/>
-        <p:txBody>
-          <a:bodyPr/>
-          <a:lstStyle/>
-          <a:p>
-            <a:fld id="{0C913308-F349-4B6D-A68A-DD1791B4A57B}" type="slidenum">
-              <a:rPr lang="zh-CN" altLang="en-US" smtClean="0">
-                <a:solidFill>
-                  <a:prstClr val="black">
-                    <a:tint val="75000"/>
-                  </a:prstClr>
-                </a:solidFill>
-              </a:rPr>
-            </a:fld>
-            <a:endParaRPr lang="zh-CN" altLang="en-US">
-              <a:solidFill>
-                <a:prstClr val="black">
-                  <a:tint val="75000"/>
-                </a:prstClr>
-              </a:solidFill>
-            </a:endParaRPr>
-          </a:p>
-        </p:txBody>
-      </p:sp>
-    </p:spTree>
-  </p:cSld>
-  <p:clrMapOvr>
-    <a:masterClrMapping/>
-  </p:clrMapOvr>
-</p:sldLayout>
-</file>
-
-<file path=ppt/slideLayouts/slideLayout12.xml><?xml version="1.0" encoding="utf-8"?>
-<p:sldLayout xmlns:a="http://schemas.openxmlformats.org/drawingml/2006/main" xmlns:r="http://schemas.openxmlformats.org/officeDocument/2006/relationships" xmlns:p="http://schemas.openxmlformats.org/presentationml/2006/main" type="titleOnly" preserve="1">
-  <p:cSld name="仅标题">
-    <p:spTree>
-      <p:nvGrpSpPr>
-        <p:cNvPr id="1" name=""/>
-        <p:cNvGrpSpPr/>
-        <p:nvPr/>
-      </p:nvGrpSpPr>
-      <p:grpSpPr>
-        <a:xfrm>
-          <a:off x="0" y="0"/>
-          <a:ext cx="0" cy="0"/>
-          <a:chOff x="0" y="0"/>
-          <a:chExt cx="0" cy="0"/>
-        </a:xfrm>
-      </p:grpSpPr>
-      <p:sp>
-        <p:nvSpPr>
-          <p:cNvPr id="2" name="标题 1"/>
-          <p:cNvSpPr>
-            <a:spLocks noGrp="1"/>
-          </p:cNvSpPr>
-          <p:nvPr>
-            <p:ph type="title"/>
-          </p:nvPr>
-        </p:nvSpPr>
-        <p:spPr/>
-        <p:txBody>
-          <a:bodyPr/>
-          <a:lstStyle/>
-          <a:p>
-            <a:r>
-              <a:rPr lang="zh-CN" altLang="en-US" smtClean="0"/>
-              <a:t>单击此处编辑母版标题样式</a:t>
-            </a:r>
-            <a:endParaRPr lang="zh-CN" altLang="en-US"/>
-          </a:p>
-        </p:txBody>
-      </p:sp>
-      <p:sp>
-        <p:nvSpPr>
-          <p:cNvPr id="3" name="日期占位符 2"/>
-          <p:cNvSpPr>
-            <a:spLocks noGrp="1"/>
-          </p:cNvSpPr>
-          <p:nvPr>
-            <p:ph type="dt" sz="half" idx="10"/>
-          </p:nvPr>
-        </p:nvSpPr>
-        <p:spPr/>
-        <p:txBody>
-          <a:bodyPr/>
-          <a:lstStyle/>
-          <a:p>
-            <a:fld id="{530820CF-B880-4189-942D-D702A7CBA730}" type="datetimeFigureOut">
-              <a:rPr lang="zh-CN" altLang="en-US" smtClean="0">
-                <a:solidFill>
-                  <a:prstClr val="black">
-                    <a:tint val="75000"/>
-                  </a:prstClr>
-                </a:solidFill>
-              </a:rPr>
-            </a:fld>
-            <a:endParaRPr lang="zh-CN" altLang="en-US">
-              <a:solidFill>
-                <a:prstClr val="black">
-                  <a:tint val="75000"/>
-                </a:prstClr>
-              </a:solidFill>
-            </a:endParaRPr>
-          </a:p>
-        </p:txBody>
-      </p:sp>
-      <p:sp>
-        <p:nvSpPr>
-          <p:cNvPr id="4" name="页脚占位符 3"/>
-          <p:cNvSpPr>
-            <a:spLocks noGrp="1"/>
-          </p:cNvSpPr>
-          <p:nvPr>
-            <p:ph type="ftr" sz="quarter" idx="11"/>
-          </p:nvPr>
-        </p:nvSpPr>
-        <p:spPr/>
-        <p:txBody>
-          <a:bodyPr/>
-          <a:lstStyle/>
-          <a:p>
-            <a:endParaRPr lang="zh-CN" altLang="en-US">
-              <a:solidFill>
-                <a:prstClr val="black">
-                  <a:tint val="75000"/>
-                </a:prstClr>
-              </a:solidFill>
-            </a:endParaRPr>
-          </a:p>
-        </p:txBody>
-      </p:sp>
-      <p:sp>
-        <p:nvSpPr>
-          <p:cNvPr id="5" name="灯片编号占位符 4"/>
-          <p:cNvSpPr>
-            <a:spLocks noGrp="1"/>
-          </p:cNvSpPr>
-          <p:nvPr>
-            <p:ph type="sldNum" sz="quarter" idx="12"/>
-          </p:nvPr>
-        </p:nvSpPr>
-        <p:spPr/>
-        <p:txBody>
-          <a:bodyPr/>
-          <a:lstStyle/>
-          <a:p>
-            <a:fld id="{0C913308-F349-4B6D-A68A-DD1791B4A57B}" type="slidenum">
-              <a:rPr lang="zh-CN" altLang="en-US" smtClean="0">
-                <a:solidFill>
-                  <a:prstClr val="black">
-                    <a:tint val="75000"/>
-                  </a:prstClr>
-                </a:solidFill>
-              </a:rPr>
-            </a:fld>
-            <a:endParaRPr lang="zh-CN" altLang="en-US">
-              <a:solidFill>
-                <a:prstClr val="black">
-                  <a:tint val="75000"/>
-                </a:prstClr>
-              </a:solidFill>
-            </a:endParaRPr>
-          </a:p>
-        </p:txBody>
-      </p:sp>
-    </p:spTree>
-  </p:cSld>
-  <p:clrMapOvr>
-    <a:masterClrMapping/>
-  </p:clrMapOvr>
-</p:sldLayout>
-</file>
-
-<file path=ppt/slideLayouts/slideLayout13.xml><?xml version="1.0" encoding="utf-8"?>
-<p:sldLayout xmlns:a="http://schemas.openxmlformats.org/drawingml/2006/main" xmlns:r="http://schemas.openxmlformats.org/officeDocument/2006/relationships" xmlns:p="http://schemas.openxmlformats.org/presentationml/2006/main" type="blank" preserve="1">
-  <p:cSld name="空白">
-    <p:spTree>
-      <p:nvGrpSpPr>
-        <p:cNvPr id="1" name=""/>
-        <p:cNvGrpSpPr/>
-        <p:nvPr/>
-      </p:nvGrpSpPr>
-      <p:grpSpPr>
-        <a:xfrm>
-          <a:off x="0" y="0"/>
-          <a:ext cx="0" cy="0"/>
-          <a:chOff x="0" y="0"/>
-          <a:chExt cx="0" cy="0"/>
-        </a:xfrm>
-      </p:grpSpPr>
-      <p:sp>
-        <p:nvSpPr>
-          <p:cNvPr id="2" name="日期占位符 1"/>
-          <p:cNvSpPr>
-            <a:spLocks noGrp="1"/>
-          </p:cNvSpPr>
-          <p:nvPr>
-            <p:ph type="dt" sz="half" idx="10"/>
-          </p:nvPr>
-        </p:nvSpPr>
-        <p:spPr/>
-        <p:txBody>
-          <a:bodyPr/>
-          <a:lstStyle/>
-          <a:p>
-            <a:fld id="{530820CF-B880-4189-942D-D702A7CBA730}" type="datetimeFigureOut">
-              <a:rPr lang="zh-CN" altLang="en-US" smtClean="0">
-                <a:solidFill>
-                  <a:prstClr val="black">
-                    <a:tint val="75000"/>
-                  </a:prstClr>
-                </a:solidFill>
-              </a:rPr>
-            </a:fld>
-            <a:endParaRPr lang="zh-CN" altLang="en-US">
-              <a:solidFill>
-                <a:prstClr val="black">
-                  <a:tint val="75000"/>
-                </a:prstClr>
-              </a:solidFill>
-            </a:endParaRPr>
-          </a:p>
-        </p:txBody>
-      </p:sp>
-      <p:sp>
-        <p:nvSpPr>
-          <p:cNvPr id="3" name="页脚占位符 2"/>
-          <p:cNvSpPr>
-            <a:spLocks noGrp="1"/>
-          </p:cNvSpPr>
-          <p:nvPr>
-            <p:ph type="ftr" sz="quarter" idx="11"/>
-          </p:nvPr>
-        </p:nvSpPr>
-        <p:spPr/>
-        <p:txBody>
-          <a:bodyPr/>
-          <a:lstStyle/>
-          <a:p>
-            <a:endParaRPr lang="zh-CN" altLang="en-US">
-              <a:solidFill>
-                <a:prstClr val="black">
-                  <a:tint val="75000"/>
-                </a:prstClr>
-              </a:solidFill>
-            </a:endParaRPr>
-          </a:p>
-        </p:txBody>
-      </p:sp>
-      <p:sp>
-        <p:nvSpPr>
-          <p:cNvPr id="4" name="灯片编号占位符 3"/>
-          <p:cNvSpPr>
-            <a:spLocks noGrp="1"/>
-          </p:cNvSpPr>
-          <p:nvPr>
-            <p:ph type="sldNum" sz="quarter" idx="12"/>
-          </p:nvPr>
-        </p:nvSpPr>
-        <p:spPr/>
-        <p:txBody>
-          <a:bodyPr/>
-          <a:lstStyle/>
-          <a:p>
-            <a:fld id="{0C913308-F349-4B6D-A68A-DD1791B4A57B}" type="slidenum">
-              <a:rPr lang="zh-CN" altLang="en-US" smtClean="0">
-                <a:solidFill>
-                  <a:prstClr val="black">
-                    <a:tint val="75000"/>
-                  </a:prstClr>
-                </a:solidFill>
-              </a:rPr>
-            </a:fld>
-            <a:endParaRPr lang="zh-CN" altLang="en-US">
-              <a:solidFill>
-                <a:prstClr val="black">
-                  <a:tint val="75000"/>
-                </a:prstClr>
-              </a:solidFill>
-            </a:endParaRPr>
-          </a:p>
-        </p:txBody>
-      </p:sp>
-    </p:spTree>
-  </p:cSld>
-  <p:clrMapOvr>
-    <a:masterClrMapping/>
-  </p:clrMapOvr>
-</p:sldLayout>
-</file>
-
-<file path=ppt/slideLayouts/slideLayout14.xml><?xml version="1.0" encoding="utf-8"?>
-<p:sldLayout xmlns:a="http://schemas.openxmlformats.org/drawingml/2006/main" xmlns:r="http://schemas.openxmlformats.org/officeDocument/2006/relationships" xmlns:p="http://schemas.openxmlformats.org/presentationml/2006/main" type="objTx" preserve="1">
-  <p:cSld name="内容与标题">
-    <p:spTree>
-      <p:nvGrpSpPr>
-        <p:cNvPr id="1" name=""/>
-        <p:cNvGrpSpPr/>
-        <p:nvPr/>
-      </p:nvGrpSpPr>
-      <p:grpSpPr>
-        <a:xfrm>
-          <a:off x="0" y="0"/>
-          <a:ext cx="0" cy="0"/>
-          <a:chOff x="0" y="0"/>
-          <a:chExt cx="0" cy="0"/>
-        </a:xfrm>
-      </p:grpSpPr>
-      <p:sp>
-        <p:nvSpPr>
-          <p:cNvPr id="2" name="标题 1"/>
-          <p:cNvSpPr>
-            <a:spLocks noGrp="1"/>
-          </p:cNvSpPr>
-          <p:nvPr>
-            <p:ph type="title"/>
-          </p:nvPr>
-        </p:nvSpPr>
-        <p:spPr>
-          <a:xfrm>
-            <a:off x="457201" y="204787"/>
-            <a:ext cx="3008313" cy="871538"/>
-          </a:xfrm>
-        </p:spPr>
-        <p:txBody>
-          <a:bodyPr anchor="b"/>
-          <a:lstStyle>
-            <a:lvl1pPr algn="l">
-              <a:defRPr sz="2000" b="1"/>
-            </a:lvl1pPr>
-          </a:lstStyle>
-          <a:p>
-            <a:r>
-              <a:rPr lang="zh-CN" altLang="en-US" smtClean="0"/>
-              <a:t>单击此处编辑母版标题样式</a:t>
-            </a:r>
-            <a:endParaRPr lang="zh-CN" altLang="en-US"/>
-          </a:p>
-        </p:txBody>
-      </p:sp>
-      <p:sp>
-        <p:nvSpPr>
-          <p:cNvPr id="3" name="内容占位符 2"/>
-          <p:cNvSpPr>
-            <a:spLocks noGrp="1"/>
-          </p:cNvSpPr>
-          <p:nvPr>
-            <p:ph idx="1"/>
-          </p:nvPr>
-        </p:nvSpPr>
-        <p:spPr>
-          <a:xfrm>
-            <a:off x="3575050" y="204788"/>
-            <a:ext cx="5111750" cy="4389835"/>
-          </a:xfrm>
-        </p:spPr>
-        <p:txBody>
-          <a:bodyPr/>
-          <a:lstStyle>
-            <a:lvl1pPr>
-              <a:defRPr sz="3200"/>
-            </a:lvl1pPr>
-            <a:lvl2pPr>
-              <a:defRPr sz="2800"/>
-            </a:lvl2pPr>
-            <a:lvl3pPr>
-              <a:defRPr sz="2400"/>
-            </a:lvl3pPr>
-            <a:lvl4pPr>
-              <a:defRPr sz="2000"/>
-            </a:lvl4pPr>
-            <a:lvl5pPr>
-              <a:defRPr sz="2000"/>
-            </a:lvl5pPr>
-            <a:lvl6pPr>
-              <a:defRPr sz="2000"/>
-            </a:lvl6pPr>
-            <a:lvl7pPr>
-              <a:defRPr sz="2000"/>
-            </a:lvl7pPr>
-            <a:lvl8pPr>
-              <a:defRPr sz="2000"/>
-            </a:lvl8pPr>
-            <a:lvl9pPr>
-              <a:defRPr sz="2000"/>
-            </a:lvl9pPr>
-          </a:lstStyle>
-          <a:p>
-            <a:pPr lvl="0"/>
-            <a:r>
-              <a:rPr lang="zh-CN" altLang="en-US" smtClean="0"/>
-              <a:t>单击此处编辑母版文本样式</a:t>
-            </a:r>
-            <a:endParaRPr lang="zh-CN" altLang="en-US" smtClean="0"/>
-          </a:p>
-          <a:p>
-            <a:pPr lvl="1"/>
-            <a:r>
-              <a:rPr lang="zh-CN" altLang="en-US" smtClean="0"/>
-              <a:t>第二级</a:t>
-            </a:r>
-            <a:endParaRPr lang="zh-CN" altLang="en-US" smtClean="0"/>
-          </a:p>
-          <a:p>
-            <a:pPr lvl="2"/>
-            <a:r>
-              <a:rPr lang="zh-CN" altLang="en-US" smtClean="0"/>
-              <a:t>第三级</a:t>
-            </a:r>
-            <a:endParaRPr lang="zh-CN" altLang="en-US" smtClean="0"/>
-          </a:p>
-          <a:p>
-            <a:pPr lvl="3"/>
-            <a:r>
-              <a:rPr lang="zh-CN" altLang="en-US" smtClean="0"/>
-              <a:t>第四级</a:t>
-            </a:r>
-            <a:endParaRPr lang="zh-CN" altLang="en-US" smtClean="0"/>
-          </a:p>
-          <a:p>
-            <a:pPr lvl="4"/>
-            <a:r>
-              <a:rPr lang="zh-CN" altLang="en-US" smtClean="0"/>
-              <a:t>第五级</a:t>
-            </a:r>
-            <a:endParaRPr lang="zh-CN" altLang="en-US"/>
-          </a:p>
-        </p:txBody>
-      </p:sp>
-      <p:sp>
-        <p:nvSpPr>
-          <p:cNvPr id="4" name="文本占位符 3"/>
-          <p:cNvSpPr>
-            <a:spLocks noGrp="1"/>
-          </p:cNvSpPr>
-          <p:nvPr>
-            <p:ph type="body" sz="half" idx="2"/>
-          </p:nvPr>
-        </p:nvSpPr>
-        <p:spPr>
-          <a:xfrm>
-            <a:off x="457201" y="1076326"/>
-            <a:ext cx="3008313" cy="3518297"/>
-          </a:xfrm>
-        </p:spPr>
-        <p:txBody>
-          <a:bodyPr/>
-          <a:lstStyle>
-            <a:lvl1pPr marL="0" indent="0">
-              <a:buNone/>
-              <a:defRPr sz="1400"/>
-            </a:lvl1pPr>
-            <a:lvl2pPr marL="457200" indent="0">
-              <a:buNone/>
-              <a:defRPr sz="1200"/>
-            </a:lvl2pPr>
-            <a:lvl3pPr marL="914400" indent="0">
-              <a:buNone/>
-              <a:defRPr sz="1000"/>
-            </a:lvl3pPr>
-            <a:lvl4pPr marL="1371600" indent="0">
-              <a:buNone/>
-              <a:defRPr sz="900"/>
-            </a:lvl4pPr>
-            <a:lvl5pPr marL="1828800" indent="0">
-              <a:buNone/>
-              <a:defRPr sz="900"/>
-            </a:lvl5pPr>
-            <a:lvl6pPr marL="2286000" indent="0">
-              <a:buNone/>
-              <a:defRPr sz="900"/>
-            </a:lvl6pPr>
-            <a:lvl7pPr marL="2743200" indent="0">
-              <a:buNone/>
-              <a:defRPr sz="900"/>
-            </a:lvl7pPr>
-            <a:lvl8pPr marL="3200400" indent="0">
-              <a:buNone/>
-              <a:defRPr sz="900"/>
-            </a:lvl8pPr>
-            <a:lvl9pPr marL="3657600" indent="0">
-              <a:buNone/>
-              <a:defRPr sz="900"/>
-            </a:lvl9pPr>
-          </a:lstStyle>
-          <a:p>
-            <a:pPr lvl="0"/>
-            <a:r>
-              <a:rPr lang="zh-CN" altLang="en-US" smtClean="0"/>
-              <a:t>单击此处编辑母版文本样式</a:t>
-            </a:r>
-            <a:endParaRPr lang="zh-CN" altLang="en-US" smtClean="0"/>
-          </a:p>
-        </p:txBody>
-      </p:sp>
-      <p:sp>
-        <p:nvSpPr>
-          <p:cNvPr id="5" name="日期占位符 4"/>
-          <p:cNvSpPr>
-            <a:spLocks noGrp="1"/>
-          </p:cNvSpPr>
-          <p:nvPr>
-            <p:ph type="dt" sz="half" idx="10"/>
-          </p:nvPr>
-        </p:nvSpPr>
-        <p:spPr/>
-        <p:txBody>
-          <a:bodyPr/>
-          <a:lstStyle/>
-          <a:p>
-            <a:fld id="{530820CF-B880-4189-942D-D702A7CBA730}" type="datetimeFigureOut">
-              <a:rPr lang="zh-CN" altLang="en-US" smtClean="0">
-                <a:solidFill>
-                  <a:prstClr val="black">
-                    <a:tint val="75000"/>
-                  </a:prstClr>
-                </a:solidFill>
-              </a:rPr>
-            </a:fld>
-            <a:endParaRPr lang="zh-CN" altLang="en-US">
-              <a:solidFill>
-                <a:prstClr val="black">
-                  <a:tint val="75000"/>
-                </a:prstClr>
-              </a:solidFill>
-            </a:endParaRPr>
-          </a:p>
-        </p:txBody>
-      </p:sp>
-      <p:sp>
-        <p:nvSpPr>
-          <p:cNvPr id="6" name="页脚占位符 5"/>
-          <p:cNvSpPr>
-            <a:spLocks noGrp="1"/>
-          </p:cNvSpPr>
-          <p:nvPr>
-            <p:ph type="ftr" sz="quarter" idx="11"/>
-          </p:nvPr>
-        </p:nvSpPr>
-        <p:spPr/>
-        <p:txBody>
-          <a:bodyPr/>
-          <a:lstStyle/>
-          <a:p>
-            <a:endParaRPr lang="zh-CN" altLang="en-US">
-              <a:solidFill>
-                <a:prstClr val="black">
-                  <a:tint val="75000"/>
-                </a:prstClr>
-              </a:solidFill>
-            </a:endParaRPr>
-          </a:p>
-        </p:txBody>
-      </p:sp>
-      <p:sp>
-        <p:nvSpPr>
-          <p:cNvPr id="7" name="灯片编号占位符 6"/>
-          <p:cNvSpPr>
-            <a:spLocks noGrp="1"/>
-          </p:cNvSpPr>
-          <p:nvPr>
-            <p:ph type="sldNum" sz="quarter" idx="12"/>
-          </p:nvPr>
-        </p:nvSpPr>
-        <p:spPr/>
-        <p:txBody>
-          <a:bodyPr/>
-          <a:lstStyle/>
-          <a:p>
-            <a:fld id="{0C913308-F349-4B6D-A68A-DD1791B4A57B}" type="slidenum">
-              <a:rPr lang="zh-CN" altLang="en-US" smtClean="0">
-                <a:solidFill>
-                  <a:prstClr val="black">
-                    <a:tint val="75000"/>
-                  </a:prstClr>
-                </a:solidFill>
-              </a:rPr>
-            </a:fld>
-            <a:endParaRPr lang="zh-CN" altLang="en-US">
-              <a:solidFill>
-                <a:prstClr val="black">
-                  <a:tint val="75000"/>
-                </a:prstClr>
-              </a:solidFill>
-            </a:endParaRPr>
-          </a:p>
-        </p:txBody>
-      </p:sp>
-    </p:spTree>
-  </p:cSld>
-  <p:clrMapOvr>
-    <a:masterClrMapping/>
-  </p:clrMapOvr>
-</p:sldLayout>
-</file>
-
-<file path=ppt/slideLayouts/slideLayout15.xml><?xml version="1.0" encoding="utf-8"?>
-<p:sldLayout xmlns:a="http://schemas.openxmlformats.org/drawingml/2006/main" xmlns:r="http://schemas.openxmlformats.org/officeDocument/2006/relationships" xmlns:p="http://schemas.openxmlformats.org/presentationml/2006/main" type="picTx" preserve="1">
-  <p:cSld name="图片与标题">
-    <p:spTree>
-      <p:nvGrpSpPr>
-        <p:cNvPr id="1" name=""/>
-        <p:cNvGrpSpPr/>
-        <p:nvPr/>
-      </p:nvGrpSpPr>
-      <p:grpSpPr>
-        <a:xfrm>
-          <a:off x="0" y="0"/>
-          <a:ext cx="0" cy="0"/>
-          <a:chOff x="0" y="0"/>
-          <a:chExt cx="0" cy="0"/>
-        </a:xfrm>
-      </p:grpSpPr>
-      <p:sp>
-        <p:nvSpPr>
-          <p:cNvPr id="2" name="标题 1"/>
-          <p:cNvSpPr>
-            <a:spLocks noGrp="1"/>
-          </p:cNvSpPr>
-          <p:nvPr>
-            <p:ph type="title"/>
-          </p:nvPr>
-        </p:nvSpPr>
-        <p:spPr>
-          <a:xfrm>
-            <a:off x="1792288" y="3600450"/>
-            <a:ext cx="5486400" cy="425054"/>
-          </a:xfrm>
-        </p:spPr>
-        <p:txBody>
-          <a:bodyPr anchor="b"/>
-          <a:lstStyle>
-            <a:lvl1pPr algn="l">
-              <a:defRPr sz="2000" b="1"/>
-            </a:lvl1pPr>
-          </a:lstStyle>
-          <a:p>
-            <a:r>
-              <a:rPr lang="zh-CN" altLang="en-US" smtClean="0"/>
-              <a:t>单击此处编辑母版标题样式</a:t>
-            </a:r>
-            <a:endParaRPr lang="zh-CN" altLang="en-US"/>
-          </a:p>
-        </p:txBody>
-      </p:sp>
-      <p:sp>
-        <p:nvSpPr>
-          <p:cNvPr id="3" name="图片占位符 2"/>
-          <p:cNvSpPr>
-            <a:spLocks noGrp="1"/>
-          </p:cNvSpPr>
-          <p:nvPr>
-            <p:ph type="pic" idx="1"/>
-          </p:nvPr>
-        </p:nvSpPr>
-        <p:spPr>
-          <a:xfrm>
-            <a:off x="1792288" y="459581"/>
-            <a:ext cx="5486400" cy="3086100"/>
-          </a:xfrm>
-        </p:spPr>
-        <p:txBody>
-          <a:bodyPr/>
-          <a:lstStyle>
-            <a:lvl1pPr marL="0" indent="0">
-              <a:buNone/>
-              <a:defRPr sz="3200"/>
-            </a:lvl1pPr>
-            <a:lvl2pPr marL="457200" indent="0">
-              <a:buNone/>
-              <a:defRPr sz="2800"/>
-            </a:lvl2pPr>
-            <a:lvl3pPr marL="914400" indent="0">
-              <a:buNone/>
-              <a:defRPr sz="2400"/>
-            </a:lvl3pPr>
-            <a:lvl4pPr marL="1371600" indent="0">
-              <a:buNone/>
-              <a:defRPr sz="2000"/>
-            </a:lvl4pPr>
-            <a:lvl5pPr marL="1828800" indent="0">
-              <a:buNone/>
-              <a:defRPr sz="2000"/>
-            </a:lvl5pPr>
-            <a:lvl6pPr marL="2286000" indent="0">
-              <a:buNone/>
-              <a:defRPr sz="2000"/>
-            </a:lvl6pPr>
-            <a:lvl7pPr marL="2743200" indent="0">
-              <a:buNone/>
-              <a:defRPr sz="2000"/>
-            </a:lvl7pPr>
-            <a:lvl8pPr marL="3200400" indent="0">
-              <a:buNone/>
-              <a:defRPr sz="2000"/>
-            </a:lvl8pPr>
-            <a:lvl9pPr marL="3657600" indent="0">
-              <a:buNone/>
-              <a:defRPr sz="2000"/>
-            </a:lvl9pPr>
-          </a:lstStyle>
-          <a:p>
-            <a:endParaRPr lang="zh-CN" altLang="en-US"/>
-          </a:p>
-        </p:txBody>
-      </p:sp>
-      <p:sp>
-        <p:nvSpPr>
-          <p:cNvPr id="4" name="文本占位符 3"/>
-          <p:cNvSpPr>
-            <a:spLocks noGrp="1"/>
-          </p:cNvSpPr>
-          <p:nvPr>
-            <p:ph type="body" sz="half" idx="2"/>
-          </p:nvPr>
-        </p:nvSpPr>
-        <p:spPr>
-          <a:xfrm>
-            <a:off x="1792288" y="4025503"/>
-            <a:ext cx="5486400" cy="603647"/>
-          </a:xfrm>
-        </p:spPr>
-        <p:txBody>
-          <a:bodyPr/>
-          <a:lstStyle>
-            <a:lvl1pPr marL="0" indent="0">
-              <a:buNone/>
-              <a:defRPr sz="1400"/>
-            </a:lvl1pPr>
-            <a:lvl2pPr marL="457200" indent="0">
-              <a:buNone/>
-              <a:defRPr sz="1200"/>
-            </a:lvl2pPr>
-            <a:lvl3pPr marL="914400" indent="0">
-              <a:buNone/>
-              <a:defRPr sz="1000"/>
-            </a:lvl3pPr>
-            <a:lvl4pPr marL="1371600" indent="0">
-              <a:buNone/>
-              <a:defRPr sz="900"/>
-            </a:lvl4pPr>
-            <a:lvl5pPr marL="1828800" indent="0">
-              <a:buNone/>
-              <a:defRPr sz="900"/>
-            </a:lvl5pPr>
-            <a:lvl6pPr marL="2286000" indent="0">
-              <a:buNone/>
-              <a:defRPr sz="900"/>
-            </a:lvl6pPr>
-            <a:lvl7pPr marL="2743200" indent="0">
-              <a:buNone/>
-              <a:defRPr sz="900"/>
-            </a:lvl7pPr>
-            <a:lvl8pPr marL="3200400" indent="0">
-              <a:buNone/>
-              <a:defRPr sz="900"/>
-            </a:lvl8pPr>
-            <a:lvl9pPr marL="3657600" indent="0">
-              <a:buNone/>
-              <a:defRPr sz="900"/>
-            </a:lvl9pPr>
-          </a:lstStyle>
-          <a:p>
-            <a:pPr lvl="0"/>
-            <a:r>
-              <a:rPr lang="zh-CN" altLang="en-US" smtClean="0"/>
-              <a:t>单击此处编辑母版文本样式</a:t>
-            </a:r>
-            <a:endParaRPr lang="zh-CN" altLang="en-US" smtClean="0"/>
-          </a:p>
-        </p:txBody>
-      </p:sp>
-      <p:sp>
-        <p:nvSpPr>
-          <p:cNvPr id="5" name="日期占位符 4"/>
-          <p:cNvSpPr>
-            <a:spLocks noGrp="1"/>
-          </p:cNvSpPr>
-          <p:nvPr>
-            <p:ph type="dt" sz="half" idx="10"/>
-          </p:nvPr>
-        </p:nvSpPr>
-        <p:spPr/>
-        <p:txBody>
-          <a:bodyPr/>
-          <a:lstStyle/>
-          <a:p>
-            <a:fld id="{530820CF-B880-4189-942D-D702A7CBA730}" type="datetimeFigureOut">
-              <a:rPr lang="zh-CN" altLang="en-US" smtClean="0">
-                <a:solidFill>
-                  <a:prstClr val="black">
-                    <a:tint val="75000"/>
-                  </a:prstClr>
-                </a:solidFill>
-              </a:rPr>
-            </a:fld>
-            <a:endParaRPr lang="zh-CN" altLang="en-US">
-              <a:solidFill>
-                <a:prstClr val="black">
-                  <a:tint val="75000"/>
-                </a:prstClr>
-              </a:solidFill>
-            </a:endParaRPr>
-          </a:p>
-        </p:txBody>
-      </p:sp>
-      <p:sp>
-        <p:nvSpPr>
-          <p:cNvPr id="6" name="页脚占位符 5"/>
-          <p:cNvSpPr>
-            <a:spLocks noGrp="1"/>
-          </p:cNvSpPr>
-          <p:nvPr>
-            <p:ph type="ftr" sz="quarter" idx="11"/>
-          </p:nvPr>
-        </p:nvSpPr>
-        <p:spPr/>
-        <p:txBody>
-          <a:bodyPr/>
-          <a:lstStyle/>
-          <a:p>
-            <a:endParaRPr lang="zh-CN" altLang="en-US">
-              <a:solidFill>
-                <a:prstClr val="black">
-                  <a:tint val="75000"/>
-                </a:prstClr>
-              </a:solidFill>
-            </a:endParaRPr>
-          </a:p>
-        </p:txBody>
-      </p:sp>
-      <p:sp>
-        <p:nvSpPr>
-          <p:cNvPr id="7" name="灯片编号占位符 6"/>
-          <p:cNvSpPr>
-            <a:spLocks noGrp="1"/>
-          </p:cNvSpPr>
-          <p:nvPr>
-            <p:ph type="sldNum" sz="quarter" idx="12"/>
-          </p:nvPr>
-        </p:nvSpPr>
-        <p:spPr/>
-        <p:txBody>
-          <a:bodyPr/>
-          <a:lstStyle/>
-          <a:p>
-            <a:fld id="{0C913308-F349-4B6D-A68A-DD1791B4A57B}" type="slidenum">
-              <a:rPr lang="zh-CN" altLang="en-US" smtClean="0">
-                <a:solidFill>
-                  <a:prstClr val="black">
-                    <a:tint val="75000"/>
-                  </a:prstClr>
-                </a:solidFill>
-              </a:rPr>
-            </a:fld>
-            <a:endParaRPr lang="zh-CN" altLang="en-US">
-              <a:solidFill>
-                <a:prstClr val="black">
-                  <a:tint val="75000"/>
-                </a:prstClr>
-              </a:solidFill>
-            </a:endParaRPr>
-          </a:p>
-        </p:txBody>
-      </p:sp>
-    </p:spTree>
-  </p:cSld>
-  <p:clrMapOvr>
-    <a:masterClrMapping/>
-  </p:clrMapOvr>
-</p:sldLayout>
-</file>
-
-<file path=ppt/slideLayouts/slideLayout16.xml><?xml version="1.0" encoding="utf-8"?>
-<p:sldLayout xmlns:a="http://schemas.openxmlformats.org/drawingml/2006/main" xmlns:r="http://schemas.openxmlformats.org/officeDocument/2006/relationships" xmlns:p="http://schemas.openxmlformats.org/presentationml/2006/main" type="vertTx" preserve="1">
-  <p:cSld name="标题和竖排文字">
-    <p:spTree>
-      <p:nvGrpSpPr>
-        <p:cNvPr id="1" name=""/>
-        <p:cNvGrpSpPr/>
-        <p:nvPr/>
-      </p:nvGrpSpPr>
-      <p:grpSpPr>
-        <a:xfrm>
-          <a:off x="0" y="0"/>
-          <a:ext cx="0" cy="0"/>
-          <a:chOff x="0" y="0"/>
-          <a:chExt cx="0" cy="0"/>
-        </a:xfrm>
-      </p:grpSpPr>
-      <p:sp>
-        <p:nvSpPr>
-          <p:cNvPr id="2" name="标题 1"/>
-          <p:cNvSpPr>
-            <a:spLocks noGrp="1"/>
-          </p:cNvSpPr>
-          <p:nvPr>
-            <p:ph type="title"/>
-          </p:nvPr>
-        </p:nvSpPr>
-        <p:spPr/>
-        <p:txBody>
-          <a:bodyPr/>
-          <a:lstStyle/>
-          <a:p>
-            <a:r>
-              <a:rPr lang="zh-CN" altLang="en-US" smtClean="0"/>
-              <a:t>单击此处编辑母版标题样式</a:t>
-            </a:r>
-            <a:endParaRPr lang="zh-CN" altLang="en-US"/>
-          </a:p>
-        </p:txBody>
-      </p:sp>
-      <p:sp>
-        <p:nvSpPr>
-          <p:cNvPr id="3" name="竖排文字占位符 2"/>
-          <p:cNvSpPr>
-            <a:spLocks noGrp="1"/>
-          </p:cNvSpPr>
-          <p:nvPr>
-            <p:ph type="body" orient="vert" idx="1"/>
-          </p:nvPr>
-        </p:nvSpPr>
-        <p:spPr/>
-        <p:txBody>
-          <a:bodyPr vert="eaVert"/>
-          <a:lstStyle/>
-          <a:p>
-            <a:pPr lvl="0"/>
-            <a:r>
-              <a:rPr lang="zh-CN" altLang="en-US" smtClean="0"/>
-              <a:t>单击此处编辑母版文本样式</a:t>
-            </a:r>
-            <a:endParaRPr lang="zh-CN" altLang="en-US" smtClean="0"/>
-          </a:p>
-          <a:p>
-            <a:pPr lvl="1"/>
-            <a:r>
-              <a:rPr lang="zh-CN" altLang="en-US" smtClean="0"/>
-              <a:t>第二级</a:t>
-            </a:r>
-            <a:endParaRPr lang="zh-CN" altLang="en-US" smtClean="0"/>
-          </a:p>
-          <a:p>
-            <a:pPr lvl="2"/>
-            <a:r>
-              <a:rPr lang="zh-CN" altLang="en-US" smtClean="0"/>
-              <a:t>第三级</a:t>
-            </a:r>
-            <a:endParaRPr lang="zh-CN" altLang="en-US" smtClean="0"/>
-          </a:p>
-          <a:p>
-            <a:pPr lvl="3"/>
-            <a:r>
-              <a:rPr lang="zh-CN" altLang="en-US" smtClean="0"/>
-              <a:t>第四级</a:t>
-            </a:r>
-            <a:endParaRPr lang="zh-CN" altLang="en-US" smtClean="0"/>
-          </a:p>
-          <a:p>
-            <a:pPr lvl="4"/>
-            <a:r>
-              <a:rPr lang="zh-CN" altLang="en-US" smtClean="0"/>
-              <a:t>第五级</a:t>
-            </a:r>
-            <a:endParaRPr lang="zh-CN" altLang="en-US"/>
-          </a:p>
-        </p:txBody>
-      </p:sp>
-      <p:sp>
-        <p:nvSpPr>
-          <p:cNvPr id="4" name="日期占位符 3"/>
-          <p:cNvSpPr>
-            <a:spLocks noGrp="1"/>
-          </p:cNvSpPr>
-          <p:nvPr>
-            <p:ph type="dt" sz="half" idx="10"/>
-          </p:nvPr>
-        </p:nvSpPr>
-        <p:spPr/>
-        <p:txBody>
-          <a:bodyPr/>
-          <a:lstStyle/>
-          <a:p>
-            <a:fld id="{530820CF-B880-4189-942D-D702A7CBA730}" type="datetimeFigureOut">
-              <a:rPr lang="zh-CN" altLang="en-US" smtClean="0">
-                <a:solidFill>
-                  <a:prstClr val="black">
-                    <a:tint val="75000"/>
-                  </a:prstClr>
-                </a:solidFill>
-              </a:rPr>
-            </a:fld>
-            <a:endParaRPr lang="zh-CN" altLang="en-US">
-              <a:solidFill>
-                <a:prstClr val="black">
-                  <a:tint val="75000"/>
-                </a:prstClr>
-              </a:solidFill>
-            </a:endParaRPr>
-          </a:p>
-        </p:txBody>
-      </p:sp>
-      <p:sp>
-        <p:nvSpPr>
-          <p:cNvPr id="5" name="页脚占位符 4"/>
-          <p:cNvSpPr>
-            <a:spLocks noGrp="1"/>
-          </p:cNvSpPr>
-          <p:nvPr>
-            <p:ph type="ftr" sz="quarter" idx="11"/>
-          </p:nvPr>
-        </p:nvSpPr>
-        <p:spPr/>
-        <p:txBody>
-          <a:bodyPr/>
-          <a:lstStyle/>
-          <a:p>
-            <a:endParaRPr lang="zh-CN" altLang="en-US">
-              <a:solidFill>
-                <a:prstClr val="black">
-                  <a:tint val="75000"/>
-                </a:prstClr>
-              </a:solidFill>
-            </a:endParaRPr>
-          </a:p>
-        </p:txBody>
-      </p:sp>
-      <p:sp>
-        <p:nvSpPr>
-          <p:cNvPr id="6" name="灯片编号占位符 5"/>
-          <p:cNvSpPr>
-            <a:spLocks noGrp="1"/>
-          </p:cNvSpPr>
-          <p:nvPr>
-            <p:ph type="sldNum" sz="quarter" idx="12"/>
-          </p:nvPr>
-        </p:nvSpPr>
-        <p:spPr/>
-        <p:txBody>
-          <a:bodyPr/>
-          <a:lstStyle/>
-          <a:p>
-            <a:fld id="{0C913308-F349-4B6D-A68A-DD1791B4A57B}" type="slidenum">
-              <a:rPr lang="zh-CN" altLang="en-US" smtClean="0">
-                <a:solidFill>
-                  <a:prstClr val="black">
-                    <a:tint val="75000"/>
-                  </a:prstClr>
-                </a:solidFill>
-              </a:rPr>
-            </a:fld>
-            <a:endParaRPr lang="zh-CN" altLang="en-US">
-              <a:solidFill>
-                <a:prstClr val="black">
-                  <a:tint val="75000"/>
-                </a:prstClr>
-              </a:solidFill>
-            </a:endParaRPr>
-          </a:p>
-        </p:txBody>
-      </p:sp>
-    </p:spTree>
-  </p:cSld>
-  <p:clrMapOvr>
-    <a:masterClrMapping/>
-  </p:clrMapOvr>
-</p:sldLayout>
-</file>
-
-<file path=ppt/slideLayouts/slideLayout17.xml><?xml version="1.0" encoding="utf-8"?>
-<p:sldLayout xmlns:a="http://schemas.openxmlformats.org/drawingml/2006/main" xmlns:r="http://schemas.openxmlformats.org/officeDocument/2006/relationships" xmlns:p="http://schemas.openxmlformats.org/presentationml/2006/main" type="vertTitleAndTx" preserve="1">
-  <p:cSld name="垂直排列标题与文本">
-    <p:spTree>
-      <p:nvGrpSpPr>
-        <p:cNvPr id="1" name=""/>
-        <p:cNvGrpSpPr/>
-        <p:nvPr/>
-      </p:nvGrpSpPr>
-      <p:grpSpPr>
-        <a:xfrm>
-          <a:off x="0" y="0"/>
-          <a:ext cx="0" cy="0"/>
-          <a:chOff x="0" y="0"/>
-          <a:chExt cx="0" cy="0"/>
-        </a:xfrm>
-      </p:grpSpPr>
-      <p:sp>
-        <p:nvSpPr>
-          <p:cNvPr id="2" name="竖排标题 1"/>
-          <p:cNvSpPr>
-            <a:spLocks noGrp="1"/>
-          </p:cNvSpPr>
-          <p:nvPr>
-            <p:ph type="title" orient="vert"/>
-          </p:nvPr>
-        </p:nvSpPr>
-        <p:spPr>
-          <a:xfrm>
-            <a:off x="6629400" y="205979"/>
-            <a:ext cx="2057400" cy="4388644"/>
-          </a:xfrm>
-        </p:spPr>
-        <p:txBody>
-          <a:bodyPr vert="eaVert"/>
-          <a:lstStyle/>
-          <a:p>
-            <a:r>
-              <a:rPr lang="zh-CN" altLang="en-US" smtClean="0"/>
-              <a:t>单击此处编辑母版标题样式</a:t>
-            </a:r>
-            <a:endParaRPr lang="zh-CN" altLang="en-US"/>
-          </a:p>
-        </p:txBody>
-      </p:sp>
-      <p:sp>
-        <p:nvSpPr>
-          <p:cNvPr id="3" name="竖排文字占位符 2"/>
-          <p:cNvSpPr>
-            <a:spLocks noGrp="1"/>
-          </p:cNvSpPr>
-          <p:nvPr>
-            <p:ph type="body" orient="vert" idx="1"/>
-          </p:nvPr>
-        </p:nvSpPr>
-        <p:spPr>
-          <a:xfrm>
-            <a:off x="457200" y="205979"/>
-            <a:ext cx="6019800" cy="4388644"/>
-          </a:xfrm>
-        </p:spPr>
-        <p:txBody>
-          <a:bodyPr vert="eaVert"/>
-          <a:lstStyle/>
-          <a:p>
-            <a:pPr lvl="0"/>
-            <a:r>
-              <a:rPr lang="zh-CN" altLang="en-US" smtClean="0"/>
-              <a:t>单击此处编辑母版文本样式</a:t>
-            </a:r>
-            <a:endParaRPr lang="zh-CN" altLang="en-US" smtClean="0"/>
-          </a:p>
-          <a:p>
-            <a:pPr lvl="1"/>
-            <a:r>
-              <a:rPr lang="zh-CN" altLang="en-US" smtClean="0"/>
-              <a:t>第二级</a:t>
-            </a:r>
-            <a:endParaRPr lang="zh-CN" altLang="en-US" smtClean="0"/>
-          </a:p>
-          <a:p>
-            <a:pPr lvl="2"/>
-            <a:r>
-              <a:rPr lang="zh-CN" altLang="en-US" smtClean="0"/>
-              <a:t>第三级</a:t>
-            </a:r>
-            <a:endParaRPr lang="zh-CN" altLang="en-US" smtClean="0"/>
-          </a:p>
-          <a:p>
-            <a:pPr lvl="3"/>
-            <a:r>
-              <a:rPr lang="zh-CN" altLang="en-US" smtClean="0"/>
-              <a:t>第四级</a:t>
-            </a:r>
-            <a:endParaRPr lang="zh-CN" altLang="en-US" smtClean="0"/>
-          </a:p>
-          <a:p>
-            <a:pPr lvl="4"/>
-            <a:r>
-              <a:rPr lang="zh-CN" altLang="en-US" smtClean="0"/>
-              <a:t>第五级</a:t>
-            </a:r>
-            <a:endParaRPr lang="zh-CN" altLang="en-US"/>
-          </a:p>
-        </p:txBody>
-      </p:sp>
-      <p:sp>
-        <p:nvSpPr>
-          <p:cNvPr id="4" name="日期占位符 3"/>
-          <p:cNvSpPr>
-            <a:spLocks noGrp="1"/>
-          </p:cNvSpPr>
-          <p:nvPr>
-            <p:ph type="dt" sz="half" idx="10"/>
-          </p:nvPr>
-        </p:nvSpPr>
-        <p:spPr/>
-        <p:txBody>
-          <a:bodyPr/>
-          <a:lstStyle/>
-          <a:p>
-            <a:fld id="{530820CF-B880-4189-942D-D702A7CBA730}" type="datetimeFigureOut">
-              <a:rPr lang="zh-CN" altLang="en-US" smtClean="0">
-                <a:solidFill>
-                  <a:prstClr val="black">
-                    <a:tint val="75000"/>
-                  </a:prstClr>
-                </a:solidFill>
-              </a:rPr>
-            </a:fld>
-            <a:endParaRPr lang="zh-CN" altLang="en-US">
-              <a:solidFill>
-                <a:prstClr val="black">
-                  <a:tint val="75000"/>
-                </a:prstClr>
-              </a:solidFill>
-            </a:endParaRPr>
-          </a:p>
-        </p:txBody>
-      </p:sp>
-      <p:sp>
-        <p:nvSpPr>
-          <p:cNvPr id="5" name="页脚占位符 4"/>
-          <p:cNvSpPr>
-            <a:spLocks noGrp="1"/>
-          </p:cNvSpPr>
-          <p:nvPr>
-            <p:ph type="ftr" sz="quarter" idx="11"/>
-          </p:nvPr>
-        </p:nvSpPr>
-        <p:spPr/>
-        <p:txBody>
-          <a:bodyPr/>
-          <a:lstStyle/>
-          <a:p>
-            <a:endParaRPr lang="zh-CN" altLang="en-US">
-              <a:solidFill>
-                <a:prstClr val="black">
-                  <a:tint val="75000"/>
-                </a:prstClr>
-              </a:solidFill>
-            </a:endParaRPr>
-          </a:p>
-        </p:txBody>
-      </p:sp>
-      <p:sp>
-        <p:nvSpPr>
-          <p:cNvPr id="6" name="灯片编号占位符 5"/>
-          <p:cNvSpPr>
-            <a:spLocks noGrp="1"/>
-          </p:cNvSpPr>
-          <p:nvPr>
-            <p:ph type="sldNum" sz="quarter" idx="12"/>
-          </p:nvPr>
-        </p:nvSpPr>
-        <p:spPr/>
-        <p:txBody>
-          <a:bodyPr/>
-          <a:lstStyle/>
-          <a:p>
-            <a:fld id="{0C913308-F349-4B6D-A68A-DD1791B4A57B}" type="slidenum">
-              <a:rPr lang="zh-CN" altLang="en-US" smtClean="0">
-                <a:solidFill>
-                  <a:prstClr val="black">
-                    <a:tint val="75000"/>
-                  </a:prstClr>
-                </a:solidFill>
-              </a:rPr>
-            </a:fld>
-            <a:endParaRPr lang="zh-CN" altLang="en-US">
-              <a:solidFill>
-                <a:prstClr val="black">
-                  <a:tint val="75000"/>
-                </a:prstClr>
-              </a:solidFill>
-            </a:endParaRPr>
-          </a:p>
-        </p:txBody>
-      </p:sp>
-    </p:spTree>
-  </p:cSld>
-  <p:clrMapOvr>
-    <a:masterClrMapping/>
-  </p:clrMapOvr>
 </p:sldLayout>
 </file>
 
@@ -4829,738 +3018,6 @@
       </p:par>
     </p:tnLst>
   </p:timing>
-</p:sldLayout>
-</file>
-
-<file path=ppt/slideLayouts/slideLayout7.xml><?xml version="1.0" encoding="utf-8"?>
-<p:sldLayout xmlns:a="http://schemas.openxmlformats.org/drawingml/2006/main" xmlns:r="http://schemas.openxmlformats.org/officeDocument/2006/relationships" xmlns:p="http://schemas.openxmlformats.org/presentationml/2006/main" type="title" preserve="1">
-  <p:cSld name="标题幻灯片">
-    <p:spTree>
-      <p:nvGrpSpPr>
-        <p:cNvPr id="1" name=""/>
-        <p:cNvGrpSpPr/>
-        <p:nvPr/>
-      </p:nvGrpSpPr>
-      <p:grpSpPr>
-        <a:xfrm>
-          <a:off x="0" y="0"/>
-          <a:ext cx="0" cy="0"/>
-          <a:chOff x="0" y="0"/>
-          <a:chExt cx="0" cy="0"/>
-        </a:xfrm>
-      </p:grpSpPr>
-      <p:sp>
-        <p:nvSpPr>
-          <p:cNvPr id="2" name="标题 1"/>
-          <p:cNvSpPr>
-            <a:spLocks noGrp="1"/>
-          </p:cNvSpPr>
-          <p:nvPr>
-            <p:ph type="ctrTitle"/>
-          </p:nvPr>
-        </p:nvSpPr>
-        <p:spPr>
-          <a:xfrm>
-            <a:off x="685800" y="1597819"/>
-            <a:ext cx="7772400" cy="1102519"/>
-          </a:xfrm>
-        </p:spPr>
-        <p:txBody>
-          <a:bodyPr/>
-          <a:lstStyle/>
-          <a:p>
-            <a:r>
-              <a:rPr lang="zh-CN" altLang="en-US" smtClean="0"/>
-              <a:t>单击此处编辑母版标题样式</a:t>
-            </a:r>
-            <a:endParaRPr lang="zh-CN" altLang="en-US"/>
-          </a:p>
-        </p:txBody>
-      </p:sp>
-      <p:sp>
-        <p:nvSpPr>
-          <p:cNvPr id="3" name="副标题 2"/>
-          <p:cNvSpPr>
-            <a:spLocks noGrp="1"/>
-          </p:cNvSpPr>
-          <p:nvPr>
-            <p:ph type="subTitle" idx="1"/>
-          </p:nvPr>
-        </p:nvSpPr>
-        <p:spPr>
-          <a:xfrm>
-            <a:off x="1371600" y="2914650"/>
-            <a:ext cx="6400800" cy="1314450"/>
-          </a:xfrm>
-        </p:spPr>
-        <p:txBody>
-          <a:bodyPr/>
-          <a:lstStyle>
-            <a:lvl1pPr marL="0" indent="0" algn="ctr">
-              <a:buNone/>
-              <a:defRPr>
-                <a:solidFill>
-                  <a:schemeClr val="tx1">
-                    <a:tint val="75000"/>
-                  </a:schemeClr>
-                </a:solidFill>
-              </a:defRPr>
-            </a:lvl1pPr>
-            <a:lvl2pPr marL="457200" indent="0" algn="ctr">
-              <a:buNone/>
-              <a:defRPr>
-                <a:solidFill>
-                  <a:schemeClr val="tx1">
-                    <a:tint val="75000"/>
-                  </a:schemeClr>
-                </a:solidFill>
-              </a:defRPr>
-            </a:lvl2pPr>
-            <a:lvl3pPr marL="914400" indent="0" algn="ctr">
-              <a:buNone/>
-              <a:defRPr>
-                <a:solidFill>
-                  <a:schemeClr val="tx1">
-                    <a:tint val="75000"/>
-                  </a:schemeClr>
-                </a:solidFill>
-              </a:defRPr>
-            </a:lvl3pPr>
-            <a:lvl4pPr marL="1371600" indent="0" algn="ctr">
-              <a:buNone/>
-              <a:defRPr>
-                <a:solidFill>
-                  <a:schemeClr val="tx1">
-                    <a:tint val="75000"/>
-                  </a:schemeClr>
-                </a:solidFill>
-              </a:defRPr>
-            </a:lvl4pPr>
-            <a:lvl5pPr marL="1828800" indent="0" algn="ctr">
-              <a:buNone/>
-              <a:defRPr>
-                <a:solidFill>
-                  <a:schemeClr val="tx1">
-                    <a:tint val="75000"/>
-                  </a:schemeClr>
-                </a:solidFill>
-              </a:defRPr>
-            </a:lvl5pPr>
-            <a:lvl6pPr marL="2286000" indent="0" algn="ctr">
-              <a:buNone/>
-              <a:defRPr>
-                <a:solidFill>
-                  <a:schemeClr val="tx1">
-                    <a:tint val="75000"/>
-                  </a:schemeClr>
-                </a:solidFill>
-              </a:defRPr>
-            </a:lvl6pPr>
-            <a:lvl7pPr marL="2743200" indent="0" algn="ctr">
-              <a:buNone/>
-              <a:defRPr>
-                <a:solidFill>
-                  <a:schemeClr val="tx1">
-                    <a:tint val="75000"/>
-                  </a:schemeClr>
-                </a:solidFill>
-              </a:defRPr>
-            </a:lvl7pPr>
-            <a:lvl8pPr marL="3200400" indent="0" algn="ctr">
-              <a:buNone/>
-              <a:defRPr>
-                <a:solidFill>
-                  <a:schemeClr val="tx1">
-                    <a:tint val="75000"/>
-                  </a:schemeClr>
-                </a:solidFill>
-              </a:defRPr>
-            </a:lvl8pPr>
-            <a:lvl9pPr marL="3657600" indent="0" algn="ctr">
-              <a:buNone/>
-              <a:defRPr>
-                <a:solidFill>
-                  <a:schemeClr val="tx1">
-                    <a:tint val="75000"/>
-                  </a:schemeClr>
-                </a:solidFill>
-              </a:defRPr>
-            </a:lvl9pPr>
-          </a:lstStyle>
-          <a:p>
-            <a:r>
-              <a:rPr lang="zh-CN" altLang="en-US" smtClean="0"/>
-              <a:t>单击此处编辑母版副标题样式</a:t>
-            </a:r>
-            <a:endParaRPr lang="zh-CN" altLang="en-US"/>
-          </a:p>
-        </p:txBody>
-      </p:sp>
-      <p:sp>
-        <p:nvSpPr>
-          <p:cNvPr id="4" name="日期占位符 3"/>
-          <p:cNvSpPr>
-            <a:spLocks noGrp="1"/>
-          </p:cNvSpPr>
-          <p:nvPr>
-            <p:ph type="dt" sz="half" idx="10"/>
-          </p:nvPr>
-        </p:nvSpPr>
-        <p:spPr/>
-        <p:txBody>
-          <a:bodyPr/>
-          <a:lstStyle/>
-          <a:p>
-            <a:fld id="{530820CF-B880-4189-942D-D702A7CBA730}" type="datetimeFigureOut">
-              <a:rPr lang="zh-CN" altLang="en-US" smtClean="0">
-                <a:solidFill>
-                  <a:prstClr val="black">
-                    <a:tint val="75000"/>
-                  </a:prstClr>
-                </a:solidFill>
-              </a:rPr>
-            </a:fld>
-            <a:endParaRPr lang="zh-CN" altLang="en-US">
-              <a:solidFill>
-                <a:prstClr val="black">
-                  <a:tint val="75000"/>
-                </a:prstClr>
-              </a:solidFill>
-            </a:endParaRPr>
-          </a:p>
-        </p:txBody>
-      </p:sp>
-      <p:sp>
-        <p:nvSpPr>
-          <p:cNvPr id="5" name="页脚占位符 4"/>
-          <p:cNvSpPr>
-            <a:spLocks noGrp="1"/>
-          </p:cNvSpPr>
-          <p:nvPr>
-            <p:ph type="ftr" sz="quarter" idx="11"/>
-          </p:nvPr>
-        </p:nvSpPr>
-        <p:spPr/>
-        <p:txBody>
-          <a:bodyPr/>
-          <a:lstStyle/>
-          <a:p>
-            <a:endParaRPr lang="zh-CN" altLang="en-US">
-              <a:solidFill>
-                <a:prstClr val="black">
-                  <a:tint val="75000"/>
-                </a:prstClr>
-              </a:solidFill>
-            </a:endParaRPr>
-          </a:p>
-        </p:txBody>
-      </p:sp>
-      <p:sp>
-        <p:nvSpPr>
-          <p:cNvPr id="6" name="灯片编号占位符 5"/>
-          <p:cNvSpPr>
-            <a:spLocks noGrp="1"/>
-          </p:cNvSpPr>
-          <p:nvPr>
-            <p:ph type="sldNum" sz="quarter" idx="12"/>
-          </p:nvPr>
-        </p:nvSpPr>
-        <p:spPr/>
-        <p:txBody>
-          <a:bodyPr/>
-          <a:lstStyle/>
-          <a:p>
-            <a:fld id="{0C913308-F349-4B6D-A68A-DD1791B4A57B}" type="slidenum">
-              <a:rPr lang="zh-CN" altLang="en-US" smtClean="0">
-                <a:solidFill>
-                  <a:prstClr val="black">
-                    <a:tint val="75000"/>
-                  </a:prstClr>
-                </a:solidFill>
-              </a:rPr>
-            </a:fld>
-            <a:endParaRPr lang="zh-CN" altLang="en-US">
-              <a:solidFill>
-                <a:prstClr val="black">
-                  <a:tint val="75000"/>
-                </a:prstClr>
-              </a:solidFill>
-            </a:endParaRPr>
-          </a:p>
-        </p:txBody>
-      </p:sp>
-    </p:spTree>
-  </p:cSld>
-  <p:clrMapOvr>
-    <a:masterClrMapping/>
-  </p:clrMapOvr>
-</p:sldLayout>
-</file>
-
-<file path=ppt/slideLayouts/slideLayout8.xml><?xml version="1.0" encoding="utf-8"?>
-<p:sldLayout xmlns:a="http://schemas.openxmlformats.org/drawingml/2006/main" xmlns:r="http://schemas.openxmlformats.org/officeDocument/2006/relationships" xmlns:p="http://schemas.openxmlformats.org/presentationml/2006/main" type="obj" preserve="1">
-  <p:cSld name="标题和内容">
-    <p:spTree>
-      <p:nvGrpSpPr>
-        <p:cNvPr id="1" name=""/>
-        <p:cNvGrpSpPr/>
-        <p:nvPr/>
-      </p:nvGrpSpPr>
-      <p:grpSpPr>
-        <a:xfrm>
-          <a:off x="0" y="0"/>
-          <a:ext cx="0" cy="0"/>
-          <a:chOff x="0" y="0"/>
-          <a:chExt cx="0" cy="0"/>
-        </a:xfrm>
-      </p:grpSpPr>
-      <p:sp>
-        <p:nvSpPr>
-          <p:cNvPr id="2" name="标题 1"/>
-          <p:cNvSpPr>
-            <a:spLocks noGrp="1"/>
-          </p:cNvSpPr>
-          <p:nvPr>
-            <p:ph type="title"/>
-          </p:nvPr>
-        </p:nvSpPr>
-        <p:spPr/>
-        <p:txBody>
-          <a:bodyPr/>
-          <a:lstStyle/>
-          <a:p>
-            <a:r>
-              <a:rPr lang="zh-CN" altLang="en-US" smtClean="0"/>
-              <a:t>单击此处编辑母版标题样式</a:t>
-            </a:r>
-            <a:endParaRPr lang="zh-CN" altLang="en-US"/>
-          </a:p>
-        </p:txBody>
-      </p:sp>
-      <p:sp>
-        <p:nvSpPr>
-          <p:cNvPr id="3" name="内容占位符 2"/>
-          <p:cNvSpPr>
-            <a:spLocks noGrp="1"/>
-          </p:cNvSpPr>
-          <p:nvPr>
-            <p:ph idx="1"/>
-          </p:nvPr>
-        </p:nvSpPr>
-        <p:spPr/>
-        <p:txBody>
-          <a:bodyPr/>
-          <a:lstStyle/>
-          <a:p>
-            <a:pPr lvl="0"/>
-            <a:r>
-              <a:rPr lang="zh-CN" altLang="en-US" smtClean="0"/>
-              <a:t>单击此处编辑母版文本样式</a:t>
-            </a:r>
-            <a:endParaRPr lang="zh-CN" altLang="en-US" smtClean="0"/>
-          </a:p>
-          <a:p>
-            <a:pPr lvl="1"/>
-            <a:r>
-              <a:rPr lang="zh-CN" altLang="en-US" smtClean="0"/>
-              <a:t>第二级</a:t>
-            </a:r>
-            <a:endParaRPr lang="zh-CN" altLang="en-US" smtClean="0"/>
-          </a:p>
-          <a:p>
-            <a:pPr lvl="2"/>
-            <a:r>
-              <a:rPr lang="zh-CN" altLang="en-US" smtClean="0"/>
-              <a:t>第三级</a:t>
-            </a:r>
-            <a:endParaRPr lang="zh-CN" altLang="en-US" smtClean="0"/>
-          </a:p>
-          <a:p>
-            <a:pPr lvl="3"/>
-            <a:r>
-              <a:rPr lang="zh-CN" altLang="en-US" smtClean="0"/>
-              <a:t>第四级</a:t>
-            </a:r>
-            <a:endParaRPr lang="zh-CN" altLang="en-US" smtClean="0"/>
-          </a:p>
-          <a:p>
-            <a:pPr lvl="4"/>
-            <a:r>
-              <a:rPr lang="zh-CN" altLang="en-US" smtClean="0"/>
-              <a:t>第五级</a:t>
-            </a:r>
-            <a:endParaRPr lang="zh-CN" altLang="en-US"/>
-          </a:p>
-        </p:txBody>
-      </p:sp>
-      <p:sp>
-        <p:nvSpPr>
-          <p:cNvPr id="4" name="日期占位符 3"/>
-          <p:cNvSpPr>
-            <a:spLocks noGrp="1"/>
-          </p:cNvSpPr>
-          <p:nvPr>
-            <p:ph type="dt" sz="half" idx="10"/>
-          </p:nvPr>
-        </p:nvSpPr>
-        <p:spPr/>
-        <p:txBody>
-          <a:bodyPr/>
-          <a:lstStyle/>
-          <a:p>
-            <a:fld id="{530820CF-B880-4189-942D-D702A7CBA730}" type="datetimeFigureOut">
-              <a:rPr lang="zh-CN" altLang="en-US" smtClean="0">
-                <a:solidFill>
-                  <a:prstClr val="black">
-                    <a:tint val="75000"/>
-                  </a:prstClr>
-                </a:solidFill>
-              </a:rPr>
-            </a:fld>
-            <a:endParaRPr lang="zh-CN" altLang="en-US">
-              <a:solidFill>
-                <a:prstClr val="black">
-                  <a:tint val="75000"/>
-                </a:prstClr>
-              </a:solidFill>
-            </a:endParaRPr>
-          </a:p>
-        </p:txBody>
-      </p:sp>
-      <p:sp>
-        <p:nvSpPr>
-          <p:cNvPr id="5" name="页脚占位符 4"/>
-          <p:cNvSpPr>
-            <a:spLocks noGrp="1"/>
-          </p:cNvSpPr>
-          <p:nvPr>
-            <p:ph type="ftr" sz="quarter" idx="11"/>
-          </p:nvPr>
-        </p:nvSpPr>
-        <p:spPr/>
-        <p:txBody>
-          <a:bodyPr/>
-          <a:lstStyle/>
-          <a:p>
-            <a:endParaRPr lang="zh-CN" altLang="en-US">
-              <a:solidFill>
-                <a:prstClr val="black">
-                  <a:tint val="75000"/>
-                </a:prstClr>
-              </a:solidFill>
-            </a:endParaRPr>
-          </a:p>
-        </p:txBody>
-      </p:sp>
-      <p:sp>
-        <p:nvSpPr>
-          <p:cNvPr id="6" name="灯片编号占位符 5"/>
-          <p:cNvSpPr>
-            <a:spLocks noGrp="1"/>
-          </p:cNvSpPr>
-          <p:nvPr>
-            <p:ph type="sldNum" sz="quarter" idx="12"/>
-          </p:nvPr>
-        </p:nvSpPr>
-        <p:spPr/>
-        <p:txBody>
-          <a:bodyPr/>
-          <a:lstStyle/>
-          <a:p>
-            <a:fld id="{0C913308-F349-4B6D-A68A-DD1791B4A57B}" type="slidenum">
-              <a:rPr lang="zh-CN" altLang="en-US" smtClean="0">
-                <a:solidFill>
-                  <a:prstClr val="black">
-                    <a:tint val="75000"/>
-                  </a:prstClr>
-                </a:solidFill>
-              </a:rPr>
-            </a:fld>
-            <a:endParaRPr lang="zh-CN" altLang="en-US">
-              <a:solidFill>
-                <a:prstClr val="black">
-                  <a:tint val="75000"/>
-                </a:prstClr>
-              </a:solidFill>
-            </a:endParaRPr>
-          </a:p>
-        </p:txBody>
-      </p:sp>
-    </p:spTree>
-  </p:cSld>
-  <p:clrMapOvr>
-    <a:masterClrMapping/>
-  </p:clrMapOvr>
-</p:sldLayout>
-</file>
-
-<file path=ppt/slideLayouts/slideLayout9.xml><?xml version="1.0" encoding="utf-8"?>
-<p:sldLayout xmlns:a="http://schemas.openxmlformats.org/drawingml/2006/main" xmlns:r="http://schemas.openxmlformats.org/officeDocument/2006/relationships" xmlns:p="http://schemas.openxmlformats.org/presentationml/2006/main" type="secHead" preserve="1">
-  <p:cSld name="节标题">
-    <p:spTree>
-      <p:nvGrpSpPr>
-        <p:cNvPr id="1" name=""/>
-        <p:cNvGrpSpPr/>
-        <p:nvPr/>
-      </p:nvGrpSpPr>
-      <p:grpSpPr>
-        <a:xfrm>
-          <a:off x="0" y="0"/>
-          <a:ext cx="0" cy="0"/>
-          <a:chOff x="0" y="0"/>
-          <a:chExt cx="0" cy="0"/>
-        </a:xfrm>
-      </p:grpSpPr>
-      <p:sp>
-        <p:nvSpPr>
-          <p:cNvPr id="2" name="标题 1"/>
-          <p:cNvSpPr>
-            <a:spLocks noGrp="1"/>
-          </p:cNvSpPr>
-          <p:nvPr>
-            <p:ph type="title"/>
-          </p:nvPr>
-        </p:nvSpPr>
-        <p:spPr>
-          <a:xfrm>
-            <a:off x="722313" y="3305176"/>
-            <a:ext cx="7772400" cy="1021556"/>
-          </a:xfrm>
-        </p:spPr>
-        <p:txBody>
-          <a:bodyPr anchor="t"/>
-          <a:lstStyle>
-            <a:lvl1pPr algn="l">
-              <a:defRPr sz="4000" b="1" cap="all"/>
-            </a:lvl1pPr>
-          </a:lstStyle>
-          <a:p>
-            <a:r>
-              <a:rPr lang="zh-CN" altLang="en-US" smtClean="0"/>
-              <a:t>单击此处编辑母版标题样式</a:t>
-            </a:r>
-            <a:endParaRPr lang="zh-CN" altLang="en-US"/>
-          </a:p>
-        </p:txBody>
-      </p:sp>
-      <p:sp>
-        <p:nvSpPr>
-          <p:cNvPr id="3" name="文本占位符 2"/>
-          <p:cNvSpPr>
-            <a:spLocks noGrp="1"/>
-          </p:cNvSpPr>
-          <p:nvPr>
-            <p:ph type="body" idx="1"/>
-          </p:nvPr>
-        </p:nvSpPr>
-        <p:spPr>
-          <a:xfrm>
-            <a:off x="722313" y="2180035"/>
-            <a:ext cx="7772400" cy="1125140"/>
-          </a:xfrm>
-        </p:spPr>
-        <p:txBody>
-          <a:bodyPr anchor="b"/>
-          <a:lstStyle>
-            <a:lvl1pPr marL="0" indent="0">
-              <a:buNone/>
-              <a:defRPr sz="2000">
-                <a:solidFill>
-                  <a:schemeClr val="tx1">
-                    <a:tint val="75000"/>
-                  </a:schemeClr>
-                </a:solidFill>
-              </a:defRPr>
-            </a:lvl1pPr>
-            <a:lvl2pPr marL="457200" indent="0">
-              <a:buNone/>
-              <a:defRPr sz="1800">
-                <a:solidFill>
-                  <a:schemeClr val="tx1">
-                    <a:tint val="75000"/>
-                  </a:schemeClr>
-                </a:solidFill>
-              </a:defRPr>
-            </a:lvl2pPr>
-            <a:lvl3pPr marL="914400" indent="0">
-              <a:buNone/>
-              <a:defRPr sz="1600">
-                <a:solidFill>
-                  <a:schemeClr val="tx1">
-                    <a:tint val="75000"/>
-                  </a:schemeClr>
-                </a:solidFill>
-              </a:defRPr>
-            </a:lvl3pPr>
-            <a:lvl4pPr marL="1371600" indent="0">
-              <a:buNone/>
-              <a:defRPr sz="1400">
-                <a:solidFill>
-                  <a:schemeClr val="tx1">
-                    <a:tint val="75000"/>
-                  </a:schemeClr>
-                </a:solidFill>
-              </a:defRPr>
-            </a:lvl4pPr>
-            <a:lvl5pPr marL="1828800" indent="0">
-              <a:buNone/>
-              <a:defRPr sz="1400">
-                <a:solidFill>
-                  <a:schemeClr val="tx1">
-                    <a:tint val="75000"/>
-                  </a:schemeClr>
-                </a:solidFill>
-              </a:defRPr>
-            </a:lvl5pPr>
-            <a:lvl6pPr marL="2286000" indent="0">
-              <a:buNone/>
-              <a:defRPr sz="1400">
-                <a:solidFill>
-                  <a:schemeClr val="tx1">
-                    <a:tint val="75000"/>
-                  </a:schemeClr>
-                </a:solidFill>
-              </a:defRPr>
-            </a:lvl6pPr>
-            <a:lvl7pPr marL="2743200" indent="0">
-              <a:buNone/>
-              <a:defRPr sz="1400">
-                <a:solidFill>
-                  <a:schemeClr val="tx1">
-                    <a:tint val="75000"/>
-                  </a:schemeClr>
-                </a:solidFill>
-              </a:defRPr>
-            </a:lvl7pPr>
-            <a:lvl8pPr marL="3200400" indent="0">
-              <a:buNone/>
-              <a:defRPr sz="1400">
-                <a:solidFill>
-                  <a:schemeClr val="tx1">
-                    <a:tint val="75000"/>
-                  </a:schemeClr>
-                </a:solidFill>
-              </a:defRPr>
-            </a:lvl8pPr>
-            <a:lvl9pPr marL="3657600" indent="0">
-              <a:buNone/>
-              <a:defRPr sz="1400">
-                <a:solidFill>
-                  <a:schemeClr val="tx1">
-                    <a:tint val="75000"/>
-                  </a:schemeClr>
-                </a:solidFill>
-              </a:defRPr>
-            </a:lvl9pPr>
-          </a:lstStyle>
-          <a:p>
-            <a:pPr lvl="0"/>
-            <a:r>
-              <a:rPr lang="zh-CN" altLang="en-US" smtClean="0"/>
-              <a:t>单击此处编辑母版文本样式</a:t>
-            </a:r>
-            <a:endParaRPr lang="zh-CN" altLang="en-US" smtClean="0"/>
-          </a:p>
-        </p:txBody>
-      </p:sp>
-      <p:sp>
-        <p:nvSpPr>
-          <p:cNvPr id="4" name="日期占位符 3"/>
-          <p:cNvSpPr>
-            <a:spLocks noGrp="1"/>
-          </p:cNvSpPr>
-          <p:nvPr>
-            <p:ph type="dt" sz="half" idx="10"/>
-          </p:nvPr>
-        </p:nvSpPr>
-        <p:spPr/>
-        <p:txBody>
-          <a:bodyPr/>
-          <a:lstStyle/>
-          <a:p>
-            <a:fld id="{530820CF-B880-4189-942D-D702A7CBA730}" type="datetimeFigureOut">
-              <a:rPr lang="zh-CN" altLang="en-US" smtClean="0">
-                <a:solidFill>
-                  <a:prstClr val="black">
-                    <a:tint val="75000"/>
-                  </a:prstClr>
-                </a:solidFill>
-              </a:rPr>
-            </a:fld>
-            <a:endParaRPr lang="zh-CN" altLang="en-US">
-              <a:solidFill>
-                <a:prstClr val="black">
-                  <a:tint val="75000"/>
-                </a:prstClr>
-              </a:solidFill>
-            </a:endParaRPr>
-          </a:p>
-        </p:txBody>
-      </p:sp>
-      <p:sp>
-        <p:nvSpPr>
-          <p:cNvPr id="5" name="页脚占位符 4"/>
-          <p:cNvSpPr>
-            <a:spLocks noGrp="1"/>
-          </p:cNvSpPr>
-          <p:nvPr>
-            <p:ph type="ftr" sz="quarter" idx="11"/>
-          </p:nvPr>
-        </p:nvSpPr>
-        <p:spPr/>
-        <p:txBody>
-          <a:bodyPr/>
-          <a:lstStyle/>
-          <a:p>
-            <a:endParaRPr lang="zh-CN" altLang="en-US">
-              <a:solidFill>
-                <a:prstClr val="black">
-                  <a:tint val="75000"/>
-                </a:prstClr>
-              </a:solidFill>
-            </a:endParaRPr>
-          </a:p>
-        </p:txBody>
-      </p:sp>
-      <p:sp>
-        <p:nvSpPr>
-          <p:cNvPr id="6" name="灯片编号占位符 5"/>
-          <p:cNvSpPr>
-            <a:spLocks noGrp="1"/>
-          </p:cNvSpPr>
-          <p:nvPr>
-            <p:ph type="sldNum" sz="quarter" idx="12"/>
-          </p:nvPr>
-        </p:nvSpPr>
-        <p:spPr/>
-        <p:txBody>
-          <a:bodyPr/>
-          <a:lstStyle/>
-          <a:p>
-            <a:fld id="{0C913308-F349-4B6D-A68A-DD1791B4A57B}" type="slidenum">
-              <a:rPr lang="zh-CN" altLang="en-US" smtClean="0">
-                <a:solidFill>
-                  <a:prstClr val="black">
-                    <a:tint val="75000"/>
-                  </a:prstClr>
-                </a:solidFill>
-              </a:rPr>
-            </a:fld>
-            <a:endParaRPr lang="zh-CN" altLang="en-US">
-              <a:solidFill>
-                <a:prstClr val="black">
-                  <a:tint val="75000"/>
-                </a:prstClr>
-              </a:solidFill>
-            </a:endParaRPr>
-          </a:p>
-        </p:txBody>
-      </p:sp>
-    </p:spTree>
-  </p:cSld>
-  <p:clrMapOvr>
-    <a:masterClrMapping/>
-  </p:clrMapOvr>
 </p:sldLayout>
 </file>
 
@@ -5992,543 +3449,6 @@
     <p:otherStyle>
       <a:defPPr>
         <a:defRPr lang="en-US"/>
-      </a:defPPr>
-      <a:lvl1pPr marL="0" algn="l" defTabSz="914400" rtl="0" eaLnBrk="1" latinLnBrk="0" hangingPunct="1">
-        <a:defRPr sz="1800" kern="1200">
-          <a:solidFill>
-            <a:schemeClr val="tx1"/>
-          </a:solidFill>
-          <a:latin typeface="+mn-lt"/>
-          <a:ea typeface="+mn-ea"/>
-          <a:cs typeface="+mn-cs"/>
-        </a:defRPr>
-      </a:lvl1pPr>
-      <a:lvl2pPr marL="457200" algn="l" defTabSz="914400" rtl="0" eaLnBrk="1" latinLnBrk="0" hangingPunct="1">
-        <a:defRPr sz="1800" kern="1200">
-          <a:solidFill>
-            <a:schemeClr val="tx1"/>
-          </a:solidFill>
-          <a:latin typeface="+mn-lt"/>
-          <a:ea typeface="+mn-ea"/>
-          <a:cs typeface="+mn-cs"/>
-        </a:defRPr>
-      </a:lvl2pPr>
-      <a:lvl3pPr marL="914400" algn="l" defTabSz="914400" rtl="0" eaLnBrk="1" latinLnBrk="0" hangingPunct="1">
-        <a:defRPr sz="1800" kern="1200">
-          <a:solidFill>
-            <a:schemeClr val="tx1"/>
-          </a:solidFill>
-          <a:latin typeface="+mn-lt"/>
-          <a:ea typeface="+mn-ea"/>
-          <a:cs typeface="+mn-cs"/>
-        </a:defRPr>
-      </a:lvl3pPr>
-      <a:lvl4pPr marL="1371600" algn="l" defTabSz="914400" rtl="0" eaLnBrk="1" latinLnBrk="0" hangingPunct="1">
-        <a:defRPr sz="1800" kern="1200">
-          <a:solidFill>
-            <a:schemeClr val="tx1"/>
-          </a:solidFill>
-          <a:latin typeface="+mn-lt"/>
-          <a:ea typeface="+mn-ea"/>
-          <a:cs typeface="+mn-cs"/>
-        </a:defRPr>
-      </a:lvl4pPr>
-      <a:lvl5pPr marL="1828800" algn="l" defTabSz="914400" rtl="0" eaLnBrk="1" latinLnBrk="0" hangingPunct="1">
-        <a:defRPr sz="1800" kern="1200">
-          <a:solidFill>
-            <a:schemeClr val="tx1"/>
-          </a:solidFill>
-          <a:latin typeface="+mn-lt"/>
-          <a:ea typeface="+mn-ea"/>
-          <a:cs typeface="+mn-cs"/>
-        </a:defRPr>
-      </a:lvl5pPr>
-      <a:lvl6pPr marL="2286000" algn="l" defTabSz="914400" rtl="0" eaLnBrk="1" latinLnBrk="0" hangingPunct="1">
-        <a:defRPr sz="1800" kern="1200">
-          <a:solidFill>
-            <a:schemeClr val="tx1"/>
-          </a:solidFill>
-          <a:latin typeface="+mn-lt"/>
-          <a:ea typeface="+mn-ea"/>
-          <a:cs typeface="+mn-cs"/>
-        </a:defRPr>
-      </a:lvl6pPr>
-      <a:lvl7pPr marL="2743200" algn="l" defTabSz="914400" rtl="0" eaLnBrk="1" latinLnBrk="0" hangingPunct="1">
-        <a:defRPr sz="1800" kern="1200">
-          <a:solidFill>
-            <a:schemeClr val="tx1"/>
-          </a:solidFill>
-          <a:latin typeface="+mn-lt"/>
-          <a:ea typeface="+mn-ea"/>
-          <a:cs typeface="+mn-cs"/>
-        </a:defRPr>
-      </a:lvl7pPr>
-      <a:lvl8pPr marL="3200400" algn="l" defTabSz="914400" rtl="0" eaLnBrk="1" latinLnBrk="0" hangingPunct="1">
-        <a:defRPr sz="1800" kern="1200">
-          <a:solidFill>
-            <a:schemeClr val="tx1"/>
-          </a:solidFill>
-          <a:latin typeface="+mn-lt"/>
-          <a:ea typeface="+mn-ea"/>
-          <a:cs typeface="+mn-cs"/>
-        </a:defRPr>
-      </a:lvl8pPr>
-      <a:lvl9pPr marL="3657600" algn="l" defTabSz="914400" rtl="0" eaLnBrk="1" latinLnBrk="0" hangingPunct="1">
-        <a:defRPr sz="1800" kern="1200">
-          <a:solidFill>
-            <a:schemeClr val="tx1"/>
-          </a:solidFill>
-          <a:latin typeface="+mn-lt"/>
-          <a:ea typeface="+mn-ea"/>
-          <a:cs typeface="+mn-cs"/>
-        </a:defRPr>
-      </a:lvl9pPr>
-    </p:otherStyle>
-  </p:txStyles>
-</p:sldMaster>
-</file>
-
-<file path=ppt/slideMasters/slideMaster2.xml><?xml version="1.0" encoding="utf-8"?>
-<p:sldMaster xmlns:a="http://schemas.openxmlformats.org/drawingml/2006/main" xmlns:r="http://schemas.openxmlformats.org/officeDocument/2006/relationships" xmlns:p="http://schemas.openxmlformats.org/presentationml/2006/main">
-  <p:cSld>
-    <p:bg>
-      <p:bgRef idx="1001">
-        <a:schemeClr val="bg1"/>
-      </p:bgRef>
-    </p:bg>
-    <p:spTree>
-      <p:nvGrpSpPr>
-        <p:cNvPr id="1" name=""/>
-        <p:cNvGrpSpPr/>
-        <p:nvPr/>
-      </p:nvGrpSpPr>
-      <p:grpSpPr>
-        <a:xfrm>
-          <a:off x="0" y="0"/>
-          <a:ext cx="0" cy="0"/>
-          <a:chOff x="0" y="0"/>
-          <a:chExt cx="0" cy="0"/>
-        </a:xfrm>
-      </p:grpSpPr>
-      <p:sp>
-        <p:nvSpPr>
-          <p:cNvPr id="2" name="标题占位符 1"/>
-          <p:cNvSpPr>
-            <a:spLocks noGrp="1"/>
-          </p:cNvSpPr>
-          <p:nvPr>
-            <p:ph type="title"/>
-          </p:nvPr>
-        </p:nvSpPr>
-        <p:spPr>
-          <a:xfrm>
-            <a:off x="457200" y="205979"/>
-            <a:ext cx="8229600" cy="857250"/>
-          </a:xfrm>
-          <a:prstGeom prst="rect">
-            <a:avLst/>
-          </a:prstGeom>
-        </p:spPr>
-        <p:txBody>
-          <a:bodyPr vert="horz" lIns="91440" tIns="45720" rIns="91440" bIns="45720" rtlCol="0" anchor="ctr">
-            <a:normAutofit/>
-          </a:bodyPr>
-          <a:lstStyle/>
-          <a:p>
-            <a:r>
-              <a:rPr lang="zh-CN" altLang="en-US" smtClean="0"/>
-              <a:t>单击此处编辑母版标题样式</a:t>
-            </a:r>
-            <a:endParaRPr lang="zh-CN" altLang="en-US"/>
-          </a:p>
-        </p:txBody>
-      </p:sp>
-      <p:sp>
-        <p:nvSpPr>
-          <p:cNvPr id="3" name="文本占位符 2"/>
-          <p:cNvSpPr>
-            <a:spLocks noGrp="1"/>
-          </p:cNvSpPr>
-          <p:nvPr>
-            <p:ph type="body" idx="1"/>
-          </p:nvPr>
-        </p:nvSpPr>
-        <p:spPr>
-          <a:xfrm>
-            <a:off x="457200" y="1200151"/>
-            <a:ext cx="8229600" cy="3394472"/>
-          </a:xfrm>
-          <a:prstGeom prst="rect">
-            <a:avLst/>
-          </a:prstGeom>
-        </p:spPr>
-        <p:txBody>
-          <a:bodyPr vert="horz" lIns="91440" tIns="45720" rIns="91440" bIns="45720" rtlCol="0">
-            <a:normAutofit/>
-          </a:bodyPr>
-          <a:lstStyle/>
-          <a:p>
-            <a:pPr lvl="0"/>
-            <a:r>
-              <a:rPr lang="zh-CN" altLang="en-US" smtClean="0"/>
-              <a:t>单击此处编辑母版文本样式</a:t>
-            </a:r>
-            <a:endParaRPr lang="zh-CN" altLang="en-US" smtClean="0"/>
-          </a:p>
-          <a:p>
-            <a:pPr lvl="1"/>
-            <a:r>
-              <a:rPr lang="zh-CN" altLang="en-US" smtClean="0"/>
-              <a:t>第二级</a:t>
-            </a:r>
-            <a:endParaRPr lang="zh-CN" altLang="en-US" smtClean="0"/>
-          </a:p>
-          <a:p>
-            <a:pPr lvl="2"/>
-            <a:r>
-              <a:rPr lang="zh-CN" altLang="en-US" smtClean="0"/>
-              <a:t>第三级</a:t>
-            </a:r>
-            <a:endParaRPr lang="zh-CN" altLang="en-US" smtClean="0"/>
-          </a:p>
-          <a:p>
-            <a:pPr lvl="3"/>
-            <a:r>
-              <a:rPr lang="zh-CN" altLang="en-US" smtClean="0"/>
-              <a:t>第四级</a:t>
-            </a:r>
-            <a:endParaRPr lang="zh-CN" altLang="en-US" smtClean="0"/>
-          </a:p>
-          <a:p>
-            <a:pPr lvl="4"/>
-            <a:r>
-              <a:rPr lang="zh-CN" altLang="en-US" smtClean="0"/>
-              <a:t>第五级</a:t>
-            </a:r>
-            <a:endParaRPr lang="zh-CN" altLang="en-US"/>
-          </a:p>
-        </p:txBody>
-      </p:sp>
-      <p:sp>
-        <p:nvSpPr>
-          <p:cNvPr id="4" name="日期占位符 3"/>
-          <p:cNvSpPr>
-            <a:spLocks noGrp="1"/>
-          </p:cNvSpPr>
-          <p:nvPr>
-            <p:ph type="dt" sz="half" idx="2"/>
-          </p:nvPr>
-        </p:nvSpPr>
-        <p:spPr>
-          <a:xfrm>
-            <a:off x="457200" y="4767263"/>
-            <a:ext cx="2133600" cy="273844"/>
-          </a:xfrm>
-          <a:prstGeom prst="rect">
-            <a:avLst/>
-          </a:prstGeom>
-        </p:spPr>
-        <p:txBody>
-          <a:bodyPr vert="horz" lIns="91440" tIns="45720" rIns="91440" bIns="45720" rtlCol="0" anchor="ctr"/>
-          <a:lstStyle>
-            <a:lvl1pPr algn="l">
-              <a:defRPr sz="1200">
-                <a:solidFill>
-                  <a:schemeClr val="tx1">
-                    <a:tint val="75000"/>
-                  </a:schemeClr>
-                </a:solidFill>
-              </a:defRPr>
-            </a:lvl1pPr>
-          </a:lstStyle>
-          <a:p>
-            <a:fld id="{530820CF-B880-4189-942D-D702A7CBA730}" type="datetimeFigureOut">
-              <a:rPr lang="zh-CN" altLang="en-US" smtClean="0">
-                <a:solidFill>
-                  <a:prstClr val="black">
-                    <a:tint val="75000"/>
-                  </a:prstClr>
-                </a:solidFill>
-              </a:rPr>
-            </a:fld>
-            <a:endParaRPr lang="zh-CN" altLang="en-US">
-              <a:solidFill>
-                <a:prstClr val="black">
-                  <a:tint val="75000"/>
-                </a:prstClr>
-              </a:solidFill>
-            </a:endParaRPr>
-          </a:p>
-        </p:txBody>
-      </p:sp>
-      <p:sp>
-        <p:nvSpPr>
-          <p:cNvPr id="5" name="页脚占位符 4"/>
-          <p:cNvSpPr>
-            <a:spLocks noGrp="1"/>
-          </p:cNvSpPr>
-          <p:nvPr>
-            <p:ph type="ftr" sz="quarter" idx="3"/>
-          </p:nvPr>
-        </p:nvSpPr>
-        <p:spPr>
-          <a:xfrm>
-            <a:off x="3124200" y="4767263"/>
-            <a:ext cx="2895600" cy="273844"/>
-          </a:xfrm>
-          <a:prstGeom prst="rect">
-            <a:avLst/>
-          </a:prstGeom>
-        </p:spPr>
-        <p:txBody>
-          <a:bodyPr vert="horz" lIns="91440" tIns="45720" rIns="91440" bIns="45720" rtlCol="0" anchor="ctr"/>
-          <a:lstStyle>
-            <a:lvl1pPr algn="ctr">
-              <a:defRPr sz="1200">
-                <a:solidFill>
-                  <a:schemeClr val="tx1">
-                    <a:tint val="75000"/>
-                  </a:schemeClr>
-                </a:solidFill>
-              </a:defRPr>
-            </a:lvl1pPr>
-          </a:lstStyle>
-          <a:p>
-            <a:endParaRPr lang="zh-CN" altLang="en-US">
-              <a:solidFill>
-                <a:prstClr val="black">
-                  <a:tint val="75000"/>
-                </a:prstClr>
-              </a:solidFill>
-            </a:endParaRPr>
-          </a:p>
-        </p:txBody>
-      </p:sp>
-      <p:sp>
-        <p:nvSpPr>
-          <p:cNvPr id="6" name="灯片编号占位符 5"/>
-          <p:cNvSpPr>
-            <a:spLocks noGrp="1"/>
-          </p:cNvSpPr>
-          <p:nvPr>
-            <p:ph type="sldNum" sz="quarter" idx="4"/>
-          </p:nvPr>
-        </p:nvSpPr>
-        <p:spPr>
-          <a:xfrm>
-            <a:off x="6553200" y="4767263"/>
-            <a:ext cx="2133600" cy="273844"/>
-          </a:xfrm>
-          <a:prstGeom prst="rect">
-            <a:avLst/>
-          </a:prstGeom>
-        </p:spPr>
-        <p:txBody>
-          <a:bodyPr vert="horz" lIns="91440" tIns="45720" rIns="91440" bIns="45720" rtlCol="0" anchor="ctr"/>
-          <a:lstStyle>
-            <a:lvl1pPr algn="r">
-              <a:defRPr sz="1200">
-                <a:solidFill>
-                  <a:schemeClr val="tx1">
-                    <a:tint val="75000"/>
-                  </a:schemeClr>
-                </a:solidFill>
-              </a:defRPr>
-            </a:lvl1pPr>
-          </a:lstStyle>
-          <a:p>
-            <a:fld id="{0C913308-F349-4B6D-A68A-DD1791B4A57B}" type="slidenum">
-              <a:rPr lang="zh-CN" altLang="en-US" smtClean="0">
-                <a:solidFill>
-                  <a:prstClr val="black">
-                    <a:tint val="75000"/>
-                  </a:prstClr>
-                </a:solidFill>
-              </a:rPr>
-            </a:fld>
-            <a:endParaRPr lang="zh-CN" altLang="en-US">
-              <a:solidFill>
-                <a:prstClr val="black">
-                  <a:tint val="75000"/>
-                </a:prstClr>
-              </a:solidFill>
-            </a:endParaRPr>
-          </a:p>
-        </p:txBody>
-      </p:sp>
-    </p:spTree>
-  </p:cSld>
-  <p:clrMap bg1="lt1" tx1="dk1" bg2="lt2" tx2="dk2" accent1="accent1" accent2="accent2" accent3="accent3" accent4="accent4" accent5="accent5" accent6="accent6" hlink="hlink" folHlink="folHlink"/>
-  <p:sldLayoutIdLst>
-    <p:sldLayoutId id="2147483656" r:id="rId1"/>
-    <p:sldLayoutId id="2147483657" r:id="rId2"/>
-    <p:sldLayoutId id="2147483658" r:id="rId3"/>
-    <p:sldLayoutId id="2147483659" r:id="rId4"/>
-    <p:sldLayoutId id="2147483660" r:id="rId5"/>
-    <p:sldLayoutId id="2147483661" r:id="rId6"/>
-    <p:sldLayoutId id="2147483662" r:id="rId7"/>
-    <p:sldLayoutId id="2147483663" r:id="rId8"/>
-    <p:sldLayoutId id="2147483664" r:id="rId9"/>
-    <p:sldLayoutId id="2147483665" r:id="rId10"/>
-    <p:sldLayoutId id="2147483666" r:id="rId11"/>
-  </p:sldLayoutIdLst>
-  <p:txStyles>
-    <p:titleStyle>
-      <a:lvl1pPr algn="ctr" defTabSz="914400" rtl="0" eaLnBrk="1" latinLnBrk="0" hangingPunct="1">
-        <a:spcBef>
-          <a:spcPct val="0"/>
-        </a:spcBef>
-        <a:buNone/>
-        <a:defRPr sz="4400" kern="1200">
-          <a:solidFill>
-            <a:schemeClr val="tx1"/>
-          </a:solidFill>
-          <a:latin typeface="+mj-lt"/>
-          <a:ea typeface="+mj-ea"/>
-          <a:cs typeface="+mj-cs"/>
-        </a:defRPr>
-      </a:lvl1pPr>
-    </p:titleStyle>
-    <p:bodyStyle>
-      <a:lvl1pPr marL="342900" indent="-342900" algn="l" defTabSz="914400" rtl="0" eaLnBrk="1" latinLnBrk="0" hangingPunct="1">
-        <a:spcBef>
-          <a:spcPct val="20000"/>
-        </a:spcBef>
-        <a:buFont typeface="Arial" panose="020B0604020202020204" pitchFamily="34" charset="0"/>
-        <a:buChar char="•"/>
-        <a:defRPr sz="3200" kern="1200">
-          <a:solidFill>
-            <a:schemeClr val="tx1"/>
-          </a:solidFill>
-          <a:latin typeface="+mn-lt"/>
-          <a:ea typeface="+mn-ea"/>
-          <a:cs typeface="+mn-cs"/>
-        </a:defRPr>
-      </a:lvl1pPr>
-      <a:lvl2pPr marL="742950" indent="-285750" algn="l" defTabSz="914400" rtl="0" eaLnBrk="1" latinLnBrk="0" hangingPunct="1">
-        <a:spcBef>
-          <a:spcPct val="20000"/>
-        </a:spcBef>
-        <a:buFont typeface="Arial" panose="020B0604020202020204" pitchFamily="34" charset="0"/>
-        <a:buChar char="–"/>
-        <a:defRPr sz="2800" kern="1200">
-          <a:solidFill>
-            <a:schemeClr val="tx1"/>
-          </a:solidFill>
-          <a:latin typeface="+mn-lt"/>
-          <a:ea typeface="+mn-ea"/>
-          <a:cs typeface="+mn-cs"/>
-        </a:defRPr>
-      </a:lvl2pPr>
-      <a:lvl3pPr marL="1143000" indent="-228600" algn="l" defTabSz="914400" rtl="0" eaLnBrk="1" latinLnBrk="0" hangingPunct="1">
-        <a:spcBef>
-          <a:spcPct val="20000"/>
-        </a:spcBef>
-        <a:buFont typeface="Arial" panose="020B0604020202020204" pitchFamily="34" charset="0"/>
-        <a:buChar char="•"/>
-        <a:defRPr sz="2400" kern="1200">
-          <a:solidFill>
-            <a:schemeClr val="tx1"/>
-          </a:solidFill>
-          <a:latin typeface="+mn-lt"/>
-          <a:ea typeface="+mn-ea"/>
-          <a:cs typeface="+mn-cs"/>
-        </a:defRPr>
-      </a:lvl3pPr>
-      <a:lvl4pPr marL="1600200" indent="-228600" algn="l" defTabSz="914400" rtl="0" eaLnBrk="1" latinLnBrk="0" hangingPunct="1">
-        <a:spcBef>
-          <a:spcPct val="20000"/>
-        </a:spcBef>
-        <a:buFont typeface="Arial" panose="020B0604020202020204" pitchFamily="34" charset="0"/>
-        <a:buChar char="–"/>
-        <a:defRPr sz="2000" kern="1200">
-          <a:solidFill>
-            <a:schemeClr val="tx1"/>
-          </a:solidFill>
-          <a:latin typeface="+mn-lt"/>
-          <a:ea typeface="+mn-ea"/>
-          <a:cs typeface="+mn-cs"/>
-        </a:defRPr>
-      </a:lvl4pPr>
-      <a:lvl5pPr marL="2057400" indent="-228600" algn="l" defTabSz="914400" rtl="0" eaLnBrk="1" latinLnBrk="0" hangingPunct="1">
-        <a:spcBef>
-          <a:spcPct val="20000"/>
-        </a:spcBef>
-        <a:buFont typeface="Arial" panose="020B0604020202020204" pitchFamily="34" charset="0"/>
-        <a:buChar char="»"/>
-        <a:defRPr sz="2000" kern="1200">
-          <a:solidFill>
-            <a:schemeClr val="tx1"/>
-          </a:solidFill>
-          <a:latin typeface="+mn-lt"/>
-          <a:ea typeface="+mn-ea"/>
-          <a:cs typeface="+mn-cs"/>
-        </a:defRPr>
-      </a:lvl5pPr>
-      <a:lvl6pPr marL="2514600" indent="-228600" algn="l" defTabSz="914400" rtl="0" eaLnBrk="1" latinLnBrk="0" hangingPunct="1">
-        <a:spcBef>
-          <a:spcPct val="20000"/>
-        </a:spcBef>
-        <a:buFont typeface="Arial" panose="020B0604020202020204" pitchFamily="34" charset="0"/>
-        <a:buChar char="•"/>
-        <a:defRPr sz="2000" kern="1200">
-          <a:solidFill>
-            <a:schemeClr val="tx1"/>
-          </a:solidFill>
-          <a:latin typeface="+mn-lt"/>
-          <a:ea typeface="+mn-ea"/>
-          <a:cs typeface="+mn-cs"/>
-        </a:defRPr>
-      </a:lvl6pPr>
-      <a:lvl7pPr marL="2971800" indent="-228600" algn="l" defTabSz="914400" rtl="0" eaLnBrk="1" latinLnBrk="0" hangingPunct="1">
-        <a:spcBef>
-          <a:spcPct val="20000"/>
-        </a:spcBef>
-        <a:buFont typeface="Arial" panose="020B0604020202020204" pitchFamily="34" charset="0"/>
-        <a:buChar char="•"/>
-        <a:defRPr sz="2000" kern="1200">
-          <a:solidFill>
-            <a:schemeClr val="tx1"/>
-          </a:solidFill>
-          <a:latin typeface="+mn-lt"/>
-          <a:ea typeface="+mn-ea"/>
-          <a:cs typeface="+mn-cs"/>
-        </a:defRPr>
-      </a:lvl7pPr>
-      <a:lvl8pPr marL="3429000" indent="-228600" algn="l" defTabSz="914400" rtl="0" eaLnBrk="1" latinLnBrk="0" hangingPunct="1">
-        <a:spcBef>
-          <a:spcPct val="20000"/>
-        </a:spcBef>
-        <a:buFont typeface="Arial" panose="020B0604020202020204" pitchFamily="34" charset="0"/>
-        <a:buChar char="•"/>
-        <a:defRPr sz="2000" kern="1200">
-          <a:solidFill>
-            <a:schemeClr val="tx1"/>
-          </a:solidFill>
-          <a:latin typeface="+mn-lt"/>
-          <a:ea typeface="+mn-ea"/>
-          <a:cs typeface="+mn-cs"/>
-        </a:defRPr>
-      </a:lvl8pPr>
-      <a:lvl9pPr marL="3886200" indent="-228600" algn="l" defTabSz="914400" rtl="0" eaLnBrk="1" latinLnBrk="0" hangingPunct="1">
-        <a:spcBef>
-          <a:spcPct val="20000"/>
-        </a:spcBef>
-        <a:buFont typeface="Arial" panose="020B0604020202020204" pitchFamily="34" charset="0"/>
-        <a:buChar char="•"/>
-        <a:defRPr sz="2000" kern="1200">
-          <a:solidFill>
-            <a:schemeClr val="tx1"/>
-          </a:solidFill>
-          <a:latin typeface="+mn-lt"/>
-          <a:ea typeface="+mn-ea"/>
-          <a:cs typeface="+mn-cs"/>
-        </a:defRPr>
-      </a:lvl9pPr>
-    </p:bodyStyle>
-    <p:otherStyle>
-      <a:defPPr>
-        <a:defRPr lang="zh-CN"/>
       </a:defPPr>
       <a:lvl1pPr marL="0" algn="l" defTabSz="914400" rtl="0" eaLnBrk="1" latinLnBrk="0" hangingPunct="1">
         <a:defRPr sz="1800" kern="1200">
@@ -8941,6 +5861,561 @@
       </p:grpSpPr>
       <p:sp>
         <p:nvSpPr>
+          <p:cNvPr id="3" name="Title 2"/>
+          <p:cNvSpPr>
+            <a:spLocks noGrp="1"/>
+          </p:cNvSpPr>
+          <p:nvPr>
+            <p:ph type="title"/>
+          </p:nvPr>
+        </p:nvSpPr>
+        <p:spPr>
+          <a:xfrm>
+            <a:off x="457200" y="438150"/>
+            <a:ext cx="8229600" cy="422672"/>
+          </a:xfrm>
+        </p:spPr>
+        <p:txBody>
+          <a:bodyPr/>
+          <a:lstStyle/>
+          <a:p>
+            <a:r>
+              <a:rPr lang="en-US" altLang="zh-CN" sz="3600" dirty="0">
+                <a:solidFill>
+                  <a:srgbClr val="0070C0"/>
+                </a:solidFill>
+                <a:latin typeface="+mn-lt"/>
+                <a:ea typeface="+mn-ea"/>
+                <a:cs typeface="+mn-ea"/>
+                <a:sym typeface="+mn-lt"/>
+              </a:rPr>
+              <a:t>Column</a:t>
+            </a:r>
+            <a:r>
+              <a:rPr lang="zh-CN" altLang="en-US" sz="3600" dirty="0">
+                <a:solidFill>
+                  <a:srgbClr val="0070C0"/>
+                </a:solidFill>
+                <a:latin typeface="+mn-lt"/>
+                <a:ea typeface="+mn-ea"/>
+                <a:cs typeface="+mn-ea"/>
+                <a:sym typeface="+mn-lt"/>
+              </a:rPr>
+              <a:t>列参数</a:t>
+            </a:r>
+            <a:endParaRPr lang="zh-CN" altLang="en-US" sz="3600" dirty="0">
+              <a:solidFill>
+                <a:srgbClr val="0070C0"/>
+              </a:solidFill>
+              <a:latin typeface="+mn-lt"/>
+              <a:ea typeface="+mn-ea"/>
+              <a:cs typeface="+mn-ea"/>
+              <a:sym typeface="+mn-lt"/>
+            </a:endParaRPr>
+          </a:p>
+        </p:txBody>
+      </p:sp>
+      <p:graphicFrame>
+        <p:nvGraphicFramePr>
+          <p:cNvPr id="5" name="表格 4"/>
+          <p:cNvGraphicFramePr/>
+          <p:nvPr/>
+        </p:nvGraphicFramePr>
+        <p:xfrm>
+          <a:off x="613410" y="1102995"/>
+          <a:ext cx="8174355" cy="4244340"/>
+        </p:xfrm>
+        <a:graphic>
+          <a:graphicData uri="http://schemas.openxmlformats.org/drawingml/2006/table">
+            <a:tbl>
+              <a:tblPr firstRow="1" bandRow="1">
+                <a:tableStyleId>{5C22544A-7EE6-4342-B048-85BDC9FD1C3A}</a:tableStyleId>
+              </a:tblPr>
+              <a:tblGrid>
+                <a:gridCol w="1744980"/>
+                <a:gridCol w="925830"/>
+                <a:gridCol w="5503545"/>
+              </a:tblGrid>
+              <a:tr h="640080">
+                <a:tc>
+                  <a:txBody>
+                    <a:bodyPr/>
+                    <a:p>
+                      <a:pPr>
+                        <a:buNone/>
+                      </a:pPr>
+                      <a:r>
+                        <a:rPr lang="zh-CN" altLang="en-US"/>
+                        <a:t>参数</a:t>
+                      </a:r>
+                      <a:endParaRPr lang="zh-CN" altLang="en-US"/>
+                    </a:p>
+                  </a:txBody>
+                  <a:tcPr/>
+                </a:tc>
+                <a:tc>
+                  <a:txBody>
+                    <a:bodyPr/>
+                    <a:p>
+                      <a:pPr>
+                        <a:buNone/>
+                      </a:pPr>
+                      <a:r>
+                        <a:rPr lang="zh-CN" altLang="en-US" sz="1800">
+                          <a:sym typeface="+mn-ea"/>
+                        </a:rPr>
+                        <a:t>类型</a:t>
+                      </a:r>
+                      <a:endParaRPr lang="zh-CN" altLang="en-US" sz="1800">
+                        <a:sym typeface="+mn-ea"/>
+                      </a:endParaRPr>
+                    </a:p>
+                    <a:p>
+                      <a:pPr>
+                        <a:buNone/>
+                      </a:pPr>
+                      <a:endParaRPr lang="zh-CN" altLang="en-US"/>
+                    </a:p>
+                  </a:txBody>
+                  <a:tcPr/>
+                </a:tc>
+                <a:tc>
+                  <a:txBody>
+                    <a:bodyPr/>
+                    <a:p>
+                      <a:pPr>
+                        <a:buNone/>
+                      </a:pPr>
+                      <a:r>
+                        <a:rPr lang="zh-CN" altLang="en-US"/>
+                        <a:t>描述</a:t>
+                      </a:r>
+                      <a:endParaRPr lang="zh-CN" altLang="en-US"/>
+                    </a:p>
+                  </a:txBody>
+                  <a:tcPr/>
+                </a:tc>
+              </a:tr>
+              <a:tr h="387350">
+                <a:tc>
+                  <a:txBody>
+                    <a:bodyPr/>
+                    <a:p>
+                      <a:pPr>
+                        <a:buNone/>
+                      </a:pPr>
+                      <a:r>
+                        <a:rPr lang="zh-CN" altLang="en-US" sz="1200" b="1">
+                          <a:sym typeface="+mn-ea"/>
+                        </a:rPr>
+                        <a:t>radio</a:t>
+                      </a:r>
+                      <a:endParaRPr lang="zh-CN" altLang="en-US" sz="1200" b="1">
+                        <a:sym typeface="+mn-ea"/>
+                      </a:endParaRPr>
+                    </a:p>
+                    <a:p>
+                      <a:pPr>
+                        <a:buNone/>
+                      </a:pPr>
+                      <a:endParaRPr lang="zh-CN" altLang="en-US" sz="1200" b="1">
+                        <a:sym typeface="+mn-ea"/>
+                      </a:endParaRPr>
+                    </a:p>
+                  </a:txBody>
+                  <a:tcPr/>
+                </a:tc>
+                <a:tc>
+                  <a:txBody>
+                    <a:bodyPr/>
+                    <a:p>
+                      <a:pPr>
+                        <a:buNone/>
+                      </a:pPr>
+                      <a:r>
+                        <a:rPr lang="zh-CN" altLang="en-US" sz="1200">
+                          <a:sym typeface="+mn-ea"/>
+                        </a:rPr>
+                        <a:t>Boolean</a:t>
+                      </a:r>
+                      <a:endParaRPr lang="zh-CN" altLang="en-US" sz="1200"/>
+                    </a:p>
+                  </a:txBody>
+                  <a:tcPr/>
+                </a:tc>
+                <a:tc>
+                  <a:txBody>
+                    <a:bodyPr/>
+                    <a:p>
+                      <a:pPr>
+                        <a:buNone/>
+                      </a:pPr>
+                      <a:r>
+                        <a:rPr lang="zh-CN" altLang="en-US" sz="1200">
+                          <a:sym typeface="+mn-ea"/>
+                        </a:rPr>
+                        <a:t>是否显示单选框</a:t>
+                      </a:r>
+                      <a:endParaRPr lang="zh-CN" altLang="en-US" sz="1200">
+                        <a:sym typeface="+mn-ea"/>
+                      </a:endParaRPr>
+                    </a:p>
+                    <a:p>
+                      <a:pPr>
+                        <a:buNone/>
+                      </a:pPr>
+                      <a:endParaRPr lang="zh-CN" altLang="en-US" sz="1200">
+                        <a:sym typeface="+mn-ea"/>
+                      </a:endParaRPr>
+                    </a:p>
+                  </a:txBody>
+                  <a:tcPr/>
+                </a:tc>
+              </a:tr>
+              <a:tr h="417195">
+                <a:tc>
+                  <a:txBody>
+                    <a:bodyPr/>
+                    <a:p>
+                      <a:pPr>
+                        <a:buNone/>
+                      </a:pPr>
+                      <a:r>
+                        <a:rPr lang="zh-CN" altLang="en-US" sz="1200" b="1">
+                          <a:sym typeface="+mn-ea"/>
+                        </a:rPr>
+                        <a:t>checkbox</a:t>
+                      </a:r>
+                      <a:endParaRPr lang="zh-CN" altLang="en-US" sz="1200" b="1">
+                        <a:sym typeface="+mn-ea"/>
+                      </a:endParaRPr>
+                    </a:p>
+                  </a:txBody>
+                  <a:tcPr/>
+                </a:tc>
+                <a:tc>
+                  <a:txBody>
+                    <a:bodyPr/>
+                    <a:p>
+                      <a:pPr>
+                        <a:buNone/>
+                      </a:pPr>
+                      <a:r>
+                        <a:rPr lang="zh-CN" altLang="en-US" sz="1200">
+                          <a:sym typeface="+mn-ea"/>
+                        </a:rPr>
+                        <a:t>Boolean</a:t>
+                      </a:r>
+                      <a:endParaRPr lang="zh-CN" altLang="en-US" sz="1200">
+                        <a:sym typeface="+mn-ea"/>
+                      </a:endParaRPr>
+                    </a:p>
+                  </a:txBody>
+                  <a:tcPr/>
+                </a:tc>
+                <a:tc>
+                  <a:txBody>
+                    <a:bodyPr/>
+                    <a:p>
+                      <a:pPr>
+                        <a:buNone/>
+                      </a:pPr>
+                      <a:r>
+                        <a:rPr lang="zh-CN" altLang="en-US" sz="1200">
+                          <a:sym typeface="+mn-ea"/>
+                        </a:rPr>
+                        <a:t>是否显示复选框</a:t>
+                      </a:r>
+                      <a:endParaRPr lang="zh-CN" altLang="en-US" sz="1200">
+                        <a:sym typeface="+mn-ea"/>
+                      </a:endParaRPr>
+                    </a:p>
+                  </a:txBody>
+                  <a:tcPr/>
+                </a:tc>
+              </a:tr>
+              <a:tr h="469265">
+                <a:tc>
+                  <a:txBody>
+                    <a:bodyPr/>
+                    <a:p>
+                      <a:pPr>
+                        <a:buNone/>
+                      </a:pPr>
+                      <a:r>
+                        <a:rPr lang="zh-CN" altLang="en-US" sz="1200" b="1"/>
+                        <a:t>field</a:t>
+                      </a:r>
+                      <a:endParaRPr lang="zh-CN" altLang="en-US" sz="1200" b="1"/>
+                    </a:p>
+                  </a:txBody>
+                  <a:tcPr/>
+                </a:tc>
+                <a:tc>
+                  <a:txBody>
+                    <a:bodyPr/>
+                    <a:p>
+                      <a:pPr>
+                        <a:buNone/>
+                      </a:pPr>
+                      <a:r>
+                        <a:rPr lang="en-US" altLang="zh-CN" sz="1200">
+                          <a:sym typeface="+mn-ea"/>
+                        </a:rPr>
+                        <a:t>String</a:t>
+                      </a:r>
+                      <a:endParaRPr lang="en-US" altLang="zh-CN" sz="1200">
+                        <a:sym typeface="+mn-ea"/>
+                      </a:endParaRPr>
+                    </a:p>
+                  </a:txBody>
+                  <a:tcPr/>
+                </a:tc>
+                <a:tc>
+                  <a:txBody>
+                    <a:bodyPr/>
+                    <a:p>
+                      <a:pPr>
+                        <a:buNone/>
+                      </a:pPr>
+                      <a:r>
+                        <a:rPr lang="zh-CN" altLang="en-US" sz="1200">
+                          <a:sym typeface="+mn-ea"/>
+                        </a:rPr>
+                        <a:t>列名</a:t>
+                      </a:r>
+                      <a:endParaRPr lang="zh-CN" altLang="en-US" sz="1200">
+                        <a:sym typeface="+mn-ea"/>
+                      </a:endParaRPr>
+                    </a:p>
+                  </a:txBody>
+                  <a:tcPr/>
+                </a:tc>
+              </a:tr>
+              <a:tr h="398780">
+                <a:tc>
+                  <a:txBody>
+                    <a:bodyPr/>
+                    <a:p>
+                      <a:pPr>
+                        <a:buNone/>
+                      </a:pPr>
+                      <a:r>
+                        <a:rPr lang="zh-CN" altLang="en-US" sz="1200" b="1"/>
+                        <a:t>title</a:t>
+                      </a:r>
+                      <a:endParaRPr lang="zh-CN" altLang="en-US" sz="1200" b="1"/>
+                    </a:p>
+                  </a:txBody>
+                  <a:tcPr/>
+                </a:tc>
+                <a:tc>
+                  <a:txBody>
+                    <a:bodyPr/>
+                    <a:p>
+                      <a:pPr>
+                        <a:buNone/>
+                      </a:pPr>
+                      <a:r>
+                        <a:rPr lang="en-US" altLang="zh-CN" sz="1200">
+                          <a:sym typeface="+mn-ea"/>
+                        </a:rPr>
+                        <a:t>String</a:t>
+                      </a:r>
+                      <a:endParaRPr lang="zh-CN" altLang="en-US" sz="1200">
+                        <a:sym typeface="+mn-ea"/>
+                      </a:endParaRPr>
+                    </a:p>
+                  </a:txBody>
+                  <a:tcPr/>
+                </a:tc>
+                <a:tc>
+                  <a:txBody>
+                    <a:bodyPr/>
+                    <a:p>
+                      <a:pPr>
+                        <a:buNone/>
+                      </a:pPr>
+                      <a:r>
+                        <a:rPr lang="zh-CN" altLang="en-US" sz="1200"/>
+                        <a:t>标题　</a:t>
+                      </a:r>
+                      <a:endParaRPr lang="zh-CN" altLang="en-US" sz="1200"/>
+                    </a:p>
+                  </a:txBody>
+                  <a:tcPr/>
+                </a:tc>
+              </a:tr>
+              <a:tr h="398780">
+                <a:tc>
+                  <a:txBody>
+                    <a:bodyPr/>
+                    <a:p>
+                      <a:pPr>
+                        <a:buNone/>
+                      </a:pPr>
+                      <a:r>
+                        <a:rPr lang="zh-CN" altLang="en-US" sz="1200" b="1"/>
+                        <a:t>sortable</a:t>
+                      </a:r>
+                      <a:endParaRPr lang="zh-CN" altLang="en-US" sz="1200" b="1"/>
+                    </a:p>
+                  </a:txBody>
+                  <a:tcPr/>
+                </a:tc>
+                <a:tc>
+                  <a:txBody>
+                    <a:bodyPr/>
+                    <a:p>
+                      <a:pPr>
+                        <a:buNone/>
+                      </a:pPr>
+                      <a:r>
+                        <a:rPr lang="zh-CN" altLang="en-US" sz="1200"/>
+                        <a:t>Boolean</a:t>
+                      </a:r>
+                      <a:endParaRPr lang="zh-CN" altLang="en-US" sz="1200"/>
+                    </a:p>
+                  </a:txBody>
+                  <a:tcPr/>
+                </a:tc>
+                <a:tc>
+                  <a:txBody>
+                    <a:bodyPr/>
+                    <a:p>
+                      <a:pPr>
+                        <a:buNone/>
+                      </a:pPr>
+                      <a:r>
+                        <a:rPr lang="zh-CN" altLang="en-US" sz="1200"/>
+                        <a:t>此列是否可以排序　默认</a:t>
+                      </a:r>
+                      <a:r>
+                        <a:rPr lang="en-US" altLang="zh-CN" sz="1200"/>
+                        <a:t>fasle</a:t>
+                      </a:r>
+                      <a:endParaRPr lang="en-US" altLang="zh-CN" sz="1200"/>
+                    </a:p>
+                  </a:txBody>
+                  <a:tcPr/>
+                </a:tc>
+              </a:tr>
+              <a:tr h="486410">
+                <a:tc>
+                  <a:txBody>
+                    <a:bodyPr/>
+                    <a:p>
+                      <a:pPr>
+                        <a:buNone/>
+                      </a:pPr>
+                      <a:r>
+                        <a:rPr lang="zh-CN" altLang="en-US" sz="1200" b="1"/>
+                        <a:t>formatter</a:t>
+                      </a:r>
+                      <a:endParaRPr lang="zh-CN" altLang="en-US" sz="1200" b="1"/>
+                    </a:p>
+                  </a:txBody>
+                  <a:tcPr/>
+                </a:tc>
+                <a:tc>
+                  <a:txBody>
+                    <a:bodyPr/>
+                    <a:p>
+                      <a:pPr>
+                        <a:buNone/>
+                      </a:pPr>
+                      <a:r>
+                        <a:rPr lang="en-US" altLang="zh-CN" sz="1200"/>
+                        <a:t>Function</a:t>
+                      </a:r>
+                      <a:endParaRPr lang="en-US" altLang="zh-CN" sz="1200"/>
+                    </a:p>
+                  </a:txBody>
+                  <a:tcPr/>
+                </a:tc>
+                <a:tc>
+                  <a:txBody>
+                    <a:bodyPr/>
+                    <a:p>
+                      <a:pPr>
+                        <a:buNone/>
+                      </a:pPr>
+                      <a:r>
+                        <a:rPr lang="zh-CN" altLang="en-US" sz="1200"/>
+                        <a:t>value: the field value. </a:t>
+                      </a:r>
+                      <a:endParaRPr lang="zh-CN" altLang="en-US" sz="1200"/>
+                    </a:p>
+                    <a:p>
+                      <a:pPr>
+                        <a:buNone/>
+                      </a:pPr>
+                      <a:r>
+                        <a:rPr lang="zh-CN" altLang="en-US" sz="1200"/>
+                        <a:t>row: the row record data.</a:t>
+                      </a:r>
+                      <a:endParaRPr lang="zh-CN" altLang="en-US" sz="1200"/>
+                    </a:p>
+                    <a:p>
+                      <a:pPr>
+                        <a:buNone/>
+                      </a:pPr>
+                      <a:r>
+                        <a:rPr lang="zh-CN" altLang="en-US" sz="1200"/>
+                        <a:t>index: the row index.</a:t>
+                      </a:r>
+                      <a:endParaRPr lang="zh-CN" altLang="en-US" sz="1200"/>
+                    </a:p>
+                  </a:txBody>
+                  <a:tcPr/>
+                </a:tc>
+              </a:tr>
+            </a:tbl>
+          </a:graphicData>
+        </a:graphic>
+      </p:graphicFrame>
+    </p:spTree>
+  </p:cSld>
+  <p:clrMapOvr>
+    <a:masterClrMapping/>
+  </p:clrMapOvr>
+  <mc:AlternateContent xmlns:mc="http://schemas.openxmlformats.org/markup-compatibility/2006">
+    <mc:Choice xmlns:p14="http://schemas.microsoft.com/office/powerpoint/2010/main" Requires="p14">
+      <p:transition spd="slow" p14:dur="2000"/>
+    </mc:Choice>
+    <mc:Fallback>
+      <p:transition spd="slow"/>
+    </mc:Fallback>
+  </mc:AlternateContent>
+  <p:timing>
+    <p:tnLst>
+      <p:par>
+        <p:cTn id="1" dur="indefinite" restart="never" nodeType="tmRoot"/>
+      </p:par>
+    </p:tnLst>
+  </p:timing>
+</p:sld>
+</file>
+
+<file path=ppt/slides/slide11.xml><?xml version="1.0" encoding="utf-8"?>
+<p:sld xmlns:a="http://schemas.openxmlformats.org/drawingml/2006/main" xmlns:r="http://schemas.openxmlformats.org/officeDocument/2006/relationships" xmlns:p="http://schemas.openxmlformats.org/presentationml/2006/main">
+  <p:cSld>
+    <p:spTree>
+      <p:nvGrpSpPr>
+        <p:cNvPr id="1" name=""/>
+        <p:cNvGrpSpPr/>
+        <p:nvPr/>
+      </p:nvGrpSpPr>
+      <p:grpSpPr>
+        <a:xfrm>
+          <a:off x="0" y="0"/>
+          <a:ext cx="0" cy="0"/>
+          <a:chOff x="0" y="0"/>
+          <a:chExt cx="0" cy="0"/>
+        </a:xfrm>
+      </p:grpSpPr>
+      <p:sp>
+        <p:nvSpPr>
           <p:cNvPr id="2" name="Title 1"/>
           <p:cNvSpPr>
             <a:spLocks noGrp="1"/>
@@ -9133,7 +6608,7 @@
 </p:sld>
 </file>
 
-<file path=ppt/slides/slide11.xml><?xml version="1.0" encoding="utf-8"?>
+<file path=ppt/slides/slide12.xml><?xml version="1.0" encoding="utf-8"?>
 <p:sld xmlns:a="http://schemas.openxmlformats.org/drawingml/2006/main" xmlns:r="http://schemas.openxmlformats.org/officeDocument/2006/relationships" xmlns:p="http://schemas.openxmlformats.org/presentationml/2006/main">
   <p:cSld>
     <p:spTree>
@@ -9775,7 +7250,7 @@
 </p:sld>
 </file>
 
-<file path=ppt/slides/slide12.xml><?xml version="1.0" encoding="utf-8"?>
+<file path=ppt/slides/slide13.xml><?xml version="1.0" encoding="utf-8"?>
 <p:sld xmlns:a="http://schemas.openxmlformats.org/drawingml/2006/main" xmlns:r="http://schemas.openxmlformats.org/officeDocument/2006/relationships" xmlns:p="http://schemas.openxmlformats.org/presentationml/2006/main">
   <p:cSld>
     <p:spTree>
@@ -9981,7 +7456,7 @@
 </p:sld>
 </file>
 
-<file path=ppt/slides/slide13.xml><?xml version="1.0" encoding="utf-8"?>
+<file path=ppt/slides/slide14.xml><?xml version="1.0" encoding="utf-8"?>
 <p:sld xmlns:a="http://schemas.openxmlformats.org/drawingml/2006/main" xmlns:r="http://schemas.openxmlformats.org/officeDocument/2006/relationships" xmlns:p="http://schemas.openxmlformats.org/presentationml/2006/main">
   <p:cSld>
     <p:spTree>
@@ -10248,7 +7723,7 @@
 </p:sld>
 </file>
 
-<file path=ppt/slides/slide14.xml><?xml version="1.0" encoding="utf-8"?>
+<file path=ppt/slides/slide15.xml><?xml version="1.0" encoding="utf-8"?>
 <p:sld xmlns:a="http://schemas.openxmlformats.org/drawingml/2006/main" xmlns:r="http://schemas.openxmlformats.org/officeDocument/2006/relationships" xmlns:p="http://schemas.openxmlformats.org/presentationml/2006/main">
   <p:cSld>
     <p:spTree>
@@ -10515,7 +7990,7 @@
 </p:sld>
 </file>
 
-<file path=ppt/slides/slide15.xml><?xml version="1.0" encoding="utf-8"?>
+<file path=ppt/slides/slide16.xml><?xml version="1.0" encoding="utf-8"?>
 <p:sld xmlns:a="http://schemas.openxmlformats.org/drawingml/2006/main" xmlns:r="http://schemas.openxmlformats.org/officeDocument/2006/relationships" xmlns:p="http://schemas.openxmlformats.org/presentationml/2006/main">
   <p:cSld>
     <p:spTree>
@@ -10760,7 +8235,7 @@
 </p:sld>
 </file>
 
-<file path=ppt/slides/slide16.xml><?xml version="1.0" encoding="utf-8"?>
+<file path=ppt/slides/slide17.xml><?xml version="1.0" encoding="utf-8"?>
 <p:sld xmlns:a="http://schemas.openxmlformats.org/drawingml/2006/main" xmlns:r="http://schemas.openxmlformats.org/officeDocument/2006/relationships" xmlns:p="http://schemas.openxmlformats.org/presentationml/2006/main">
   <p:cSld>
     <p:spTree>
@@ -10850,114 +8325,6 @@
           </a:p>
         </p:txBody>
       </p:sp>
-    </p:spTree>
-  </p:cSld>
-  <p:clrMapOvr>
-    <a:masterClrMapping/>
-  </p:clrMapOvr>
-  <mc:AlternateContent xmlns:mc="http://schemas.openxmlformats.org/markup-compatibility/2006">
-    <mc:Choice xmlns:p14="http://schemas.microsoft.com/office/powerpoint/2010/main" Requires="p14">
-      <p:transition spd="slow" p14:dur="2000"/>
-    </mc:Choice>
-    <mc:Fallback>
-      <p:transition spd="slow"/>
-    </mc:Fallback>
-  </mc:AlternateContent>
-  <p:timing>
-    <p:tnLst>
-      <p:par>
-        <p:cTn id="1" dur="indefinite" restart="never" nodeType="tmRoot"/>
-      </p:par>
-    </p:tnLst>
-  </p:timing>
-</p:sld>
-</file>
-
-<file path=ppt/slides/slide17.xml><?xml version="1.0" encoding="utf-8"?>
-<p:sld xmlns:a="http://schemas.openxmlformats.org/drawingml/2006/main" xmlns:r="http://schemas.openxmlformats.org/officeDocument/2006/relationships" xmlns:p="http://schemas.openxmlformats.org/presentationml/2006/main">
-  <p:cSld>
-    <p:spTree>
-      <p:nvGrpSpPr>
-        <p:cNvPr id="1" name=""/>
-        <p:cNvGrpSpPr/>
-        <p:nvPr/>
-      </p:nvGrpSpPr>
-      <p:grpSpPr>
-        <a:xfrm>
-          <a:off x="0" y="0"/>
-          <a:ext cx="0" cy="0"/>
-          <a:chOff x="0" y="0"/>
-          <a:chExt cx="0" cy="0"/>
-        </a:xfrm>
-      </p:grpSpPr>
-      <p:sp>
-        <p:nvSpPr>
-          <p:cNvPr id="3" name="Title 2"/>
-          <p:cNvSpPr>
-            <a:spLocks noGrp="1"/>
-          </p:cNvSpPr>
-          <p:nvPr>
-            <p:ph type="title"/>
-          </p:nvPr>
-        </p:nvSpPr>
-        <p:spPr>
-          <a:xfrm>
-            <a:off x="457200" y="438150"/>
-            <a:ext cx="7620000" cy="422672"/>
-          </a:xfrm>
-        </p:spPr>
-        <p:txBody>
-          <a:bodyPr/>
-          <a:lstStyle/>
-          <a:p>
-            <a:r>
-              <a:rPr lang="zh-CN" altLang="en-US" dirty="0">
-                <a:solidFill>
-                  <a:srgbClr val="0070C0"/>
-                </a:solidFill>
-                <a:latin typeface="+mn-lt"/>
-                <a:ea typeface="+mn-ea"/>
-                <a:cs typeface="+mn-ea"/>
-                <a:sym typeface="+mn-lt"/>
-              </a:rPr>
-              <a:t>示例 </a:t>
-            </a:r>
-            <a:endParaRPr lang="zh-CN" altLang="en-US" dirty="0">
-              <a:solidFill>
-                <a:srgbClr val="0070C0"/>
-              </a:solidFill>
-              <a:latin typeface="+mn-lt"/>
-              <a:ea typeface="+mn-ea"/>
-              <a:cs typeface="+mn-ea"/>
-              <a:sym typeface="+mn-lt"/>
-            </a:endParaRPr>
-          </a:p>
-        </p:txBody>
-      </p:sp>
-      <p:pic>
-        <p:nvPicPr>
-          <p:cNvPr id="6" name="图片 5" descr="IFU13JCJ)P_DFT~8NA3BP%V"/>
-          <p:cNvPicPr>
-            <a:picLocks noChangeAspect="1"/>
-          </p:cNvPicPr>
-          <p:nvPr/>
-        </p:nvPicPr>
-        <p:blipFill>
-          <a:blip r:embed="rId1"/>
-          <a:stretch>
-            <a:fillRect/>
-          </a:stretch>
-        </p:blipFill>
-        <p:spPr>
-          <a:xfrm>
-            <a:off x="525145" y="1020445"/>
-            <a:ext cx="7359650" cy="3916680"/>
-          </a:xfrm>
-          <a:prstGeom prst="rect">
-            <a:avLst/>
-          </a:prstGeom>
-        </p:spPr>
-      </p:pic>
     </p:spTree>
   </p:cSld>
   <p:clrMapOvr>
@@ -11028,7 +8395,7 @@
                 <a:cs typeface="+mn-ea"/>
                 <a:sym typeface="+mn-lt"/>
               </a:rPr>
-              <a:t>多语言</a:t>
+              <a:t>示例 </a:t>
             </a:r>
             <a:endParaRPr lang="zh-CN" altLang="en-US" dirty="0">
               <a:solidFill>
@@ -11042,9 +8409,405 @@
           </a:p>
         </p:txBody>
       </p:sp>
+      <p:pic>
+        <p:nvPicPr>
+          <p:cNvPr id="6" name="图片 5" descr="IFU13JCJ)P_DFT~8NA3BP%V"/>
+          <p:cNvPicPr>
+            <a:picLocks noChangeAspect="1"/>
+          </p:cNvPicPr>
+          <p:nvPr/>
+        </p:nvPicPr>
+        <p:blipFill>
+          <a:blip r:embed="rId1"/>
+          <a:stretch>
+            <a:fillRect/>
+          </a:stretch>
+        </p:blipFill>
+        <p:spPr>
+          <a:xfrm>
+            <a:off x="525145" y="1020445"/>
+            <a:ext cx="7359650" cy="3916680"/>
+          </a:xfrm>
+          <a:prstGeom prst="rect">
+            <a:avLst/>
+          </a:prstGeom>
+        </p:spPr>
+      </p:pic>
+    </p:spTree>
+  </p:cSld>
+  <p:clrMapOvr>
+    <a:masterClrMapping/>
+  </p:clrMapOvr>
+  <mc:AlternateContent xmlns:mc="http://schemas.openxmlformats.org/markup-compatibility/2006">
+    <mc:Choice xmlns:p14="http://schemas.microsoft.com/office/powerpoint/2010/main" Requires="p14">
+      <p:transition spd="slow" p14:dur="2000"/>
+    </mc:Choice>
+    <mc:Fallback>
+      <p:transition spd="slow"/>
+    </mc:Fallback>
+  </mc:AlternateContent>
+  <p:timing>
+    <p:tnLst>
+      <p:par>
+        <p:cTn id="1" dur="indefinite" restart="never" nodeType="tmRoot"/>
+      </p:par>
+    </p:tnLst>
+  </p:timing>
+</p:sld>
+</file>
+
+<file path=ppt/slides/slide19.xml><?xml version="1.0" encoding="utf-8"?>
+<p:sld xmlns:a="http://schemas.openxmlformats.org/drawingml/2006/main" xmlns:r="http://schemas.openxmlformats.org/officeDocument/2006/relationships" xmlns:p="http://schemas.openxmlformats.org/presentationml/2006/main">
+  <p:cSld>
+    <p:spTree>
+      <p:nvGrpSpPr>
+        <p:cNvPr id="1" name=""/>
+        <p:cNvGrpSpPr/>
+        <p:nvPr/>
+      </p:nvGrpSpPr>
+      <p:grpSpPr>
+        <a:xfrm>
+          <a:off x="0" y="0"/>
+          <a:ext cx="0" cy="0"/>
+          <a:chOff x="0" y="0"/>
+          <a:chExt cx="0" cy="0"/>
+        </a:xfrm>
+      </p:grpSpPr>
       <p:sp>
         <p:nvSpPr>
-          <p:cNvPr id="4" name="Footer Placeholder 3"/>
+          <p:cNvPr id="3" name="Title 2"/>
+          <p:cNvSpPr>
+            <a:spLocks noGrp="1"/>
+          </p:cNvSpPr>
+          <p:nvPr>
+            <p:ph type="title"/>
+          </p:nvPr>
+        </p:nvSpPr>
+        <p:spPr>
+          <a:xfrm>
+            <a:off x="457200" y="438150"/>
+            <a:ext cx="8229600" cy="422672"/>
+          </a:xfrm>
+        </p:spPr>
+        <p:txBody>
+          <a:bodyPr/>
+          <a:lstStyle/>
+          <a:p>
+            <a:r>
+              <a:rPr lang="en-US" altLang="zh-CN" sz="3600" dirty="0">
+                <a:solidFill>
+                  <a:srgbClr val="0070C0"/>
+                </a:solidFill>
+                <a:latin typeface="+mn-lt"/>
+                <a:ea typeface="+mn-ea"/>
+                <a:cs typeface="+mn-ea"/>
+                <a:sym typeface="+mn-lt"/>
+              </a:rPr>
+              <a:t>Table Cookie</a:t>
+            </a:r>
+            <a:endParaRPr lang="en-US" altLang="zh-CN" sz="3600" dirty="0">
+              <a:solidFill>
+                <a:srgbClr val="0070C0"/>
+              </a:solidFill>
+              <a:latin typeface="+mn-lt"/>
+              <a:ea typeface="+mn-ea"/>
+              <a:cs typeface="+mn-ea"/>
+              <a:sym typeface="+mn-lt"/>
+            </a:endParaRPr>
+          </a:p>
+        </p:txBody>
+      </p:sp>
+      <p:sp>
+        <p:nvSpPr>
+          <p:cNvPr id="2" name="文本框 1"/>
+          <p:cNvSpPr txBox="1"/>
+          <p:nvPr/>
+        </p:nvSpPr>
+        <p:spPr>
+          <a:xfrm>
+            <a:off x="767715" y="1185545"/>
+            <a:ext cx="7608570" cy="368300"/>
+          </a:xfrm>
+          <a:prstGeom prst="rect">
+            <a:avLst/>
+          </a:prstGeom>
+          <a:noFill/>
+        </p:spPr>
+        <p:txBody>
+          <a:bodyPr wrap="square" rtlCol="0">
+            <a:spAutoFit/>
+          </a:bodyPr>
+          <a:p>
+            <a:r>
+              <a:rPr lang="zh-CN" altLang="en-US"/>
+              <a:t>&lt;script src="extensions/cookie/bootstrap-table-cookie.js"&gt;&lt;/script&gt;</a:t>
+            </a:r>
+            <a:endParaRPr lang="zh-CN" altLang="en-US"/>
+          </a:p>
+        </p:txBody>
+      </p:sp>
+      <p:graphicFrame>
+        <p:nvGraphicFramePr>
+          <p:cNvPr id="4" name="表格 3"/>
+          <p:cNvGraphicFramePr/>
+          <p:nvPr/>
+        </p:nvGraphicFramePr>
+        <p:xfrm>
+          <a:off x="1042035" y="1633220"/>
+          <a:ext cx="7644765" cy="2406015"/>
+        </p:xfrm>
+        <a:graphic>
+          <a:graphicData uri="http://schemas.openxmlformats.org/drawingml/2006/table">
+            <a:tbl>
+              <a:tblPr firstRow="1" bandRow="1">
+                <a:tableStyleId>{5C22544A-7EE6-4342-B048-85BDC9FD1C3A}</a:tableStyleId>
+              </a:tblPr>
+              <a:tblGrid>
+                <a:gridCol w="2548255"/>
+                <a:gridCol w="2548255"/>
+                <a:gridCol w="2548255"/>
+              </a:tblGrid>
+              <a:tr h="1183005">
+                <a:tc>
+                  <a:txBody>
+                    <a:bodyPr/>
+                    <a:p>
+                      <a:pPr>
+                        <a:buNone/>
+                      </a:pPr>
+                      <a:r>
+                        <a:rPr lang="zh-CN" altLang="en-US" sz="1400"/>
+                        <a:t>cookie</a:t>
+                      </a:r>
+                      <a:endParaRPr lang="zh-CN" altLang="en-US" sz="1400"/>
+                    </a:p>
+                  </a:txBody>
+                  <a:tcPr/>
+                </a:tc>
+                <a:tc>
+                  <a:txBody>
+                    <a:bodyPr/>
+                    <a:p>
+                      <a:pPr>
+                        <a:buNone/>
+                      </a:pPr>
+                      <a:r>
+                        <a:rPr lang="zh-CN" altLang="en-US" sz="1400"/>
+                        <a:t>Boolean</a:t>
+                      </a:r>
+                      <a:endParaRPr lang="zh-CN" altLang="en-US" sz="1400"/>
+                    </a:p>
+                  </a:txBody>
+                  <a:tcPr/>
+                </a:tc>
+                <a:tc>
+                  <a:txBody>
+                    <a:bodyPr/>
+                    <a:p>
+                      <a:pPr>
+                        <a:buNone/>
+                      </a:pPr>
+                      <a:r>
+                        <a:rPr lang="zh-CN" altLang="en-US" sz="1400"/>
+                        <a:t>Set true to save the state of a table (its paging position, ordering state, records per page).</a:t>
+                      </a:r>
+                      <a:endParaRPr lang="zh-CN" altLang="en-US" sz="1400"/>
+                    </a:p>
+                  </a:txBody>
+                  <a:tcPr/>
+                </a:tc>
+              </a:tr>
+              <a:tr h="822960">
+                <a:tc>
+                  <a:txBody>
+                    <a:bodyPr/>
+                    <a:p>
+                      <a:pPr>
+                        <a:buNone/>
+                      </a:pPr>
+                      <a:r>
+                        <a:rPr lang="zh-CN" altLang="en-US" sz="1400"/>
+                        <a:t>cookieExpire</a:t>
+                      </a:r>
+                      <a:endParaRPr lang="zh-CN" altLang="en-US" sz="1400"/>
+                    </a:p>
+                  </a:txBody>
+                  <a:tcPr/>
+                </a:tc>
+                <a:tc>
+                  <a:txBody>
+                    <a:bodyPr/>
+                    <a:p>
+                      <a:pPr>
+                        <a:buNone/>
+                      </a:pPr>
+                      <a:r>
+                        <a:rPr lang="zh-CN" altLang="en-US" sz="1400"/>
+                        <a:t>String</a:t>
+                      </a:r>
+                      <a:endParaRPr lang="zh-CN" altLang="en-US" sz="1400"/>
+                    </a:p>
+                  </a:txBody>
+                  <a:tcPr/>
+                </a:tc>
+                <a:tc>
+                  <a:txBody>
+                    <a:bodyPr/>
+                    <a:p>
+                      <a:pPr>
+                        <a:buNone/>
+                      </a:pPr>
+                      <a:r>
+                        <a:rPr lang="zh-CN" altLang="en-US" sz="1400"/>
+                        <a:t> format: 'number{letter}' like '2h', in the letter position you can use: 's','mi','h','d','m','y'</a:t>
+                      </a:r>
+                      <a:endParaRPr lang="zh-CN" altLang="en-US" sz="1400"/>
+                    </a:p>
+                  </a:txBody>
+                  <a:tcPr/>
+                </a:tc>
+              </a:tr>
+              <a:tr h="400050">
+                <a:tc>
+                  <a:txBody>
+                    <a:bodyPr/>
+                    <a:p>
+                      <a:pPr>
+                        <a:buNone/>
+                      </a:pPr>
+                      <a:r>
+                        <a:rPr lang="zh-CN" altLang="en-US" sz="1400"/>
+                        <a:t>cookieDomain</a:t>
+                      </a:r>
+                      <a:endParaRPr lang="zh-CN" altLang="en-US" sz="1400"/>
+                    </a:p>
+                  </a:txBody>
+                  <a:tcPr/>
+                </a:tc>
+                <a:tc>
+                  <a:txBody>
+                    <a:bodyPr/>
+                    <a:p>
+                      <a:pPr>
+                        <a:buNone/>
+                      </a:pPr>
+                      <a:r>
+                        <a:rPr lang="zh-CN" altLang="en-US" sz="1400"/>
+                        <a:t>String</a:t>
+                      </a:r>
+                      <a:endParaRPr lang="zh-CN" altLang="en-US" sz="1400"/>
+                    </a:p>
+                  </a:txBody>
+                  <a:tcPr/>
+                </a:tc>
+                <a:tc>
+                  <a:txBody>
+                    <a:bodyPr/>
+                    <a:p>
+                      <a:pPr>
+                        <a:buNone/>
+                      </a:pPr>
+                      <a:r>
+                        <a:rPr lang="zh-CN" altLang="en-US" sz="1400"/>
+                        <a:t>This is the website domain, with the www. prefix removed.</a:t>
+                      </a:r>
+                      <a:endParaRPr lang="zh-CN" altLang="en-US" sz="1400"/>
+                    </a:p>
+                  </a:txBody>
+                  <a:tcPr/>
+                </a:tc>
+              </a:tr>
+            </a:tbl>
+          </a:graphicData>
+        </a:graphic>
+      </p:graphicFrame>
+    </p:spTree>
+  </p:cSld>
+  <p:clrMapOvr>
+    <a:masterClrMapping/>
+  </p:clrMapOvr>
+  <mc:AlternateContent xmlns:mc="http://schemas.openxmlformats.org/markup-compatibility/2006">
+    <mc:Choice xmlns:p14="http://schemas.microsoft.com/office/powerpoint/2010/main" Requires="p14">
+      <p:transition spd="slow" p14:dur="2000"/>
+    </mc:Choice>
+    <mc:Fallback>
+      <p:transition spd="slow"/>
+    </mc:Fallback>
+  </mc:AlternateContent>
+  <p:timing>
+    <p:tnLst>
+      <p:par>
+        <p:cTn id="1" dur="indefinite" restart="never" nodeType="tmRoot"/>
+      </p:par>
+    </p:tnLst>
+  </p:timing>
+</p:sld>
+</file>
+
+<file path=ppt/slides/slide2.xml><?xml version="1.0" encoding="utf-8"?>
+<p:sld xmlns:a="http://schemas.openxmlformats.org/drawingml/2006/main" xmlns:r="http://schemas.openxmlformats.org/officeDocument/2006/relationships" xmlns:p="http://schemas.openxmlformats.org/presentationml/2006/main">
+  <p:cSld>
+    <p:spTree>
+      <p:nvGrpSpPr>
+        <p:cNvPr id="1" name=""/>
+        <p:cNvGrpSpPr/>
+        <p:nvPr/>
+      </p:nvGrpSpPr>
+      <p:grpSpPr>
+        <a:xfrm>
+          <a:off x="0" y="0"/>
+          <a:ext cx="0" cy="0"/>
+          <a:chOff x="0" y="0"/>
+          <a:chExt cx="0" cy="0"/>
+        </a:xfrm>
+      </p:grpSpPr>
+      <p:sp>
+        <p:nvSpPr>
+          <p:cNvPr id="2" name="Title 1"/>
+          <p:cNvSpPr>
+            <a:spLocks noGrp="1"/>
+          </p:cNvSpPr>
+          <p:nvPr>
+            <p:ph type="title"/>
+          </p:nvPr>
+        </p:nvSpPr>
+        <p:spPr>
+          <a:xfrm>
+            <a:off x="457200" y="438150"/>
+            <a:ext cx="7620000" cy="422672"/>
+          </a:xfrm>
+        </p:spPr>
+        <p:txBody>
+          <a:bodyPr/>
+          <a:lstStyle/>
+          <a:p>
+            <a:r>
+              <a:rPr lang="zh-CN" altLang="zh-CN" dirty="0">
+                <a:solidFill>
+                  <a:srgbClr val="0070C0"/>
+                </a:solidFill>
+                <a:latin typeface="+mn-lt"/>
+                <a:ea typeface="+mn-ea"/>
+                <a:cs typeface="+mn-ea"/>
+                <a:sym typeface="+mn-lt"/>
+              </a:rPr>
+              <a:t>目录</a:t>
+            </a:r>
+            <a:endParaRPr lang="zh-CN" altLang="zh-CN" dirty="0">
+              <a:solidFill>
+                <a:srgbClr val="0070C0"/>
+              </a:solidFill>
+              <a:latin typeface="+mn-lt"/>
+              <a:ea typeface="+mn-ea"/>
+              <a:cs typeface="+mn-ea"/>
+              <a:sym typeface="+mn-lt"/>
+            </a:endParaRPr>
+          </a:p>
+        </p:txBody>
+      </p:sp>
+      <p:sp>
+        <p:nvSpPr>
+          <p:cNvPr id="3" name="Footer Placeholder 2"/>
           <p:cNvSpPr>
             <a:spLocks noGrp="1"/>
           </p:cNvSpPr>
@@ -11073,201 +8836,156 @@
       </p:sp>
       <p:sp>
         <p:nvSpPr>
-          <p:cNvPr id="5" name="文本框 4"/>
-          <p:cNvSpPr txBox="1"/>
-          <p:nvPr/>
+          <p:cNvPr id="5" name="文本占位符 4"/>
+          <p:cNvSpPr/>
+          <p:nvPr>
+            <p:ph type="body" sz="quarter" idx="25"/>
+          </p:nvPr>
         </p:nvSpPr>
         <p:spPr>
           <a:xfrm>
-            <a:off x="389255" y="948690"/>
-            <a:ext cx="7764145" cy="4092575"/>
+            <a:off x="564515" y="958850"/>
+            <a:ext cx="6102350" cy="3724275"/>
           </a:xfrm>
-          <a:prstGeom prst="rect">
-            <a:avLst/>
-          </a:prstGeom>
-          <a:noFill/>
         </p:spPr>
         <p:txBody>
-          <a:bodyPr wrap="square" rtlCol="0">
-            <a:spAutoFit/>
-          </a:bodyPr>
-          <a:p>
-            <a:r>
-              <a:rPr lang="zh-CN" altLang="en-US" sz="900"/>
-              <a:t>(</a:t>
-            </a:r>
-            <a:r>
-              <a:rPr lang="zh-CN" altLang="en-US" sz="1000"/>
-              <a:t>function ($) {</a:t>
-            </a:r>
-            <a:endParaRPr lang="zh-CN" altLang="en-US" sz="1000"/>
-          </a:p>
-          <a:p>
-            <a:r>
-              <a:rPr lang="zh-CN" altLang="en-US" sz="1000"/>
-              <a:t>    'use strict';</a:t>
-            </a:r>
-            <a:endParaRPr lang="zh-CN" altLang="en-US" sz="1000"/>
-          </a:p>
-          <a:p>
-            <a:endParaRPr lang="zh-CN" altLang="en-US" sz="1000"/>
-          </a:p>
-          <a:p>
-            <a:r>
-              <a:rPr lang="zh-CN" altLang="en-US" sz="1000"/>
-              <a:t>    $.fn.bootstrapTable.locales['zh-CN'] = {</a:t>
-            </a:r>
-            <a:endParaRPr lang="zh-CN" altLang="en-US" sz="1000"/>
-          </a:p>
-          <a:p>
-            <a:r>
-              <a:rPr lang="zh-CN" altLang="en-US" sz="1000"/>
-              <a:t>        formatLoadingMessage: function () {</a:t>
-            </a:r>
-            <a:endParaRPr lang="zh-CN" altLang="en-US" sz="1000"/>
-          </a:p>
-          <a:p>
-            <a:r>
-              <a:rPr lang="zh-CN" altLang="en-US" sz="1000"/>
-              <a:t>            return '正在努力地加载数据中，请稍候……';</a:t>
-            </a:r>
-            <a:endParaRPr lang="zh-CN" altLang="en-US" sz="1000"/>
-          </a:p>
-          <a:p>
-            <a:r>
-              <a:rPr lang="zh-CN" altLang="en-US" sz="1000"/>
-              <a:t>        },</a:t>
-            </a:r>
-            <a:endParaRPr lang="zh-CN" altLang="en-US" sz="1000"/>
-          </a:p>
-          <a:p>
-            <a:r>
-              <a:rPr lang="zh-CN" altLang="en-US" sz="1000"/>
-              <a:t>        formatRecordsPerPage: function (pageNumber) {</a:t>
-            </a:r>
-            <a:endParaRPr lang="zh-CN" altLang="en-US" sz="1000"/>
-          </a:p>
-          <a:p>
-            <a:r>
-              <a:rPr lang="zh-CN" altLang="en-US" sz="1000"/>
-              <a:t>            return '每页显示 ' + pageNumber + ' 条记录';</a:t>
-            </a:r>
-            <a:endParaRPr lang="zh-CN" altLang="en-US" sz="1000"/>
-          </a:p>
-          <a:p>
-            <a:r>
-              <a:rPr lang="zh-CN" altLang="en-US" sz="1000"/>
-              <a:t>        },</a:t>
-            </a:r>
-            <a:endParaRPr lang="zh-CN" altLang="en-US" sz="1000"/>
-          </a:p>
-          <a:p>
-            <a:r>
-              <a:rPr lang="zh-CN" altLang="en-US" sz="1000"/>
-              <a:t>        formatShowingRows: function (pageFrom, pageTo, totalRows) {</a:t>
-            </a:r>
-            <a:endParaRPr lang="zh-CN" altLang="en-US" sz="1000"/>
-          </a:p>
-          <a:p>
-            <a:r>
-              <a:rPr lang="zh-CN" altLang="en-US" sz="1000"/>
-              <a:t>            return '显示第 ' + pageFrom + ' 到第 ' + pageTo + ' 条记录，总共 ' + totalRows + ' 条记录';</a:t>
-            </a:r>
-            <a:endParaRPr lang="zh-CN" altLang="en-US" sz="1000"/>
-          </a:p>
-          <a:p>
-            <a:r>
-              <a:rPr lang="zh-CN" altLang="en-US" sz="1000"/>
-              <a:t>        },</a:t>
-            </a:r>
-            <a:endParaRPr lang="zh-CN" altLang="en-US" sz="1000"/>
-          </a:p>
-          <a:p>
-            <a:r>
-              <a:rPr lang="zh-CN" altLang="en-US" sz="1000"/>
-              <a:t>        formatSearch: function () {</a:t>
-            </a:r>
-            <a:endParaRPr lang="zh-CN" altLang="en-US" sz="1000"/>
-          </a:p>
-          <a:p>
-            <a:r>
-              <a:rPr lang="zh-CN" altLang="en-US" sz="1000"/>
-              <a:t>            return '搜索';</a:t>
-            </a:r>
-            <a:endParaRPr lang="zh-CN" altLang="en-US" sz="1000"/>
-          </a:p>
-          <a:p>
-            <a:r>
-              <a:rPr lang="zh-CN" altLang="en-US" sz="1000"/>
-              <a:t>        },</a:t>
-            </a:r>
-            <a:endParaRPr lang="zh-CN" altLang="en-US" sz="1000"/>
-          </a:p>
-          <a:p>
-            <a:r>
-              <a:rPr lang="zh-CN" altLang="en-US" sz="1000"/>
-              <a:t>        formatNoMatches: function () {</a:t>
-            </a:r>
-            <a:endParaRPr lang="zh-CN" altLang="en-US" sz="1000"/>
-          </a:p>
-          <a:p>
-            <a:r>
-              <a:rPr lang="zh-CN" altLang="en-US" sz="1000"/>
-              <a:t>            return '没有找到匹配的记录';</a:t>
-            </a:r>
-            <a:endParaRPr lang="zh-CN" altLang="en-US" sz="1000"/>
-          </a:p>
-          <a:p>
-            <a:r>
-              <a:rPr lang="zh-CN" altLang="en-US" sz="1000"/>
-              <a:t>        },</a:t>
-            </a:r>
-            <a:endParaRPr lang="zh-CN" altLang="en-US" sz="1000"/>
-          </a:p>
-          <a:p>
-            <a:r>
-              <a:rPr lang="zh-CN" altLang="en-US" sz="1000"/>
-              <a:t>        formatPaginationSwitch: function () {</a:t>
-            </a:r>
-            <a:endParaRPr lang="zh-CN" altLang="en-US" sz="1000"/>
-          </a:p>
-          <a:p>
-            <a:r>
-              <a:rPr lang="zh-CN" altLang="en-US" sz="1000"/>
-              <a:t>            return '隐藏/显示分页';</a:t>
-            </a:r>
-            <a:endParaRPr lang="zh-CN" altLang="en-US" sz="1000"/>
-          </a:p>
-          <a:p>
-            <a:r>
-              <a:rPr lang="zh-CN" altLang="en-US" sz="1000"/>
-              <a:t>        },</a:t>
-            </a:r>
-            <a:endParaRPr lang="zh-CN" altLang="en-US" sz="1000"/>
-          </a:p>
-          <a:p>
-            <a:r>
-              <a:rPr lang="zh-CN" altLang="en-US" sz="1000"/>
-              <a:t>       </a:t>
-            </a:r>
-            <a:endParaRPr lang="zh-CN" altLang="en-US" sz="1000"/>
-          </a:p>
-          <a:p>
-            <a:r>
-              <a:rPr lang="zh-CN" altLang="en-US" sz="1000"/>
-              <a:t>    $.extend($.fn.bootstrapTable.defaults, $.fn.bootstrapTable.locales['zh-CN']);</a:t>
-            </a:r>
-            <a:endParaRPr lang="zh-CN" altLang="en-US" sz="1000"/>
-          </a:p>
-          <a:p>
-            <a:endParaRPr lang="zh-CN" altLang="en-US" sz="1000"/>
-          </a:p>
-          <a:p>
-            <a:r>
-              <a:rPr lang="zh-CN" altLang="en-US" sz="1000"/>
-              <a:t>})(jQuery);</a:t>
-            </a:r>
-            <a:endParaRPr lang="zh-CN" altLang="en-US" sz="1000"/>
+          <a:bodyPr/>
+          <a:p>
+            <a:endParaRPr lang="zh-CN" altLang="en-US"/>
+          </a:p>
+          <a:p>
+            <a:endParaRPr lang="zh-CN" altLang="en-US"/>
+          </a:p>
+          <a:p>
+            <a:endParaRPr lang="zh-CN" altLang="en-US"/>
+          </a:p>
+          <a:p>
+            <a:endParaRPr lang="zh-CN" altLang="en-US"/>
+          </a:p>
+          <a:p>
+            <a:endParaRPr lang="zh-CN" altLang="en-US"/>
+          </a:p>
+          <a:p>
+            <a:endParaRPr lang="zh-CN" altLang="en-US"/>
+          </a:p>
+          <a:p>
+            <a:endParaRPr lang="en-US" altLang="zh-CN"/>
+          </a:p>
+          <a:p>
+            <a:endParaRPr lang="en-US" altLang="zh-CN" sz="2000"/>
+          </a:p>
+          <a:p>
+            <a:endParaRPr lang="en-US" altLang="zh-CN" sz="2000"/>
+          </a:p>
+          <a:p>
+            <a:endParaRPr lang="en-US" altLang="zh-CN" sz="2000"/>
+          </a:p>
+          <a:p>
+            <a:r>
+              <a:rPr lang="en-US" altLang="zh-CN" sz="2000"/>
+              <a:t>1 </a:t>
+            </a:r>
+            <a:r>
+              <a:rPr lang="zh-CN" altLang="en-US" sz="2000"/>
+              <a:t>简介</a:t>
+            </a:r>
+            <a:endParaRPr lang="zh-CN" altLang="en-US" sz="2000"/>
+          </a:p>
+          <a:p>
+            <a:endParaRPr lang="zh-CN" altLang="en-US" sz="2000"/>
+          </a:p>
+          <a:p>
+            <a:r>
+              <a:rPr lang="en-US" altLang="zh-CN" sz="1800"/>
+              <a:t>2 </a:t>
+            </a:r>
+            <a:r>
+              <a:rPr lang="zh-CN" altLang="en-US" sz="1800"/>
+              <a:t>示例</a:t>
+            </a:r>
+            <a:endParaRPr lang="zh-CN" altLang="en-US" sz="1800"/>
+          </a:p>
+          <a:p>
+            <a:endParaRPr lang="zh-CN" altLang="en-US" sz="1800"/>
+          </a:p>
+          <a:p>
+            <a:r>
+              <a:rPr lang="en-US" altLang="zh-CN" sz="1800"/>
+              <a:t>3 </a:t>
+            </a:r>
+            <a:r>
+              <a:rPr lang="zh-CN" altLang="en-US" sz="1800"/>
+              <a:t>参数</a:t>
+            </a:r>
+            <a:endParaRPr lang="zh-CN" altLang="en-US" sz="1800"/>
+          </a:p>
+          <a:p>
+            <a:endParaRPr lang="zh-CN" altLang="en-US" sz="1800"/>
+          </a:p>
+          <a:p>
+            <a:r>
+              <a:rPr lang="en-US" altLang="zh-CN" sz="1800"/>
+              <a:t>4 </a:t>
+            </a:r>
+            <a:r>
+              <a:rPr lang="zh-CN" altLang="en-US" sz="1800"/>
+              <a:t>事件 </a:t>
+            </a:r>
+            <a:endParaRPr lang="zh-CN" altLang="en-US" sz="1800"/>
+          </a:p>
+          <a:p>
+            <a:endParaRPr lang="zh-CN" altLang="en-US" sz="1800"/>
+          </a:p>
+          <a:p>
+            <a:r>
+              <a:rPr lang="en-US" altLang="zh-CN" sz="1800"/>
+              <a:t>5 </a:t>
+            </a:r>
+            <a:r>
+              <a:rPr lang="zh-CN" altLang="en-US" sz="1800"/>
+              <a:t>扩展</a:t>
+            </a:r>
+            <a:endParaRPr lang="zh-CN" altLang="en-US" sz="1800"/>
+          </a:p>
+          <a:p>
+            <a:endParaRPr lang="zh-CN" altLang="en-US" sz="1800"/>
+          </a:p>
+          <a:p>
+            <a:endParaRPr lang="zh-CN" altLang="en-US" sz="2000"/>
+          </a:p>
+          <a:p>
+            <a:endParaRPr lang="zh-CN" altLang="en-US"/>
+          </a:p>
+          <a:p>
+            <a:pPr algn="just"/>
+            <a:endParaRPr lang="zh-CN" altLang="en-US"/>
+          </a:p>
+          <a:p>
+            <a:endParaRPr lang="zh-CN" altLang="en-US"/>
+          </a:p>
+          <a:p>
+            <a:endParaRPr lang="zh-CN" altLang="en-US"/>
+          </a:p>
+          <a:p>
+            <a:endParaRPr lang="zh-CN" altLang="en-US"/>
+          </a:p>
+          <a:p>
+            <a:endParaRPr lang="zh-CN" altLang="en-US"/>
+          </a:p>
+          <a:p>
+            <a:endParaRPr lang="zh-CN" altLang="en-US"/>
+          </a:p>
+          <a:p>
+            <a:endParaRPr lang="zh-CN" altLang="en-US"/>
+          </a:p>
+          <a:p>
+            <a:endParaRPr lang="zh-CN" altLang="en-US"/>
+          </a:p>
+          <a:p>
+            <a:endParaRPr lang="zh-CN" altLang="en-US"/>
+          </a:p>
+          <a:p>
+            <a:endParaRPr lang="zh-CN" altLang="en-US"/>
           </a:p>
         </p:txBody>
       </p:sp>
@@ -11294,7 +9012,568 @@
 </p:sld>
 </file>
 
-<file path=ppt/slides/slide19.xml><?xml version="1.0" encoding="utf-8"?>
+<file path=ppt/slides/slide20.xml><?xml version="1.0" encoding="utf-8"?>
+<p:sld xmlns:a="http://schemas.openxmlformats.org/drawingml/2006/main" xmlns:r="http://schemas.openxmlformats.org/officeDocument/2006/relationships" xmlns:p="http://schemas.openxmlformats.org/presentationml/2006/main">
+  <p:cSld>
+    <p:spTree>
+      <p:nvGrpSpPr>
+        <p:cNvPr id="1" name=""/>
+        <p:cNvGrpSpPr/>
+        <p:nvPr/>
+      </p:nvGrpSpPr>
+      <p:grpSpPr>
+        <a:xfrm>
+          <a:off x="0" y="0"/>
+          <a:ext cx="0" cy="0"/>
+          <a:chOff x="0" y="0"/>
+          <a:chExt cx="0" cy="0"/>
+        </a:xfrm>
+      </p:grpSpPr>
+      <p:sp>
+        <p:nvSpPr>
+          <p:cNvPr id="3" name="Title 2"/>
+          <p:cNvSpPr>
+            <a:spLocks noGrp="1"/>
+          </p:cNvSpPr>
+          <p:nvPr>
+            <p:ph type="title"/>
+          </p:nvPr>
+        </p:nvSpPr>
+        <p:spPr>
+          <a:xfrm>
+            <a:off x="457200" y="438150"/>
+            <a:ext cx="8229600" cy="422672"/>
+          </a:xfrm>
+        </p:spPr>
+        <p:txBody>
+          <a:bodyPr/>
+          <a:lstStyle/>
+          <a:p>
+            <a:r>
+              <a:rPr lang="en-US" altLang="zh-CN" sz="3600" dirty="0">
+                <a:solidFill>
+                  <a:srgbClr val="0070C0"/>
+                </a:solidFill>
+                <a:latin typeface="+mn-lt"/>
+                <a:ea typeface="+mn-ea"/>
+                <a:cs typeface="+mn-ea"/>
+                <a:sym typeface="+mn-lt"/>
+              </a:rPr>
+              <a:t>Context Menu</a:t>
+            </a:r>
+            <a:endParaRPr lang="en-US" altLang="zh-CN" sz="3600" dirty="0">
+              <a:solidFill>
+                <a:srgbClr val="0070C0"/>
+              </a:solidFill>
+              <a:latin typeface="+mn-lt"/>
+              <a:ea typeface="+mn-ea"/>
+              <a:cs typeface="+mn-ea"/>
+              <a:sym typeface="+mn-lt"/>
+            </a:endParaRPr>
+          </a:p>
+        </p:txBody>
+      </p:sp>
+      <p:sp>
+        <p:nvSpPr>
+          <p:cNvPr id="2" name="文本框 1"/>
+          <p:cNvSpPr txBox="1"/>
+          <p:nvPr/>
+        </p:nvSpPr>
+        <p:spPr>
+          <a:xfrm>
+            <a:off x="767715" y="1185545"/>
+            <a:ext cx="7608570" cy="368300"/>
+          </a:xfrm>
+          <a:prstGeom prst="rect">
+            <a:avLst/>
+          </a:prstGeom>
+          <a:noFill/>
+        </p:spPr>
+        <p:txBody>
+          <a:bodyPr wrap="square" rtlCol="0">
+            <a:spAutoFit/>
+          </a:bodyPr>
+          <a:p>
+            <a:r>
+              <a:rPr lang="zh-CN" altLang="en-US"/>
+              <a:t>&lt;script src=</a:t>
+            </a:r>
+            <a:r>
+              <a:rPr lang="zh-CN" altLang="en-US">
+                <a:sym typeface="+mn-ea"/>
+              </a:rPr>
+              <a:t>"</a:t>
+            </a:r>
+            <a:r>
+              <a:rPr lang="zh-CN" altLang="en-US"/>
+              <a:t>bootstrap-table-contextmenu"&gt;&lt;/script&gt;</a:t>
+            </a:r>
+            <a:endParaRPr lang="zh-CN" altLang="en-US"/>
+          </a:p>
+        </p:txBody>
+      </p:sp>
+      <p:graphicFrame>
+        <p:nvGraphicFramePr>
+          <p:cNvPr id="4" name="表格 3"/>
+          <p:cNvGraphicFramePr/>
+          <p:nvPr/>
+        </p:nvGraphicFramePr>
+        <p:xfrm>
+          <a:off x="880745" y="1663700"/>
+          <a:ext cx="7644765" cy="1477010"/>
+        </p:xfrm>
+        <a:graphic>
+          <a:graphicData uri="http://schemas.openxmlformats.org/drawingml/2006/table">
+            <a:tbl>
+              <a:tblPr firstRow="1" bandRow="1">
+                <a:tableStyleId>{5C22544A-7EE6-4342-B048-85BDC9FD1C3A}</a:tableStyleId>
+              </a:tblPr>
+              <a:tblGrid>
+                <a:gridCol w="2126615"/>
+                <a:gridCol w="2969895"/>
+                <a:gridCol w="2548255"/>
+              </a:tblGrid>
+              <a:tr h="654050">
+                <a:tc>
+                  <a:txBody>
+                    <a:bodyPr/>
+                    <a:p>
+                      <a:pPr>
+                        <a:buNone/>
+                      </a:pPr>
+                      <a:r>
+                        <a:rPr lang="zh-CN" altLang="en-US" sz="1400"/>
+                        <a:t>contextMenu</a:t>
+                      </a:r>
+                      <a:endParaRPr lang="zh-CN" altLang="en-US" sz="1400"/>
+                    </a:p>
+                  </a:txBody>
+                  <a:tcPr/>
+                </a:tc>
+                <a:tc>
+                  <a:txBody>
+                    <a:bodyPr/>
+                    <a:p>
+                      <a:pPr>
+                        <a:buNone/>
+                      </a:pPr>
+                      <a:r>
+                        <a:rPr lang="zh-CN" altLang="en-US" sz="1400"/>
+                        <a:t>String</a:t>
+                      </a:r>
+                      <a:endParaRPr lang="zh-CN" altLang="en-US" sz="1400"/>
+                    </a:p>
+                  </a:txBody>
+                  <a:tcPr/>
+                </a:tc>
+                <a:tc>
+                  <a:txBody>
+                    <a:bodyPr/>
+                    <a:p>
+                      <a:pPr>
+                        <a:buNone/>
+                      </a:pPr>
+                      <a:r>
+                        <a:rPr lang="zh-CN" altLang="en-US" sz="1400"/>
+                        <a:t>A jQuery selector that indicates the contextmenu.</a:t>
+                      </a:r>
+                      <a:endParaRPr lang="zh-CN" altLang="en-US" sz="1400"/>
+                    </a:p>
+                  </a:txBody>
+                  <a:tcPr/>
+                </a:tc>
+              </a:tr>
+              <a:tr h="822960">
+                <a:tc>
+                  <a:txBody>
+                    <a:bodyPr/>
+                    <a:p>
+                      <a:pPr>
+                        <a:buNone/>
+                      </a:pPr>
+                      <a:r>
+                        <a:rPr lang="zh-CN" altLang="en-US" sz="1400"/>
+                        <a:t>contextMenuTrigger</a:t>
+                      </a:r>
+                      <a:endParaRPr lang="zh-CN" altLang="en-US" sz="1400"/>
+                    </a:p>
+                  </a:txBody>
+                  <a:tcPr/>
+                </a:tc>
+                <a:tc>
+                  <a:txBody>
+                    <a:bodyPr/>
+                    <a:p>
+                      <a:pPr>
+                        <a:buNone/>
+                      </a:pPr>
+                      <a:r>
+                        <a:rPr lang="zh-CN" altLang="en-US" sz="1400"/>
+                        <a:t>'right','left','both'</a:t>
+                      </a:r>
+                      <a:endParaRPr lang="zh-CN" altLang="en-US" sz="1400"/>
+                    </a:p>
+                  </a:txBody>
+                  <a:tcPr/>
+                </a:tc>
+                <a:tc>
+                  <a:txBody>
+                    <a:bodyPr/>
+                    <a:p>
+                      <a:pPr>
+                        <a:buNone/>
+                      </a:pPr>
+                      <a:r>
+                        <a:rPr lang="zh-CN" altLang="en-US" sz="1400"/>
+                        <a:t> Set what type of click will open the context menu.</a:t>
+                      </a:r>
+                      <a:endParaRPr lang="zh-CN" altLang="en-US" sz="1400"/>
+                    </a:p>
+                  </a:txBody>
+                  <a:tcPr/>
+                </a:tc>
+              </a:tr>
+            </a:tbl>
+          </a:graphicData>
+        </a:graphic>
+      </p:graphicFrame>
+    </p:spTree>
+  </p:cSld>
+  <p:clrMapOvr>
+    <a:masterClrMapping/>
+  </p:clrMapOvr>
+  <mc:AlternateContent xmlns:mc="http://schemas.openxmlformats.org/markup-compatibility/2006">
+    <mc:Choice xmlns:p14="http://schemas.microsoft.com/office/powerpoint/2010/main" Requires="p14">
+      <p:transition spd="slow" p14:dur="2000"/>
+    </mc:Choice>
+    <mc:Fallback>
+      <p:transition spd="slow"/>
+    </mc:Fallback>
+  </mc:AlternateContent>
+  <p:timing>
+    <p:tnLst>
+      <p:par>
+        <p:cTn id="1" dur="indefinite" restart="never" nodeType="tmRoot"/>
+      </p:par>
+    </p:tnLst>
+  </p:timing>
+</p:sld>
+</file>
+
+<file path=ppt/slides/slide21.xml><?xml version="1.0" encoding="utf-8"?>
+<p:sld xmlns:a="http://schemas.openxmlformats.org/drawingml/2006/main" xmlns:r="http://schemas.openxmlformats.org/officeDocument/2006/relationships" xmlns:p="http://schemas.openxmlformats.org/presentationml/2006/main">
+  <p:cSld>
+    <p:spTree>
+      <p:nvGrpSpPr>
+        <p:cNvPr id="1" name=""/>
+        <p:cNvGrpSpPr/>
+        <p:nvPr/>
+      </p:nvGrpSpPr>
+      <p:grpSpPr>
+        <a:xfrm>
+          <a:off x="0" y="0"/>
+          <a:ext cx="0" cy="0"/>
+          <a:chOff x="0" y="0"/>
+          <a:chExt cx="0" cy="0"/>
+        </a:xfrm>
+      </p:grpSpPr>
+      <p:sp>
+        <p:nvSpPr>
+          <p:cNvPr id="3" name="Title 2"/>
+          <p:cNvSpPr>
+            <a:spLocks noGrp="1"/>
+          </p:cNvSpPr>
+          <p:nvPr>
+            <p:ph type="title"/>
+          </p:nvPr>
+        </p:nvSpPr>
+        <p:spPr>
+          <a:xfrm>
+            <a:off x="457200" y="438150"/>
+            <a:ext cx="7620000" cy="422672"/>
+          </a:xfrm>
+        </p:spPr>
+        <p:txBody>
+          <a:bodyPr/>
+          <a:lstStyle/>
+          <a:p>
+            <a:r>
+              <a:rPr lang="zh-CN" altLang="en-US" dirty="0">
+                <a:solidFill>
+                  <a:srgbClr val="0070C0"/>
+                </a:solidFill>
+                <a:latin typeface="+mn-lt"/>
+                <a:ea typeface="+mn-ea"/>
+                <a:cs typeface="+mn-ea"/>
+                <a:sym typeface="+mn-lt"/>
+              </a:rPr>
+              <a:t>多语言</a:t>
+            </a:r>
+            <a:endParaRPr lang="zh-CN" altLang="en-US" dirty="0">
+              <a:solidFill>
+                <a:srgbClr val="0070C0"/>
+              </a:solidFill>
+              <a:latin typeface="+mn-lt"/>
+              <a:ea typeface="+mn-ea"/>
+              <a:cs typeface="+mn-ea"/>
+              <a:sym typeface="+mn-lt"/>
+            </a:endParaRPr>
+          </a:p>
+        </p:txBody>
+      </p:sp>
+      <p:sp>
+        <p:nvSpPr>
+          <p:cNvPr id="4" name="Footer Placeholder 3"/>
+          <p:cNvSpPr>
+            <a:spLocks noGrp="1"/>
+          </p:cNvSpPr>
+          <p:nvPr>
+            <p:ph type="ftr" sz="quarter" idx="11"/>
+          </p:nvPr>
+        </p:nvSpPr>
+        <p:spPr/>
+        <p:txBody>
+          <a:bodyPr/>
+          <a:lstStyle/>
+          <a:p>
+            <a:r>
+              <a:rPr lang="en-US" dirty="0" smtClean="0">
+                <a:cs typeface="+mn-ea"/>
+                <a:sym typeface="+mn-lt"/>
+              </a:rPr>
+              <a:t> </a:t>
+            </a:r>
+            <a:endParaRPr lang="en-US" dirty="0">
+              <a:cs typeface="+mn-ea"/>
+              <a:sym typeface="+mn-lt"/>
+            </a:endParaRPr>
+          </a:p>
+        </p:txBody>
+      </p:sp>
+      <p:sp>
+        <p:nvSpPr>
+          <p:cNvPr id="5" name="文本框 4"/>
+          <p:cNvSpPr txBox="1"/>
+          <p:nvPr/>
+        </p:nvSpPr>
+        <p:spPr>
+          <a:xfrm>
+            <a:off x="389255" y="948690"/>
+            <a:ext cx="7764145" cy="4092575"/>
+          </a:xfrm>
+          <a:prstGeom prst="rect">
+            <a:avLst/>
+          </a:prstGeom>
+          <a:noFill/>
+        </p:spPr>
+        <p:txBody>
+          <a:bodyPr wrap="square" rtlCol="0">
+            <a:spAutoFit/>
+          </a:bodyPr>
+          <a:p>
+            <a:r>
+              <a:rPr lang="zh-CN" altLang="en-US" sz="900"/>
+              <a:t>(</a:t>
+            </a:r>
+            <a:r>
+              <a:rPr lang="zh-CN" altLang="en-US" sz="1000"/>
+              <a:t>function ($) {</a:t>
+            </a:r>
+            <a:endParaRPr lang="zh-CN" altLang="en-US" sz="1000"/>
+          </a:p>
+          <a:p>
+            <a:r>
+              <a:rPr lang="zh-CN" altLang="en-US" sz="1000"/>
+              <a:t>    'use strict';</a:t>
+            </a:r>
+            <a:endParaRPr lang="zh-CN" altLang="en-US" sz="1000"/>
+          </a:p>
+          <a:p>
+            <a:endParaRPr lang="zh-CN" altLang="en-US" sz="1000"/>
+          </a:p>
+          <a:p>
+            <a:r>
+              <a:rPr lang="zh-CN" altLang="en-US" sz="1000"/>
+              <a:t>    $.fn.bootstrapTable.locales['zh-CN'] = {</a:t>
+            </a:r>
+            <a:endParaRPr lang="zh-CN" altLang="en-US" sz="1000"/>
+          </a:p>
+          <a:p>
+            <a:r>
+              <a:rPr lang="zh-CN" altLang="en-US" sz="1000"/>
+              <a:t>        formatLoadingMessage: function () {</a:t>
+            </a:r>
+            <a:endParaRPr lang="zh-CN" altLang="en-US" sz="1000"/>
+          </a:p>
+          <a:p>
+            <a:r>
+              <a:rPr lang="zh-CN" altLang="en-US" sz="1000"/>
+              <a:t>            return '正在努力地加载数据中，请稍候……';</a:t>
+            </a:r>
+            <a:endParaRPr lang="zh-CN" altLang="en-US" sz="1000"/>
+          </a:p>
+          <a:p>
+            <a:r>
+              <a:rPr lang="zh-CN" altLang="en-US" sz="1000"/>
+              <a:t>        },</a:t>
+            </a:r>
+            <a:endParaRPr lang="zh-CN" altLang="en-US" sz="1000"/>
+          </a:p>
+          <a:p>
+            <a:r>
+              <a:rPr lang="zh-CN" altLang="en-US" sz="1000"/>
+              <a:t>        formatRecordsPerPage: function (pageNumber) {</a:t>
+            </a:r>
+            <a:endParaRPr lang="zh-CN" altLang="en-US" sz="1000"/>
+          </a:p>
+          <a:p>
+            <a:r>
+              <a:rPr lang="zh-CN" altLang="en-US" sz="1000"/>
+              <a:t>            return '每页显示 ' + pageNumber + ' 条记录';</a:t>
+            </a:r>
+            <a:endParaRPr lang="zh-CN" altLang="en-US" sz="1000"/>
+          </a:p>
+          <a:p>
+            <a:r>
+              <a:rPr lang="zh-CN" altLang="en-US" sz="1000"/>
+              <a:t>        },</a:t>
+            </a:r>
+            <a:endParaRPr lang="zh-CN" altLang="en-US" sz="1000"/>
+          </a:p>
+          <a:p>
+            <a:r>
+              <a:rPr lang="zh-CN" altLang="en-US" sz="1000"/>
+              <a:t>        formatShowingRows: function (pageFrom, pageTo, totalRows) {</a:t>
+            </a:r>
+            <a:endParaRPr lang="zh-CN" altLang="en-US" sz="1000"/>
+          </a:p>
+          <a:p>
+            <a:r>
+              <a:rPr lang="zh-CN" altLang="en-US" sz="1000"/>
+              <a:t>            return '显示第 ' + pageFrom + ' 到第 ' + pageTo + ' 条记录，总共 ' + totalRows + ' 条记录';</a:t>
+            </a:r>
+            <a:endParaRPr lang="zh-CN" altLang="en-US" sz="1000"/>
+          </a:p>
+          <a:p>
+            <a:r>
+              <a:rPr lang="zh-CN" altLang="en-US" sz="1000"/>
+              <a:t>        },</a:t>
+            </a:r>
+            <a:endParaRPr lang="zh-CN" altLang="en-US" sz="1000"/>
+          </a:p>
+          <a:p>
+            <a:r>
+              <a:rPr lang="zh-CN" altLang="en-US" sz="1000"/>
+              <a:t>        formatSearch: function () {</a:t>
+            </a:r>
+            <a:endParaRPr lang="zh-CN" altLang="en-US" sz="1000"/>
+          </a:p>
+          <a:p>
+            <a:r>
+              <a:rPr lang="zh-CN" altLang="en-US" sz="1000"/>
+              <a:t>            return '搜索';</a:t>
+            </a:r>
+            <a:endParaRPr lang="zh-CN" altLang="en-US" sz="1000"/>
+          </a:p>
+          <a:p>
+            <a:r>
+              <a:rPr lang="zh-CN" altLang="en-US" sz="1000"/>
+              <a:t>        },</a:t>
+            </a:r>
+            <a:endParaRPr lang="zh-CN" altLang="en-US" sz="1000"/>
+          </a:p>
+          <a:p>
+            <a:r>
+              <a:rPr lang="zh-CN" altLang="en-US" sz="1000"/>
+              <a:t>        formatNoMatches: function () {</a:t>
+            </a:r>
+            <a:endParaRPr lang="zh-CN" altLang="en-US" sz="1000"/>
+          </a:p>
+          <a:p>
+            <a:r>
+              <a:rPr lang="zh-CN" altLang="en-US" sz="1000"/>
+              <a:t>            return '没有找到匹配的记录';</a:t>
+            </a:r>
+            <a:endParaRPr lang="zh-CN" altLang="en-US" sz="1000"/>
+          </a:p>
+          <a:p>
+            <a:r>
+              <a:rPr lang="zh-CN" altLang="en-US" sz="1000"/>
+              <a:t>        },</a:t>
+            </a:r>
+            <a:endParaRPr lang="zh-CN" altLang="en-US" sz="1000"/>
+          </a:p>
+          <a:p>
+            <a:r>
+              <a:rPr lang="zh-CN" altLang="en-US" sz="1000"/>
+              <a:t>        formatPaginationSwitch: function () {</a:t>
+            </a:r>
+            <a:endParaRPr lang="zh-CN" altLang="en-US" sz="1000"/>
+          </a:p>
+          <a:p>
+            <a:r>
+              <a:rPr lang="zh-CN" altLang="en-US" sz="1000"/>
+              <a:t>            return '隐藏/显示分页';</a:t>
+            </a:r>
+            <a:endParaRPr lang="zh-CN" altLang="en-US" sz="1000"/>
+          </a:p>
+          <a:p>
+            <a:r>
+              <a:rPr lang="zh-CN" altLang="en-US" sz="1000"/>
+              <a:t>        },</a:t>
+            </a:r>
+            <a:endParaRPr lang="zh-CN" altLang="en-US" sz="1000"/>
+          </a:p>
+          <a:p>
+            <a:r>
+              <a:rPr lang="zh-CN" altLang="en-US" sz="1000"/>
+              <a:t>       </a:t>
+            </a:r>
+            <a:endParaRPr lang="zh-CN" altLang="en-US" sz="1000"/>
+          </a:p>
+          <a:p>
+            <a:r>
+              <a:rPr lang="zh-CN" altLang="en-US" sz="1000"/>
+              <a:t>    $.extend($.fn.bootstrapTable.defaults, $.fn.bootstrapTable.locales['zh-CN']);</a:t>
+            </a:r>
+            <a:endParaRPr lang="zh-CN" altLang="en-US" sz="1000"/>
+          </a:p>
+          <a:p>
+            <a:endParaRPr lang="zh-CN" altLang="en-US" sz="1000"/>
+          </a:p>
+          <a:p>
+            <a:r>
+              <a:rPr lang="zh-CN" altLang="en-US" sz="1000"/>
+              <a:t>})(jQuery);</a:t>
+            </a:r>
+            <a:endParaRPr lang="zh-CN" altLang="en-US" sz="1000"/>
+          </a:p>
+        </p:txBody>
+      </p:sp>
+    </p:spTree>
+  </p:cSld>
+  <p:clrMapOvr>
+    <a:masterClrMapping/>
+  </p:clrMapOvr>
+  <mc:AlternateContent xmlns:mc="http://schemas.openxmlformats.org/markup-compatibility/2006">
+    <mc:Choice xmlns:p14="http://schemas.microsoft.com/office/powerpoint/2010/main" Requires="p14">
+      <p:transition spd="slow" p14:dur="2000"/>
+    </mc:Choice>
+    <mc:Fallback>
+      <p:transition spd="slow"/>
+    </mc:Fallback>
+  </mc:AlternateContent>
+  <p:timing>
+    <p:tnLst>
+      <p:par>
+        <p:cTn id="1" dur="indefinite" restart="never" nodeType="tmRoot"/>
+      </p:par>
+    </p:tnLst>
+  </p:timing>
+</p:sld>
+</file>
+
+<file path=ppt/slides/slide22.xml><?xml version="1.0" encoding="utf-8"?>
 <p:sld xmlns:a="http://schemas.openxmlformats.org/drawingml/2006/main" xmlns:r="http://schemas.openxmlformats.org/officeDocument/2006/relationships" xmlns:p="http://schemas.openxmlformats.org/presentationml/2006/main">
   <p:cSld>
     <p:spTree>
@@ -11838,7 +10117,7 @@
         <p:spPr>
           <a:xfrm>
             <a:off x="2989193" y="923549"/>
-            <a:ext cx="3165615" cy="1685077"/>
+            <a:ext cx="3165615" cy="1684020"/>
           </a:xfrm>
           <a:prstGeom prst="rect">
             <a:avLst/>
@@ -11853,7 +10132,7 @@
           <a:p>
             <a:pPr algn="dist"/>
             <a:r>
-              <a:rPr lang="en-US" altLang="zh-CN" sz="10350" b="1" dirty="0">
+              <a:rPr lang="zh-CN" altLang="en-US" sz="10350" b="1" dirty="0">
                 <a:solidFill>
                   <a:schemeClr val="tx1">
                     <a:lumMod val="65000"/>
@@ -11863,7 +10142,7 @@
                 <a:cs typeface="+mn-ea"/>
                 <a:sym typeface="+mn-lt"/>
               </a:rPr>
-              <a:t>201X</a:t>
+              <a:t>谢谢</a:t>
             </a:r>
             <a:endParaRPr lang="zh-CN" altLang="en-US" sz="10350" b="1" dirty="0">
               <a:solidFill>
@@ -11871,48 +10150,6 @@
                   <a:lumMod val="65000"/>
                   <a:lumOff val="35000"/>
                 </a:schemeClr>
-              </a:solidFill>
-              <a:cs typeface="+mn-ea"/>
-              <a:sym typeface="+mn-lt"/>
-            </a:endParaRPr>
-          </a:p>
-        </p:txBody>
-      </p:sp>
-      <p:sp>
-        <p:nvSpPr>
-          <p:cNvPr id="32" name="矩形 31" descr="e7d195523061f1c021b92b3d25e54ab5e788c0576048880950C3AFFA1066A7153250F1349197BA8C5246BA9D557EC0274B8DA272D2431748978789E76D2CD7D1F11E7447C1D163F5D9CA1CD35DC7B6F0FFA3D66467BAE7C14FE869A837C1E39FB23BF3059C959301C16FA617AB6F15A687D6E703783DD4D83CCE8CB0A27A0D15A4A6B80C6EB515DF9C8660C3E3F8A3AC"/>
-          <p:cNvSpPr/>
-          <p:nvPr/>
-        </p:nvSpPr>
-        <p:spPr>
-          <a:xfrm>
-            <a:off x="1592746" y="3375115"/>
-            <a:ext cx="5958509" cy="252730"/>
-          </a:xfrm>
-          <a:prstGeom prst="rect">
-            <a:avLst/>
-          </a:prstGeom>
-        </p:spPr>
-        <p:txBody>
-          <a:bodyPr wrap="square">
-            <a:spAutoFit/>
-          </a:bodyPr>
-          <a:lstStyle/>
-          <a:p>
-            <a:pPr algn="ctr"/>
-            <a:r>
-              <a:rPr lang="en-US" altLang="zh-CN" sz="1050" b="1" dirty="0">
-                <a:solidFill>
-                  <a:schemeClr val="accent1"/>
-                </a:solidFill>
-                <a:cs typeface="+mn-ea"/>
-                <a:sym typeface="+mn-lt"/>
-              </a:rPr>
-              <a:t>Thanks!</a:t>
-            </a:r>
-            <a:endParaRPr lang="en-US" altLang="zh-CN" sz="1050" b="1" dirty="0">
-              <a:solidFill>
-                <a:schemeClr val="accent1"/>
               </a:solidFill>
               <a:cs typeface="+mn-ea"/>
               <a:sym typeface="+mn-lt"/>
@@ -12700,1865 +10937,6 @@
 </p:sld>
 </file>
 
-<file path=ppt/slides/slide2.xml><?xml version="1.0" encoding="utf-8"?>
-<p:sld xmlns:a="http://schemas.openxmlformats.org/drawingml/2006/main" xmlns:r="http://schemas.openxmlformats.org/officeDocument/2006/relationships" xmlns:p="http://schemas.openxmlformats.org/presentationml/2006/main">
-  <p:cSld>
-    <p:spTree>
-      <p:nvGrpSpPr>
-        <p:cNvPr id="1" name=""/>
-        <p:cNvGrpSpPr/>
-        <p:nvPr/>
-      </p:nvGrpSpPr>
-      <p:grpSpPr>
-        <a:xfrm>
-          <a:off x="0" y="0"/>
-          <a:ext cx="0" cy="0"/>
-          <a:chOff x="0" y="0"/>
-          <a:chExt cx="0" cy="0"/>
-        </a:xfrm>
-      </p:grpSpPr>
-      <p:sp>
-        <p:nvSpPr>
-          <p:cNvPr id="2" name="Title 1"/>
-          <p:cNvSpPr>
-            <a:spLocks noGrp="1"/>
-          </p:cNvSpPr>
-          <p:nvPr>
-            <p:ph type="title"/>
-          </p:nvPr>
-        </p:nvSpPr>
-        <p:spPr>
-          <a:xfrm>
-            <a:off x="457200" y="438150"/>
-            <a:ext cx="7620000" cy="422672"/>
-          </a:xfrm>
-        </p:spPr>
-        <p:txBody>
-          <a:bodyPr/>
-          <a:lstStyle/>
-          <a:p>
-            <a:r>
-              <a:rPr lang="zh-CN" altLang="zh-CN" dirty="0">
-                <a:solidFill>
-                  <a:srgbClr val="0070C0"/>
-                </a:solidFill>
-                <a:latin typeface="+mn-lt"/>
-                <a:ea typeface="+mn-ea"/>
-                <a:cs typeface="+mn-ea"/>
-                <a:sym typeface="+mn-lt"/>
-              </a:rPr>
-              <a:t>简介</a:t>
-            </a:r>
-            <a:endParaRPr lang="zh-CN" altLang="zh-CN" dirty="0">
-              <a:solidFill>
-                <a:srgbClr val="0070C0"/>
-              </a:solidFill>
-              <a:latin typeface="+mn-lt"/>
-              <a:ea typeface="+mn-ea"/>
-              <a:cs typeface="+mn-ea"/>
-              <a:sym typeface="+mn-lt"/>
-            </a:endParaRPr>
-          </a:p>
-        </p:txBody>
-      </p:sp>
-      <p:sp>
-        <p:nvSpPr>
-          <p:cNvPr id="3" name="Footer Placeholder 2"/>
-          <p:cNvSpPr>
-            <a:spLocks noGrp="1"/>
-          </p:cNvSpPr>
-          <p:nvPr>
-            <p:ph type="ftr" sz="quarter" idx="11"/>
-          </p:nvPr>
-        </p:nvSpPr>
-        <p:spPr/>
-        <p:txBody>
-          <a:bodyPr/>
-          <a:lstStyle/>
-          <a:p>
-            <a:r>
-              <a:rPr lang="en-US" dirty="0" smtClean="0">
-                <a:cs typeface="+mn-ea"/>
-                <a:sym typeface="+mn-lt"/>
-              </a:rPr>
-              <a:t> </a:t>
-            </a:r>
-            <a:endParaRPr lang="en-US" dirty="0">
-              <a:cs typeface="+mn-ea"/>
-              <a:sym typeface="+mn-lt"/>
-            </a:endParaRPr>
-          </a:p>
-        </p:txBody>
-      </p:sp>
-      <p:sp>
-        <p:nvSpPr>
-          <p:cNvPr id="5" name="文本占位符 4"/>
-          <p:cNvSpPr/>
-          <p:nvPr>
-            <p:ph type="body" sz="quarter" idx="25"/>
-          </p:nvPr>
-        </p:nvSpPr>
-        <p:spPr>
-          <a:xfrm>
-            <a:off x="533400" y="904240"/>
-            <a:ext cx="6102350" cy="3549015"/>
-          </a:xfrm>
-        </p:spPr>
-        <p:txBody>
-          <a:bodyPr/>
-          <a:p>
-            <a:endParaRPr lang="zh-CN" altLang="en-US"/>
-          </a:p>
-          <a:p>
-            <a:endParaRPr lang="zh-CN" altLang="en-US"/>
-          </a:p>
-          <a:p>
-            <a:endParaRPr lang="zh-CN" altLang="en-US"/>
-          </a:p>
-          <a:p>
-            <a:endParaRPr lang="zh-CN" altLang="en-US"/>
-          </a:p>
-          <a:p>
-            <a:endParaRPr lang="zh-CN" altLang="en-US"/>
-          </a:p>
-          <a:p>
-            <a:endParaRPr lang="zh-CN" altLang="en-US"/>
-          </a:p>
-          <a:p>
-            <a:endParaRPr lang="zh-CN" altLang="en-US"/>
-          </a:p>
-          <a:p>
-            <a:r>
-              <a:rPr lang="zh-CN" altLang="en-US"/>
-              <a:t>基于 Bootstrap 的 jQuery 表格插件，通过简单的设置，就可以拥有强的单选、多选、排序、分页，以及编辑、导出、过滤（扩展）等等的功能</a:t>
-            </a:r>
-            <a:endParaRPr lang="zh-CN" altLang="en-US"/>
-          </a:p>
-          <a:p>
-            <a:endParaRPr lang="zh-CN" altLang="en-US"/>
-          </a:p>
-          <a:p>
-            <a:endParaRPr lang="zh-CN" altLang="en-US"/>
-          </a:p>
-          <a:p>
-            <a:endParaRPr lang="zh-CN" altLang="en-US"/>
-          </a:p>
-          <a:p>
-            <a:pPr algn="just"/>
-            <a:endParaRPr lang="zh-CN" altLang="en-US"/>
-          </a:p>
-          <a:p>
-            <a:endParaRPr lang="zh-CN" altLang="en-US"/>
-          </a:p>
-          <a:p>
-            <a:endParaRPr lang="zh-CN" altLang="en-US"/>
-          </a:p>
-          <a:p>
-            <a:endParaRPr lang="zh-CN" altLang="en-US"/>
-          </a:p>
-          <a:p>
-            <a:endParaRPr lang="zh-CN" altLang="en-US"/>
-          </a:p>
-          <a:p>
-            <a:endParaRPr lang="zh-CN" altLang="en-US"/>
-          </a:p>
-          <a:p>
-            <a:endParaRPr lang="zh-CN" altLang="en-US"/>
-          </a:p>
-          <a:p>
-            <a:endParaRPr lang="zh-CN" altLang="en-US"/>
-          </a:p>
-          <a:p>
-            <a:endParaRPr lang="zh-CN" altLang="en-US"/>
-          </a:p>
-          <a:p>
-            <a:endParaRPr lang="zh-CN" altLang="en-US"/>
-          </a:p>
-        </p:txBody>
-      </p:sp>
-    </p:spTree>
-  </p:cSld>
-  <p:clrMapOvr>
-    <a:masterClrMapping/>
-  </p:clrMapOvr>
-  <mc:AlternateContent xmlns:mc="http://schemas.openxmlformats.org/markup-compatibility/2006">
-    <mc:Choice xmlns:p14="http://schemas.microsoft.com/office/powerpoint/2010/main" Requires="p14">
-      <p:transition spd="slow" p14:dur="2000"/>
-    </mc:Choice>
-    <mc:Fallback>
-      <p:transition spd="slow"/>
-    </mc:Fallback>
-  </mc:AlternateContent>
-  <p:timing>
-    <p:tnLst>
-      <p:par>
-        <p:cTn id="1" dur="indefinite" restart="never" nodeType="tmRoot"/>
-      </p:par>
-    </p:tnLst>
-  </p:timing>
-</p:sld>
-</file>
-
-<file path=ppt/slides/slide20.xml><?xml version="1.0" encoding="utf-8"?>
-<p:sld xmlns:a="http://schemas.openxmlformats.org/drawingml/2006/main" xmlns:r="http://schemas.openxmlformats.org/officeDocument/2006/relationships" xmlns:p="http://schemas.openxmlformats.org/presentationml/2006/main">
-  <p:cSld>
-    <p:spTree>
-      <p:nvGrpSpPr>
-        <p:cNvPr id="1" name=""/>
-        <p:cNvGrpSpPr/>
-        <p:nvPr/>
-      </p:nvGrpSpPr>
-      <p:grpSpPr>
-        <a:xfrm>
-          <a:off x="0" y="0"/>
-          <a:ext cx="0" cy="0"/>
-          <a:chOff x="0" y="0"/>
-          <a:chExt cx="0" cy="0"/>
-        </a:xfrm>
-      </p:grpSpPr>
-      <p:pic>
-        <p:nvPicPr>
-          <p:cNvPr id="2" name="图片 1"/>
-          <p:cNvPicPr>
-            <a:picLocks noChangeAspect="1"/>
-          </p:cNvPicPr>
-          <p:nvPr/>
-        </p:nvPicPr>
-        <p:blipFill>
-          <a:blip r:embed="rId1">
-            <a:extLst>
-              <a:ext uri="{28A0092B-C50C-407E-A947-70E740481C1C}">
-                <a14:useLocalDpi xmlns:a14="http://schemas.microsoft.com/office/drawing/2010/main" val="0"/>
-              </a:ext>
-            </a:extLst>
-          </a:blip>
-          <a:stretch>
-            <a:fillRect/>
-          </a:stretch>
-        </p:blipFill>
-        <p:spPr>
-          <a:xfrm>
-            <a:off x="0" y="187682"/>
-            <a:ext cx="9144000" cy="4768136"/>
-          </a:xfrm>
-          <a:prstGeom prst="rect">
-            <a:avLst/>
-          </a:prstGeom>
-        </p:spPr>
-      </p:pic>
-    </p:spTree>
-  </p:cSld>
-  <p:clrMapOvr>
-    <a:masterClrMapping/>
-  </p:clrMapOvr>
-  <p:transition spd="slow">
-    <p:wipe/>
-  </p:transition>
-  <p:timing>
-    <p:tnLst>
-      <p:par>
-        <p:cTn id="1" dur="indefinite" restart="never" nodeType="tmRoot"/>
-      </p:par>
-    </p:tnLst>
-  </p:timing>
-</p:sld>
-</file>
-
-<file path=ppt/slides/slide21.xml><?xml version="1.0" encoding="utf-8"?>
-<p:sld xmlns:a="http://schemas.openxmlformats.org/drawingml/2006/main" xmlns:r="http://schemas.openxmlformats.org/officeDocument/2006/relationships" xmlns:p="http://schemas.openxmlformats.org/presentationml/2006/main">
-  <p:cSld>
-    <p:spTree>
-      <p:nvGrpSpPr>
-        <p:cNvPr id="1" name=""/>
-        <p:cNvGrpSpPr/>
-        <p:nvPr/>
-      </p:nvGrpSpPr>
-      <p:grpSpPr>
-        <a:xfrm>
-          <a:off x="0" y="0"/>
-          <a:ext cx="0" cy="0"/>
-          <a:chOff x="0" y="0"/>
-          <a:chExt cx="0" cy="0"/>
-        </a:xfrm>
-      </p:grpSpPr>
-      <p:sp>
-        <p:nvSpPr>
-          <p:cNvPr id="5" name="矩形 4"/>
-          <p:cNvSpPr/>
-          <p:nvPr/>
-        </p:nvSpPr>
-        <p:spPr>
-          <a:xfrm>
-            <a:off x="1547667" y="3327835"/>
-            <a:ext cx="6455579" cy="1269578"/>
-          </a:xfrm>
-          <a:prstGeom prst="rect">
-            <a:avLst/>
-          </a:prstGeom>
-          <a:noFill/>
-          <a:ln>
-            <a:noFill/>
-          </a:ln>
-        </p:spPr>
-        <p:style>
-          <a:lnRef idx="2">
-            <a:schemeClr val="accent1">
-              <a:shade val="50000"/>
-            </a:schemeClr>
-          </a:lnRef>
-          <a:fillRef idx="1">
-            <a:schemeClr val="accent1"/>
-          </a:fillRef>
-          <a:effectRef idx="0">
-            <a:schemeClr val="accent1"/>
-          </a:effectRef>
-          <a:fontRef idx="minor">
-            <a:schemeClr val="lt1"/>
-          </a:fontRef>
-        </p:style>
-        <p:txBody>
-          <a:bodyPr rtlCol="0" anchor="ctr"/>
-          <a:lstStyle/>
-          <a:p>
-            <a:r>
-              <a:rPr lang="en-US" altLang="zh-CN" sz="1100" dirty="0">
-                <a:solidFill>
-                  <a:srgbClr val="EEECE1">
-                    <a:lumMod val="25000"/>
-                  </a:srgbClr>
-                </a:solidFill>
-                <a:latin typeface="微软雅黑" panose="020B0503020204020204" charset="-122"/>
-                <a:ea typeface="微软雅黑" panose="020B0503020204020204" charset="-122"/>
-              </a:rPr>
-              <a:t>PPT</a:t>
-            </a:r>
-            <a:r>
-              <a:rPr lang="zh-CN" altLang="en-US" sz="1100" dirty="0">
-                <a:solidFill>
-                  <a:srgbClr val="EEECE1">
-                    <a:lumMod val="25000"/>
-                  </a:srgbClr>
-                </a:solidFill>
-                <a:latin typeface="微软雅黑" panose="020B0503020204020204" charset="-122"/>
-                <a:ea typeface="微软雅黑" panose="020B0503020204020204" charset="-122"/>
-              </a:rPr>
-              <a:t>模板下载：</a:t>
-            </a:r>
-            <a:r>
-              <a:rPr lang="en-US" altLang="zh-CN" sz="1100" dirty="0">
-                <a:solidFill>
-                  <a:srgbClr val="EEECE1">
-                    <a:lumMod val="25000"/>
-                  </a:srgbClr>
-                </a:solidFill>
-                <a:latin typeface="微软雅黑" panose="020B0503020204020204" charset="-122"/>
-                <a:ea typeface="微软雅黑" panose="020B0503020204020204" charset="-122"/>
-                <a:hlinkClick r:id="rId1"/>
-              </a:rPr>
-              <a:t>www.1ppt.com/moban/</a:t>
-            </a:r>
-            <a:r>
-              <a:rPr lang="en-US" altLang="zh-CN" sz="1100" dirty="0">
-                <a:solidFill>
-                  <a:srgbClr val="EEECE1">
-                    <a:lumMod val="25000"/>
-                  </a:srgbClr>
-                </a:solidFill>
-                <a:latin typeface="微软雅黑" panose="020B0503020204020204" charset="-122"/>
-                <a:ea typeface="微软雅黑" panose="020B0503020204020204" charset="-122"/>
-              </a:rPr>
-              <a:t>     </a:t>
-            </a:r>
-            <a:r>
-              <a:rPr lang="en-US" altLang="zh-CN" sz="1100" dirty="0" smtClean="0">
-                <a:solidFill>
-                  <a:srgbClr val="EEECE1">
-                    <a:lumMod val="25000"/>
-                  </a:srgbClr>
-                </a:solidFill>
-                <a:latin typeface="微软雅黑" panose="020B0503020204020204" charset="-122"/>
-                <a:ea typeface="微软雅黑" panose="020B0503020204020204" charset="-122"/>
-              </a:rPr>
-              <a:t>           </a:t>
-            </a:r>
-            <a:r>
-              <a:rPr lang="zh-CN" altLang="en-US" sz="1100" dirty="0" smtClean="0">
-                <a:solidFill>
-                  <a:srgbClr val="EEECE1">
-                    <a:lumMod val="25000"/>
-                  </a:srgbClr>
-                </a:solidFill>
-                <a:latin typeface="微软雅黑" panose="020B0503020204020204" charset="-122"/>
-                <a:ea typeface="微软雅黑" panose="020B0503020204020204" charset="-122"/>
-              </a:rPr>
-              <a:t>行业</a:t>
-            </a:r>
-            <a:r>
-              <a:rPr lang="en-US" altLang="zh-CN" sz="1100" dirty="0">
-                <a:solidFill>
-                  <a:srgbClr val="EEECE1">
-                    <a:lumMod val="25000"/>
-                  </a:srgbClr>
-                </a:solidFill>
-                <a:latin typeface="微软雅黑" panose="020B0503020204020204" charset="-122"/>
-                <a:ea typeface="微软雅黑" panose="020B0503020204020204" charset="-122"/>
-              </a:rPr>
-              <a:t>PPT</a:t>
-            </a:r>
-            <a:r>
-              <a:rPr lang="zh-CN" altLang="en-US" sz="1100" dirty="0">
-                <a:solidFill>
-                  <a:srgbClr val="EEECE1">
-                    <a:lumMod val="25000"/>
-                  </a:srgbClr>
-                </a:solidFill>
-                <a:latin typeface="微软雅黑" panose="020B0503020204020204" charset="-122"/>
-                <a:ea typeface="微软雅黑" panose="020B0503020204020204" charset="-122"/>
-              </a:rPr>
-              <a:t>模板：</a:t>
-            </a:r>
-            <a:r>
-              <a:rPr lang="en-US" altLang="zh-CN" sz="1100" dirty="0">
-                <a:solidFill>
-                  <a:srgbClr val="EEECE1">
-                    <a:lumMod val="25000"/>
-                  </a:srgbClr>
-                </a:solidFill>
-                <a:latin typeface="微软雅黑" panose="020B0503020204020204" charset="-122"/>
-                <a:ea typeface="微软雅黑" panose="020B0503020204020204" charset="-122"/>
-                <a:hlinkClick r:id="rId2"/>
-              </a:rPr>
-              <a:t>www.1ppt.com/hangye/</a:t>
-            </a:r>
-            <a:r>
-              <a:rPr lang="en-US" altLang="zh-CN" sz="1100" dirty="0">
-                <a:solidFill>
-                  <a:srgbClr val="EEECE1">
-                    <a:lumMod val="25000"/>
-                  </a:srgbClr>
-                </a:solidFill>
-                <a:latin typeface="微软雅黑" panose="020B0503020204020204" charset="-122"/>
-                <a:ea typeface="微软雅黑" panose="020B0503020204020204" charset="-122"/>
-              </a:rPr>
-              <a:t> </a:t>
-            </a:r>
-            <a:endParaRPr lang="en-US" altLang="zh-CN" sz="1100" dirty="0">
-              <a:solidFill>
-                <a:srgbClr val="EEECE1">
-                  <a:lumMod val="25000"/>
-                </a:srgbClr>
-              </a:solidFill>
-              <a:latin typeface="微软雅黑" panose="020B0503020204020204" charset="-122"/>
-              <a:ea typeface="微软雅黑" panose="020B0503020204020204" charset="-122"/>
-            </a:endParaRPr>
-          </a:p>
-          <a:p>
-            <a:r>
-              <a:rPr lang="zh-CN" altLang="en-US" sz="1100" dirty="0">
-                <a:solidFill>
-                  <a:srgbClr val="EEECE1">
-                    <a:lumMod val="25000"/>
-                  </a:srgbClr>
-                </a:solidFill>
-                <a:latin typeface="微软雅黑" panose="020B0503020204020204" charset="-122"/>
-                <a:ea typeface="微软雅黑" panose="020B0503020204020204" charset="-122"/>
-              </a:rPr>
-              <a:t>节日</a:t>
-            </a:r>
-            <a:r>
-              <a:rPr lang="en-US" altLang="zh-CN" sz="1100" dirty="0">
-                <a:solidFill>
-                  <a:srgbClr val="EEECE1">
-                    <a:lumMod val="25000"/>
-                  </a:srgbClr>
-                </a:solidFill>
-                <a:latin typeface="微软雅黑" panose="020B0503020204020204" charset="-122"/>
-                <a:ea typeface="微软雅黑" panose="020B0503020204020204" charset="-122"/>
-              </a:rPr>
-              <a:t>PPT</a:t>
-            </a:r>
-            <a:r>
-              <a:rPr lang="zh-CN" altLang="en-US" sz="1100" dirty="0">
-                <a:solidFill>
-                  <a:srgbClr val="EEECE1">
-                    <a:lumMod val="25000"/>
-                  </a:srgbClr>
-                </a:solidFill>
-                <a:latin typeface="微软雅黑" panose="020B0503020204020204" charset="-122"/>
-                <a:ea typeface="微软雅黑" panose="020B0503020204020204" charset="-122"/>
-              </a:rPr>
-              <a:t>模板：</a:t>
-            </a:r>
-            <a:r>
-              <a:rPr lang="en-US" altLang="zh-CN" sz="1100" dirty="0">
-                <a:solidFill>
-                  <a:srgbClr val="EEECE1">
-                    <a:lumMod val="25000"/>
-                  </a:srgbClr>
-                </a:solidFill>
-                <a:latin typeface="微软雅黑" panose="020B0503020204020204" charset="-122"/>
-                <a:ea typeface="微软雅黑" panose="020B0503020204020204" charset="-122"/>
-                <a:hlinkClick r:id="rId3"/>
-              </a:rPr>
-              <a:t>www.1ppt.com/jieri/</a:t>
-            </a:r>
-            <a:r>
-              <a:rPr lang="en-US" altLang="zh-CN" sz="1100" dirty="0">
-                <a:solidFill>
-                  <a:srgbClr val="EEECE1">
-                    <a:lumMod val="25000"/>
-                  </a:srgbClr>
-                </a:solidFill>
-                <a:latin typeface="微软雅黑" panose="020B0503020204020204" charset="-122"/>
-                <a:ea typeface="微软雅黑" panose="020B0503020204020204" charset="-122"/>
-              </a:rPr>
-              <a:t>          </a:t>
-            </a:r>
-            <a:r>
-              <a:rPr lang="en-US" altLang="zh-CN" sz="1100" dirty="0" smtClean="0">
-                <a:solidFill>
-                  <a:srgbClr val="EEECE1">
-                    <a:lumMod val="25000"/>
-                  </a:srgbClr>
-                </a:solidFill>
-                <a:latin typeface="微软雅黑" panose="020B0503020204020204" charset="-122"/>
-                <a:ea typeface="微软雅黑" panose="020B0503020204020204" charset="-122"/>
-              </a:rPr>
-              <a:t>            </a:t>
-            </a:r>
-            <a:r>
-              <a:rPr lang="en-US" altLang="zh-CN" sz="1100" dirty="0">
-                <a:solidFill>
-                  <a:srgbClr val="EEECE1">
-                    <a:lumMod val="25000"/>
-                  </a:srgbClr>
-                </a:solidFill>
-                <a:latin typeface="微软雅黑" panose="020B0503020204020204" charset="-122"/>
-                <a:ea typeface="微软雅黑" panose="020B0503020204020204" charset="-122"/>
-              </a:rPr>
-              <a:t>PPT</a:t>
-            </a:r>
-            <a:r>
-              <a:rPr lang="zh-CN" altLang="en-US" sz="1100" dirty="0">
-                <a:solidFill>
-                  <a:srgbClr val="EEECE1">
-                    <a:lumMod val="25000"/>
-                  </a:srgbClr>
-                </a:solidFill>
-                <a:latin typeface="微软雅黑" panose="020B0503020204020204" charset="-122"/>
-                <a:ea typeface="微软雅黑" panose="020B0503020204020204" charset="-122"/>
-              </a:rPr>
-              <a:t>素材下载：</a:t>
-            </a:r>
-            <a:r>
-              <a:rPr lang="en-US" altLang="zh-CN" sz="1100" dirty="0">
-                <a:solidFill>
-                  <a:srgbClr val="EEECE1">
-                    <a:lumMod val="25000"/>
-                  </a:srgbClr>
-                </a:solidFill>
-                <a:latin typeface="微软雅黑" panose="020B0503020204020204" charset="-122"/>
-                <a:ea typeface="微软雅黑" panose="020B0503020204020204" charset="-122"/>
-                <a:hlinkClick r:id="rId4"/>
-              </a:rPr>
-              <a:t>www.1ppt.com/sucai/</a:t>
-            </a:r>
-            <a:endParaRPr lang="en-US" altLang="zh-CN" sz="1100" dirty="0">
-              <a:solidFill>
-                <a:srgbClr val="EEECE1">
-                  <a:lumMod val="25000"/>
-                </a:srgbClr>
-              </a:solidFill>
-              <a:latin typeface="微软雅黑" panose="020B0503020204020204" charset="-122"/>
-              <a:ea typeface="微软雅黑" panose="020B0503020204020204" charset="-122"/>
-            </a:endParaRPr>
-          </a:p>
-          <a:p>
-            <a:r>
-              <a:rPr lang="en-US" altLang="zh-CN" sz="1100" dirty="0">
-                <a:solidFill>
-                  <a:srgbClr val="EEECE1">
-                    <a:lumMod val="25000"/>
-                  </a:srgbClr>
-                </a:solidFill>
-                <a:latin typeface="微软雅黑" panose="020B0503020204020204" charset="-122"/>
-                <a:ea typeface="微软雅黑" panose="020B0503020204020204" charset="-122"/>
-              </a:rPr>
-              <a:t>PPT</a:t>
-            </a:r>
-            <a:r>
-              <a:rPr lang="zh-CN" altLang="en-US" sz="1100" dirty="0">
-                <a:solidFill>
-                  <a:srgbClr val="EEECE1">
-                    <a:lumMod val="25000"/>
-                  </a:srgbClr>
-                </a:solidFill>
-                <a:latin typeface="微软雅黑" panose="020B0503020204020204" charset="-122"/>
-                <a:ea typeface="微软雅黑" panose="020B0503020204020204" charset="-122"/>
-              </a:rPr>
-              <a:t>背景图片：</a:t>
-            </a:r>
-            <a:r>
-              <a:rPr lang="en-US" altLang="zh-CN" sz="1100" dirty="0">
-                <a:solidFill>
-                  <a:srgbClr val="EEECE1">
-                    <a:lumMod val="25000"/>
-                  </a:srgbClr>
-                </a:solidFill>
-                <a:latin typeface="微软雅黑" panose="020B0503020204020204" charset="-122"/>
-                <a:ea typeface="微软雅黑" panose="020B0503020204020204" charset="-122"/>
-                <a:hlinkClick r:id="rId5"/>
-              </a:rPr>
-              <a:t>www.1ppt.com/beijing/</a:t>
-            </a:r>
-            <a:r>
-              <a:rPr lang="en-US" altLang="zh-CN" sz="1100" dirty="0">
-                <a:solidFill>
-                  <a:srgbClr val="EEECE1">
-                    <a:lumMod val="25000"/>
-                  </a:srgbClr>
-                </a:solidFill>
-                <a:latin typeface="微软雅黑" panose="020B0503020204020204" charset="-122"/>
-                <a:ea typeface="微软雅黑" panose="020B0503020204020204" charset="-122"/>
-              </a:rPr>
-              <a:t>     </a:t>
-            </a:r>
-            <a:r>
-              <a:rPr lang="en-US" altLang="zh-CN" sz="1100" dirty="0" smtClean="0">
-                <a:solidFill>
-                  <a:srgbClr val="EEECE1">
-                    <a:lumMod val="25000"/>
-                  </a:srgbClr>
-                </a:solidFill>
-                <a:latin typeface="微软雅黑" panose="020B0503020204020204" charset="-122"/>
-                <a:ea typeface="微软雅黑" panose="020B0503020204020204" charset="-122"/>
-              </a:rPr>
-              <a:t>            </a:t>
-            </a:r>
-            <a:r>
-              <a:rPr lang="en-US" altLang="zh-CN" sz="1100" dirty="0">
-                <a:solidFill>
-                  <a:srgbClr val="EEECE1">
-                    <a:lumMod val="25000"/>
-                  </a:srgbClr>
-                </a:solidFill>
-                <a:latin typeface="微软雅黑" panose="020B0503020204020204" charset="-122"/>
-                <a:ea typeface="微软雅黑" panose="020B0503020204020204" charset="-122"/>
-              </a:rPr>
-              <a:t>PPT</a:t>
-            </a:r>
-            <a:r>
-              <a:rPr lang="zh-CN" altLang="en-US" sz="1100" dirty="0">
-                <a:solidFill>
-                  <a:srgbClr val="EEECE1">
-                    <a:lumMod val="25000"/>
-                  </a:srgbClr>
-                </a:solidFill>
-                <a:latin typeface="微软雅黑" panose="020B0503020204020204" charset="-122"/>
-                <a:ea typeface="微软雅黑" panose="020B0503020204020204" charset="-122"/>
-              </a:rPr>
-              <a:t>图表下载：</a:t>
-            </a:r>
-            <a:r>
-              <a:rPr lang="en-US" altLang="zh-CN" sz="1100" dirty="0">
-                <a:solidFill>
-                  <a:srgbClr val="EEECE1">
-                    <a:lumMod val="25000"/>
-                  </a:srgbClr>
-                </a:solidFill>
-                <a:latin typeface="微软雅黑" panose="020B0503020204020204" charset="-122"/>
-                <a:ea typeface="微软雅黑" panose="020B0503020204020204" charset="-122"/>
-                <a:hlinkClick r:id="rId6"/>
-              </a:rPr>
-              <a:t>www.1ppt.com/tubiao/</a:t>
-            </a:r>
-            <a:r>
-              <a:rPr lang="en-US" altLang="zh-CN" sz="1100" dirty="0">
-                <a:solidFill>
-                  <a:srgbClr val="EEECE1">
-                    <a:lumMod val="25000"/>
-                  </a:srgbClr>
-                </a:solidFill>
-                <a:latin typeface="微软雅黑" panose="020B0503020204020204" charset="-122"/>
-                <a:ea typeface="微软雅黑" panose="020B0503020204020204" charset="-122"/>
-              </a:rPr>
-              <a:t>      </a:t>
-            </a:r>
-            <a:endParaRPr lang="en-US" altLang="zh-CN" sz="1100" dirty="0">
-              <a:solidFill>
-                <a:srgbClr val="EEECE1">
-                  <a:lumMod val="25000"/>
-                </a:srgbClr>
-              </a:solidFill>
-              <a:latin typeface="微软雅黑" panose="020B0503020204020204" charset="-122"/>
-              <a:ea typeface="微软雅黑" panose="020B0503020204020204" charset="-122"/>
-            </a:endParaRPr>
-          </a:p>
-          <a:p>
-            <a:r>
-              <a:rPr lang="zh-CN" altLang="en-US" sz="1100" dirty="0">
-                <a:solidFill>
-                  <a:srgbClr val="EEECE1">
-                    <a:lumMod val="25000"/>
-                  </a:srgbClr>
-                </a:solidFill>
-                <a:latin typeface="微软雅黑" panose="020B0503020204020204" charset="-122"/>
-                <a:ea typeface="微软雅黑" panose="020B0503020204020204" charset="-122"/>
-              </a:rPr>
-              <a:t>优秀</a:t>
-            </a:r>
-            <a:r>
-              <a:rPr lang="en-US" altLang="zh-CN" sz="1100" dirty="0">
-                <a:solidFill>
-                  <a:srgbClr val="EEECE1">
-                    <a:lumMod val="25000"/>
-                  </a:srgbClr>
-                </a:solidFill>
-                <a:latin typeface="微软雅黑" panose="020B0503020204020204" charset="-122"/>
-                <a:ea typeface="微软雅黑" panose="020B0503020204020204" charset="-122"/>
-              </a:rPr>
-              <a:t>PPT</a:t>
-            </a:r>
-            <a:r>
-              <a:rPr lang="zh-CN" altLang="en-US" sz="1100" dirty="0">
-                <a:solidFill>
-                  <a:srgbClr val="EEECE1">
-                    <a:lumMod val="25000"/>
-                  </a:srgbClr>
-                </a:solidFill>
-                <a:latin typeface="微软雅黑" panose="020B0503020204020204" charset="-122"/>
-                <a:ea typeface="微软雅黑" panose="020B0503020204020204" charset="-122"/>
-              </a:rPr>
-              <a:t>下载：</a:t>
-            </a:r>
-            <a:r>
-              <a:rPr lang="en-US" altLang="zh-CN" sz="1100" dirty="0">
-                <a:solidFill>
-                  <a:srgbClr val="EEECE1">
-                    <a:lumMod val="25000"/>
-                  </a:srgbClr>
-                </a:solidFill>
-                <a:latin typeface="微软雅黑" panose="020B0503020204020204" charset="-122"/>
-                <a:ea typeface="微软雅黑" panose="020B0503020204020204" charset="-122"/>
-                <a:hlinkClick r:id="rId7"/>
-              </a:rPr>
-              <a:t>www.1ppt.com/xiazai/</a:t>
-            </a:r>
-            <a:r>
-              <a:rPr lang="en-US" altLang="zh-CN" sz="1100" dirty="0">
-                <a:solidFill>
-                  <a:srgbClr val="EEECE1">
-                    <a:lumMod val="25000"/>
-                  </a:srgbClr>
-                </a:solidFill>
-                <a:latin typeface="微软雅黑" panose="020B0503020204020204" charset="-122"/>
-                <a:ea typeface="微软雅黑" panose="020B0503020204020204" charset="-122"/>
-              </a:rPr>
-              <a:t>      </a:t>
-            </a:r>
-            <a:r>
-              <a:rPr lang="en-US" altLang="zh-CN" sz="1100" dirty="0" smtClean="0">
-                <a:solidFill>
-                  <a:srgbClr val="EEECE1">
-                    <a:lumMod val="25000"/>
-                  </a:srgbClr>
-                </a:solidFill>
-                <a:latin typeface="微软雅黑" panose="020B0503020204020204" charset="-122"/>
-                <a:ea typeface="微软雅黑" panose="020B0503020204020204" charset="-122"/>
-              </a:rPr>
-              <a:t>             </a:t>
-            </a:r>
-            <a:r>
-              <a:rPr lang="en-US" altLang="zh-CN" sz="1100" dirty="0">
-                <a:solidFill>
-                  <a:srgbClr val="EEECE1">
-                    <a:lumMod val="25000"/>
-                  </a:srgbClr>
-                </a:solidFill>
-                <a:latin typeface="微软雅黑" panose="020B0503020204020204" charset="-122"/>
-                <a:ea typeface="微软雅黑" panose="020B0503020204020204" charset="-122"/>
-              </a:rPr>
-              <a:t>PPT</a:t>
-            </a:r>
-            <a:r>
-              <a:rPr lang="zh-CN" altLang="en-US" sz="1100" dirty="0">
-                <a:solidFill>
-                  <a:srgbClr val="EEECE1">
-                    <a:lumMod val="25000"/>
-                  </a:srgbClr>
-                </a:solidFill>
-                <a:latin typeface="微软雅黑" panose="020B0503020204020204" charset="-122"/>
-                <a:ea typeface="微软雅黑" panose="020B0503020204020204" charset="-122"/>
-              </a:rPr>
-              <a:t>教程</a:t>
-            </a:r>
-            <a:r>
-              <a:rPr lang="zh-CN" altLang="en-US" sz="1100" dirty="0" smtClean="0">
-                <a:solidFill>
-                  <a:srgbClr val="EEECE1">
-                    <a:lumMod val="25000"/>
-                  </a:srgbClr>
-                </a:solidFill>
-                <a:latin typeface="微软雅黑" panose="020B0503020204020204" charset="-122"/>
-                <a:ea typeface="微软雅黑" panose="020B0503020204020204" charset="-122"/>
-              </a:rPr>
-              <a:t>：       </a:t>
-            </a:r>
-            <a:r>
-              <a:rPr lang="en-US" altLang="zh-CN" sz="1100" dirty="0" smtClean="0">
-                <a:solidFill>
-                  <a:srgbClr val="EEECE1">
-                    <a:lumMod val="25000"/>
-                  </a:srgbClr>
-                </a:solidFill>
-                <a:latin typeface="微软雅黑" panose="020B0503020204020204" charset="-122"/>
-                <a:ea typeface="微软雅黑" panose="020B0503020204020204" charset="-122"/>
-                <a:hlinkClick r:id="rId8"/>
-              </a:rPr>
-              <a:t>www.1ppt.com/powerpoint</a:t>
-            </a:r>
-            <a:r>
-              <a:rPr lang="en-US" altLang="zh-CN" sz="1100" dirty="0">
-                <a:solidFill>
-                  <a:srgbClr val="EEECE1">
-                    <a:lumMod val="25000"/>
-                  </a:srgbClr>
-                </a:solidFill>
-                <a:latin typeface="微软雅黑" panose="020B0503020204020204" charset="-122"/>
-                <a:ea typeface="微软雅黑" panose="020B0503020204020204" charset="-122"/>
-                <a:hlinkClick r:id="rId8"/>
-              </a:rPr>
-              <a:t>/</a:t>
-            </a:r>
-            <a:r>
-              <a:rPr lang="en-US" altLang="zh-CN" sz="1100" dirty="0">
-                <a:solidFill>
-                  <a:srgbClr val="EEECE1">
-                    <a:lumMod val="25000"/>
-                  </a:srgbClr>
-                </a:solidFill>
-                <a:latin typeface="微软雅黑" panose="020B0503020204020204" charset="-122"/>
-                <a:ea typeface="微软雅黑" panose="020B0503020204020204" charset="-122"/>
-              </a:rPr>
-              <a:t>      </a:t>
-            </a:r>
-            <a:endParaRPr lang="en-US" altLang="zh-CN" sz="1100" dirty="0">
-              <a:solidFill>
-                <a:srgbClr val="EEECE1">
-                  <a:lumMod val="25000"/>
-                </a:srgbClr>
-              </a:solidFill>
-              <a:latin typeface="微软雅黑" panose="020B0503020204020204" charset="-122"/>
-              <a:ea typeface="微软雅黑" panose="020B0503020204020204" charset="-122"/>
-            </a:endParaRPr>
-          </a:p>
-          <a:p>
-            <a:r>
-              <a:rPr lang="en-US" altLang="zh-CN" sz="1100" dirty="0">
-                <a:solidFill>
-                  <a:srgbClr val="EEECE1">
-                    <a:lumMod val="25000"/>
-                  </a:srgbClr>
-                </a:solidFill>
-                <a:latin typeface="微软雅黑" panose="020B0503020204020204" charset="-122"/>
-                <a:ea typeface="微软雅黑" panose="020B0503020204020204" charset="-122"/>
-              </a:rPr>
-              <a:t>Word</a:t>
-            </a:r>
-            <a:r>
-              <a:rPr lang="zh-CN" altLang="en-US" sz="1100" dirty="0">
-                <a:solidFill>
-                  <a:srgbClr val="EEECE1">
-                    <a:lumMod val="25000"/>
-                  </a:srgbClr>
-                </a:solidFill>
-                <a:latin typeface="微软雅黑" panose="020B0503020204020204" charset="-122"/>
-                <a:ea typeface="微软雅黑" panose="020B0503020204020204" charset="-122"/>
-              </a:rPr>
-              <a:t>教程</a:t>
-            </a:r>
-            <a:r>
-              <a:rPr lang="zh-CN" altLang="en-US" sz="1100" dirty="0" smtClean="0">
-                <a:solidFill>
-                  <a:srgbClr val="EEECE1">
-                    <a:lumMod val="25000"/>
-                  </a:srgbClr>
-                </a:solidFill>
-                <a:latin typeface="微软雅黑" panose="020B0503020204020204" charset="-122"/>
-                <a:ea typeface="微软雅黑" panose="020B0503020204020204" charset="-122"/>
-              </a:rPr>
-              <a:t>：    </a:t>
-            </a:r>
-            <a:r>
-              <a:rPr lang="en-US" altLang="zh-CN" sz="1100" dirty="0" smtClean="0">
-                <a:solidFill>
-                  <a:srgbClr val="EEECE1">
-                    <a:lumMod val="25000"/>
-                  </a:srgbClr>
-                </a:solidFill>
-                <a:latin typeface="微软雅黑" panose="020B0503020204020204" charset="-122"/>
-                <a:ea typeface="微软雅黑" panose="020B0503020204020204" charset="-122"/>
-                <a:hlinkClick r:id="rId9"/>
-              </a:rPr>
-              <a:t>www.1ppt.com/word</a:t>
-            </a:r>
-            <a:r>
-              <a:rPr lang="en-US" altLang="zh-CN" sz="1100" dirty="0">
-                <a:solidFill>
-                  <a:srgbClr val="EEECE1">
-                    <a:lumMod val="25000"/>
-                  </a:srgbClr>
-                </a:solidFill>
-                <a:latin typeface="微软雅黑" panose="020B0503020204020204" charset="-122"/>
-                <a:ea typeface="微软雅黑" panose="020B0503020204020204" charset="-122"/>
-                <a:hlinkClick r:id="rId9"/>
-              </a:rPr>
-              <a:t>/</a:t>
-            </a:r>
-            <a:r>
-              <a:rPr lang="en-US" altLang="zh-CN" sz="1100" dirty="0">
-                <a:solidFill>
-                  <a:srgbClr val="EEECE1">
-                    <a:lumMod val="25000"/>
-                  </a:srgbClr>
-                </a:solidFill>
-                <a:latin typeface="微软雅黑" panose="020B0503020204020204" charset="-122"/>
-                <a:ea typeface="微软雅黑" panose="020B0503020204020204" charset="-122"/>
-              </a:rPr>
-              <a:t>      </a:t>
-            </a:r>
-            <a:r>
-              <a:rPr lang="en-US" altLang="zh-CN" sz="1100" dirty="0" smtClean="0">
-                <a:solidFill>
-                  <a:srgbClr val="EEECE1">
-                    <a:lumMod val="25000"/>
-                  </a:srgbClr>
-                </a:solidFill>
-                <a:latin typeface="微软雅黑" panose="020B0503020204020204" charset="-122"/>
-                <a:ea typeface="微软雅黑" panose="020B0503020204020204" charset="-122"/>
-              </a:rPr>
-              <a:t>              </a:t>
-            </a:r>
-            <a:r>
-              <a:rPr lang="en-US" altLang="zh-CN" sz="1100" dirty="0">
-                <a:solidFill>
-                  <a:srgbClr val="EEECE1">
-                    <a:lumMod val="25000"/>
-                  </a:srgbClr>
-                </a:solidFill>
-                <a:latin typeface="微软雅黑" panose="020B0503020204020204" charset="-122"/>
-                <a:ea typeface="微软雅黑" panose="020B0503020204020204" charset="-122"/>
-              </a:rPr>
-              <a:t>Excel</a:t>
-            </a:r>
-            <a:r>
-              <a:rPr lang="zh-CN" altLang="en-US" sz="1100" dirty="0">
-                <a:solidFill>
-                  <a:srgbClr val="EEECE1">
-                    <a:lumMod val="25000"/>
-                  </a:srgbClr>
-                </a:solidFill>
-                <a:latin typeface="微软雅黑" panose="020B0503020204020204" charset="-122"/>
-                <a:ea typeface="微软雅黑" panose="020B0503020204020204" charset="-122"/>
-              </a:rPr>
-              <a:t>教程</a:t>
-            </a:r>
-            <a:r>
-              <a:rPr lang="zh-CN" altLang="en-US" sz="1100" dirty="0" smtClean="0">
-                <a:solidFill>
-                  <a:srgbClr val="EEECE1">
-                    <a:lumMod val="25000"/>
-                  </a:srgbClr>
-                </a:solidFill>
-                <a:latin typeface="微软雅黑" panose="020B0503020204020204" charset="-122"/>
-                <a:ea typeface="微软雅黑" panose="020B0503020204020204" charset="-122"/>
-              </a:rPr>
-              <a:t>：     </a:t>
-            </a:r>
-            <a:r>
-              <a:rPr lang="en-US" altLang="zh-CN" sz="1100" dirty="0" smtClean="0">
-                <a:solidFill>
-                  <a:srgbClr val="EEECE1">
-                    <a:lumMod val="25000"/>
-                  </a:srgbClr>
-                </a:solidFill>
-                <a:latin typeface="微软雅黑" panose="020B0503020204020204" charset="-122"/>
-                <a:ea typeface="微软雅黑" panose="020B0503020204020204" charset="-122"/>
-                <a:hlinkClick r:id="rId10"/>
-              </a:rPr>
-              <a:t>www.1ppt.com/excel</a:t>
-            </a:r>
-            <a:r>
-              <a:rPr lang="en-US" altLang="zh-CN" sz="1100" dirty="0">
-                <a:solidFill>
-                  <a:srgbClr val="EEECE1">
-                    <a:lumMod val="25000"/>
-                  </a:srgbClr>
-                </a:solidFill>
-                <a:latin typeface="微软雅黑" panose="020B0503020204020204" charset="-122"/>
-                <a:ea typeface="微软雅黑" panose="020B0503020204020204" charset="-122"/>
-                <a:hlinkClick r:id="rId10"/>
-              </a:rPr>
-              <a:t>/</a:t>
-            </a:r>
-            <a:r>
-              <a:rPr lang="en-US" altLang="zh-CN" sz="1100" dirty="0">
-                <a:solidFill>
-                  <a:srgbClr val="EEECE1">
-                    <a:lumMod val="25000"/>
-                  </a:srgbClr>
-                </a:solidFill>
-                <a:latin typeface="微软雅黑" panose="020B0503020204020204" charset="-122"/>
-                <a:ea typeface="微软雅黑" panose="020B0503020204020204" charset="-122"/>
-              </a:rPr>
-              <a:t>  </a:t>
-            </a:r>
-            <a:endParaRPr lang="en-US" altLang="zh-CN" sz="1100" dirty="0">
-              <a:solidFill>
-                <a:srgbClr val="EEECE1">
-                  <a:lumMod val="25000"/>
-                </a:srgbClr>
-              </a:solidFill>
-              <a:latin typeface="微软雅黑" panose="020B0503020204020204" charset="-122"/>
-              <a:ea typeface="微软雅黑" panose="020B0503020204020204" charset="-122"/>
-            </a:endParaRPr>
-          </a:p>
-          <a:p>
-            <a:r>
-              <a:rPr lang="zh-CN" altLang="en-US" sz="1100" dirty="0">
-                <a:solidFill>
-                  <a:srgbClr val="EEECE1">
-                    <a:lumMod val="25000"/>
-                  </a:srgbClr>
-                </a:solidFill>
-                <a:latin typeface="微软雅黑" panose="020B0503020204020204" charset="-122"/>
-                <a:ea typeface="微软雅黑" panose="020B0503020204020204" charset="-122"/>
-              </a:rPr>
-              <a:t>资料</a:t>
-            </a:r>
-            <a:r>
-              <a:rPr lang="zh-CN" altLang="en-US" sz="1100" dirty="0" smtClean="0">
-                <a:solidFill>
-                  <a:srgbClr val="EEECE1">
-                    <a:lumMod val="25000"/>
-                  </a:srgbClr>
-                </a:solidFill>
-                <a:latin typeface="微软雅黑" panose="020B0503020204020204" charset="-122"/>
-                <a:ea typeface="微软雅黑" panose="020B0503020204020204" charset="-122"/>
-              </a:rPr>
-              <a:t>下载：      </a:t>
-            </a:r>
-            <a:r>
-              <a:rPr lang="en-US" altLang="zh-CN" sz="1100" dirty="0" smtClean="0">
-                <a:solidFill>
-                  <a:srgbClr val="EEECE1">
-                    <a:lumMod val="25000"/>
-                  </a:srgbClr>
-                </a:solidFill>
-                <a:latin typeface="微软雅黑" panose="020B0503020204020204" charset="-122"/>
-                <a:ea typeface="微软雅黑" panose="020B0503020204020204" charset="-122"/>
-                <a:hlinkClick r:id="rId11"/>
-              </a:rPr>
-              <a:t>www.1ppt.com/ziliao/</a:t>
-            </a:r>
-            <a:r>
-              <a:rPr lang="en-US" altLang="zh-CN" sz="1100" dirty="0" smtClean="0">
-                <a:solidFill>
-                  <a:srgbClr val="EEECE1">
-                    <a:lumMod val="25000"/>
-                  </a:srgbClr>
-                </a:solidFill>
-                <a:latin typeface="微软雅黑" panose="020B0503020204020204" charset="-122"/>
-                <a:ea typeface="微软雅黑" panose="020B0503020204020204" charset="-122"/>
-              </a:rPr>
-              <a:t>                    PPT</a:t>
-            </a:r>
-            <a:r>
-              <a:rPr lang="zh-CN" altLang="en-US" sz="1100" dirty="0">
-                <a:solidFill>
-                  <a:srgbClr val="EEECE1">
-                    <a:lumMod val="25000"/>
-                  </a:srgbClr>
-                </a:solidFill>
-                <a:latin typeface="微软雅黑" panose="020B0503020204020204" charset="-122"/>
-                <a:ea typeface="微软雅黑" panose="020B0503020204020204" charset="-122"/>
-              </a:rPr>
-              <a:t>课件下载：</a:t>
-            </a:r>
-            <a:r>
-              <a:rPr lang="en-US" altLang="zh-CN" sz="1100" dirty="0">
-                <a:solidFill>
-                  <a:srgbClr val="EEECE1">
-                    <a:lumMod val="25000"/>
-                  </a:srgbClr>
-                </a:solidFill>
-                <a:latin typeface="微软雅黑" panose="020B0503020204020204" charset="-122"/>
-                <a:ea typeface="微软雅黑" panose="020B0503020204020204" charset="-122"/>
-                <a:hlinkClick r:id="rId12"/>
-              </a:rPr>
-              <a:t>www.1ppt.com/kejian/</a:t>
-            </a:r>
-            <a:r>
-              <a:rPr lang="en-US" altLang="zh-CN" sz="1100" dirty="0">
-                <a:solidFill>
-                  <a:srgbClr val="EEECE1">
-                    <a:lumMod val="25000"/>
-                  </a:srgbClr>
-                </a:solidFill>
-                <a:latin typeface="微软雅黑" panose="020B0503020204020204" charset="-122"/>
-                <a:ea typeface="微软雅黑" panose="020B0503020204020204" charset="-122"/>
-              </a:rPr>
-              <a:t> </a:t>
-            </a:r>
-            <a:endParaRPr lang="en-US" altLang="zh-CN" sz="1100" dirty="0">
-              <a:solidFill>
-                <a:srgbClr val="EEECE1">
-                  <a:lumMod val="25000"/>
-                </a:srgbClr>
-              </a:solidFill>
-              <a:latin typeface="微软雅黑" panose="020B0503020204020204" charset="-122"/>
-              <a:ea typeface="微软雅黑" panose="020B0503020204020204" charset="-122"/>
-            </a:endParaRPr>
-          </a:p>
-          <a:p>
-            <a:r>
-              <a:rPr lang="zh-CN" altLang="en-US" sz="1100" dirty="0">
-                <a:solidFill>
-                  <a:srgbClr val="EEECE1">
-                    <a:lumMod val="25000"/>
-                  </a:srgbClr>
-                </a:solidFill>
-                <a:latin typeface="微软雅黑" panose="020B0503020204020204" charset="-122"/>
-                <a:ea typeface="微软雅黑" panose="020B0503020204020204" charset="-122"/>
-              </a:rPr>
-              <a:t>范文下载</a:t>
-            </a:r>
-            <a:r>
-              <a:rPr lang="zh-CN" altLang="en-US" sz="1100" dirty="0" smtClean="0">
-                <a:solidFill>
-                  <a:srgbClr val="EEECE1">
-                    <a:lumMod val="25000"/>
-                  </a:srgbClr>
-                </a:solidFill>
-                <a:latin typeface="微软雅黑" panose="020B0503020204020204" charset="-122"/>
-                <a:ea typeface="微软雅黑" panose="020B0503020204020204" charset="-122"/>
-              </a:rPr>
-              <a:t>：      </a:t>
-            </a:r>
-            <a:r>
-              <a:rPr lang="en-US" altLang="zh-CN" sz="1100" dirty="0" smtClean="0">
-                <a:solidFill>
-                  <a:srgbClr val="EEECE1">
-                    <a:lumMod val="25000"/>
-                  </a:srgbClr>
-                </a:solidFill>
-                <a:latin typeface="微软雅黑" panose="020B0503020204020204" charset="-122"/>
-                <a:ea typeface="微软雅黑" panose="020B0503020204020204" charset="-122"/>
-                <a:hlinkClick r:id="rId13"/>
-              </a:rPr>
-              <a:t>www.1ppt.com/fanwen</a:t>
-            </a:r>
-            <a:r>
-              <a:rPr lang="en-US" altLang="zh-CN" sz="1100" dirty="0">
-                <a:solidFill>
-                  <a:srgbClr val="EEECE1">
-                    <a:lumMod val="25000"/>
-                  </a:srgbClr>
-                </a:solidFill>
-                <a:latin typeface="微软雅黑" panose="020B0503020204020204" charset="-122"/>
-                <a:ea typeface="微软雅黑" panose="020B0503020204020204" charset="-122"/>
-                <a:hlinkClick r:id="rId13"/>
-              </a:rPr>
-              <a:t>/</a:t>
-            </a:r>
-            <a:r>
-              <a:rPr lang="en-US" altLang="zh-CN" sz="1100" dirty="0">
-                <a:solidFill>
-                  <a:srgbClr val="EEECE1">
-                    <a:lumMod val="25000"/>
-                  </a:srgbClr>
-                </a:solidFill>
-                <a:latin typeface="微软雅黑" panose="020B0503020204020204" charset="-122"/>
-                <a:ea typeface="微软雅黑" panose="020B0503020204020204" charset="-122"/>
-              </a:rPr>
-              <a:t>         </a:t>
-            </a:r>
-            <a:r>
-              <a:rPr lang="en-US" altLang="zh-CN" sz="1100" dirty="0" smtClean="0">
-                <a:solidFill>
-                  <a:srgbClr val="EEECE1">
-                    <a:lumMod val="25000"/>
-                  </a:srgbClr>
-                </a:solidFill>
-                <a:latin typeface="微软雅黑" panose="020B0503020204020204" charset="-122"/>
-                <a:ea typeface="微软雅黑" panose="020B0503020204020204" charset="-122"/>
-              </a:rPr>
-              <a:t>        </a:t>
-            </a:r>
-            <a:r>
-              <a:rPr lang="zh-CN" altLang="en-US" sz="1100" dirty="0">
-                <a:solidFill>
-                  <a:srgbClr val="EEECE1">
-                    <a:lumMod val="25000"/>
-                  </a:srgbClr>
-                </a:solidFill>
-                <a:latin typeface="微软雅黑" panose="020B0503020204020204" charset="-122"/>
-                <a:ea typeface="微软雅黑" panose="020B0503020204020204" charset="-122"/>
-              </a:rPr>
-              <a:t>试卷</a:t>
-            </a:r>
-            <a:r>
-              <a:rPr lang="zh-CN" altLang="en-US" sz="1100" dirty="0" smtClean="0">
-                <a:solidFill>
-                  <a:srgbClr val="EEECE1">
-                    <a:lumMod val="25000"/>
-                  </a:srgbClr>
-                </a:solidFill>
-                <a:latin typeface="微软雅黑" panose="020B0503020204020204" charset="-122"/>
-                <a:ea typeface="微软雅黑" panose="020B0503020204020204" charset="-122"/>
-              </a:rPr>
-              <a:t>下载：      </a:t>
-            </a:r>
-            <a:r>
-              <a:rPr lang="en-US" altLang="zh-CN" sz="1100" dirty="0" smtClean="0">
-                <a:solidFill>
-                  <a:srgbClr val="EEECE1">
-                    <a:lumMod val="25000"/>
-                  </a:srgbClr>
-                </a:solidFill>
-                <a:latin typeface="微软雅黑" panose="020B0503020204020204" charset="-122"/>
-                <a:ea typeface="微软雅黑" panose="020B0503020204020204" charset="-122"/>
-                <a:hlinkClick r:id="rId14"/>
-              </a:rPr>
-              <a:t>www.1ppt.com/shiti/</a:t>
-            </a:r>
-            <a:r>
-              <a:rPr lang="en-US" altLang="zh-CN" sz="1100" dirty="0" smtClean="0">
-                <a:solidFill>
-                  <a:srgbClr val="EEECE1">
-                    <a:lumMod val="25000"/>
-                  </a:srgbClr>
-                </a:solidFill>
-                <a:latin typeface="微软雅黑" panose="020B0503020204020204" charset="-122"/>
-                <a:ea typeface="微软雅黑" panose="020B0503020204020204" charset="-122"/>
-              </a:rPr>
-              <a:t>  </a:t>
-            </a:r>
-            <a:endParaRPr lang="en-US" altLang="zh-CN" sz="1100" dirty="0">
-              <a:solidFill>
-                <a:srgbClr val="EEECE1">
-                  <a:lumMod val="25000"/>
-                </a:srgbClr>
-              </a:solidFill>
-              <a:latin typeface="微软雅黑" panose="020B0503020204020204" charset="-122"/>
-              <a:ea typeface="微软雅黑" panose="020B0503020204020204" charset="-122"/>
-            </a:endParaRPr>
-          </a:p>
-          <a:p>
-            <a:r>
-              <a:rPr lang="zh-CN" altLang="en-US" sz="1100" dirty="0">
-                <a:solidFill>
-                  <a:srgbClr val="EEECE1">
-                    <a:lumMod val="25000"/>
-                  </a:srgbClr>
-                </a:solidFill>
-                <a:latin typeface="微软雅黑" panose="020B0503020204020204" charset="-122"/>
-                <a:ea typeface="微软雅黑" panose="020B0503020204020204" charset="-122"/>
-              </a:rPr>
-              <a:t>教案</a:t>
-            </a:r>
-            <a:r>
-              <a:rPr lang="zh-CN" altLang="en-US" sz="1100" dirty="0" smtClean="0">
-                <a:solidFill>
-                  <a:srgbClr val="EEECE1">
-                    <a:lumMod val="25000"/>
-                  </a:srgbClr>
-                </a:solidFill>
-                <a:latin typeface="微软雅黑" panose="020B0503020204020204" charset="-122"/>
-                <a:ea typeface="微软雅黑" panose="020B0503020204020204" charset="-122"/>
-              </a:rPr>
-              <a:t>下载：      </a:t>
-            </a:r>
-            <a:r>
-              <a:rPr lang="en-US" altLang="zh-CN" sz="1100" dirty="0" smtClean="0">
-                <a:solidFill>
-                  <a:srgbClr val="EEECE1">
-                    <a:lumMod val="25000"/>
-                  </a:srgbClr>
-                </a:solidFill>
-                <a:latin typeface="微软雅黑" panose="020B0503020204020204" charset="-122"/>
-                <a:ea typeface="微软雅黑" panose="020B0503020204020204" charset="-122"/>
-                <a:hlinkClick r:id="rId15"/>
-              </a:rPr>
-              <a:t>www.1ppt.com/jiaoan/</a:t>
-            </a:r>
-            <a:r>
-              <a:rPr lang="en-US" altLang="zh-CN" sz="1100" dirty="0" smtClean="0">
-                <a:solidFill>
-                  <a:srgbClr val="EEECE1">
-                    <a:lumMod val="25000"/>
-                  </a:srgbClr>
-                </a:solidFill>
-                <a:latin typeface="微软雅黑" panose="020B0503020204020204" charset="-122"/>
-                <a:ea typeface="微软雅黑" panose="020B0503020204020204" charset="-122"/>
-              </a:rPr>
-              <a:t>                   PPT</a:t>
-            </a:r>
-            <a:r>
-              <a:rPr lang="zh-CN" altLang="en-US" sz="1100" dirty="0">
-                <a:solidFill>
-                  <a:srgbClr val="EEECE1">
-                    <a:lumMod val="25000"/>
-                  </a:srgbClr>
-                </a:solidFill>
-                <a:latin typeface="微软雅黑" panose="020B0503020204020204" charset="-122"/>
-                <a:ea typeface="微软雅黑" panose="020B0503020204020204" charset="-122"/>
-              </a:rPr>
-              <a:t>论坛</a:t>
-            </a:r>
-            <a:r>
-              <a:rPr lang="zh-CN" altLang="en-US" sz="1100" dirty="0" smtClean="0">
-                <a:solidFill>
-                  <a:srgbClr val="EEECE1">
-                    <a:lumMod val="25000"/>
-                  </a:srgbClr>
-                </a:solidFill>
-                <a:latin typeface="微软雅黑" panose="020B0503020204020204" charset="-122"/>
-                <a:ea typeface="微软雅黑" panose="020B0503020204020204" charset="-122"/>
-              </a:rPr>
-              <a:t>：      </a:t>
-            </a:r>
-            <a:r>
-              <a:rPr lang="en-US" altLang="zh-CN" sz="1100" dirty="0" smtClean="0">
-                <a:solidFill>
-                  <a:srgbClr val="EEECE1">
-                    <a:lumMod val="25000"/>
-                  </a:srgbClr>
-                </a:solidFill>
-                <a:latin typeface="微软雅黑" panose="020B0503020204020204" charset="-122"/>
-                <a:ea typeface="微软雅黑" panose="020B0503020204020204" charset="-122"/>
-                <a:hlinkClick r:id="rId16"/>
-              </a:rPr>
-              <a:t>www.1ppt.cn</a:t>
-            </a:r>
-            <a:r>
-              <a:rPr lang="en-US" altLang="zh-CN" sz="1100" dirty="0" smtClean="0">
-                <a:solidFill>
-                  <a:srgbClr val="EEECE1">
-                    <a:lumMod val="25000"/>
-                  </a:srgbClr>
-                </a:solidFill>
-                <a:latin typeface="微软雅黑" panose="020B0503020204020204" charset="-122"/>
-                <a:ea typeface="微软雅黑" panose="020B0503020204020204" charset="-122"/>
-              </a:rPr>
-              <a:t>             </a:t>
-            </a:r>
-            <a:endParaRPr lang="zh-CN" altLang="en-US" sz="1100" dirty="0">
-              <a:solidFill>
-                <a:srgbClr val="EEECE1">
-                  <a:lumMod val="25000"/>
-                </a:srgbClr>
-              </a:solidFill>
-              <a:latin typeface="微软雅黑" panose="020B0503020204020204" charset="-122"/>
-              <a:ea typeface="微软雅黑" panose="020B0503020204020204" charset="-122"/>
-            </a:endParaRPr>
-          </a:p>
-        </p:txBody>
-      </p:sp>
-      <p:sp>
-        <p:nvSpPr>
-          <p:cNvPr id="3" name="Rectangle 17"/>
-          <p:cNvSpPr>
-            <a:spLocks noChangeArrowheads="1"/>
-          </p:cNvSpPr>
-          <p:nvPr/>
-        </p:nvSpPr>
-        <p:spPr bwMode="gray">
-          <a:xfrm>
-            <a:off x="0" y="2248707"/>
-            <a:ext cx="9144000" cy="1025122"/>
-          </a:xfrm>
-          <a:prstGeom prst="rect">
-            <a:avLst/>
-          </a:prstGeom>
-          <a:solidFill>
-            <a:schemeClr val="tx2">
-              <a:lumMod val="75000"/>
-            </a:schemeClr>
-          </a:solidFill>
-          <a:ln w="9525">
-            <a:noFill/>
-            <a:miter lim="800000"/>
-          </a:ln>
-        </p:spPr>
-        <p:txBody>
-          <a:bodyPr wrap="none" anchor="ctr"/>
-          <a:lstStyle/>
-          <a:p>
-            <a:pPr>
-              <a:defRPr/>
-            </a:pPr>
-            <a:endParaRPr lang="zh-CN" altLang="en-US" kern="0" dirty="0">
-              <a:solidFill>
-                <a:srgbClr val="005397"/>
-              </a:solidFill>
-              <a:latin typeface="Arial" panose="020B0604020202020204"/>
-              <a:ea typeface="微软雅黑" panose="020B0503020204020204" charset="-122"/>
-            </a:endParaRPr>
-          </a:p>
-        </p:txBody>
-      </p:sp>
-      <p:pic>
-        <p:nvPicPr>
-          <p:cNvPr id="10" name="图片 9"/>
-          <p:cNvPicPr>
-            <a:picLocks noChangeAspect="1"/>
-          </p:cNvPicPr>
-          <p:nvPr/>
-        </p:nvPicPr>
-        <p:blipFill>
-          <a:blip r:embed="rId17">
-            <a:extLst>
-              <a:ext uri="{28A0092B-C50C-407E-A947-70E740481C1C}">
-                <a14:useLocalDpi xmlns:a14="http://schemas.microsoft.com/office/drawing/2010/main" val="0"/>
-              </a:ext>
-            </a:extLst>
-          </a:blip>
-          <a:stretch>
-            <a:fillRect/>
-          </a:stretch>
-        </p:blipFill>
-        <p:spPr>
-          <a:xfrm>
-            <a:off x="820802" y="236386"/>
-            <a:ext cx="7711638" cy="2011329"/>
-          </a:xfrm>
-          <a:prstGeom prst="rect">
-            <a:avLst/>
-          </a:prstGeom>
-          <a:noFill/>
-          <a:ln>
-            <a:noFill/>
-          </a:ln>
-        </p:spPr>
-      </p:pic>
-      <p:sp>
-        <p:nvSpPr>
-          <p:cNvPr id="15" name="Rectangle 3"/>
-          <p:cNvSpPr>
-            <a:spLocks noChangeArrowheads="1"/>
-          </p:cNvSpPr>
-          <p:nvPr/>
-        </p:nvSpPr>
-        <p:spPr bwMode="auto">
-          <a:xfrm>
-            <a:off x="468316" y="2323010"/>
-            <a:ext cx="4103687" cy="1214009"/>
-          </a:xfrm>
-          <a:prstGeom prst="rect">
-            <a:avLst/>
-          </a:prstGeom>
-          <a:noFill/>
-          <a:ln w="3175" algn="ctr">
-            <a:noFill/>
-            <a:prstDash val="dash"/>
-            <a:miter lim="800000"/>
-          </a:ln>
-          <a:effectLst/>
-          <a:extLst>
-            <a:ext uri="{909E8E84-426E-40DD-AFC4-6F175D3DCCD1}">
-              <a14:hiddenFill xmlns:a14="http://schemas.microsoft.com/office/drawing/2010/main">
-                <a:solidFill>
-                  <a:srgbClr val="FFFFFF"/>
-                </a:solidFill>
-              </a14:hiddenFill>
-            </a:ext>
-            <a:ext uri="{AF507438-7753-43E0-B8FC-AC1667EBCBE1}">
-              <a14:hiddenEffects xmlns:a14="http://schemas.microsoft.com/office/drawing/2010/main">
-                <a:effectLst>
-                  <a:outerShdw dist="35921" dir="2700000" algn="ctr" rotWithShape="0">
-                    <a:srgbClr val="808080"/>
-                  </a:outerShdw>
-                </a:effectLst>
-              </a14:hiddenEffects>
-            </a:ext>
-          </a:extLst>
-        </p:spPr>
-        <p:txBody>
-          <a:bodyPr/>
-          <a:lstStyle/>
-          <a:p>
-            <a:pPr>
-              <a:spcBef>
-                <a:spcPct val="20000"/>
-              </a:spcBef>
-              <a:buClr>
-                <a:srgbClr val="5B8CC1"/>
-              </a:buClr>
-              <a:buFont typeface="Wingdings" panose="05000000000000000000" pitchFamily="2" charset="2"/>
-              <a:buNone/>
-              <a:defRPr/>
-            </a:pPr>
-            <a:r>
-              <a:rPr lang="zh-CN" altLang="en-US" sz="2000" b="1" kern="0" dirty="0" smtClean="0">
-                <a:solidFill>
-                  <a:prstClr val="white"/>
-                </a:solidFill>
-                <a:latin typeface="微软雅黑" panose="020B0503020204020204" charset="-122"/>
-                <a:ea typeface="微软雅黑" panose="020B0503020204020204" charset="-122"/>
-              </a:rPr>
-              <a:t>可以在下列情况使用</a:t>
-            </a:r>
-            <a:endParaRPr lang="zh-CN" altLang="en-US" sz="1200" kern="0" dirty="0" smtClean="0">
-              <a:solidFill>
-                <a:prstClr val="white"/>
-              </a:solidFill>
-              <a:latin typeface="微软雅黑" panose="020B0503020204020204" charset="-122"/>
-              <a:ea typeface="微软雅黑" panose="020B0503020204020204" charset="-122"/>
-            </a:endParaRPr>
-          </a:p>
-          <a:p>
-            <a:pPr>
-              <a:lnSpc>
-                <a:spcPct val="150000"/>
-              </a:lnSpc>
-              <a:buClr>
-                <a:srgbClr val="5B8CC1"/>
-              </a:buClr>
-              <a:buFont typeface="Wingdings" panose="05000000000000000000" pitchFamily="2" charset="2"/>
-              <a:buChar char="n"/>
-              <a:defRPr/>
-            </a:pPr>
-            <a:r>
-              <a:rPr lang="zh-CN" altLang="en-US" sz="1200" kern="0" dirty="0" smtClean="0">
-                <a:solidFill>
-                  <a:prstClr val="white"/>
-                </a:solidFill>
-                <a:latin typeface="微软雅黑" panose="020B0503020204020204" charset="-122"/>
-                <a:ea typeface="微软雅黑" panose="020B0503020204020204" charset="-122"/>
-              </a:rPr>
-              <a:t>不限次数的用于您个人</a:t>
-            </a:r>
-            <a:r>
-              <a:rPr lang="en-US" altLang="zh-CN" sz="1200" kern="0" dirty="0" smtClean="0">
-                <a:solidFill>
-                  <a:prstClr val="white"/>
-                </a:solidFill>
-                <a:latin typeface="微软雅黑" panose="020B0503020204020204" charset="-122"/>
-                <a:ea typeface="微软雅黑" panose="020B0503020204020204" charset="-122"/>
-              </a:rPr>
-              <a:t>/</a:t>
-            </a:r>
-            <a:r>
-              <a:rPr lang="zh-CN" altLang="en-US" sz="1200" kern="0" dirty="0" smtClean="0">
-                <a:solidFill>
-                  <a:prstClr val="white"/>
-                </a:solidFill>
-                <a:latin typeface="微软雅黑" panose="020B0503020204020204" charset="-122"/>
-                <a:ea typeface="微软雅黑" panose="020B0503020204020204" charset="-122"/>
-              </a:rPr>
-              <a:t>公司、企业的商业演示。</a:t>
-            </a:r>
-            <a:endParaRPr lang="zh-CN" altLang="en-US" sz="1200" kern="0" dirty="0" smtClean="0">
-              <a:solidFill>
-                <a:prstClr val="white"/>
-              </a:solidFill>
-              <a:latin typeface="微软雅黑" panose="020B0503020204020204" charset="-122"/>
-              <a:ea typeface="微软雅黑" panose="020B0503020204020204" charset="-122"/>
-            </a:endParaRPr>
-          </a:p>
-          <a:p>
-            <a:pPr>
-              <a:lnSpc>
-                <a:spcPct val="150000"/>
-              </a:lnSpc>
-              <a:buClr>
-                <a:srgbClr val="5B8CC1"/>
-              </a:buClr>
-              <a:buFont typeface="Wingdings" panose="05000000000000000000" pitchFamily="2" charset="2"/>
-              <a:buChar char="n"/>
-              <a:defRPr/>
-            </a:pPr>
-            <a:r>
-              <a:rPr lang="zh-CN" altLang="en-US" sz="1200" kern="0" dirty="0" smtClean="0">
-                <a:solidFill>
-                  <a:prstClr val="white"/>
-                </a:solidFill>
-                <a:latin typeface="微软雅黑" panose="020B0503020204020204" charset="-122"/>
-                <a:ea typeface="微软雅黑" panose="020B0503020204020204" charset="-122"/>
-              </a:rPr>
-              <a:t>拷贝模板中的内容用于其它幻灯片母版中使用。</a:t>
-            </a:r>
-            <a:endParaRPr lang="zh-CN" altLang="en-US" sz="1200" kern="0" dirty="0" smtClean="0">
-              <a:solidFill>
-                <a:prstClr val="white"/>
-              </a:solidFill>
-              <a:latin typeface="微软雅黑" panose="020B0503020204020204" charset="-122"/>
-              <a:ea typeface="微软雅黑" panose="020B0503020204020204" charset="-122"/>
-            </a:endParaRPr>
-          </a:p>
-        </p:txBody>
-      </p:sp>
-      <p:sp>
-        <p:nvSpPr>
-          <p:cNvPr id="16" name="Rectangle 4"/>
-          <p:cNvSpPr>
-            <a:spLocks noChangeArrowheads="1"/>
-          </p:cNvSpPr>
-          <p:nvPr/>
-        </p:nvSpPr>
-        <p:spPr bwMode="auto">
-          <a:xfrm>
-            <a:off x="4572000" y="2323010"/>
-            <a:ext cx="4103688" cy="1160003"/>
-          </a:xfrm>
-          <a:prstGeom prst="rect">
-            <a:avLst/>
-          </a:prstGeom>
-          <a:noFill/>
-          <a:ln w="3175" algn="ctr">
-            <a:noFill/>
-            <a:prstDash val="dash"/>
-            <a:miter lim="800000"/>
-          </a:ln>
-          <a:effectLst/>
-          <a:extLst>
-            <a:ext uri="{909E8E84-426E-40DD-AFC4-6F175D3DCCD1}">
-              <a14:hiddenFill xmlns:a14="http://schemas.microsoft.com/office/drawing/2010/main">
-                <a:solidFill>
-                  <a:srgbClr val="FFFFFF"/>
-                </a:solidFill>
-              </a14:hiddenFill>
-            </a:ext>
-            <a:ext uri="{AF507438-7753-43E0-B8FC-AC1667EBCBE1}">
-              <a14:hiddenEffects xmlns:a14="http://schemas.microsoft.com/office/drawing/2010/main">
-                <a:effectLst>
-                  <a:outerShdw dist="35921" dir="2700000" algn="ctr" rotWithShape="0">
-                    <a:srgbClr val="808080"/>
-                  </a:outerShdw>
-                </a:effectLst>
-              </a14:hiddenEffects>
-            </a:ext>
-          </a:extLst>
-        </p:spPr>
-        <p:txBody>
-          <a:bodyPr/>
-          <a:lstStyle/>
-          <a:p>
-            <a:pPr>
-              <a:spcBef>
-                <a:spcPct val="20000"/>
-              </a:spcBef>
-              <a:buClr>
-                <a:srgbClr val="5B8CC1"/>
-              </a:buClr>
-              <a:buFont typeface="Wingdings" panose="05000000000000000000" pitchFamily="2" charset="2"/>
-              <a:buNone/>
-              <a:defRPr/>
-            </a:pPr>
-            <a:r>
-              <a:rPr lang="zh-CN" altLang="en-US" sz="2000" b="1" kern="0" dirty="0" smtClean="0">
-                <a:solidFill>
-                  <a:prstClr val="white"/>
-                </a:solidFill>
-                <a:latin typeface="微软雅黑" panose="020B0503020204020204" charset="-122"/>
-                <a:ea typeface="微软雅黑" panose="020B0503020204020204" charset="-122"/>
-              </a:rPr>
-              <a:t>不可以在以下情况使用</a:t>
-            </a:r>
-            <a:endParaRPr lang="zh-CN" altLang="en-US" sz="1050" b="1" kern="0" dirty="0" smtClean="0">
-              <a:solidFill>
-                <a:prstClr val="white"/>
-              </a:solidFill>
-              <a:latin typeface="微软雅黑" panose="020B0503020204020204" charset="-122"/>
-              <a:ea typeface="微软雅黑" panose="020B0503020204020204" charset="-122"/>
-            </a:endParaRPr>
-          </a:p>
-          <a:p>
-            <a:pPr>
-              <a:lnSpc>
-                <a:spcPct val="150000"/>
-              </a:lnSpc>
-              <a:buClr>
-                <a:srgbClr val="5B8CC1"/>
-              </a:buClr>
-              <a:buFont typeface="Wingdings" panose="05000000000000000000" pitchFamily="2" charset="2"/>
-              <a:buChar char="n"/>
-              <a:defRPr/>
-            </a:pPr>
-            <a:r>
-              <a:rPr lang="zh-CN" altLang="en-US" sz="1200" kern="0" dirty="0" smtClean="0">
-                <a:solidFill>
-                  <a:prstClr val="white"/>
-                </a:solidFill>
-                <a:latin typeface="微软雅黑" panose="020B0503020204020204" charset="-122"/>
-                <a:ea typeface="微软雅黑" panose="020B0503020204020204" charset="-122"/>
-              </a:rPr>
-              <a:t>用于任何形式的在线付费下载。</a:t>
-            </a:r>
-            <a:endParaRPr lang="zh-CN" altLang="en-US" sz="1200" kern="0" dirty="0" smtClean="0">
-              <a:solidFill>
-                <a:prstClr val="white"/>
-              </a:solidFill>
-              <a:latin typeface="微软雅黑" panose="020B0503020204020204" charset="-122"/>
-              <a:ea typeface="微软雅黑" panose="020B0503020204020204" charset="-122"/>
-            </a:endParaRPr>
-          </a:p>
-          <a:p>
-            <a:pPr>
-              <a:lnSpc>
-                <a:spcPct val="150000"/>
-              </a:lnSpc>
-              <a:buClr>
-                <a:srgbClr val="5B8CC1"/>
-              </a:buClr>
-              <a:buFont typeface="Wingdings" panose="05000000000000000000" pitchFamily="2" charset="2"/>
-              <a:buChar char="n"/>
-              <a:defRPr/>
-            </a:pPr>
-            <a:r>
-              <a:rPr lang="zh-CN" altLang="en-US" sz="1200" kern="0" dirty="0" smtClean="0">
-                <a:solidFill>
-                  <a:prstClr val="white"/>
-                </a:solidFill>
-                <a:latin typeface="微软雅黑" panose="020B0503020204020204" charset="-122"/>
-                <a:ea typeface="微软雅黑" panose="020B0503020204020204" charset="-122"/>
-              </a:rPr>
-              <a:t>收集整理我们发布的免费资源后，刻录光碟销售。</a:t>
-            </a:r>
-            <a:endParaRPr lang="zh-CN" altLang="en-GB" sz="1200" kern="0" dirty="0" smtClean="0">
-              <a:solidFill>
-                <a:prstClr val="white"/>
-              </a:solidFill>
-              <a:latin typeface="微软雅黑" panose="020B0503020204020204" charset="-122"/>
-              <a:ea typeface="微软雅黑" panose="020B0503020204020204" charset="-122"/>
-            </a:endParaRPr>
-          </a:p>
-        </p:txBody>
-      </p:sp>
-      <p:pic>
-        <p:nvPicPr>
-          <p:cNvPr id="17" name="Picture 10" descr="png-0644"/>
-          <p:cNvPicPr>
-            <a:picLocks noChangeAspect="1" noChangeArrowheads="1"/>
-          </p:cNvPicPr>
-          <p:nvPr/>
-        </p:nvPicPr>
-        <p:blipFill>
-          <a:blip r:embed="rId18">
-            <a:extLst>
-              <a:ext uri="{28A0092B-C50C-407E-A947-70E740481C1C}">
-                <a14:useLocalDpi xmlns:a14="http://schemas.microsoft.com/office/drawing/2010/main" val="0"/>
-              </a:ext>
-            </a:extLst>
-          </a:blip>
-          <a:srcRect/>
-          <a:stretch>
-            <a:fillRect/>
-          </a:stretch>
-        </p:blipFill>
-        <p:spPr bwMode="auto">
-          <a:xfrm>
-            <a:off x="2915816" y="2323010"/>
-            <a:ext cx="393700" cy="295275"/>
-          </a:xfrm>
-          <a:prstGeom prst="rect">
-            <a:avLst/>
-          </a:prstGeom>
-          <a:noFill/>
-          <a:ln>
-            <a:noFill/>
-          </a:ln>
-          <a:extLst>
-            <a:ext uri="{909E8E84-426E-40DD-AFC4-6F175D3DCCD1}">
-              <a14:hiddenFill xmlns:a14="http://schemas.microsoft.com/office/drawing/2010/main">
-                <a:solidFill>
-                  <a:srgbClr val="FFFFFF"/>
-                </a:solidFill>
-              </a14:hiddenFill>
-            </a:ext>
-            <a:ext uri="{91240B29-F687-4F45-9708-019B960494DF}">
-              <a14:hiddenLine xmlns:a14="http://schemas.microsoft.com/office/drawing/2010/main" w="9525">
-                <a:solidFill>
-                  <a:srgbClr val="000000"/>
-                </a:solidFill>
-                <a:miter lim="800000"/>
-                <a:headEnd/>
-                <a:tailEnd/>
-              </a14:hiddenLine>
-            </a:ext>
-          </a:extLst>
-        </p:spPr>
-      </p:pic>
-      <p:pic>
-        <p:nvPicPr>
-          <p:cNvPr id="18" name="Picture 11" descr="png-0652"/>
-          <p:cNvPicPr>
-            <a:picLocks noChangeAspect="1" noChangeArrowheads="1"/>
-          </p:cNvPicPr>
-          <p:nvPr/>
-        </p:nvPicPr>
-        <p:blipFill>
-          <a:blip r:embed="rId19">
-            <a:extLst>
-              <a:ext uri="{28A0092B-C50C-407E-A947-70E740481C1C}">
-                <a14:useLocalDpi xmlns:a14="http://schemas.microsoft.com/office/drawing/2010/main" val="0"/>
-              </a:ext>
-            </a:extLst>
-          </a:blip>
-          <a:srcRect/>
-          <a:stretch>
-            <a:fillRect/>
-          </a:stretch>
-        </p:blipFill>
-        <p:spPr bwMode="auto">
-          <a:xfrm>
-            <a:off x="7234001" y="2323010"/>
-            <a:ext cx="393700" cy="295275"/>
-          </a:xfrm>
-          <a:prstGeom prst="rect">
-            <a:avLst/>
-          </a:prstGeom>
-          <a:noFill/>
-          <a:ln>
-            <a:noFill/>
-          </a:ln>
-          <a:extLst>
-            <a:ext uri="{909E8E84-426E-40DD-AFC4-6F175D3DCCD1}">
-              <a14:hiddenFill xmlns:a14="http://schemas.microsoft.com/office/drawing/2010/main">
-                <a:solidFill>
-                  <a:srgbClr val="FFFFFF"/>
-                </a:solidFill>
-              </a14:hiddenFill>
-            </a:ext>
-            <a:ext uri="{91240B29-F687-4F45-9708-019B960494DF}">
-              <a14:hiddenLine xmlns:a14="http://schemas.microsoft.com/office/drawing/2010/main" w="9525">
-                <a:solidFill>
-                  <a:srgbClr val="000000"/>
-                </a:solidFill>
-                <a:miter lim="800000"/>
-                <a:headEnd/>
-                <a:tailEnd/>
-              </a14:hiddenLine>
-            </a:ext>
-          </a:extLst>
-        </p:spPr>
-      </p:pic>
-    </p:spTree>
-  </p:cSld>
-  <p:clrMapOvr>
-    <a:masterClrMapping/>
-  </p:clrMapOvr>
-  <p:timing>
-    <p:tnLst>
-      <p:par>
-        <p:cTn id="1" dur="indefinite" restart="never" nodeType="tmRoot"/>
-      </p:par>
-    </p:tnLst>
-  </p:timing>
-</p:sld>
-</file>
-
 <file path=ppt/slides/slide3.xml><?xml version="1.0" encoding="utf-8"?>
 <p:sld xmlns:a="http://schemas.openxmlformats.org/drawingml/2006/main" xmlns:r="http://schemas.openxmlformats.org/officeDocument/2006/relationships" xmlns:p="http://schemas.openxmlformats.org/presentationml/2006/main">
   <p:cSld>
@@ -14597,23 +10975,23 @@
           <a:lstStyle/>
           <a:p>
             <a:r>
-              <a:rPr lang="zh-CN" altLang="en-US" dirty="0">
+              <a:rPr lang="zh-CN" altLang="zh-CN" dirty="0">
                 <a:solidFill>
                   <a:srgbClr val="0070C0"/>
                 </a:solidFill>
-                <a:latin typeface="华文细黑" panose="02010600040101010101" charset="-122"/>
-                <a:ea typeface="华文细黑" panose="02010600040101010101" charset="-122"/>
+                <a:latin typeface="+mn-lt"/>
+                <a:ea typeface="+mn-ea"/>
                 <a:cs typeface="+mn-ea"/>
                 <a:sym typeface="+mn-lt"/>
               </a:rPr>
-              <a:t>需要的文件</a:t>
-            </a:r>
-            <a:endParaRPr lang="zh-CN" altLang="en-US" dirty="0">
+              <a:t>简介</a:t>
+            </a:r>
+            <a:endParaRPr lang="zh-CN" altLang="zh-CN" dirty="0">
               <a:solidFill>
                 <a:srgbClr val="0070C0"/>
               </a:solidFill>
-              <a:latin typeface="华文细黑" panose="02010600040101010101" charset="-122"/>
-              <a:ea typeface="华文细黑" panose="02010600040101010101" charset="-122"/>
+              <a:latin typeface="+mn-lt"/>
+              <a:ea typeface="+mn-ea"/>
               <a:cs typeface="+mn-ea"/>
               <a:sym typeface="+mn-lt"/>
             </a:endParaRPr>
@@ -14651,225 +11029,143 @@
       </p:sp>
       <p:sp>
         <p:nvSpPr>
-          <p:cNvPr id="14" name="文本框 13"/>
-          <p:cNvSpPr txBox="1"/>
-          <p:nvPr/>
+          <p:cNvPr id="5" name="文本占位符 4"/>
+          <p:cNvSpPr/>
+          <p:nvPr>
+            <p:ph type="body" sz="quarter" idx="25"/>
+          </p:nvPr>
         </p:nvSpPr>
         <p:spPr>
           <a:xfrm>
-            <a:off x="457200" y="981075"/>
-            <a:ext cx="8067675" cy="2399665"/>
+            <a:off x="533400" y="904240"/>
+            <a:ext cx="6102350" cy="3549015"/>
           </a:xfrm>
-          <a:prstGeom prst="rect">
-            <a:avLst/>
-          </a:prstGeom>
-          <a:noFill/>
         </p:spPr>
         <p:txBody>
-          <a:bodyPr wrap="square" rtlCol="0">
-            <a:spAutoFit/>
-          </a:bodyPr>
-          <a:p>
-            <a:r>
-              <a:rPr lang="zh-CN" altLang="en-US" sz="1000" b="1">
+          <a:bodyPr/>
+          <a:p>
+            <a:endParaRPr lang="zh-CN" altLang="en-US"/>
+          </a:p>
+          <a:p>
+            <a:endParaRPr lang="zh-CN" altLang="en-US"/>
+          </a:p>
+          <a:p>
+            <a:endParaRPr lang="zh-CN" altLang="en-US"/>
+          </a:p>
+          <a:p>
+            <a:endParaRPr lang="zh-CN" altLang="en-US"/>
+          </a:p>
+          <a:p>
+            <a:endParaRPr lang="zh-CN" altLang="en-US"/>
+          </a:p>
+          <a:p>
+            <a:endParaRPr lang="zh-CN" altLang="en-US"/>
+          </a:p>
+          <a:p>
+            <a:endParaRPr lang="zh-CN" altLang="en-US"/>
+          </a:p>
+          <a:p>
+            <a:r>
+              <a:rPr lang="zh-CN" altLang="en-US">
+                <a:latin typeface="华文细黑" panose="02010600040101010101" charset="-122"/>
+                <a:ea typeface="华文细黑" panose="02010600040101010101" charset="-122"/>
+              </a:rPr>
+              <a:t>基于 Bootstrap 的 jQuery 表格插件，通过简单的设置，就可以拥有强的单选、多选、排序、分页，以及编辑、导出、过滤（扩展）等等的功能</a:t>
+            </a:r>
+            <a:endParaRPr lang="zh-CN" altLang="en-US">
+              <a:latin typeface="华文细黑" panose="02010600040101010101" charset="-122"/>
+              <a:ea typeface="华文细黑" panose="02010600040101010101" charset="-122"/>
+            </a:endParaRPr>
+          </a:p>
+          <a:p>
+            <a:endParaRPr lang="zh-CN" altLang="en-US">
+              <a:latin typeface="华文细黑" panose="02010600040101010101" charset="-122"/>
+              <a:ea typeface="华文细黑" panose="02010600040101010101" charset="-122"/>
+            </a:endParaRPr>
+          </a:p>
+          <a:p>
+            <a:endParaRPr lang="zh-CN" altLang="en-US">
+              <a:latin typeface="华文细黑" panose="02010600040101010101" charset="-122"/>
+              <a:ea typeface="华文细黑" panose="02010600040101010101" charset="-122"/>
+            </a:endParaRPr>
+          </a:p>
+          <a:p>
+            <a:r>
+              <a:rPr lang="zh-CN" altLang="en-US">
+                <a:latin typeface="华文细黑" panose="02010600040101010101" charset="-122"/>
+                <a:ea typeface="华文细黑" panose="02010600040101010101" charset="-122"/>
+              </a:rPr>
+              <a:t>官网地址</a:t>
+            </a:r>
+            <a:r>
+              <a:rPr lang="en-US" altLang="zh-CN">
                 <a:solidFill>
-                  <a:srgbClr val="FF0000"/>
+                  <a:schemeClr val="tx1"/>
                 </a:solidFill>
+                <a:latin typeface="华文细黑" panose="02010600040101010101" charset="-122"/>
+                <a:ea typeface="华文细黑" panose="02010600040101010101" charset="-122"/>
               </a:rPr>
-              <a:t>下载的 Bootstrap table 源码包含了未压缩的 CSS，JavaScript，语言文件以及扩展，并且提供了压缩扰乱的 min 文件，当然也提供了我们的文档。更具体地说，主要包含了以下的文件：</a:t>
-            </a:r>
-            <a:endParaRPr lang="zh-CN" altLang="en-US" sz="1000" b="1">
+              <a:t>:</a:t>
+            </a:r>
+            <a:r>
+              <a:rPr lang="zh-CN" altLang="en-US">
+                <a:solidFill>
+                  <a:schemeClr val="tx1"/>
+                </a:solidFill>
+                <a:latin typeface="华文细黑" panose="02010600040101010101" charset="-122"/>
+                <a:ea typeface="华文细黑" panose="02010600040101010101" charset="-122"/>
+                <a:hlinkClick r:id="rId1"/>
+              </a:rPr>
+              <a:t>http://bootstrap-table.wenzhixin.net.cn/</a:t>
+            </a:r>
+            <a:endParaRPr lang="zh-CN" altLang="en-US">
               <a:solidFill>
-                <a:srgbClr val="FF0000"/>
+                <a:schemeClr val="tx1"/>
               </a:solidFill>
+              <a:latin typeface="华文细黑" panose="02010600040101010101" charset="-122"/>
+              <a:ea typeface="华文细黑" panose="02010600040101010101" charset="-122"/>
+              <a:hlinkClick r:id="rId1"/>
             </a:endParaRPr>
           </a:p>
           <a:p>
-            <a:endParaRPr lang="zh-CN" altLang="en-US" sz="1000" b="1">
-              <a:solidFill>
-                <a:srgbClr val="FF0000"/>
-              </a:solidFill>
-            </a:endParaRPr>
-          </a:p>
-          <a:p>
-            <a:r>
-              <a:rPr lang="zh-CN" altLang="en-US" sz="1000" b="1">
-                <a:solidFill>
-                  <a:srgbClr val="FF0000"/>
-                </a:solidFill>
-              </a:rPr>
-              <a:t>bootstrap-table/</a:t>
-            </a:r>
-            <a:endParaRPr lang="zh-CN" altLang="en-US" sz="1000" b="1">
-              <a:solidFill>
-                <a:srgbClr val="FF0000"/>
-              </a:solidFill>
-            </a:endParaRPr>
-          </a:p>
-          <a:p>
-            <a:r>
-              <a:rPr lang="zh-CN" altLang="en-US" sz="1000" b="1">
-                <a:solidFill>
-                  <a:srgbClr val="FF0000"/>
-                </a:solidFill>
-              </a:rPr>
-              <a:t>├── dist/</a:t>
-            </a:r>
-            <a:endParaRPr lang="zh-CN" altLang="en-US" sz="1000" b="1">
-              <a:solidFill>
-                <a:srgbClr val="FF0000"/>
-              </a:solidFill>
-            </a:endParaRPr>
-          </a:p>
-          <a:p>
-            <a:r>
-              <a:rPr lang="zh-CN" altLang="en-US" sz="1000" b="1">
-                <a:solidFill>
-                  <a:srgbClr val="FF0000"/>
-                </a:solidFill>
-              </a:rPr>
-              <a:t>│   ├── extensions/</a:t>
-            </a:r>
-            <a:endParaRPr lang="zh-CN" altLang="en-US" sz="1000" b="1">
-              <a:solidFill>
-                <a:srgbClr val="FF0000"/>
-              </a:solidFill>
-            </a:endParaRPr>
-          </a:p>
-          <a:p>
-            <a:r>
-              <a:rPr lang="zh-CN" altLang="en-US" sz="1000" b="1">
-                <a:solidFill>
-                  <a:srgbClr val="FF0000"/>
-                </a:solidFill>
-              </a:rPr>
-              <a:t>│   ├── locale/</a:t>
-            </a:r>
-            <a:endParaRPr lang="zh-CN" altLang="en-US" sz="1000" b="1">
-              <a:solidFill>
-                <a:srgbClr val="FF0000"/>
-              </a:solidFill>
-            </a:endParaRPr>
-          </a:p>
-          <a:p>
-            <a:r>
-              <a:rPr lang="zh-CN" altLang="en-US" sz="1000" b="1">
-                <a:solidFill>
-                  <a:srgbClr val="FF0000"/>
-                </a:solidFill>
-              </a:rPr>
-              <a:t>│   ├── bootstrap-table.min.css　　　　　　　　</a:t>
-            </a:r>
-            <a:endParaRPr lang="zh-CN" altLang="en-US" sz="1000" b="1">
-              <a:solidFill>
-                <a:srgbClr val="FF0000"/>
-              </a:solidFill>
-            </a:endParaRPr>
-          </a:p>
-          <a:p>
-            <a:r>
-              <a:rPr lang="zh-CN" altLang="en-US" sz="1000" b="1">
-                <a:solidFill>
-                  <a:srgbClr val="FF0000"/>
-                </a:solidFill>
-              </a:rPr>
-              <a:t>│   └── bootstrap-table.min.js</a:t>
-            </a:r>
-            <a:endParaRPr lang="zh-CN" altLang="en-US" sz="1000" b="1">
-              <a:solidFill>
-                <a:srgbClr val="FF0000"/>
-              </a:solidFill>
-            </a:endParaRPr>
-          </a:p>
-          <a:p>
-            <a:r>
-              <a:rPr lang="zh-CN" altLang="en-US" sz="1000" b="1">
-                <a:solidFill>
-                  <a:srgbClr val="FF0000"/>
-                </a:solidFill>
-              </a:rPr>
-              <a:t>├── docs/</a:t>
-            </a:r>
-            <a:endParaRPr lang="zh-CN" altLang="en-US" sz="1000" b="1">
-              <a:solidFill>
-                <a:srgbClr val="FF0000"/>
-              </a:solidFill>
-            </a:endParaRPr>
-          </a:p>
-          <a:p>
-            <a:r>
-              <a:rPr lang="zh-CN" altLang="en-US" sz="1000" b="1">
-                <a:solidFill>
-                  <a:srgbClr val="FF0000"/>
-                </a:solidFill>
-              </a:rPr>
-              <a:t>└── src/</a:t>
-            </a:r>
-            <a:endParaRPr lang="zh-CN" altLang="en-US" sz="1000" b="1">
-              <a:solidFill>
-                <a:srgbClr val="FF0000"/>
-              </a:solidFill>
-            </a:endParaRPr>
-          </a:p>
-          <a:p>
-            <a:r>
-              <a:rPr lang="zh-CN" altLang="en-US" sz="1000" b="1">
-                <a:solidFill>
-                  <a:srgbClr val="FF0000"/>
-                </a:solidFill>
-              </a:rPr>
-              <a:t>    ├── extensions/</a:t>
-            </a:r>
-            <a:endParaRPr lang="zh-CN" altLang="en-US" sz="1000" b="1">
-              <a:solidFill>
-                <a:srgbClr val="FF0000"/>
-              </a:solidFill>
-            </a:endParaRPr>
-          </a:p>
-          <a:p>
-            <a:r>
-              <a:rPr lang="zh-CN" altLang="en-US" sz="1000" b="1">
-                <a:solidFill>
-                  <a:srgbClr val="FF0000"/>
-                </a:solidFill>
-              </a:rPr>
-              <a:t>    ├── locale/</a:t>
-            </a:r>
-            <a:endParaRPr lang="zh-CN" altLang="en-US" sz="1000" b="1">
-              <a:solidFill>
-                <a:srgbClr val="FF0000"/>
-              </a:solidFill>
-            </a:endParaRPr>
-          </a:p>
-          <a:p>
-            <a:r>
-              <a:rPr lang="zh-CN" altLang="en-US" sz="1000" b="1">
-                <a:solidFill>
-                  <a:srgbClr val="FF0000"/>
-                </a:solidFill>
-              </a:rPr>
-              <a:t>    ├── bootstrap-table.css</a:t>
-            </a:r>
-            <a:endParaRPr lang="zh-CN" altLang="en-US" sz="1000" b="1">
-              <a:solidFill>
-                <a:srgbClr val="FF0000"/>
-              </a:solidFill>
-            </a:endParaRPr>
-          </a:p>
-          <a:p>
-            <a:r>
-              <a:rPr lang="zh-CN" altLang="en-US" sz="1000" b="1">
-                <a:solidFill>
-                  <a:srgbClr val="FF0000"/>
-                </a:solidFill>
-              </a:rPr>
-              <a:t>    └── bootstrap-table.js</a:t>
-            </a:r>
-            <a:endParaRPr lang="zh-CN" altLang="en-US" sz="1000" b="1">
-              <a:solidFill>
-                <a:srgbClr val="FF0000"/>
-              </a:solidFill>
-            </a:endParaRPr>
+            <a:endParaRPr lang="zh-CN" altLang="en-US"/>
+          </a:p>
+          <a:p>
+            <a:endParaRPr lang="zh-CN" altLang="en-US"/>
+          </a:p>
+          <a:p>
+            <a:endParaRPr lang="zh-CN" altLang="en-US"/>
+          </a:p>
+          <a:p>
+            <a:pPr algn="just"/>
+            <a:endParaRPr lang="zh-CN" altLang="en-US"/>
+          </a:p>
+          <a:p>
+            <a:endParaRPr lang="zh-CN" altLang="en-US"/>
+          </a:p>
+          <a:p>
+            <a:endParaRPr lang="zh-CN" altLang="en-US"/>
+          </a:p>
+          <a:p>
+            <a:endParaRPr lang="zh-CN" altLang="en-US"/>
+          </a:p>
+          <a:p>
+            <a:endParaRPr lang="zh-CN" altLang="en-US"/>
+          </a:p>
+          <a:p>
+            <a:endParaRPr lang="zh-CN" altLang="en-US"/>
+          </a:p>
+          <a:p>
+            <a:endParaRPr lang="zh-CN" altLang="en-US"/>
+          </a:p>
+          <a:p>
+            <a:endParaRPr lang="zh-CN" altLang="en-US"/>
+          </a:p>
+          <a:p>
+            <a:endParaRPr lang="zh-CN" altLang="en-US"/>
+          </a:p>
+          <a:p>
+            <a:endParaRPr lang="zh-CN" altLang="en-US"/>
           </a:p>
         </p:txBody>
       </p:sp>
@@ -14915,7 +11211,7 @@
       </p:grpSpPr>
       <p:sp>
         <p:nvSpPr>
-          <p:cNvPr id="3" name="Title 2"/>
+          <p:cNvPr id="2" name="Title 1"/>
           <p:cNvSpPr>
             <a:spLocks noGrp="1"/>
           </p:cNvSpPr>
@@ -14926,7 +11222,7 @@
         <p:spPr>
           <a:xfrm>
             <a:off x="457200" y="438150"/>
-            <a:ext cx="8229600" cy="422672"/>
+            <a:ext cx="7620000" cy="422672"/>
           </a:xfrm>
         </p:spPr>
         <p:txBody>
@@ -14934,23 +11230,23 @@
           <a:lstStyle/>
           <a:p>
             <a:r>
-              <a:rPr lang="zh-CN" altLang="en-US" sz="3600" dirty="0">
+              <a:rPr lang="zh-CN" altLang="en-US" dirty="0">
                 <a:solidFill>
                   <a:srgbClr val="0070C0"/>
                 </a:solidFill>
-                <a:latin typeface="+mn-lt"/>
-                <a:ea typeface="+mn-ea"/>
+                <a:latin typeface="华文细黑" panose="02010600040101010101" charset="-122"/>
+                <a:ea typeface="华文细黑" panose="02010600040101010101" charset="-122"/>
                 <a:cs typeface="+mn-ea"/>
                 <a:sym typeface="+mn-lt"/>
               </a:rPr>
-              <a:t>第一个示例</a:t>
-            </a:r>
-            <a:endParaRPr lang="zh-CN" altLang="en-US" sz="3600" dirty="0">
+              <a:t>需要的文件</a:t>
+            </a:r>
+            <a:endParaRPr lang="zh-CN" altLang="en-US" dirty="0">
               <a:solidFill>
                 <a:srgbClr val="0070C0"/>
               </a:solidFill>
-              <a:latin typeface="+mn-lt"/>
-              <a:ea typeface="+mn-ea"/>
+              <a:latin typeface="华文细黑" panose="02010600040101010101" charset="-122"/>
+              <a:ea typeface="华文细黑" panose="02010600040101010101" charset="-122"/>
               <a:cs typeface="+mn-ea"/>
               <a:sym typeface="+mn-lt"/>
             </a:endParaRPr>
@@ -14959,14 +11255,43 @@
       </p:sp>
       <p:sp>
         <p:nvSpPr>
-          <p:cNvPr id="2" name="文本框 1"/>
+          <p:cNvPr id="3" name="Footer Placeholder 2"/>
+          <p:cNvSpPr>
+            <a:spLocks noGrp="1"/>
+          </p:cNvSpPr>
+          <p:nvPr>
+            <p:ph type="ftr" sz="quarter" idx="11"/>
+          </p:nvPr>
+        </p:nvSpPr>
+        <p:spPr/>
+        <p:txBody>
+          <a:bodyPr/>
+          <a:lstStyle/>
+          <a:p>
+            <a:r>
+              <a:rPr lang="en-US" dirty="0" smtClean="0">
+                <a:cs typeface="+mn-ea"/>
+                <a:sym typeface="+mn-lt"/>
+              </a:rPr>
+              <a:t> </a:t>
+            </a:r>
+            <a:endParaRPr lang="en-US" dirty="0">
+              <a:cs typeface="+mn-ea"/>
+              <a:sym typeface="+mn-lt"/>
+            </a:endParaRPr>
+          </a:p>
+        </p:txBody>
+      </p:sp>
+      <p:sp>
+        <p:nvSpPr>
+          <p:cNvPr id="14" name="文本框 13"/>
           <p:cNvSpPr txBox="1"/>
           <p:nvPr/>
         </p:nvSpPr>
         <p:spPr>
           <a:xfrm>
-            <a:off x="609600" y="1045210"/>
-            <a:ext cx="7848600" cy="4984750"/>
+            <a:off x="457200" y="981075"/>
+            <a:ext cx="8067675" cy="2399665"/>
           </a:xfrm>
           <a:prstGeom prst="rect">
             <a:avLst/>
@@ -14979,172 +11304,205 @@
           </a:bodyPr>
           <a:p>
             <a:r>
-              <a:rPr lang="zh-CN" altLang="en-US" sz="1200"/>
-              <a:t>，我们对普通的 table 设置 </a:t>
-            </a:r>
-            <a:r>
-              <a:rPr lang="zh-CN" altLang="en-US" sz="1200">
+              <a:rPr lang="zh-CN" altLang="en-US" sz="1000" b="1">
                 <a:solidFill>
                   <a:srgbClr val="FF0000"/>
                 </a:solidFill>
               </a:rPr>
-              <a:t>data-toggle="table" </a:t>
-            </a:r>
-            <a:r>
-              <a:rPr lang="zh-CN" altLang="en-US" sz="1200"/>
-              <a:t>即可。</a:t>
-            </a:r>
-            <a:endParaRPr lang="zh-CN" altLang="en-US" sz="1200"/>
-          </a:p>
-          <a:p>
-            <a:r>
-              <a:rPr lang="zh-CN" altLang="en-US" sz="1200"/>
-              <a:t>&lt;table </a:t>
-            </a:r>
-            <a:r>
-              <a:rPr lang="zh-CN" altLang="en-US" sz="1200" b="1"/>
-              <a:t>data-toggle="table"</a:t>
-            </a:r>
-            <a:r>
-              <a:rPr lang="zh-CN" altLang="en-US" sz="1200"/>
-              <a:t>&gt;</a:t>
-            </a:r>
-            <a:endParaRPr lang="zh-CN" altLang="en-US" sz="1200"/>
-          </a:p>
-          <a:p>
-            <a:r>
-              <a:rPr lang="zh-CN" altLang="en-US" sz="1200"/>
-              <a:t>    &lt;thead&gt;</a:t>
-            </a:r>
-            <a:endParaRPr lang="zh-CN" altLang="en-US" sz="1200"/>
-          </a:p>
-          <a:p>
-            <a:r>
-              <a:rPr lang="zh-CN" altLang="en-US" sz="1200"/>
-              <a:t>        &lt;tr&gt;</a:t>
-            </a:r>
-            <a:endParaRPr lang="zh-CN" altLang="en-US" sz="1200"/>
-          </a:p>
-          <a:p>
-            <a:r>
-              <a:rPr lang="zh-CN" altLang="en-US" sz="1200"/>
-              <a:t>            &lt;th&gt;Item ID&lt;/th&gt;</a:t>
-            </a:r>
-            <a:endParaRPr lang="zh-CN" altLang="en-US" sz="1200"/>
-          </a:p>
-          <a:p>
-            <a:r>
-              <a:rPr lang="zh-CN" altLang="en-US" sz="1200"/>
-              <a:t>            &lt;th&gt;Item Name&lt;/th&gt;</a:t>
-            </a:r>
-            <a:endParaRPr lang="zh-CN" altLang="en-US" sz="1200"/>
-          </a:p>
-          <a:p>
-            <a:r>
-              <a:rPr lang="zh-CN" altLang="en-US" sz="1200"/>
-              <a:t>            &lt;th&gt;Item Price&lt;/th&gt;</a:t>
-            </a:r>
-            <a:endParaRPr lang="zh-CN" altLang="en-US" sz="1200"/>
-          </a:p>
-          <a:p>
-            <a:r>
-              <a:rPr lang="zh-CN" altLang="en-US" sz="1200"/>
-              <a:t>        &lt;/tr&gt;</a:t>
-            </a:r>
-            <a:endParaRPr lang="zh-CN" altLang="en-US" sz="1200"/>
-          </a:p>
-          <a:p>
-            <a:r>
-              <a:rPr lang="zh-CN" altLang="en-US" sz="1200"/>
-              <a:t>    &lt;/thead&gt;</a:t>
-            </a:r>
-            <a:endParaRPr lang="zh-CN" altLang="en-US" sz="1200"/>
-          </a:p>
-          <a:p>
-            <a:r>
-              <a:rPr lang="zh-CN" altLang="en-US" sz="1200"/>
-              <a:t>    &lt;tbody&gt;</a:t>
-            </a:r>
-            <a:endParaRPr lang="zh-CN" altLang="en-US" sz="1200"/>
-          </a:p>
-          <a:p>
-            <a:r>
-              <a:rPr lang="zh-CN" altLang="en-US" sz="1200"/>
-              <a:t>        &lt;tr&gt;</a:t>
-            </a:r>
-            <a:endParaRPr lang="zh-CN" altLang="en-US" sz="1200"/>
-          </a:p>
-          <a:p>
-            <a:r>
-              <a:rPr lang="zh-CN" altLang="en-US" sz="1200"/>
-              <a:t>            &lt;td&gt;1&lt;/td&gt;</a:t>
-            </a:r>
-            <a:endParaRPr lang="zh-CN" altLang="en-US" sz="1200"/>
-          </a:p>
-          <a:p>
-            <a:r>
-              <a:rPr lang="zh-CN" altLang="en-US" sz="1200"/>
-              <a:t>            &lt;td&gt;Item 1&lt;/td&gt;</a:t>
-            </a:r>
-            <a:endParaRPr lang="zh-CN" altLang="en-US" sz="1200"/>
-          </a:p>
-          <a:p>
-            <a:r>
-              <a:rPr lang="zh-CN" altLang="en-US" sz="1200"/>
-              <a:t>            &lt;td&gt;$1&lt;/td&gt;</a:t>
-            </a:r>
-            <a:endParaRPr lang="zh-CN" altLang="en-US" sz="1200"/>
-          </a:p>
-          <a:p>
-            <a:r>
-              <a:rPr lang="zh-CN" altLang="en-US" sz="1200"/>
-              <a:t>        &lt;/tr&gt;</a:t>
-            </a:r>
-            <a:endParaRPr lang="zh-CN" altLang="en-US" sz="1200"/>
-          </a:p>
-          <a:p>
-            <a:r>
-              <a:rPr lang="zh-CN" altLang="en-US" sz="1200"/>
-              <a:t>      &lt;/tbody&gt;</a:t>
-            </a:r>
-            <a:endParaRPr lang="zh-CN" altLang="en-US" sz="1200"/>
-          </a:p>
-          <a:p>
-            <a:r>
-              <a:rPr lang="zh-CN" altLang="en-US" sz="1200"/>
-              <a:t>&lt;/table&gt;</a:t>
-            </a:r>
-            <a:endParaRPr lang="zh-CN" altLang="en-US" sz="1200"/>
-          </a:p>
-          <a:p>
-            <a:r>
-              <a:rPr lang="zh-CN" altLang="en-US" sz="1200" i="1">
+              <a:t>下载的 Bootstrap table 源码包含了未压缩的 CSS，JavaScript，语言文件以及扩展，并且提供了压缩扰乱的 min 文件，当然也提供了我们的文档。更具体地说，主要包含了以下的文件：</a:t>
+            </a:r>
+            <a:endParaRPr lang="zh-CN" altLang="en-US" sz="1000" b="1">
+              <a:solidFill>
+                <a:srgbClr val="FF0000"/>
+              </a:solidFill>
+            </a:endParaRPr>
+          </a:p>
+          <a:p>
+            <a:endParaRPr lang="zh-CN" altLang="en-US" sz="1000" b="1">
+              <a:solidFill>
+                <a:srgbClr val="FF0000"/>
+              </a:solidFill>
+            </a:endParaRPr>
+          </a:p>
+          <a:p>
+            <a:r>
+              <a:rPr lang="zh-CN" altLang="en-US" sz="1000" b="1">
                 <a:solidFill>
                   <a:srgbClr val="FF0000"/>
                 </a:solidFill>
-                <a:sym typeface="+mn-ea"/>
               </a:rPr>
-              <a:t>http://localhost:8011/table/simple/mytable.html</a:t>
-            </a:r>
-            <a:endParaRPr lang="zh-CN" altLang="en-US" sz="1200"/>
-          </a:p>
-          <a:p>
-            <a:endParaRPr lang="zh-CN" altLang="en-US" sz="1200"/>
-          </a:p>
-          <a:p>
-            <a:endParaRPr lang="zh-CN" altLang="en-US"/>
-          </a:p>
-          <a:p>
-            <a:endParaRPr lang="zh-CN" altLang="en-US"/>
-          </a:p>
-          <a:p>
-            <a:endParaRPr lang="zh-CN" altLang="en-US"/>
-          </a:p>
-          <a:p>
-            <a:endParaRPr lang="zh-CN" altLang="en-US"/>
-          </a:p>
-          <a:p>
-            <a:endParaRPr lang="zh-CN" altLang="en-US"/>
+              <a:t>bootstrap-table/</a:t>
+            </a:r>
+            <a:endParaRPr lang="zh-CN" altLang="en-US" sz="1000" b="1">
+              <a:solidFill>
+                <a:srgbClr val="FF0000"/>
+              </a:solidFill>
+            </a:endParaRPr>
+          </a:p>
+          <a:p>
+            <a:r>
+              <a:rPr lang="zh-CN" altLang="en-US" sz="1000" b="1">
+                <a:solidFill>
+                  <a:srgbClr val="FF0000"/>
+                </a:solidFill>
+              </a:rPr>
+              <a:t>├── dist/</a:t>
+            </a:r>
+            <a:endParaRPr lang="zh-CN" altLang="en-US" sz="1000" b="1">
+              <a:solidFill>
+                <a:srgbClr val="FF0000"/>
+              </a:solidFill>
+            </a:endParaRPr>
+          </a:p>
+          <a:p>
+            <a:r>
+              <a:rPr lang="zh-CN" altLang="en-US" sz="1000" b="1">
+                <a:solidFill>
+                  <a:srgbClr val="FF0000"/>
+                </a:solidFill>
+              </a:rPr>
+              <a:t>│   ├── extensions/</a:t>
+            </a:r>
+            <a:endParaRPr lang="zh-CN" altLang="en-US" sz="1000" b="1">
+              <a:solidFill>
+                <a:srgbClr val="FF0000"/>
+              </a:solidFill>
+            </a:endParaRPr>
+          </a:p>
+          <a:p>
+            <a:r>
+              <a:rPr lang="zh-CN" altLang="en-US" sz="1000" b="1">
+                <a:solidFill>
+                  <a:srgbClr val="FF0000"/>
+                </a:solidFill>
+              </a:rPr>
+              <a:t>│   ├── locale/</a:t>
+            </a:r>
+            <a:endParaRPr lang="zh-CN" altLang="en-US" sz="1000" b="1">
+              <a:solidFill>
+                <a:srgbClr val="FF0000"/>
+              </a:solidFill>
+            </a:endParaRPr>
+          </a:p>
+          <a:p>
+            <a:r>
+              <a:rPr lang="zh-CN" altLang="en-US" sz="1000" b="1">
+                <a:solidFill>
+                  <a:srgbClr val="FF0000"/>
+                </a:solidFill>
+              </a:rPr>
+              <a:t>│   ├── bootstrap-table.min.css　　　　　　　　</a:t>
+            </a:r>
+            <a:endParaRPr lang="zh-CN" altLang="en-US" sz="1000" b="1">
+              <a:solidFill>
+                <a:srgbClr val="FF0000"/>
+              </a:solidFill>
+            </a:endParaRPr>
+          </a:p>
+          <a:p>
+            <a:r>
+              <a:rPr lang="zh-CN" altLang="en-US" sz="1000" b="1">
+                <a:solidFill>
+                  <a:srgbClr val="FF0000"/>
+                </a:solidFill>
+              </a:rPr>
+              <a:t>│   └── bootstrap-table.min.js</a:t>
+            </a:r>
+            <a:endParaRPr lang="zh-CN" altLang="en-US" sz="1000" b="1">
+              <a:solidFill>
+                <a:srgbClr val="FF0000"/>
+              </a:solidFill>
+            </a:endParaRPr>
+          </a:p>
+          <a:p>
+            <a:r>
+              <a:rPr lang="zh-CN" altLang="en-US" sz="1000" b="1">
+                <a:solidFill>
+                  <a:srgbClr val="FF0000"/>
+                </a:solidFill>
+              </a:rPr>
+              <a:t>├── docs/</a:t>
+            </a:r>
+            <a:endParaRPr lang="zh-CN" altLang="en-US" sz="1000" b="1">
+              <a:solidFill>
+                <a:srgbClr val="FF0000"/>
+              </a:solidFill>
+            </a:endParaRPr>
+          </a:p>
+          <a:p>
+            <a:r>
+              <a:rPr lang="zh-CN" altLang="en-US" sz="1000" b="1">
+                <a:solidFill>
+                  <a:srgbClr val="FF0000"/>
+                </a:solidFill>
+              </a:rPr>
+              <a:t>└── src/</a:t>
+            </a:r>
+            <a:endParaRPr lang="zh-CN" altLang="en-US" sz="1000" b="1">
+              <a:solidFill>
+                <a:srgbClr val="FF0000"/>
+              </a:solidFill>
+            </a:endParaRPr>
+          </a:p>
+          <a:p>
+            <a:r>
+              <a:rPr lang="zh-CN" altLang="en-US" sz="1000" b="1">
+                <a:solidFill>
+                  <a:srgbClr val="FF0000"/>
+                </a:solidFill>
+              </a:rPr>
+              <a:t>    ├── extensions/</a:t>
+            </a:r>
+            <a:endParaRPr lang="zh-CN" altLang="en-US" sz="1000" b="1">
+              <a:solidFill>
+                <a:srgbClr val="FF0000"/>
+              </a:solidFill>
+            </a:endParaRPr>
+          </a:p>
+          <a:p>
+            <a:r>
+              <a:rPr lang="zh-CN" altLang="en-US" sz="1000" b="1">
+                <a:solidFill>
+                  <a:srgbClr val="FF0000"/>
+                </a:solidFill>
+              </a:rPr>
+              <a:t>    ├── locale/</a:t>
+            </a:r>
+            <a:endParaRPr lang="zh-CN" altLang="en-US" sz="1000" b="1">
+              <a:solidFill>
+                <a:srgbClr val="FF0000"/>
+              </a:solidFill>
+            </a:endParaRPr>
+          </a:p>
+          <a:p>
+            <a:r>
+              <a:rPr lang="zh-CN" altLang="en-US" sz="1000" b="1">
+                <a:solidFill>
+                  <a:srgbClr val="FF0000"/>
+                </a:solidFill>
+              </a:rPr>
+              <a:t>    ├── bootstrap-table.css</a:t>
+            </a:r>
+            <a:endParaRPr lang="zh-CN" altLang="en-US" sz="1000" b="1">
+              <a:solidFill>
+                <a:srgbClr val="FF0000"/>
+              </a:solidFill>
+            </a:endParaRPr>
+          </a:p>
+          <a:p>
+            <a:r>
+              <a:rPr lang="zh-CN" altLang="en-US" sz="1000" b="1">
+                <a:solidFill>
+                  <a:srgbClr val="FF0000"/>
+                </a:solidFill>
+              </a:rPr>
+              <a:t>    └── bootstrap-table.js</a:t>
+            </a:r>
+            <a:endParaRPr lang="zh-CN" altLang="en-US" sz="1000" b="1">
+              <a:solidFill>
+                <a:srgbClr val="FF0000"/>
+              </a:solidFill>
+            </a:endParaRPr>
           </a:p>
         </p:txBody>
       </p:sp>
@@ -15218,9 +11576,308 @@
                 <a:cs typeface="+mn-ea"/>
                 <a:sym typeface="+mn-lt"/>
               </a:rPr>
-              <a:t>第一个示例</a:t>
-            </a:r>
-            <a:endParaRPr lang="zh-CN" altLang="en-US" sz="3600" dirty="0">
+              <a:t>示例</a:t>
+            </a:r>
+            <a:r>
+              <a:rPr lang="en-US" altLang="zh-CN" sz="3600" dirty="0">
+                <a:solidFill>
+                  <a:srgbClr val="0070C0"/>
+                </a:solidFill>
+                <a:latin typeface="+mn-lt"/>
+                <a:ea typeface="+mn-ea"/>
+                <a:cs typeface="+mn-ea"/>
+                <a:sym typeface="+mn-lt"/>
+              </a:rPr>
+              <a:t>1</a:t>
+            </a:r>
+            <a:endParaRPr lang="en-US" altLang="zh-CN" sz="3600" dirty="0">
+              <a:solidFill>
+                <a:srgbClr val="0070C0"/>
+              </a:solidFill>
+              <a:latin typeface="+mn-lt"/>
+              <a:ea typeface="+mn-ea"/>
+              <a:cs typeface="+mn-ea"/>
+              <a:sym typeface="+mn-lt"/>
+            </a:endParaRPr>
+          </a:p>
+        </p:txBody>
+      </p:sp>
+      <p:sp>
+        <p:nvSpPr>
+          <p:cNvPr id="2" name="文本框 1"/>
+          <p:cNvSpPr txBox="1"/>
+          <p:nvPr/>
+        </p:nvSpPr>
+        <p:spPr>
+          <a:xfrm>
+            <a:off x="609600" y="1045210"/>
+            <a:ext cx="7848600" cy="4984750"/>
+          </a:xfrm>
+          <a:prstGeom prst="rect">
+            <a:avLst/>
+          </a:prstGeom>
+          <a:noFill/>
+        </p:spPr>
+        <p:txBody>
+          <a:bodyPr wrap="square" rtlCol="0">
+            <a:spAutoFit/>
+          </a:bodyPr>
+          <a:p>
+            <a:r>
+              <a:rPr lang="zh-CN" altLang="en-US" sz="1200"/>
+              <a:t>，我们对普通的 table 设置 </a:t>
+            </a:r>
+            <a:r>
+              <a:rPr lang="zh-CN" altLang="en-US" sz="1200">
+                <a:solidFill>
+                  <a:srgbClr val="FF0000"/>
+                </a:solidFill>
+              </a:rPr>
+              <a:t>data-toggle="table" </a:t>
+            </a:r>
+            <a:r>
+              <a:rPr lang="zh-CN" altLang="en-US" sz="1200"/>
+              <a:t>即可。</a:t>
+            </a:r>
+            <a:endParaRPr lang="zh-CN" altLang="en-US" sz="1200"/>
+          </a:p>
+          <a:p>
+            <a:r>
+              <a:rPr lang="zh-CN" altLang="en-US" sz="1200"/>
+              <a:t>&lt;table </a:t>
+            </a:r>
+            <a:r>
+              <a:rPr lang="zh-CN" altLang="en-US" sz="1200" b="1"/>
+              <a:t>data-toggle="table"</a:t>
+            </a:r>
+            <a:r>
+              <a:rPr lang="zh-CN" altLang="en-US" sz="1200"/>
+              <a:t>&gt;</a:t>
+            </a:r>
+            <a:endParaRPr lang="zh-CN" altLang="en-US" sz="1200"/>
+          </a:p>
+          <a:p>
+            <a:r>
+              <a:rPr lang="zh-CN" altLang="en-US" sz="1200"/>
+              <a:t>    &lt;thead&gt;</a:t>
+            </a:r>
+            <a:endParaRPr lang="zh-CN" altLang="en-US" sz="1200"/>
+          </a:p>
+          <a:p>
+            <a:r>
+              <a:rPr lang="zh-CN" altLang="en-US" sz="1200"/>
+              <a:t>        &lt;tr&gt;</a:t>
+            </a:r>
+            <a:endParaRPr lang="zh-CN" altLang="en-US" sz="1200"/>
+          </a:p>
+          <a:p>
+            <a:r>
+              <a:rPr lang="zh-CN" altLang="en-US" sz="1200"/>
+              <a:t>            &lt;th&gt;Item ID&lt;/th&gt;</a:t>
+            </a:r>
+            <a:endParaRPr lang="zh-CN" altLang="en-US" sz="1200"/>
+          </a:p>
+          <a:p>
+            <a:r>
+              <a:rPr lang="zh-CN" altLang="en-US" sz="1200"/>
+              <a:t>            &lt;th&gt;Item Name&lt;/th&gt;</a:t>
+            </a:r>
+            <a:endParaRPr lang="zh-CN" altLang="en-US" sz="1200"/>
+          </a:p>
+          <a:p>
+            <a:r>
+              <a:rPr lang="zh-CN" altLang="en-US" sz="1200"/>
+              <a:t>            &lt;th&gt;Item Price&lt;/th&gt;</a:t>
+            </a:r>
+            <a:endParaRPr lang="zh-CN" altLang="en-US" sz="1200"/>
+          </a:p>
+          <a:p>
+            <a:r>
+              <a:rPr lang="zh-CN" altLang="en-US" sz="1200"/>
+              <a:t>        &lt;/tr&gt;</a:t>
+            </a:r>
+            <a:endParaRPr lang="zh-CN" altLang="en-US" sz="1200"/>
+          </a:p>
+          <a:p>
+            <a:r>
+              <a:rPr lang="zh-CN" altLang="en-US" sz="1200"/>
+              <a:t>    &lt;/thead&gt;</a:t>
+            </a:r>
+            <a:endParaRPr lang="zh-CN" altLang="en-US" sz="1200"/>
+          </a:p>
+          <a:p>
+            <a:r>
+              <a:rPr lang="zh-CN" altLang="en-US" sz="1200"/>
+              <a:t>    &lt;tbody&gt;</a:t>
+            </a:r>
+            <a:endParaRPr lang="zh-CN" altLang="en-US" sz="1200"/>
+          </a:p>
+          <a:p>
+            <a:r>
+              <a:rPr lang="zh-CN" altLang="en-US" sz="1200"/>
+              <a:t>        &lt;tr&gt;</a:t>
+            </a:r>
+            <a:endParaRPr lang="zh-CN" altLang="en-US" sz="1200"/>
+          </a:p>
+          <a:p>
+            <a:r>
+              <a:rPr lang="zh-CN" altLang="en-US" sz="1200"/>
+              <a:t>            &lt;td&gt;1&lt;/td&gt;</a:t>
+            </a:r>
+            <a:endParaRPr lang="zh-CN" altLang="en-US" sz="1200"/>
+          </a:p>
+          <a:p>
+            <a:r>
+              <a:rPr lang="zh-CN" altLang="en-US" sz="1200"/>
+              <a:t>            &lt;td&gt;Item 1&lt;/td&gt;</a:t>
+            </a:r>
+            <a:endParaRPr lang="zh-CN" altLang="en-US" sz="1200"/>
+          </a:p>
+          <a:p>
+            <a:r>
+              <a:rPr lang="zh-CN" altLang="en-US" sz="1200"/>
+              <a:t>            &lt;td&gt;$1&lt;/td&gt;</a:t>
+            </a:r>
+            <a:endParaRPr lang="zh-CN" altLang="en-US" sz="1200"/>
+          </a:p>
+          <a:p>
+            <a:r>
+              <a:rPr lang="zh-CN" altLang="en-US" sz="1200"/>
+              <a:t>        &lt;/tr&gt;</a:t>
+            </a:r>
+            <a:endParaRPr lang="zh-CN" altLang="en-US" sz="1200"/>
+          </a:p>
+          <a:p>
+            <a:r>
+              <a:rPr lang="zh-CN" altLang="en-US" sz="1200"/>
+              <a:t>      &lt;/tbody&gt;</a:t>
+            </a:r>
+            <a:endParaRPr lang="zh-CN" altLang="en-US" sz="1200"/>
+          </a:p>
+          <a:p>
+            <a:r>
+              <a:rPr lang="zh-CN" altLang="en-US" sz="1200"/>
+              <a:t>&lt;/table&gt;</a:t>
+            </a:r>
+            <a:endParaRPr lang="zh-CN" altLang="en-US" sz="1200"/>
+          </a:p>
+          <a:p>
+            <a:r>
+              <a:rPr lang="zh-CN" altLang="en-US" sz="1200" i="1">
+                <a:solidFill>
+                  <a:srgbClr val="FF0000"/>
+                </a:solidFill>
+                <a:sym typeface="+mn-ea"/>
+              </a:rPr>
+              <a:t>http://localhost:8011/table/simple/mytable.html</a:t>
+            </a:r>
+            <a:endParaRPr lang="zh-CN" altLang="en-US" sz="1200"/>
+          </a:p>
+          <a:p>
+            <a:endParaRPr lang="zh-CN" altLang="en-US" sz="1200"/>
+          </a:p>
+          <a:p>
+            <a:endParaRPr lang="zh-CN" altLang="en-US"/>
+          </a:p>
+          <a:p>
+            <a:endParaRPr lang="zh-CN" altLang="en-US"/>
+          </a:p>
+          <a:p>
+            <a:endParaRPr lang="zh-CN" altLang="en-US"/>
+          </a:p>
+          <a:p>
+            <a:endParaRPr lang="zh-CN" altLang="en-US"/>
+          </a:p>
+          <a:p>
+            <a:endParaRPr lang="zh-CN" altLang="en-US"/>
+          </a:p>
+        </p:txBody>
+      </p:sp>
+    </p:spTree>
+  </p:cSld>
+  <p:clrMapOvr>
+    <a:masterClrMapping/>
+  </p:clrMapOvr>
+  <mc:AlternateContent xmlns:mc="http://schemas.openxmlformats.org/markup-compatibility/2006">
+    <mc:Choice xmlns:p14="http://schemas.microsoft.com/office/powerpoint/2010/main" Requires="p14">
+      <p:transition spd="slow" p14:dur="2000"/>
+    </mc:Choice>
+    <mc:Fallback>
+      <p:transition spd="slow"/>
+    </mc:Fallback>
+  </mc:AlternateContent>
+  <p:timing>
+    <p:tnLst>
+      <p:par>
+        <p:cTn id="1" dur="indefinite" restart="never" nodeType="tmRoot"/>
+      </p:par>
+    </p:tnLst>
+  </p:timing>
+</p:sld>
+</file>
+
+<file path=ppt/slides/slide6.xml><?xml version="1.0" encoding="utf-8"?>
+<p:sld xmlns:a="http://schemas.openxmlformats.org/drawingml/2006/main" xmlns:r="http://schemas.openxmlformats.org/officeDocument/2006/relationships" xmlns:p="http://schemas.openxmlformats.org/presentationml/2006/main">
+  <p:cSld>
+    <p:spTree>
+      <p:nvGrpSpPr>
+        <p:cNvPr id="1" name=""/>
+        <p:cNvGrpSpPr/>
+        <p:nvPr/>
+      </p:nvGrpSpPr>
+      <p:grpSpPr>
+        <a:xfrm>
+          <a:off x="0" y="0"/>
+          <a:ext cx="0" cy="0"/>
+          <a:chOff x="0" y="0"/>
+          <a:chExt cx="0" cy="0"/>
+        </a:xfrm>
+      </p:grpSpPr>
+      <p:sp>
+        <p:nvSpPr>
+          <p:cNvPr id="3" name="Title 2"/>
+          <p:cNvSpPr>
+            <a:spLocks noGrp="1"/>
+          </p:cNvSpPr>
+          <p:nvPr>
+            <p:ph type="title"/>
+          </p:nvPr>
+        </p:nvSpPr>
+        <p:spPr>
+          <a:xfrm>
+            <a:off x="457200" y="438150"/>
+            <a:ext cx="8229600" cy="422672"/>
+          </a:xfrm>
+        </p:spPr>
+        <p:txBody>
+          <a:bodyPr/>
+          <a:lstStyle/>
+          <a:p>
+            <a:r>
+              <a:rPr lang="zh-CN" altLang="en-US" sz="3600" dirty="0">
+                <a:solidFill>
+                  <a:srgbClr val="0070C0"/>
+                </a:solidFill>
+                <a:latin typeface="+mn-lt"/>
+                <a:ea typeface="+mn-ea"/>
+                <a:cs typeface="+mn-ea"/>
+                <a:sym typeface="+mn-lt"/>
+              </a:rPr>
+              <a:t>示例</a:t>
+            </a:r>
+            <a:r>
+              <a:rPr lang="en-US" altLang="zh-CN" sz="3600" dirty="0">
+                <a:solidFill>
+                  <a:srgbClr val="0070C0"/>
+                </a:solidFill>
+                <a:latin typeface="+mn-lt"/>
+                <a:ea typeface="+mn-ea"/>
+                <a:cs typeface="+mn-ea"/>
+                <a:sym typeface="+mn-lt"/>
+              </a:rPr>
+              <a:t>2</a:t>
+            </a:r>
+            <a:endParaRPr lang="en-US" altLang="zh-CN" sz="3600" dirty="0">
               <a:solidFill>
                 <a:srgbClr val="0070C0"/>
               </a:solidFill>
@@ -15617,7 +12274,7 @@
 </p:sld>
 </file>
 
-<file path=ppt/slides/slide6.xml><?xml version="1.0" encoding="utf-8"?>
+<file path=ppt/slides/slide7.xml><?xml version="1.0" encoding="utf-8"?>
 <p:sld xmlns:a="http://schemas.openxmlformats.org/drawingml/2006/main" xmlns:r="http://schemas.openxmlformats.org/officeDocument/2006/relationships" xmlns:p="http://schemas.openxmlformats.org/presentationml/2006/main">
   <p:cSld>
     <p:spTree>
@@ -15664,9 +12321,21 @@
                 <a:cs typeface="+mn-ea"/>
                 <a:sym typeface="+mn-lt"/>
               </a:rPr>
-              <a:t>第一个示例</a:t>
-            </a:r>
-            <a:endParaRPr lang="zh-CN" altLang="en-US" sz="3600" dirty="0">
+              <a:t>示例</a:t>
+            </a:r>
+            <a:r>
+              <a:rPr lang="en-US" altLang="zh-CN" sz="3600" dirty="0">
+                <a:solidFill>
+                  <a:srgbClr val="0070C0"/>
+                </a:solidFill>
+                <a:latin typeface="+mn-lt"/>
+                <a:ea typeface="+mn-ea"/>
+                <a:cs typeface="+mn-ea"/>
+                <a:sym typeface="+mn-lt"/>
+              </a:rPr>
+              <a:t>3</a:t>
+            </a:r>
+            <a:endParaRPr lang="en-US" altLang="zh-CN" sz="3600" dirty="0">
               <a:solidFill>
                 <a:srgbClr val="0070C0"/>
               </a:solidFill>
@@ -16017,7 +12686,7 @@
 </p:sld>
 </file>
 
-<file path=ppt/slides/slide7.xml><?xml version="1.0" encoding="utf-8"?>
+<file path=ppt/slides/slide8.xml><?xml version="1.0" encoding="utf-8"?>
 <p:sld xmlns:a="http://schemas.openxmlformats.org/drawingml/2006/main" xmlns:r="http://schemas.openxmlformats.org/officeDocument/2006/relationships" xmlns:p="http://schemas.openxmlformats.org/presentationml/2006/main">
   <p:cSld>
     <p:spTree>
@@ -16492,20 +13161,20 @@
                         <a:buNone/>
                       </a:pPr>
                       <a:r>
-                        <a:rPr lang="zh-CN" altLang="en-US" sz="1000"/>
+                        <a:rPr lang="zh-CN" altLang="en-US" sz="1200"/>
                         <a:t>limit, offset, search, sort, order  </a:t>
                       </a:r>
-                      <a:endParaRPr lang="zh-CN" altLang="en-US" sz="1000"/>
+                      <a:endParaRPr lang="zh-CN" altLang="en-US" sz="1200"/>
                     </a:p>
                     <a:p>
                       <a:pPr>
                         <a:buNone/>
                       </a:pPr>
                       <a:r>
-                        <a:rPr lang="zh-CN" altLang="en-US" sz="1000"/>
+                        <a:rPr lang="zh-CN" altLang="en-US" sz="1200"/>
                         <a:t>pageSize, pageNumber, searchText, sortName, sortOrder. 　等</a:t>
                       </a:r>
-                      <a:endParaRPr lang="zh-CN" altLang="en-US" sz="1000"/>
+                      <a:endParaRPr lang="zh-CN" altLang="en-US" sz="1200"/>
                     </a:p>
                   </a:txBody>
                   <a:tcPr/>
@@ -16552,10 +13221,10 @@
                         <a:buNone/>
                       </a:pPr>
                       <a:r>
-                        <a:rPr lang="zh-CN" altLang="en-US"/>
+                        <a:rPr lang="zh-CN" altLang="en-US" sz="1200"/>
                         <a:t>设置为 true 会在表格底部显示分页条</a:t>
                       </a:r>
-                      <a:endParaRPr lang="zh-CN" altLang="en-US"/>
+                      <a:endParaRPr lang="zh-CN" altLang="en-US" sz="1200"/>
                     </a:p>
                   </a:txBody>
                   <a:tcPr/>
@@ -16780,7 +13449,7 @@
 </p:sld>
 </file>
 
-<file path=ppt/slides/slide8.xml><?xml version="1.0" encoding="utf-8"?>
+<file path=ppt/slides/slide9.xml><?xml version="1.0" encoding="utf-8"?>
 <p:sld xmlns:a="http://schemas.openxmlformats.org/drawingml/2006/main" xmlns:r="http://schemas.openxmlformats.org/officeDocument/2006/relationships" xmlns:p="http://schemas.openxmlformats.org/presentationml/2006/main">
   <p:cSld>
     <p:spTree>
@@ -17347,611 +14016,6 @@
 </p:sld>
 </file>
 
-<file path=ppt/slides/slide9.xml><?xml version="1.0" encoding="utf-8"?>
-<p:sld xmlns:a="http://schemas.openxmlformats.org/drawingml/2006/main" xmlns:r="http://schemas.openxmlformats.org/officeDocument/2006/relationships" xmlns:p="http://schemas.openxmlformats.org/presentationml/2006/main">
-  <p:cSld>
-    <p:spTree>
-      <p:nvGrpSpPr>
-        <p:cNvPr id="1" name=""/>
-        <p:cNvGrpSpPr/>
-        <p:nvPr/>
-      </p:nvGrpSpPr>
-      <p:grpSpPr>
-        <a:xfrm>
-          <a:off x="0" y="0"/>
-          <a:ext cx="0" cy="0"/>
-          <a:chOff x="0" y="0"/>
-          <a:chExt cx="0" cy="0"/>
-        </a:xfrm>
-      </p:grpSpPr>
-      <p:sp>
-        <p:nvSpPr>
-          <p:cNvPr id="3" name="Title 2"/>
-          <p:cNvSpPr>
-            <a:spLocks noGrp="1"/>
-          </p:cNvSpPr>
-          <p:nvPr>
-            <p:ph type="title"/>
-          </p:nvPr>
-        </p:nvSpPr>
-        <p:spPr>
-          <a:xfrm>
-            <a:off x="457200" y="438150"/>
-            <a:ext cx="8229600" cy="422672"/>
-          </a:xfrm>
-        </p:spPr>
-        <p:txBody>
-          <a:bodyPr/>
-          <a:lstStyle/>
-          <a:p>
-            <a:r>
-              <a:rPr lang="en-US" altLang="zh-CN" sz="3600" dirty="0">
-                <a:solidFill>
-                  <a:srgbClr val="0070C0"/>
-                </a:solidFill>
-                <a:latin typeface="+mn-lt"/>
-                <a:ea typeface="+mn-ea"/>
-                <a:cs typeface="+mn-ea"/>
-                <a:sym typeface="+mn-lt"/>
-              </a:rPr>
-              <a:t>Column</a:t>
-            </a:r>
-            <a:r>
-              <a:rPr lang="zh-CN" altLang="en-US" sz="3600" dirty="0">
-                <a:solidFill>
-                  <a:srgbClr val="0070C0"/>
-                </a:solidFill>
-                <a:latin typeface="+mn-lt"/>
-                <a:ea typeface="+mn-ea"/>
-                <a:cs typeface="+mn-ea"/>
-                <a:sym typeface="+mn-lt"/>
-              </a:rPr>
-              <a:t>列参数</a:t>
-            </a:r>
-            <a:endParaRPr lang="zh-CN" altLang="en-US" sz="3600" dirty="0">
-              <a:solidFill>
-                <a:srgbClr val="0070C0"/>
-              </a:solidFill>
-              <a:latin typeface="+mn-lt"/>
-              <a:ea typeface="+mn-ea"/>
-              <a:cs typeface="+mn-ea"/>
-              <a:sym typeface="+mn-lt"/>
-            </a:endParaRPr>
-          </a:p>
-        </p:txBody>
-      </p:sp>
-      <p:graphicFrame>
-        <p:nvGraphicFramePr>
-          <p:cNvPr id="5" name="表格 4"/>
-          <p:cNvGraphicFramePr/>
-          <p:nvPr/>
-        </p:nvGraphicFramePr>
-        <p:xfrm>
-          <a:off x="613410" y="1102995"/>
-          <a:ext cx="8174355" cy="4244340"/>
-        </p:xfrm>
-        <a:graphic>
-          <a:graphicData uri="http://schemas.openxmlformats.org/drawingml/2006/table">
-            <a:tbl>
-              <a:tblPr firstRow="1" bandRow="1">
-                <a:tableStyleId>{5C22544A-7EE6-4342-B048-85BDC9FD1C3A}</a:tableStyleId>
-              </a:tblPr>
-              <a:tblGrid>
-                <a:gridCol w="1744980"/>
-                <a:gridCol w="925830"/>
-                <a:gridCol w="5503545"/>
-              </a:tblGrid>
-              <a:tr h="640080">
-                <a:tc>
-                  <a:txBody>
-                    <a:bodyPr/>
-                    <a:p>
-                      <a:pPr>
-                        <a:buNone/>
-                      </a:pPr>
-                      <a:r>
-                        <a:rPr lang="zh-CN" altLang="en-US"/>
-                        <a:t>参数</a:t>
-                      </a:r>
-                      <a:endParaRPr lang="zh-CN" altLang="en-US"/>
-                    </a:p>
-                  </a:txBody>
-                  <a:tcPr/>
-                </a:tc>
-                <a:tc>
-                  <a:txBody>
-                    <a:bodyPr/>
-                    <a:p>
-                      <a:pPr>
-                        <a:buNone/>
-                      </a:pPr>
-                      <a:r>
-                        <a:rPr lang="zh-CN" altLang="en-US" sz="1800">
-                          <a:sym typeface="+mn-ea"/>
-                        </a:rPr>
-                        <a:t>类型</a:t>
-                      </a:r>
-                      <a:endParaRPr lang="zh-CN" altLang="en-US" sz="1800">
-                        <a:sym typeface="+mn-ea"/>
-                      </a:endParaRPr>
-                    </a:p>
-                    <a:p>
-                      <a:pPr>
-                        <a:buNone/>
-                      </a:pPr>
-                      <a:endParaRPr lang="zh-CN" altLang="en-US"/>
-                    </a:p>
-                  </a:txBody>
-                  <a:tcPr/>
-                </a:tc>
-                <a:tc>
-                  <a:txBody>
-                    <a:bodyPr/>
-                    <a:p>
-                      <a:pPr>
-                        <a:buNone/>
-                      </a:pPr>
-                      <a:r>
-                        <a:rPr lang="zh-CN" altLang="en-US"/>
-                        <a:t>描述</a:t>
-                      </a:r>
-                      <a:endParaRPr lang="zh-CN" altLang="en-US"/>
-                    </a:p>
-                  </a:txBody>
-                  <a:tcPr/>
-                </a:tc>
-              </a:tr>
-              <a:tr h="387350">
-                <a:tc>
-                  <a:txBody>
-                    <a:bodyPr/>
-                    <a:p>
-                      <a:pPr>
-                        <a:buNone/>
-                      </a:pPr>
-                      <a:r>
-                        <a:rPr lang="zh-CN" altLang="en-US" sz="1200" b="1">
-                          <a:sym typeface="+mn-ea"/>
-                        </a:rPr>
-                        <a:t>radio</a:t>
-                      </a:r>
-                      <a:endParaRPr lang="zh-CN" altLang="en-US" sz="1200" b="1">
-                        <a:sym typeface="+mn-ea"/>
-                      </a:endParaRPr>
-                    </a:p>
-                    <a:p>
-                      <a:pPr>
-                        <a:buNone/>
-                      </a:pPr>
-                      <a:endParaRPr lang="zh-CN" altLang="en-US" sz="1200" b="1">
-                        <a:sym typeface="+mn-ea"/>
-                      </a:endParaRPr>
-                    </a:p>
-                  </a:txBody>
-                  <a:tcPr/>
-                </a:tc>
-                <a:tc>
-                  <a:txBody>
-                    <a:bodyPr/>
-                    <a:p>
-                      <a:pPr>
-                        <a:buNone/>
-                      </a:pPr>
-                      <a:r>
-                        <a:rPr lang="zh-CN" altLang="en-US" sz="1200">
-                          <a:sym typeface="+mn-ea"/>
-                        </a:rPr>
-                        <a:t>Boolean</a:t>
-                      </a:r>
-                      <a:endParaRPr lang="zh-CN" altLang="en-US" sz="1200"/>
-                    </a:p>
-                  </a:txBody>
-                  <a:tcPr/>
-                </a:tc>
-                <a:tc>
-                  <a:txBody>
-                    <a:bodyPr/>
-                    <a:p>
-                      <a:pPr>
-                        <a:buNone/>
-                      </a:pPr>
-                      <a:r>
-                        <a:rPr lang="zh-CN" altLang="en-US" sz="1200">
-                          <a:sym typeface="+mn-ea"/>
-                        </a:rPr>
-                        <a:t>是否显示单选框</a:t>
-                      </a:r>
-                      <a:endParaRPr lang="zh-CN" altLang="en-US" sz="1200">
-                        <a:sym typeface="+mn-ea"/>
-                      </a:endParaRPr>
-                    </a:p>
-                    <a:p>
-                      <a:pPr>
-                        <a:buNone/>
-                      </a:pPr>
-                      <a:endParaRPr lang="zh-CN" altLang="en-US" sz="1200">
-                        <a:sym typeface="+mn-ea"/>
-                      </a:endParaRPr>
-                    </a:p>
-                  </a:txBody>
-                  <a:tcPr/>
-                </a:tc>
-              </a:tr>
-              <a:tr h="417195">
-                <a:tc>
-                  <a:txBody>
-                    <a:bodyPr/>
-                    <a:p>
-                      <a:pPr>
-                        <a:buNone/>
-                      </a:pPr>
-                      <a:r>
-                        <a:rPr lang="zh-CN" altLang="en-US" sz="1200" b="1">
-                          <a:sym typeface="+mn-ea"/>
-                        </a:rPr>
-                        <a:t>checkbox</a:t>
-                      </a:r>
-                      <a:endParaRPr lang="zh-CN" altLang="en-US" sz="1200" b="1">
-                        <a:sym typeface="+mn-ea"/>
-                      </a:endParaRPr>
-                    </a:p>
-                  </a:txBody>
-                  <a:tcPr/>
-                </a:tc>
-                <a:tc>
-                  <a:txBody>
-                    <a:bodyPr/>
-                    <a:p>
-                      <a:pPr>
-                        <a:buNone/>
-                      </a:pPr>
-                      <a:r>
-                        <a:rPr lang="zh-CN" altLang="en-US" sz="1200">
-                          <a:sym typeface="+mn-ea"/>
-                        </a:rPr>
-                        <a:t>Boolean</a:t>
-                      </a:r>
-                      <a:endParaRPr lang="zh-CN" altLang="en-US" sz="1200">
-                        <a:sym typeface="+mn-ea"/>
-                      </a:endParaRPr>
-                    </a:p>
-                  </a:txBody>
-                  <a:tcPr/>
-                </a:tc>
-                <a:tc>
-                  <a:txBody>
-                    <a:bodyPr/>
-                    <a:p>
-                      <a:pPr>
-                        <a:buNone/>
-                      </a:pPr>
-                      <a:r>
-                        <a:rPr lang="zh-CN" altLang="en-US" sz="1200">
-                          <a:sym typeface="+mn-ea"/>
-                        </a:rPr>
-                        <a:t>是否显示复选框</a:t>
-                      </a:r>
-                      <a:endParaRPr lang="zh-CN" altLang="en-US" sz="1200">
-                        <a:sym typeface="+mn-ea"/>
-                      </a:endParaRPr>
-                    </a:p>
-                  </a:txBody>
-                  <a:tcPr/>
-                </a:tc>
-              </a:tr>
-              <a:tr h="469265">
-                <a:tc>
-                  <a:txBody>
-                    <a:bodyPr/>
-                    <a:p>
-                      <a:pPr>
-                        <a:buNone/>
-                      </a:pPr>
-                      <a:r>
-                        <a:rPr lang="zh-CN" altLang="en-US" sz="1200" b="1"/>
-                        <a:t>field</a:t>
-                      </a:r>
-                      <a:endParaRPr lang="zh-CN" altLang="en-US" sz="1200" b="1"/>
-                    </a:p>
-                  </a:txBody>
-                  <a:tcPr/>
-                </a:tc>
-                <a:tc>
-                  <a:txBody>
-                    <a:bodyPr/>
-                    <a:p>
-                      <a:pPr>
-                        <a:buNone/>
-                      </a:pPr>
-                      <a:r>
-                        <a:rPr lang="en-US" altLang="zh-CN" sz="1200">
-                          <a:sym typeface="+mn-ea"/>
-                        </a:rPr>
-                        <a:t>String</a:t>
-                      </a:r>
-                      <a:endParaRPr lang="en-US" altLang="zh-CN" sz="1200">
-                        <a:sym typeface="+mn-ea"/>
-                      </a:endParaRPr>
-                    </a:p>
-                  </a:txBody>
-                  <a:tcPr/>
-                </a:tc>
-                <a:tc>
-                  <a:txBody>
-                    <a:bodyPr/>
-                    <a:p>
-                      <a:pPr>
-                        <a:buNone/>
-                      </a:pPr>
-                      <a:r>
-                        <a:rPr lang="zh-CN" altLang="en-US" sz="1200">
-                          <a:sym typeface="+mn-ea"/>
-                        </a:rPr>
-                        <a:t>列名</a:t>
-                      </a:r>
-                      <a:endParaRPr lang="zh-CN" altLang="en-US" sz="1200">
-                        <a:sym typeface="+mn-ea"/>
-                      </a:endParaRPr>
-                    </a:p>
-                  </a:txBody>
-                  <a:tcPr/>
-                </a:tc>
-              </a:tr>
-              <a:tr h="398780">
-                <a:tc>
-                  <a:txBody>
-                    <a:bodyPr/>
-                    <a:p>
-                      <a:pPr>
-                        <a:buNone/>
-                      </a:pPr>
-                      <a:r>
-                        <a:rPr lang="zh-CN" altLang="en-US" sz="1200" b="1"/>
-                        <a:t>title</a:t>
-                      </a:r>
-                      <a:endParaRPr lang="zh-CN" altLang="en-US" sz="1200" b="1"/>
-                    </a:p>
-                  </a:txBody>
-                  <a:tcPr/>
-                </a:tc>
-                <a:tc>
-                  <a:txBody>
-                    <a:bodyPr/>
-                    <a:p>
-                      <a:pPr>
-                        <a:buNone/>
-                      </a:pPr>
-                      <a:r>
-                        <a:rPr lang="en-US" altLang="zh-CN" sz="1200">
-                          <a:sym typeface="+mn-ea"/>
-                        </a:rPr>
-                        <a:t>String</a:t>
-                      </a:r>
-                      <a:endParaRPr lang="zh-CN" altLang="en-US" sz="1200">
-                        <a:sym typeface="+mn-ea"/>
-                      </a:endParaRPr>
-                    </a:p>
-                  </a:txBody>
-                  <a:tcPr/>
-                </a:tc>
-                <a:tc>
-                  <a:txBody>
-                    <a:bodyPr/>
-                    <a:p>
-                      <a:pPr>
-                        <a:buNone/>
-                      </a:pPr>
-                      <a:r>
-                        <a:rPr lang="zh-CN" altLang="en-US" sz="1200"/>
-                        <a:t>标题　</a:t>
-                      </a:r>
-                      <a:endParaRPr lang="zh-CN" altLang="en-US" sz="1200"/>
-                    </a:p>
-                  </a:txBody>
-                  <a:tcPr/>
-                </a:tc>
-              </a:tr>
-              <a:tr h="398780">
-                <a:tc>
-                  <a:txBody>
-                    <a:bodyPr/>
-                    <a:p>
-                      <a:pPr>
-                        <a:buNone/>
-                      </a:pPr>
-                      <a:r>
-                        <a:rPr lang="zh-CN" altLang="en-US" sz="1200" b="1"/>
-                        <a:t>sortable</a:t>
-                      </a:r>
-                      <a:endParaRPr lang="zh-CN" altLang="en-US" sz="1200" b="1"/>
-                    </a:p>
-                  </a:txBody>
-                  <a:tcPr/>
-                </a:tc>
-                <a:tc>
-                  <a:txBody>
-                    <a:bodyPr/>
-                    <a:p>
-                      <a:pPr>
-                        <a:buNone/>
-                      </a:pPr>
-                      <a:r>
-                        <a:rPr lang="zh-CN" altLang="en-US" sz="1200"/>
-                        <a:t>Boolean</a:t>
-                      </a:r>
-                      <a:endParaRPr lang="zh-CN" altLang="en-US" sz="1200"/>
-                    </a:p>
-                  </a:txBody>
-                  <a:tcPr/>
-                </a:tc>
-                <a:tc>
-                  <a:txBody>
-                    <a:bodyPr/>
-                    <a:p>
-                      <a:pPr>
-                        <a:buNone/>
-                      </a:pPr>
-                      <a:r>
-                        <a:rPr lang="zh-CN" altLang="en-US" sz="1200"/>
-                        <a:t>此列是否可以排序　默认</a:t>
-                      </a:r>
-                      <a:r>
-                        <a:rPr lang="en-US" altLang="zh-CN" sz="1200"/>
-                        <a:t>fasle</a:t>
-                      </a:r>
-                      <a:endParaRPr lang="en-US" altLang="zh-CN" sz="1200"/>
-                    </a:p>
-                  </a:txBody>
-                  <a:tcPr/>
-                </a:tc>
-              </a:tr>
-              <a:tr h="486410">
-                <a:tc>
-                  <a:txBody>
-                    <a:bodyPr/>
-                    <a:p>
-                      <a:pPr>
-                        <a:buNone/>
-                      </a:pPr>
-                      <a:r>
-                        <a:rPr lang="zh-CN" altLang="en-US" sz="1200" b="1"/>
-                        <a:t>formatter</a:t>
-                      </a:r>
-                      <a:endParaRPr lang="zh-CN" altLang="en-US" sz="1200" b="1"/>
-                    </a:p>
-                  </a:txBody>
-                  <a:tcPr/>
-                </a:tc>
-                <a:tc>
-                  <a:txBody>
-                    <a:bodyPr/>
-                    <a:p>
-                      <a:pPr>
-                        <a:buNone/>
-                      </a:pPr>
-                      <a:r>
-                        <a:rPr lang="en-US" altLang="zh-CN" sz="1200"/>
-                        <a:t>Function</a:t>
-                      </a:r>
-                      <a:endParaRPr lang="en-US" altLang="zh-CN" sz="1200"/>
-                    </a:p>
-                  </a:txBody>
-                  <a:tcPr/>
-                </a:tc>
-                <a:tc>
-                  <a:txBody>
-                    <a:bodyPr/>
-                    <a:p>
-                      <a:pPr>
-                        <a:buNone/>
-                      </a:pPr>
-                      <a:r>
-                        <a:rPr lang="zh-CN" altLang="en-US" sz="1200"/>
-                        <a:t>value: the field value. </a:t>
-                      </a:r>
-                      <a:endParaRPr lang="zh-CN" altLang="en-US" sz="1200"/>
-                    </a:p>
-                    <a:p>
-                      <a:pPr>
-                        <a:buNone/>
-                      </a:pPr>
-                      <a:r>
-                        <a:rPr lang="zh-CN" altLang="en-US" sz="1200"/>
-                        <a:t>row: the row record data.</a:t>
-                      </a:r>
-                      <a:endParaRPr lang="zh-CN" altLang="en-US" sz="1200"/>
-                    </a:p>
-                    <a:p>
-                      <a:pPr>
-                        <a:buNone/>
-                      </a:pPr>
-                      <a:r>
-                        <a:rPr lang="zh-CN" altLang="en-US" sz="1200"/>
-                        <a:t>index: the row index.</a:t>
-                      </a:r>
-                      <a:endParaRPr lang="zh-CN" altLang="en-US" sz="1200"/>
-                    </a:p>
-                  </a:txBody>
-                  <a:tcPr/>
-                </a:tc>
-              </a:tr>
-              <a:tr h="398780">
-                <a:tc>
-                  <a:txBody>
-                    <a:bodyPr/>
-                    <a:p>
-                      <a:pPr>
-                        <a:buNone/>
-                      </a:pPr>
-                      <a:r>
-                        <a:rPr lang="zh-CN" altLang="en-US" sz="1200" b="1"/>
-                        <a:t>showToggle</a:t>
-                      </a:r>
-                      <a:endParaRPr lang="zh-CN" altLang="en-US" sz="1200" b="1"/>
-                    </a:p>
-                  </a:txBody>
-                  <a:tcPr/>
-                </a:tc>
-                <a:tc>
-                  <a:txBody>
-                    <a:bodyPr/>
-                    <a:p>
-                      <a:pPr>
-                        <a:buNone/>
-                      </a:pPr>
-                      <a:r>
-                        <a:rPr lang="zh-CN" altLang="en-US" sz="1200"/>
-                        <a:t>Boolean</a:t>
-                      </a:r>
-                      <a:endParaRPr lang="zh-CN" altLang="en-US" sz="1200"/>
-                    </a:p>
-                  </a:txBody>
-                  <a:tcPr/>
-                </a:tc>
-                <a:tc>
-                  <a:txBody>
-                    <a:bodyPr/>
-                    <a:p>
-                      <a:pPr>
-                        <a:buNone/>
-                      </a:pPr>
-                      <a:r>
-                        <a:rPr lang="zh-CN" altLang="en-US" sz="1200"/>
-                        <a:t>是否显示 切换试图（table/card）按钮</a:t>
-                      </a:r>
-                      <a:endParaRPr lang="zh-CN" altLang="en-US" sz="1200"/>
-                    </a:p>
-                  </a:txBody>
-                  <a:tcPr/>
-                </a:tc>
-              </a:tr>
-            </a:tbl>
-          </a:graphicData>
-        </a:graphic>
-      </p:graphicFrame>
-    </p:spTree>
-  </p:cSld>
-  <p:clrMapOvr>
-    <a:masterClrMapping/>
-  </p:clrMapOvr>
-  <mc:AlternateContent xmlns:mc="http://schemas.openxmlformats.org/markup-compatibility/2006">
-    <mc:Choice xmlns:p14="http://schemas.microsoft.com/office/powerpoint/2010/main" Requires="p14">
-      <p:transition spd="slow" p14:dur="2000"/>
-    </mc:Choice>
-    <mc:Fallback>
-      <p:transition spd="slow"/>
-    </mc:Fallback>
-  </mc:AlternateContent>
-  <p:timing>
-    <p:tnLst>
-      <p:par>
-        <p:cTn id="1" dur="indefinite" restart="never" nodeType="tmRoot"/>
-      </p:par>
-    </p:tnLst>
-  </p:timing>
-</p:sld>
-</file>
-
 <file path=ppt/theme/theme1.xml><?xml version="1.0" encoding="utf-8"?>
 <a:theme xmlns:a="http://schemas.openxmlformats.org/drawingml/2006/main" name="第一PPT，www.1ppt.com">
   <a:themeElements>
@@ -18181,7 +14245,7 @@
 </file>
 
 <file path=ppt/theme/theme2.xml><?xml version="1.0" encoding="utf-8"?>
-<a:theme xmlns:a="http://schemas.openxmlformats.org/drawingml/2006/main" name="Office 主题">
+<a:theme xmlns:a="http://schemas.openxmlformats.org/drawingml/2006/main" name="Office Theme">
   <a:themeElements>
     <a:clrScheme name="Office">
       <a:dk1>
@@ -18750,290 +14814,4 @@
     </a:ext>
   </a:extLst>
 </a:theme>
-</file>
-
-<file path=ppt/theme/theme4.xml><?xml version="1.0" encoding="utf-8"?>
-<a:theme xmlns:a="http://schemas.openxmlformats.org/drawingml/2006/main" name="Office Theme">
-  <a:themeElements>
-    <a:clrScheme name="Office">
-      <a:dk1>
-        <a:sysClr val="windowText" lastClr="000000"/>
-      </a:dk1>
-      <a:lt1>
-        <a:sysClr val="window" lastClr="FFFFFF"/>
-      </a:lt1>
-      <a:dk2>
-        <a:srgbClr val="1F497D"/>
-      </a:dk2>
-      <a:lt2>
-        <a:srgbClr val="EEECE1"/>
-      </a:lt2>
-      <a:accent1>
-        <a:srgbClr val="4F81BD"/>
-      </a:accent1>
-      <a:accent2>
-        <a:srgbClr val="C0504D"/>
-      </a:accent2>
-      <a:accent3>
-        <a:srgbClr val="9BBB59"/>
-      </a:accent3>
-      <a:accent4>
-        <a:srgbClr val="8064A2"/>
-      </a:accent4>
-      <a:accent5>
-        <a:srgbClr val="4BACC6"/>
-      </a:accent5>
-      <a:accent6>
-        <a:srgbClr val="F79646"/>
-      </a:accent6>
-      <a:hlink>
-        <a:srgbClr val="0000FF"/>
-      </a:hlink>
-      <a:folHlink>
-        <a:srgbClr val="800080"/>
-      </a:folHlink>
-    </a:clrScheme>
-    <a:fontScheme name="Office">
-      <a:majorFont>
-        <a:latin typeface="Calibri"/>
-        <a:ea typeface=""/>
-        <a:cs typeface=""/>
-        <a:font script="Jpan" typeface="ＭＳ Ｐゴシック"/>
-        <a:font script="Hang" typeface="맑은 고딕"/>
-        <a:font script="Hans" typeface="宋体"/>
-        <a:font script="Hant" typeface="新細明體"/>
-        <a:font script="Arab" typeface="Times New Roman"/>
-        <a:font script="Hebr" typeface="Times New Roman"/>
-        <a:font script="Thai" typeface="Angsana New"/>
-        <a:font script="Ethi" typeface="Nyala"/>
-        <a:font script="Beng" typeface="Vrinda"/>
-        <a:font script="Gujr" typeface="Shruti"/>
-        <a:font script="Khmr" typeface="MoolBoran"/>
-        <a:font script="Knda" typeface="Tunga"/>
-        <a:font script="Guru" typeface="Raavi"/>
-        <a:font script="Cans" typeface="Euphemia"/>
-        <a:font script="Cher" typeface="Plantagenet Cherokee"/>
-        <a:font script="Yiii" typeface="Microsoft Yi Baiti"/>
-        <a:font script="Tibt" typeface="Microsoft Himalaya"/>
-        <a:font script="Thaa" typeface="MV Boli"/>
-        <a:font script="Deva" typeface="Mangal"/>
-        <a:font script="Telu" typeface="Gautami"/>
-        <a:font script="Taml" typeface="Latha"/>
-        <a:font script="Syrc" typeface="Estrangelo Edessa"/>
-        <a:font script="Orya" typeface="Kalinga"/>
-        <a:font script="Mlym" typeface="Kartika"/>
-        <a:font script="Laoo" typeface="DokChampa"/>
-        <a:font script="Sinh" typeface="Iskoola Pota"/>
-        <a:font script="Mong" typeface="Mongolian Baiti"/>
-        <a:font script="Viet" typeface="Times New Roman"/>
-        <a:font script="Uigh" typeface="Microsoft Uighur"/>
-      </a:majorFont>
-      <a:minorFont>
-        <a:latin typeface="Calibri"/>
-        <a:ea typeface=""/>
-        <a:cs typeface=""/>
-        <a:font script="Jpan" typeface="ＭＳ Ｐゴシック"/>
-        <a:font script="Hang" typeface="맑은 고딕"/>
-        <a:font script="Hans" typeface="宋体"/>
-        <a:font script="Hant" typeface="新細明體"/>
-        <a:font script="Arab" typeface="Arial"/>
-        <a:font script="Hebr" typeface="Arial"/>
-        <a:font script="Thai" typeface="Cordia New"/>
-        <a:font script="Ethi" typeface="Nyala"/>
-        <a:font script="Beng" typeface="Vrinda"/>
-        <a:font script="Gujr" typeface="Shruti"/>
-        <a:font script="Khmr" typeface="DaunPenh"/>
-        <a:font script="Knda" typeface="Tunga"/>
-        <a:font script="Guru" typeface="Raavi"/>
-        <a:font script="Cans" typeface="Euphemia"/>
-        <a:font script="Cher" typeface="Plantagenet Cherokee"/>
-        <a:font script="Yiii" typeface="Microsoft Yi Baiti"/>
-        <a:font script="Tibt" typeface="Microsoft Himalaya"/>
-        <a:font script="Thaa" typeface="MV Boli"/>
-        <a:font script="Deva" typeface="Mangal"/>
-        <a:font script="Telu" typeface="Gautami"/>
-        <a:font script="Taml" typeface="Latha"/>
-        <a:font script="Syrc" typeface="Estrangelo Edessa"/>
-        <a:font script="Orya" typeface="Kalinga"/>
-        <a:font script="Mlym" typeface="Kartika"/>
-        <a:font script="Laoo" typeface="DokChampa"/>
-        <a:font script="Sinh" typeface="Iskoola Pota"/>
-        <a:font script="Mong" typeface="Mongolian Baiti"/>
-        <a:font script="Viet" typeface="Arial"/>
-        <a:font script="Uigh" typeface="Microsoft Uighur"/>
-      </a:minorFont>
-    </a:fontScheme>
-    <a:fmtScheme name="Office">
-      <a:fillStyleLst>
-        <a:solidFill>
-          <a:schemeClr val="phClr"/>
-        </a:solidFill>
-        <a:gradFill rotWithShape="1">
-          <a:gsLst>
-            <a:gs pos="0">
-              <a:schemeClr val="phClr">
-                <a:tint val="50000"/>
-                <a:satMod val="300000"/>
-              </a:schemeClr>
-            </a:gs>
-            <a:gs pos="35000">
-              <a:schemeClr val="phClr">
-                <a:tint val="37000"/>
-                <a:satMod val="300000"/>
-              </a:schemeClr>
-            </a:gs>
-            <a:gs pos="100000">
-              <a:schemeClr val="phClr">
-                <a:tint val="15000"/>
-                <a:satMod val="350000"/>
-              </a:schemeClr>
-            </a:gs>
-          </a:gsLst>
-          <a:lin ang="16200000" scaled="1"/>
-        </a:gradFill>
-        <a:gradFill rotWithShape="1">
-          <a:gsLst>
-            <a:gs pos="0">
-              <a:schemeClr val="phClr">
-                <a:shade val="51000"/>
-                <a:satMod val="130000"/>
-              </a:schemeClr>
-            </a:gs>
-            <a:gs pos="80000">
-              <a:schemeClr val="phClr">
-                <a:shade val="93000"/>
-                <a:satMod val="130000"/>
-              </a:schemeClr>
-            </a:gs>
-            <a:gs pos="100000">
-              <a:schemeClr val="phClr">
-                <a:shade val="94000"/>
-                <a:satMod val="135000"/>
-              </a:schemeClr>
-            </a:gs>
-          </a:gsLst>
-          <a:lin ang="16200000" scaled="0"/>
-        </a:gradFill>
-      </a:fillStyleLst>
-      <a:lnStyleLst>
-        <a:ln w="9525" cap="flat" cmpd="sng" algn="ctr">
-          <a:solidFill>
-            <a:schemeClr val="phClr">
-              <a:shade val="95000"/>
-              <a:satMod val="105000"/>
-            </a:schemeClr>
-          </a:solidFill>
-          <a:prstDash val="solid"/>
-        </a:ln>
-        <a:ln w="25400" cap="flat" cmpd="sng" algn="ctr">
-          <a:solidFill>
-            <a:schemeClr val="phClr"/>
-          </a:solidFill>
-          <a:prstDash val="solid"/>
-        </a:ln>
-        <a:ln w="38100" cap="flat" cmpd="sng" algn="ctr">
-          <a:solidFill>
-            <a:schemeClr val="phClr"/>
-          </a:solidFill>
-          <a:prstDash val="solid"/>
-        </a:ln>
-      </a:lnStyleLst>
-      <a:effectStyleLst>
-        <a:effectStyle>
-          <a:effectLst>
-            <a:outerShdw blurRad="40000" dist="20000" dir="5400000" rotWithShape="0">
-              <a:srgbClr val="000000">
-                <a:alpha val="38000"/>
-              </a:srgbClr>
-            </a:outerShdw>
-          </a:effectLst>
-        </a:effectStyle>
-        <a:effectStyle>
-          <a:effectLst>
-            <a:outerShdw blurRad="40000" dist="23000" dir="5400000" rotWithShape="0">
-              <a:srgbClr val="000000">
-                <a:alpha val="35000"/>
-              </a:srgbClr>
-            </a:outerShdw>
-          </a:effectLst>
-        </a:effectStyle>
-        <a:effectStyle>
-          <a:effectLst>
-            <a:outerShdw blurRad="40000" dist="23000" dir="5400000" rotWithShape="0">
-              <a:srgbClr val="000000">
-                <a:alpha val="35000"/>
-              </a:srgbClr>
-            </a:outerShdw>
-          </a:effectLst>
-          <a:scene3d>
-            <a:camera prst="orthographicFront">
-              <a:rot lat="0" lon="0" rev="0"/>
-            </a:camera>
-            <a:lightRig rig="threePt" dir="t">
-              <a:rot lat="0" lon="0" rev="1200000"/>
-            </a:lightRig>
-          </a:scene3d>
-          <a:sp3d>
-            <a:bevelT w="63500" h="25400"/>
-          </a:sp3d>
-        </a:effectStyle>
-      </a:effectStyleLst>
-      <a:bgFillStyleLst>
-        <a:solidFill>
-          <a:schemeClr val="phClr"/>
-        </a:solidFill>
-        <a:gradFill rotWithShape="1">
-          <a:gsLst>
-            <a:gs pos="0">
-              <a:schemeClr val="phClr">
-                <a:tint val="40000"/>
-                <a:satMod val="350000"/>
-              </a:schemeClr>
-            </a:gs>
-            <a:gs pos="40000">
-              <a:schemeClr val="phClr">
-                <a:tint val="45000"/>
-                <a:shade val="99000"/>
-                <a:satMod val="350000"/>
-              </a:schemeClr>
-            </a:gs>
-            <a:gs pos="100000">
-              <a:schemeClr val="phClr">
-                <a:shade val="20000"/>
-                <a:satMod val="255000"/>
-              </a:schemeClr>
-            </a:gs>
-          </a:gsLst>
-          <a:path path="circle">
-            <a:fillToRect l="50000" t="-80000" r="50000" b="180000"/>
-          </a:path>
-        </a:gradFill>
-        <a:gradFill rotWithShape="1">
-          <a:gsLst>
-            <a:gs pos="0">
-              <a:schemeClr val="phClr">
-                <a:tint val="80000"/>
-                <a:satMod val="300000"/>
-              </a:schemeClr>
-            </a:gs>
-            <a:gs pos="100000">
-              <a:schemeClr val="phClr">
-                <a:shade val="30000"/>
-                <a:satMod val="200000"/>
-              </a:schemeClr>
-            </a:gs>
-          </a:gsLst>
-          <a:path path="circle">
-            <a:fillToRect l="50000" t="50000" r="50000" b="50000"/>
-          </a:path>
-        </a:gradFill>
-      </a:bgFillStyleLst>
-    </a:fmtScheme>
-  </a:themeElements>
-  <a:extLst>
-    <a:ext uri="{05A4C25C-085E-4340-85A3-A5531E510DB2}">
-      <thm15:themeFamily xmlns:thm15="http://schemas.microsoft.com/office/thememl/2012/main" name="Office Theme" id="{62F939B6-93AF-4DB8-9C6B-D6C7DFDC589F}" vid="{4A3C46E8-61CC-4603-A589-7422A47A8E4A}"/>
-    </a:ext>
-  </a:extLst>
-</a:theme>
 </file>